--- a/images/aws_migration_hub_refactor_spaces_basic.pptx
+++ b/images/aws_migration_hub_refactor_spaces_basic.pptx
@@ -5,7 +5,7 @@
     <p:sldMasterId id="2147483648" r:id="rId1"/>
   </p:sldMasterIdLst>
   <p:sldIdLst>
-    <p:sldId id="276" r:id="rId2"/>
+    <p:sldId id="277" r:id="rId2"/>
   </p:sldIdLst>
   <p:sldSz cx="12192000" cy="6858000"/>
   <p:notesSz cx="6858000" cy="9144000"/>
@@ -104,6 +104,11 @@
       </a:defRPr>
     </a:lvl9pPr>
   </p:defaultTextStyle>
+  <p:extLst>
+    <p:ext uri="{EFAFB233-063F-42B5-8137-9DF3F51BA10A}">
+      <p15:sldGuideLst xmlns:p15="http://schemas.microsoft.com/office/powerpoint/2012/main"/>
+    </p:ext>
+  </p:extLst>
 </p:presentation>
 </file>
 
@@ -256,7 +261,7 @@
           <a:p>
             <a:fld id="{8F0A3F37-DB1D-4DCE-B8D9-AFF008F54D13}" type="datetimeFigureOut">
               <a:rPr lang="en-AU" smtClean="0"/>
-              <a:t>19/04/2023</a:t>
+              <a:t>5/06/2023</a:t>
             </a:fld>
             <a:endParaRPr lang="en-AU"/>
           </a:p>
@@ -456,7 +461,7 @@
           <a:p>
             <a:fld id="{8F0A3F37-DB1D-4DCE-B8D9-AFF008F54D13}" type="datetimeFigureOut">
               <a:rPr lang="en-AU" smtClean="0"/>
-              <a:t>19/04/2023</a:t>
+              <a:t>5/06/2023</a:t>
             </a:fld>
             <a:endParaRPr lang="en-AU"/>
           </a:p>
@@ -666,7 +671,7 @@
           <a:p>
             <a:fld id="{8F0A3F37-DB1D-4DCE-B8D9-AFF008F54D13}" type="datetimeFigureOut">
               <a:rPr lang="en-AU" smtClean="0"/>
-              <a:t>19/04/2023</a:t>
+              <a:t>5/06/2023</a:t>
             </a:fld>
             <a:endParaRPr lang="en-AU"/>
           </a:p>
@@ -866,7 +871,7 @@
           <a:p>
             <a:fld id="{8F0A3F37-DB1D-4DCE-B8D9-AFF008F54D13}" type="datetimeFigureOut">
               <a:rPr lang="en-AU" smtClean="0"/>
-              <a:t>19/04/2023</a:t>
+              <a:t>5/06/2023</a:t>
             </a:fld>
             <a:endParaRPr lang="en-AU"/>
           </a:p>
@@ -1142,7 +1147,7 @@
           <a:p>
             <a:fld id="{8F0A3F37-DB1D-4DCE-B8D9-AFF008F54D13}" type="datetimeFigureOut">
               <a:rPr lang="en-AU" smtClean="0"/>
-              <a:t>19/04/2023</a:t>
+              <a:t>5/06/2023</a:t>
             </a:fld>
             <a:endParaRPr lang="en-AU"/>
           </a:p>
@@ -1410,7 +1415,7 @@
           <a:p>
             <a:fld id="{8F0A3F37-DB1D-4DCE-B8D9-AFF008F54D13}" type="datetimeFigureOut">
               <a:rPr lang="en-AU" smtClean="0"/>
-              <a:t>19/04/2023</a:t>
+              <a:t>5/06/2023</a:t>
             </a:fld>
             <a:endParaRPr lang="en-AU"/>
           </a:p>
@@ -1825,7 +1830,7 @@
           <a:p>
             <a:fld id="{8F0A3F37-DB1D-4DCE-B8D9-AFF008F54D13}" type="datetimeFigureOut">
               <a:rPr lang="en-AU" smtClean="0"/>
-              <a:t>19/04/2023</a:t>
+              <a:t>5/06/2023</a:t>
             </a:fld>
             <a:endParaRPr lang="en-AU"/>
           </a:p>
@@ -1967,7 +1972,7 @@
           <a:p>
             <a:fld id="{8F0A3F37-DB1D-4DCE-B8D9-AFF008F54D13}" type="datetimeFigureOut">
               <a:rPr lang="en-AU" smtClean="0"/>
-              <a:t>19/04/2023</a:t>
+              <a:t>5/06/2023</a:t>
             </a:fld>
             <a:endParaRPr lang="en-AU"/>
           </a:p>
@@ -2080,7 +2085,7 @@
           <a:p>
             <a:fld id="{8F0A3F37-DB1D-4DCE-B8D9-AFF008F54D13}" type="datetimeFigureOut">
               <a:rPr lang="en-AU" smtClean="0"/>
-              <a:t>19/04/2023</a:t>
+              <a:t>5/06/2023</a:t>
             </a:fld>
             <a:endParaRPr lang="en-AU"/>
           </a:p>
@@ -2393,7 +2398,7 @@
           <a:p>
             <a:fld id="{8F0A3F37-DB1D-4DCE-B8D9-AFF008F54D13}" type="datetimeFigureOut">
               <a:rPr lang="en-AU" smtClean="0"/>
-              <a:t>19/04/2023</a:t>
+              <a:t>5/06/2023</a:t>
             </a:fld>
             <a:endParaRPr lang="en-AU"/>
           </a:p>
@@ -2682,7 +2687,7 @@
           <a:p>
             <a:fld id="{8F0A3F37-DB1D-4DCE-B8D9-AFF008F54D13}" type="datetimeFigureOut">
               <a:rPr lang="en-AU" smtClean="0"/>
-              <a:t>19/04/2023</a:t>
+              <a:t>5/06/2023</a:t>
             </a:fld>
             <a:endParaRPr lang="en-AU"/>
           </a:p>
@@ -2925,7 +2930,7 @@
           <a:p>
             <a:fld id="{8F0A3F37-DB1D-4DCE-B8D9-AFF008F54D13}" type="datetimeFigureOut">
               <a:rPr lang="en-AU" smtClean="0"/>
-              <a:t>19/04/2023</a:t>
+              <a:t>5/06/2023</a:t>
             </a:fld>
             <a:endParaRPr lang="en-AU"/>
           </a:p>
@@ -3344,10 +3349,10 @@
       </p:grpSpPr>
       <p:sp>
         <p:nvSpPr>
-          <p:cNvPr id="178" name="Rectangle 177">
-            <a:extLst>
-              <a:ext uri="{FF2B5EF4-FFF2-40B4-BE49-F238E27FC236}">
-                <a16:creationId xmlns:a16="http://schemas.microsoft.com/office/drawing/2014/main" id="{ABB0B8AB-FCAB-41D5-A898-31E3481DCEC9}"/>
+          <p:cNvPr id="3" name="Rectangle 2">
+            <a:extLst>
+              <a:ext uri="{FF2B5EF4-FFF2-40B4-BE49-F238E27FC236}">
+                <a16:creationId xmlns:a16="http://schemas.microsoft.com/office/drawing/2014/main" id="{C329C29F-B2E1-403F-90A7-2CC6B38C8A76}"/>
               </a:ext>
             </a:extLst>
           </p:cNvPr>
@@ -3356,20 +3361,17 @@
         </p:nvSpPr>
         <p:spPr>
           <a:xfrm>
-            <a:off x="2480487" y="2780771"/>
-            <a:ext cx="3837747" cy="3301713"/>
+            <a:off x="1441639" y="114348"/>
+            <a:ext cx="10473551" cy="6622802"/>
           </a:xfrm>
           <a:prstGeom prst="rect">
             <a:avLst/>
           </a:prstGeom>
-          <a:solidFill>
-            <a:srgbClr val="5A6B86">
-              <a:alpha val="9804"/>
-            </a:srgbClr>
-          </a:solidFill>
-          <a:ln w="12700">
-            <a:noFill/>
-            <a:prstDash val="dash"/>
+          <a:noFill/>
+          <a:ln w="15875">
+            <a:solidFill>
+              <a:schemeClr val="tx1"/>
+            </a:solidFill>
           </a:ln>
         </p:spPr>
         <p:style>
@@ -3389,7 +3391,7 @@
           </a:fontRef>
         </p:style>
         <p:txBody>
-          <a:bodyPr lIns="432000" tIns="91440"/>
+          <a:bodyPr lIns="502920" tIns="91440"/>
           <a:lstStyle/>
           <a:p>
             <a:pPr eaLnBrk="1" fontAlgn="auto" hangingPunct="1">
@@ -3402,46 +3404,79 @@
               <a:defRPr/>
             </a:pPr>
             <a:r>
-              <a:rPr lang="en-US" sz="900" dirty="0">
+              <a:rPr lang="en-US" sz="1050">
                 <a:solidFill>
                   <a:schemeClr val="tx1"/>
                 </a:solidFill>
                 <a:latin typeface="Arial" panose="020B0604020202020204" pitchFamily="34" charset="0"/>
                 <a:cs typeface="Arial" panose="020B0604020202020204" pitchFamily="34" charset="0"/>
               </a:rPr>
-              <a:t>Refactor Spaces Environment : Unicorn-Dev</a:t>
-            </a:r>
-          </a:p>
-        </p:txBody>
-      </p:sp>
-      <p:sp>
-        <p:nvSpPr>
-          <p:cNvPr id="193" name="Rectangle 192">
-            <a:extLst>
-              <a:ext uri="{FF2B5EF4-FFF2-40B4-BE49-F238E27FC236}">
-                <a16:creationId xmlns:a16="http://schemas.microsoft.com/office/drawing/2014/main" id="{EE6CEBDD-30FE-4E6F-950B-C293C5E20EE8}"/>
-              </a:ext>
-            </a:extLst>
-          </p:cNvPr>
-          <p:cNvSpPr/>
+              <a:t>AWS Cloud</a:t>
+            </a:r>
+          </a:p>
+        </p:txBody>
+      </p:sp>
+      <p:pic>
+        <p:nvPicPr>
+          <p:cNvPr id="4" name="Graphic 3">
+            <a:extLst>
+              <a:ext uri="{FF2B5EF4-FFF2-40B4-BE49-F238E27FC236}">
+                <a16:creationId xmlns:a16="http://schemas.microsoft.com/office/drawing/2014/main" id="{EE703E6E-B705-4DA8-A79C-CF9AD89F8528}"/>
+              </a:ext>
+            </a:extLst>
+          </p:cNvPr>
+          <p:cNvPicPr>
+            <a:picLocks noChangeAspect="1"/>
+          </p:cNvPicPr>
           <p:nvPr/>
-        </p:nvSpPr>
+        </p:nvPicPr>
+        <p:blipFill>
+          <a:blip r:embed="rId2">
+            <a:extLst>
+              <a:ext uri="{96DAC541-7B7A-43D3-8B79-37D633B846F1}">
+                <asvg:svgBlip xmlns:asvg="http://schemas.microsoft.com/office/drawing/2016/SVG/main" r:embed="rId3"/>
+              </a:ext>
+            </a:extLst>
+          </a:blip>
+          <a:srcRect/>
+          <a:stretch/>
+        </p:blipFill>
         <p:spPr>
           <a:xfrm>
-            <a:off x="2668435" y="3697372"/>
-            <a:ext cx="3444234" cy="2238809"/>
+            <a:off x="1441640" y="114349"/>
+            <a:ext cx="381000" cy="381000"/>
           </a:xfrm>
           <a:prstGeom prst="rect">
             <a:avLst/>
           </a:prstGeom>
-          <a:solidFill>
-            <a:srgbClr val="5A6B86">
-              <a:alpha val="25000"/>
-            </a:srgbClr>
-          </a:solidFill>
-          <a:ln w="12700">
-            <a:noFill/>
-            <a:prstDash val="dash"/>
+        </p:spPr>
+      </p:pic>
+      <p:sp>
+        <p:nvSpPr>
+          <p:cNvPr id="5" name="Rectangle 4">
+            <a:extLst>
+              <a:ext uri="{FF2B5EF4-FFF2-40B4-BE49-F238E27FC236}">
+                <a16:creationId xmlns:a16="http://schemas.microsoft.com/office/drawing/2014/main" id="{012D812A-8EE3-4264-8046-1711F2938855}"/>
+              </a:ext>
+            </a:extLst>
+          </p:cNvPr>
+          <p:cNvSpPr/>
+          <p:nvPr/>
+        </p:nvSpPr>
+        <p:spPr>
+          <a:xfrm>
+            <a:off x="1846533" y="584131"/>
+            <a:ext cx="9873329" cy="6012611"/>
+          </a:xfrm>
+          <a:prstGeom prst="rect">
+            <a:avLst/>
+          </a:prstGeom>
+          <a:noFill/>
+          <a:ln w="15875">
+            <a:solidFill>
+              <a:srgbClr val="00A4A6"/>
+            </a:solidFill>
+            <a:prstDash val="sysDash"/>
           </a:ln>
         </p:spPr>
         <p:style>
@@ -3461,7 +3496,7 @@
           </a:fontRef>
         </p:style>
         <p:txBody>
-          <a:bodyPr lIns="432000" tIns="91440"/>
+          <a:bodyPr lIns="360000" tIns="91440"/>
           <a:lstStyle/>
           <a:p>
             <a:pPr eaLnBrk="1" fontAlgn="auto" hangingPunct="1">
@@ -3474,41 +3509,59 @@
               <a:defRPr/>
             </a:pPr>
             <a:r>
-              <a:rPr lang="en-US" sz="900" dirty="0">
+              <a:rPr lang="en-US" sz="1050" dirty="0">
                 <a:solidFill>
                   <a:schemeClr val="tx1"/>
                 </a:solidFill>
                 <a:latin typeface="Arial" panose="020B0604020202020204" pitchFamily="34" charset="0"/>
                 <a:cs typeface="Arial" panose="020B0604020202020204" pitchFamily="34" charset="0"/>
               </a:rPr>
-              <a:t>Refactor Spaces Application : </a:t>
-            </a:r>
-            <a:r>
-              <a:rPr lang="en-US" sz="900" dirty="0" err="1">
-                <a:solidFill>
-                  <a:schemeClr val="tx1"/>
-                </a:solidFill>
-                <a:latin typeface="Arial" panose="020B0604020202020204" pitchFamily="34" charset="0"/>
-                <a:cs typeface="Arial" panose="020B0604020202020204" pitchFamily="34" charset="0"/>
-              </a:rPr>
-              <a:t>Unistore</a:t>
-            </a:r>
-            <a:endParaRPr lang="en-US" sz="900" dirty="0">
-              <a:solidFill>
-                <a:schemeClr val="tx1"/>
-              </a:solidFill>
-              <a:latin typeface="Arial" panose="020B0604020202020204" pitchFamily="34" charset="0"/>
-              <a:cs typeface="Arial" panose="020B0604020202020204" pitchFamily="34" charset="0"/>
-            </a:endParaRPr>
-          </a:p>
-        </p:txBody>
-      </p:sp>
-      <p:sp>
-        <p:nvSpPr>
-          <p:cNvPr id="6" name="Rectangle 5">
-            <a:extLst>
-              <a:ext uri="{FF2B5EF4-FFF2-40B4-BE49-F238E27FC236}">
-                <a16:creationId xmlns:a16="http://schemas.microsoft.com/office/drawing/2014/main" id="{8C67B345-31CF-490C-82CB-DB62ADE8D2BD}"/>
+              <a:t>Region</a:t>
+            </a:r>
+          </a:p>
+        </p:txBody>
+      </p:sp>
+      <p:pic>
+        <p:nvPicPr>
+          <p:cNvPr id="6" name="Graphic 5">
+            <a:extLst>
+              <a:ext uri="{FF2B5EF4-FFF2-40B4-BE49-F238E27FC236}">
+                <a16:creationId xmlns:a16="http://schemas.microsoft.com/office/drawing/2014/main" id="{32EC2F29-770F-4E55-8E35-A8C2DDE26D30}"/>
+              </a:ext>
+            </a:extLst>
+          </p:cNvPr>
+          <p:cNvPicPr>
+            <a:picLocks noChangeAspect="1"/>
+          </p:cNvPicPr>
+          <p:nvPr/>
+        </p:nvPicPr>
+        <p:blipFill>
+          <a:blip r:embed="rId4">
+            <a:extLst>
+              <a:ext uri="{96DAC541-7B7A-43D3-8B79-37D633B846F1}">
+                <asvg:svgBlip xmlns:asvg="http://schemas.microsoft.com/office/drawing/2016/SVG/main" r:embed="rId5"/>
+              </a:ext>
+            </a:extLst>
+          </a:blip>
+          <a:srcRect/>
+          <a:stretch/>
+        </p:blipFill>
+        <p:spPr>
+          <a:xfrm>
+            <a:off x="1855136" y="584131"/>
+            <a:ext cx="302873" cy="302873"/>
+          </a:xfrm>
+          <a:prstGeom prst="rect">
+            <a:avLst/>
+          </a:prstGeom>
+        </p:spPr>
+      </p:pic>
+      <p:sp>
+        <p:nvSpPr>
+          <p:cNvPr id="7" name="Rectangle 6">
+            <a:extLst>
+              <a:ext uri="{FF2B5EF4-FFF2-40B4-BE49-F238E27FC236}">
+                <a16:creationId xmlns:a16="http://schemas.microsoft.com/office/drawing/2014/main" id="{414FEDD8-445E-45A9-9C5F-6EFDFC8809F1}"/>
               </a:ext>
             </a:extLst>
           </p:cNvPr>
@@ -3517,17 +3570,18 @@
         </p:nvSpPr>
         <p:spPr>
           <a:xfrm>
-            <a:off x="1715787" y="317500"/>
-            <a:ext cx="9586399" cy="6220350"/>
+            <a:off x="7007026" y="1035897"/>
+            <a:ext cx="1713354" cy="4437581"/>
           </a:xfrm>
           <a:prstGeom prst="rect">
             <a:avLst/>
           </a:prstGeom>
           <a:noFill/>
-          <a:ln w="12700">
+          <a:ln w="15875">
             <a:solidFill>
-              <a:schemeClr val="tx1"/>
+              <a:srgbClr val="00A4A6"/>
             </a:solidFill>
+            <a:prstDash val="dash"/>
           </a:ln>
         </p:spPr>
         <p:style>
@@ -3547,10 +3601,10 @@
           </a:fontRef>
         </p:style>
         <p:txBody>
-          <a:bodyPr lIns="457200" tIns="91440"/>
+          <a:bodyPr tIns="91440"/>
           <a:lstStyle/>
           <a:p>
-            <a:pPr eaLnBrk="1" fontAlgn="auto" hangingPunct="1">
+            <a:pPr algn="ctr" eaLnBrk="1" fontAlgn="auto" hangingPunct="1">
               <a:spcBef>
                 <a:spcPts val="0"/>
               </a:spcBef>
@@ -3560,387 +3614,43 @@
               <a:defRPr/>
             </a:pPr>
             <a:r>
-              <a:rPr lang="en-US" sz="1100" dirty="0">
-                <a:solidFill>
-                  <a:sysClr val="windowText" lastClr="000000"/>
+              <a:rPr lang="en-US" sz="1050" dirty="0">
+                <a:solidFill>
+                  <a:schemeClr val="tx1"/>
                 </a:solidFill>
                 <a:latin typeface="Arial" panose="020B0604020202020204" pitchFamily="34" charset="0"/>
                 <a:cs typeface="Arial" panose="020B0604020202020204" pitchFamily="34" charset="0"/>
               </a:rPr>
-              <a:t>AWS Cloud</a:t>
-            </a:r>
-          </a:p>
-        </p:txBody>
-      </p:sp>
-      <p:pic>
-        <p:nvPicPr>
-          <p:cNvPr id="7" name="Graphic 20">
-            <a:extLst>
-              <a:ext uri="{FF2B5EF4-FFF2-40B4-BE49-F238E27FC236}">
-                <a16:creationId xmlns:a16="http://schemas.microsoft.com/office/drawing/2014/main" id="{E8073C13-92EA-466E-96A7-C30F8FCE943E}"/>
-              </a:ext>
-            </a:extLst>
-          </p:cNvPr>
-          <p:cNvPicPr>
-            <a:picLocks noChangeAspect="1" noChangeArrowheads="1"/>
-          </p:cNvPicPr>
+              <a:t>Availability Zone 1</a:t>
+            </a:r>
+          </a:p>
+        </p:txBody>
+      </p:sp>
+      <p:sp>
+        <p:nvSpPr>
+          <p:cNvPr id="9" name="Rectangle 8">
+            <a:extLst>
+              <a:ext uri="{FF2B5EF4-FFF2-40B4-BE49-F238E27FC236}">
+                <a16:creationId xmlns:a16="http://schemas.microsoft.com/office/drawing/2014/main" id="{284475EF-3348-40D6-A1AC-7C55C68D053F}"/>
+              </a:ext>
+            </a:extLst>
+          </p:cNvPr>
+          <p:cNvSpPr/>
           <p:nvPr/>
-        </p:nvPicPr>
-        <p:blipFill>
-          <a:blip r:embed="rId2">
-            <a:extLst>
-              <a:ext uri="{28A0092B-C50C-407E-A947-70E740481C1C}">
-                <a14:useLocalDpi xmlns:a14="http://schemas.microsoft.com/office/drawing/2010/main" val="0"/>
-              </a:ext>
-            </a:extLst>
-          </a:blip>
-          <a:srcRect/>
-          <a:stretch>
-            <a:fillRect/>
-          </a:stretch>
-        </p:blipFill>
-        <p:spPr bwMode="auto">
+        </p:nvSpPr>
+        <p:spPr>
           <a:xfrm>
-            <a:off x="1715787" y="317500"/>
-            <a:ext cx="330200" cy="330200"/>
+            <a:off x="6642380" y="1392190"/>
+            <a:ext cx="4868100" cy="1550637"/>
           </a:xfrm>
           <a:prstGeom prst="rect">
             <a:avLst/>
           </a:prstGeom>
           <a:noFill/>
-          <a:ln>
-            <a:noFill/>
-          </a:ln>
-          <a:extLst>
-            <a:ext uri="{909E8E84-426E-40DD-AFC4-6F175D3DCCD1}">
-              <a14:hiddenFill xmlns:a14="http://schemas.microsoft.com/office/drawing/2010/main">
-                <a:solidFill>
-                  <a:srgbClr val="FFFFFF"/>
-                </a:solidFill>
-              </a14:hiddenFill>
-            </a:ext>
-            <a:ext uri="{91240B29-F687-4F45-9708-019B960494DF}">
-              <a14:hiddenLine xmlns:a14="http://schemas.microsoft.com/office/drawing/2010/main" w="9525">
-                <a:solidFill>
-                  <a:srgbClr val="000000"/>
-                </a:solidFill>
-                <a:miter lim="800000"/>
-                <a:headEnd/>
-                <a:tailEnd/>
-              </a14:hiddenLine>
-            </a:ext>
-          </a:extLst>
-        </p:spPr>
-      </p:pic>
-      <p:pic>
-        <p:nvPicPr>
-          <p:cNvPr id="327" name="Graphic 7">
-            <a:extLst>
-              <a:ext uri="{FF2B5EF4-FFF2-40B4-BE49-F238E27FC236}">
-                <a16:creationId xmlns:a16="http://schemas.microsoft.com/office/drawing/2014/main" id="{A5E721E5-8BDB-46C7-9310-166744980173}"/>
-              </a:ext>
-            </a:extLst>
-          </p:cNvPr>
-          <p:cNvPicPr>
-            <a:picLocks noChangeAspect="1" noChangeArrowheads="1"/>
-          </p:cNvPicPr>
-          <p:nvPr/>
-        </p:nvPicPr>
-        <p:blipFill>
-          <a:blip r:embed="rId3">
-            <a:extLst>
-              <a:ext uri="{28A0092B-C50C-407E-A947-70E740481C1C}">
-                <a14:useLocalDpi xmlns:a14="http://schemas.microsoft.com/office/drawing/2010/main" val="0"/>
-              </a:ext>
-            </a:extLst>
-          </a:blip>
-          <a:srcRect/>
-          <a:stretch>
-            <a:fillRect/>
-          </a:stretch>
-        </p:blipFill>
-        <p:spPr bwMode="auto">
-          <a:xfrm>
-            <a:off x="8780140" y="5627294"/>
-            <a:ext cx="308888" cy="308888"/>
-          </a:xfrm>
-          <a:prstGeom prst="rect">
-            <a:avLst/>
-          </a:prstGeom>
-          <a:noFill/>
-          <a:ln>
-            <a:noFill/>
-          </a:ln>
-          <a:extLst>
-            <a:ext uri="{909E8E84-426E-40DD-AFC4-6F175D3DCCD1}">
-              <a14:hiddenFill xmlns:a14="http://schemas.microsoft.com/office/drawing/2010/main">
-                <a:solidFill>
-                  <a:srgbClr val="FFFFFF"/>
-                </a:solidFill>
-              </a14:hiddenFill>
-            </a:ext>
-            <a:ext uri="{91240B29-F687-4F45-9708-019B960494DF}">
-              <a14:hiddenLine xmlns:a14="http://schemas.microsoft.com/office/drawing/2010/main" w="9525">
-                <a:solidFill>
-                  <a:srgbClr val="000000"/>
-                </a:solidFill>
-                <a:miter lim="800000"/>
-                <a:headEnd/>
-                <a:tailEnd/>
-              </a14:hiddenLine>
-            </a:ext>
-          </a:extLst>
-        </p:spPr>
-      </p:pic>
-      <p:sp>
-        <p:nvSpPr>
-          <p:cNvPr id="328" name="TextBox 11">
-            <a:extLst>
-              <a:ext uri="{FF2B5EF4-FFF2-40B4-BE49-F238E27FC236}">
-                <a16:creationId xmlns:a16="http://schemas.microsoft.com/office/drawing/2014/main" id="{8D6E9718-FA82-4BE7-A202-CF48F9EC34B2}"/>
-              </a:ext>
-            </a:extLst>
-          </p:cNvPr>
-          <p:cNvSpPr txBox="1">
-            <a:spLocks noChangeArrowheads="1"/>
-          </p:cNvSpPr>
-          <p:nvPr/>
-        </p:nvSpPr>
-        <p:spPr bwMode="auto">
-          <a:xfrm>
-            <a:off x="8181315" y="5936182"/>
-            <a:ext cx="1506537" cy="338554"/>
-          </a:xfrm>
-          <a:prstGeom prst="rect">
-            <a:avLst/>
-          </a:prstGeom>
-          <a:noFill/>
-          <a:ln>
-            <a:noFill/>
-          </a:ln>
-          <a:extLst>
-            <a:ext uri="{909E8E84-426E-40DD-AFC4-6F175D3DCCD1}">
-              <a14:hiddenFill xmlns:a14="http://schemas.microsoft.com/office/drawing/2010/main">
-                <a:solidFill>
-                  <a:srgbClr val="FFFFFF"/>
-                </a:solidFill>
-              </a14:hiddenFill>
-            </a:ext>
-            <a:ext uri="{91240B29-F687-4F45-9708-019B960494DF}">
-              <a14:hiddenLine xmlns:a14="http://schemas.microsoft.com/office/drawing/2010/main" w="9525">
-                <a:solidFill>
-                  <a:srgbClr val="000000"/>
-                </a:solidFill>
-                <a:miter lim="800000"/>
-                <a:headEnd/>
-                <a:tailEnd/>
-              </a14:hiddenLine>
-            </a:ext>
-          </a:extLst>
-        </p:spPr>
-        <p:txBody>
-          <a:bodyPr>
-            <a:spAutoFit/>
-          </a:bodyPr>
-          <a:lstStyle>
-            <a:lvl1pPr>
-              <a:defRPr>
-                <a:solidFill>
-                  <a:schemeClr val="tx1"/>
-                </a:solidFill>
-                <a:latin typeface="Calibri" panose="020F0502020204030204" pitchFamily="34" charset="0"/>
-              </a:defRPr>
-            </a:lvl1pPr>
-            <a:lvl2pPr marL="742950" indent="-285750">
-              <a:defRPr>
-                <a:solidFill>
-                  <a:schemeClr val="tx1"/>
-                </a:solidFill>
-                <a:latin typeface="Calibri" panose="020F0502020204030204" pitchFamily="34" charset="0"/>
-              </a:defRPr>
-            </a:lvl2pPr>
-            <a:lvl3pPr marL="1143000" indent="-228600">
-              <a:defRPr>
-                <a:solidFill>
-                  <a:schemeClr val="tx1"/>
-                </a:solidFill>
-                <a:latin typeface="Calibri" panose="020F0502020204030204" pitchFamily="34" charset="0"/>
-              </a:defRPr>
-            </a:lvl3pPr>
-            <a:lvl4pPr marL="1600200" indent="-228600">
-              <a:defRPr>
-                <a:solidFill>
-                  <a:schemeClr val="tx1"/>
-                </a:solidFill>
-                <a:latin typeface="Calibri" panose="020F0502020204030204" pitchFamily="34" charset="0"/>
-              </a:defRPr>
-            </a:lvl4pPr>
-            <a:lvl5pPr marL="2057400" indent="-228600">
-              <a:defRPr>
-                <a:solidFill>
-                  <a:schemeClr val="tx1"/>
-                </a:solidFill>
-                <a:latin typeface="Calibri" panose="020F0502020204030204" pitchFamily="34" charset="0"/>
-              </a:defRPr>
-            </a:lvl5pPr>
-            <a:lvl6pPr marL="2514600" indent="-228600" eaLnBrk="0" fontAlgn="base" hangingPunct="0">
-              <a:spcBef>
-                <a:spcPct val="0"/>
-              </a:spcBef>
-              <a:spcAft>
-                <a:spcPct val="0"/>
-              </a:spcAft>
-              <a:defRPr>
-                <a:solidFill>
-                  <a:schemeClr val="tx1"/>
-                </a:solidFill>
-                <a:latin typeface="Calibri" panose="020F0502020204030204" pitchFamily="34" charset="0"/>
-              </a:defRPr>
-            </a:lvl6pPr>
-            <a:lvl7pPr marL="2971800" indent="-228600" eaLnBrk="0" fontAlgn="base" hangingPunct="0">
-              <a:spcBef>
-                <a:spcPct val="0"/>
-              </a:spcBef>
-              <a:spcAft>
-                <a:spcPct val="0"/>
-              </a:spcAft>
-              <a:defRPr>
-                <a:solidFill>
-                  <a:schemeClr val="tx1"/>
-                </a:solidFill>
-                <a:latin typeface="Calibri" panose="020F0502020204030204" pitchFamily="34" charset="0"/>
-              </a:defRPr>
-            </a:lvl7pPr>
-            <a:lvl8pPr marL="3429000" indent="-228600" eaLnBrk="0" fontAlgn="base" hangingPunct="0">
-              <a:spcBef>
-                <a:spcPct val="0"/>
-              </a:spcBef>
-              <a:spcAft>
-                <a:spcPct val="0"/>
-              </a:spcAft>
-              <a:defRPr>
-                <a:solidFill>
-                  <a:schemeClr val="tx1"/>
-                </a:solidFill>
-                <a:latin typeface="Calibri" panose="020F0502020204030204" pitchFamily="34" charset="0"/>
-              </a:defRPr>
-            </a:lvl8pPr>
-            <a:lvl9pPr marL="3886200" indent="-228600" eaLnBrk="0" fontAlgn="base" hangingPunct="0">
-              <a:spcBef>
-                <a:spcPct val="0"/>
-              </a:spcBef>
-              <a:spcAft>
-                <a:spcPct val="0"/>
-              </a:spcAft>
-              <a:defRPr>
-                <a:solidFill>
-                  <a:schemeClr val="tx1"/>
-                </a:solidFill>
-                <a:latin typeface="Calibri" panose="020F0502020204030204" pitchFamily="34" charset="0"/>
-              </a:defRPr>
-            </a:lvl9pPr>
-          </a:lstStyle>
-          <a:p>
-            <a:pPr algn="ctr"/>
-            <a:r>
-              <a:rPr lang="en-US" altLang="en-US" sz="800" dirty="0">
-                <a:latin typeface="Arial" panose="020B0604020202020204" pitchFamily="34" charset="0"/>
-                <a:cs typeface="Arial" panose="020B0604020202020204" pitchFamily="34" charset="0"/>
-              </a:rPr>
-              <a:t>AWS Lambda </a:t>
-            </a:r>
-          </a:p>
-          <a:p>
-            <a:pPr algn="ctr" eaLnBrk="1" hangingPunct="1"/>
-            <a:r>
-              <a:rPr lang="en-US" altLang="en-US" sz="800" dirty="0" err="1">
-                <a:latin typeface="Arial" panose="020B0604020202020204" pitchFamily="34" charset="0"/>
-                <a:cs typeface="Arial" panose="020B0604020202020204" pitchFamily="34" charset="0"/>
-              </a:rPr>
-              <a:t>AddToCart</a:t>
-            </a:r>
-            <a:r>
-              <a:rPr lang="en-US" altLang="en-US" sz="800" dirty="0">
-                <a:latin typeface="Arial" panose="020B0604020202020204" pitchFamily="34" charset="0"/>
-                <a:cs typeface="Arial" panose="020B0604020202020204" pitchFamily="34" charset="0"/>
-              </a:rPr>
-              <a:t> Microservice</a:t>
-            </a:r>
-          </a:p>
-        </p:txBody>
-      </p:sp>
-      <p:cxnSp>
-        <p:nvCxnSpPr>
-          <p:cNvPr id="345" name="Connector: Elbow 344">
-            <a:extLst>
-              <a:ext uri="{FF2B5EF4-FFF2-40B4-BE49-F238E27FC236}">
-                <a16:creationId xmlns:a16="http://schemas.microsoft.com/office/drawing/2014/main" id="{AC4949D7-F9A6-4478-A6CF-6C35AC7264C1}"/>
-              </a:ext>
-            </a:extLst>
-          </p:cNvPr>
-          <p:cNvCxnSpPr>
-            <a:cxnSpLocks/>
-            <a:stCxn id="187" idx="2"/>
-            <a:endCxn id="327" idx="1"/>
-          </p:cNvCxnSpPr>
-          <p:nvPr/>
-        </p:nvCxnSpPr>
-        <p:spPr>
-          <a:xfrm rot="16200000" flipH="1">
-            <a:off x="6280667" y="3282264"/>
-            <a:ext cx="233539" cy="4765407"/>
-          </a:xfrm>
-          <a:prstGeom prst="bentConnector2">
-            <a:avLst/>
-          </a:prstGeom>
-          <a:ln w="19050">
+          <a:ln w="15875">
             <a:solidFill>
-              <a:schemeClr val="accent3"/>
+              <a:srgbClr val="8C4FFF"/>
             </a:solidFill>
-            <a:tailEnd type="triangle"/>
-          </a:ln>
-        </p:spPr>
-        <p:style>
-          <a:lnRef idx="1">
-            <a:schemeClr val="accent1"/>
-          </a:lnRef>
-          <a:fillRef idx="0">
-            <a:schemeClr val="accent1"/>
-          </a:fillRef>
-          <a:effectRef idx="0">
-            <a:schemeClr val="accent1"/>
-          </a:effectRef>
-          <a:fontRef idx="minor">
-            <a:schemeClr val="tx1"/>
-          </a:fontRef>
-        </p:style>
-      </p:cxnSp>
-      <p:sp>
-        <p:nvSpPr>
-          <p:cNvPr id="385" name="Rectangle 384">
-            <a:extLst>
-              <a:ext uri="{FF2B5EF4-FFF2-40B4-BE49-F238E27FC236}">
-                <a16:creationId xmlns:a16="http://schemas.microsoft.com/office/drawing/2014/main" id="{335AF040-37B4-4A28-8A56-3C8C5357BF4D}"/>
-              </a:ext>
-            </a:extLst>
-          </p:cNvPr>
-          <p:cNvSpPr/>
-          <p:nvPr/>
-        </p:nvSpPr>
-        <p:spPr>
-          <a:xfrm>
-            <a:off x="2007255" y="672154"/>
-            <a:ext cx="9143345" cy="5712603"/>
-          </a:xfrm>
-          <a:prstGeom prst="rect">
-            <a:avLst/>
-          </a:prstGeom>
-          <a:noFill/>
-          <a:ln w="12700">
-            <a:solidFill>
-              <a:srgbClr val="5B9CD5"/>
-            </a:solidFill>
-            <a:prstDash val="sysDash"/>
           </a:ln>
         </p:spPr>
         <p:style>
@@ -3960,7 +3670,7 @@
           </a:fontRef>
         </p:style>
         <p:txBody>
-          <a:bodyPr lIns="288000" tIns="54000"/>
+          <a:bodyPr lIns="396000" tIns="91440"/>
           <a:lstStyle/>
           <a:p>
             <a:pPr eaLnBrk="1" fontAlgn="auto" hangingPunct="1">
@@ -3973,24 +3683,25 @@
               <a:defRPr/>
             </a:pPr>
             <a:r>
-              <a:rPr lang="en-US" sz="900" dirty="0">
-                <a:solidFill>
-                  <a:srgbClr val="5B9CD5"/>
+              <a:rPr lang="en-US" sz="1050" dirty="0">
+                <a:ln w="0"/>
+                <a:solidFill>
+                  <a:schemeClr val="tx1"/>
                 </a:solidFill>
                 <a:latin typeface="Arial" panose="020B0604020202020204" pitchFamily="34" charset="0"/>
                 <a:cs typeface="Arial" panose="020B0604020202020204" pitchFamily="34" charset="0"/>
               </a:rPr>
-              <a:t>Region</a:t>
+              <a:t>Virtual private cloud (VPC)</a:t>
             </a:r>
           </a:p>
         </p:txBody>
       </p:sp>
       <p:pic>
         <p:nvPicPr>
-          <p:cNvPr id="386" name="Graphic 385">
-            <a:extLst>
-              <a:ext uri="{FF2B5EF4-FFF2-40B4-BE49-F238E27FC236}">
-                <a16:creationId xmlns:a16="http://schemas.microsoft.com/office/drawing/2014/main" id="{4D4F6228-1F9B-4CBA-BAE2-4C7BA3C4FCFD}"/>
+          <p:cNvPr id="10" name="Graphic 9">
+            <a:extLst>
+              <a:ext uri="{FF2B5EF4-FFF2-40B4-BE49-F238E27FC236}">
+                <a16:creationId xmlns:a16="http://schemas.microsoft.com/office/drawing/2014/main" id="{86BAF5A1-3660-4654-B1BA-4C0B64705098}"/>
               </a:ext>
             </a:extLst>
           </p:cNvPr>
@@ -4000,33 +3711,242 @@
           <p:nvPr/>
         </p:nvPicPr>
         <p:blipFill>
-          <a:blip r:embed="rId4">
+          <a:blip r:embed="rId6">
             <a:extLst>
               <a:ext uri="{96DAC541-7B7A-43D3-8B79-37D633B846F1}">
-                <asvg:svgBlip xmlns:asvg="http://schemas.microsoft.com/office/drawing/2016/SVG/main" r:embed="rId5"/>
+                <asvg:svgBlip xmlns:asvg="http://schemas.microsoft.com/office/drawing/2016/SVG/main" r:embed="rId7"/>
               </a:ext>
             </a:extLst>
           </a:blip>
-          <a:stretch>
-            <a:fillRect/>
-          </a:stretch>
+          <a:srcRect/>
+          <a:stretch/>
         </p:blipFill>
         <p:spPr>
           <a:xfrm>
-            <a:off x="2010584" y="683807"/>
-            <a:ext cx="239283" cy="239283"/>
+            <a:off x="6642380" y="1392189"/>
+            <a:ext cx="268492" cy="268492"/>
           </a:xfrm>
           <a:prstGeom prst="rect">
             <a:avLst/>
           </a:prstGeom>
         </p:spPr>
       </p:pic>
+      <p:sp>
+        <p:nvSpPr>
+          <p:cNvPr id="13" name="Rectangle 12">
+            <a:extLst>
+              <a:ext uri="{FF2B5EF4-FFF2-40B4-BE49-F238E27FC236}">
+                <a16:creationId xmlns:a16="http://schemas.microsoft.com/office/drawing/2014/main" id="{94D675BE-C498-431B-ABFE-B2C915C836B4}"/>
+              </a:ext>
+            </a:extLst>
+          </p:cNvPr>
+          <p:cNvSpPr/>
+          <p:nvPr/>
+        </p:nvSpPr>
+        <p:spPr>
+          <a:xfrm>
+            <a:off x="7135414" y="1816706"/>
+            <a:ext cx="1478611" cy="927895"/>
+          </a:xfrm>
+          <a:prstGeom prst="rect">
+            <a:avLst/>
+          </a:prstGeom>
+          <a:noFill/>
+          <a:ln w="15875">
+            <a:solidFill>
+              <a:srgbClr val="00A4A6"/>
+            </a:solidFill>
+            <a:prstDash val="solid"/>
+          </a:ln>
+        </p:spPr>
+        <p:style>
+          <a:lnRef idx="2">
+            <a:schemeClr val="accent1">
+              <a:shade val="50000"/>
+            </a:schemeClr>
+          </a:lnRef>
+          <a:fillRef idx="1">
+            <a:schemeClr val="accent1"/>
+          </a:fillRef>
+          <a:effectRef idx="0">
+            <a:schemeClr val="accent1"/>
+          </a:effectRef>
+          <a:fontRef idx="minor">
+            <a:schemeClr val="lt1"/>
+          </a:fontRef>
+        </p:style>
+        <p:txBody>
+          <a:bodyPr lIns="324000" tIns="72000" bIns="45720"/>
+          <a:lstStyle/>
+          <a:p>
+            <a:pPr eaLnBrk="1" fontAlgn="auto" hangingPunct="1">
+              <a:spcBef>
+                <a:spcPts val="0"/>
+              </a:spcBef>
+              <a:spcAft>
+                <a:spcPts val="0"/>
+              </a:spcAft>
+              <a:defRPr/>
+            </a:pPr>
+            <a:r>
+              <a:rPr lang="en-US" sz="1050" dirty="0">
+                <a:solidFill>
+                  <a:schemeClr val="tx1"/>
+                </a:solidFill>
+                <a:latin typeface="Arial" panose="020B0604020202020204" pitchFamily="34" charset="0"/>
+                <a:cs typeface="Arial" panose="020B0604020202020204" pitchFamily="34" charset="0"/>
+              </a:rPr>
+              <a:t>Private subnet</a:t>
+            </a:r>
+          </a:p>
+        </p:txBody>
+      </p:sp>
       <p:pic>
         <p:nvPicPr>
-          <p:cNvPr id="393" name="Graphic 23">
-            <a:extLst>
-              <a:ext uri="{FF2B5EF4-FFF2-40B4-BE49-F238E27FC236}">
-                <a16:creationId xmlns:a16="http://schemas.microsoft.com/office/drawing/2014/main" id="{25A94A53-8115-48B7-8771-46522368B027}"/>
+          <p:cNvPr id="14" name="Graphic 13">
+            <a:extLst>
+              <a:ext uri="{FF2B5EF4-FFF2-40B4-BE49-F238E27FC236}">
+                <a16:creationId xmlns:a16="http://schemas.microsoft.com/office/drawing/2014/main" id="{492FF346-12CB-46A5-9441-ABB25AD92D75}"/>
+              </a:ext>
+            </a:extLst>
+          </p:cNvPr>
+          <p:cNvPicPr>
+            <a:picLocks noChangeAspect="1"/>
+          </p:cNvPicPr>
+          <p:nvPr/>
+        </p:nvPicPr>
+        <p:blipFill>
+          <a:blip r:embed="rId8">
+            <a:extLst>
+              <a:ext uri="{96DAC541-7B7A-43D3-8B79-37D633B846F1}">
+                <asvg:svgBlip xmlns:asvg="http://schemas.microsoft.com/office/drawing/2016/SVG/main" r:embed="rId9"/>
+              </a:ext>
+            </a:extLst>
+          </a:blip>
+          <a:srcRect/>
+          <a:stretch/>
+        </p:blipFill>
+        <p:spPr>
+          <a:xfrm>
+            <a:off x="7135414" y="1816707"/>
+            <a:ext cx="270071" cy="270071"/>
+          </a:xfrm>
+          <a:prstGeom prst="rect">
+            <a:avLst/>
+          </a:prstGeom>
+        </p:spPr>
+      </p:pic>
+      <p:sp>
+        <p:nvSpPr>
+          <p:cNvPr id="17" name="Rectangle 16">
+            <a:extLst>
+              <a:ext uri="{FF2B5EF4-FFF2-40B4-BE49-F238E27FC236}">
+                <a16:creationId xmlns:a16="http://schemas.microsoft.com/office/drawing/2014/main" id="{A64AC845-3577-4422-A1AC-C957213D936B}"/>
+              </a:ext>
+            </a:extLst>
+          </p:cNvPr>
+          <p:cNvSpPr/>
+          <p:nvPr/>
+        </p:nvSpPr>
+        <p:spPr>
+          <a:xfrm>
+            <a:off x="2512645" y="2151676"/>
+            <a:ext cx="3433136" cy="4039457"/>
+          </a:xfrm>
+          <a:prstGeom prst="rect">
+            <a:avLst/>
+          </a:prstGeom>
+          <a:noFill/>
+          <a:ln w="15875">
+            <a:solidFill>
+              <a:srgbClr val="01A88D"/>
+            </a:solidFill>
+          </a:ln>
+        </p:spPr>
+        <p:style>
+          <a:lnRef idx="2">
+            <a:schemeClr val="accent1">
+              <a:shade val="50000"/>
+            </a:schemeClr>
+          </a:lnRef>
+          <a:fillRef idx="1">
+            <a:schemeClr val="accent1"/>
+          </a:fillRef>
+          <a:effectRef idx="0">
+            <a:schemeClr val="accent1"/>
+          </a:effectRef>
+          <a:fontRef idx="minor">
+            <a:schemeClr val="lt1"/>
+          </a:fontRef>
+        </p:style>
+        <p:txBody>
+          <a:bodyPr lIns="502920" tIns="91440"/>
+          <a:lstStyle/>
+          <a:p>
+            <a:pPr eaLnBrk="1" fontAlgn="auto" hangingPunct="1">
+              <a:spcBef>
+                <a:spcPts val="0"/>
+              </a:spcBef>
+              <a:spcAft>
+                <a:spcPts val="0"/>
+              </a:spcAft>
+              <a:defRPr/>
+            </a:pPr>
+            <a:r>
+              <a:rPr lang="en-US" sz="1050" dirty="0">
+                <a:ln w="0"/>
+                <a:solidFill>
+                  <a:schemeClr val="tx1"/>
+                </a:solidFill>
+                <a:latin typeface="Arial" panose="020B0604020202020204" pitchFamily="34" charset="0"/>
+                <a:cs typeface="Arial" panose="020B0604020202020204" pitchFamily="34" charset="0"/>
+              </a:rPr>
+              <a:t>AWS Migration Hub</a:t>
+            </a:r>
+          </a:p>
+        </p:txBody>
+      </p:sp>
+      <p:pic>
+        <p:nvPicPr>
+          <p:cNvPr id="18" name="Graphic 17">
+            <a:extLst>
+              <a:ext uri="{FF2B5EF4-FFF2-40B4-BE49-F238E27FC236}">
+                <a16:creationId xmlns:a16="http://schemas.microsoft.com/office/drawing/2014/main" id="{66F16096-5916-4B41-B948-C6EFA39A04CF}"/>
+              </a:ext>
+            </a:extLst>
+          </p:cNvPr>
+          <p:cNvPicPr>
+            <a:picLocks noChangeAspect="1"/>
+          </p:cNvPicPr>
+          <p:nvPr/>
+        </p:nvPicPr>
+        <p:blipFill>
+          <a:blip r:embed="rId10">
+            <a:extLst>
+              <a:ext uri="{96DAC541-7B7A-43D3-8B79-37D633B846F1}">
+                <asvg:svgBlip xmlns:asvg="http://schemas.microsoft.com/office/drawing/2016/SVG/main" r:embed="rId11"/>
+              </a:ext>
+            </a:extLst>
+          </a:blip>
+          <a:srcRect/>
+          <a:stretch/>
+        </p:blipFill>
+        <p:spPr>
+          <a:xfrm>
+            <a:off x="2512646" y="2150104"/>
+            <a:ext cx="381000" cy="381000"/>
+          </a:xfrm>
+          <a:prstGeom prst="rect">
+            <a:avLst/>
+          </a:prstGeom>
+        </p:spPr>
+      </p:pic>
+      <p:pic>
+        <p:nvPicPr>
+          <p:cNvPr id="19" name="Graphic 7">
+            <a:extLst>
+              <a:ext uri="{FF2B5EF4-FFF2-40B4-BE49-F238E27FC236}">
+                <a16:creationId xmlns:a16="http://schemas.microsoft.com/office/drawing/2014/main" id="{BF7D9EA0-D6C7-44AF-BBE7-7B19FF908185}"/>
               </a:ext>
             </a:extLst>
           </p:cNvPr>
@@ -4036,10 +3956,10 @@
           <p:nvPr/>
         </p:nvPicPr>
         <p:blipFill>
-          <a:blip r:embed="rId6">
+          <a:blip r:embed="rId12">
             <a:extLst>
               <a:ext uri="{96DAC541-7B7A-43D3-8B79-37D633B846F1}">
-                <asvg:svgBlip xmlns:asvg="http://schemas.microsoft.com/office/drawing/2016/SVG/main" r:embed="rId7"/>
+                <asvg:svgBlip xmlns:asvg="http://schemas.microsoft.com/office/drawing/2016/SVG/main" r:embed="rId13"/>
               </a:ext>
             </a:extLst>
           </a:blip>
@@ -4047,9 +3967,9 @@
           <a:stretch/>
         </p:blipFill>
         <p:spPr bwMode="auto">
-          <a:xfrm flipH="1">
-            <a:off x="934105" y="4281455"/>
-            <a:ext cx="390841" cy="390841"/>
+          <a:xfrm>
+            <a:off x="5097751" y="2977001"/>
+            <a:ext cx="402086" cy="402086"/>
           </a:xfrm>
           <a:prstGeom prst="rect">
             <a:avLst/>
@@ -4081,10 +4001,10 @@
       </p:pic>
       <p:sp>
         <p:nvSpPr>
-          <p:cNvPr id="394" name="TextBox 40">
-            <a:extLst>
-              <a:ext uri="{FF2B5EF4-FFF2-40B4-BE49-F238E27FC236}">
-                <a16:creationId xmlns:a16="http://schemas.microsoft.com/office/drawing/2014/main" id="{F4366D6A-3746-432B-B776-CBEC0D85AE9F}"/>
+          <p:cNvPr id="20" name="TextBox 9">
+            <a:extLst>
+              <a:ext uri="{FF2B5EF4-FFF2-40B4-BE49-F238E27FC236}">
+                <a16:creationId xmlns:a16="http://schemas.microsoft.com/office/drawing/2014/main" id="{E17089B5-FF0A-4B67-9C5B-9E43A6247284}"/>
               </a:ext>
             </a:extLst>
           </p:cNvPr>
@@ -4095,8 +4015,8 @@
         </p:nvSpPr>
         <p:spPr bwMode="auto">
           <a:xfrm>
-            <a:off x="595866" y="4676832"/>
-            <a:ext cx="1073150" cy="246221"/>
+            <a:off x="4606879" y="3375721"/>
+            <a:ext cx="1383829" cy="400110"/>
           </a:xfrm>
           <a:prstGeom prst="rect">
             <a:avLst/>
@@ -4126,6 +4046,1439 @@
           </a:extLst>
         </p:spPr>
         <p:txBody>
+          <a:bodyPr wrap="square">
+            <a:spAutoFit/>
+          </a:bodyPr>
+          <a:lstStyle>
+            <a:lvl1pPr>
+              <a:defRPr>
+                <a:solidFill>
+                  <a:schemeClr val="tx1"/>
+                </a:solidFill>
+                <a:latin typeface="Calibri" panose="020F0502020204030204" pitchFamily="34" charset="0"/>
+              </a:defRPr>
+            </a:lvl1pPr>
+            <a:lvl2pPr marL="742950" indent="-285750">
+              <a:defRPr>
+                <a:solidFill>
+                  <a:schemeClr val="tx1"/>
+                </a:solidFill>
+                <a:latin typeface="Calibri" panose="020F0502020204030204" pitchFamily="34" charset="0"/>
+              </a:defRPr>
+            </a:lvl2pPr>
+            <a:lvl3pPr marL="1143000" indent="-228600">
+              <a:defRPr>
+                <a:solidFill>
+                  <a:schemeClr val="tx1"/>
+                </a:solidFill>
+                <a:latin typeface="Calibri" panose="020F0502020204030204" pitchFamily="34" charset="0"/>
+              </a:defRPr>
+            </a:lvl3pPr>
+            <a:lvl4pPr marL="1600200" indent="-228600">
+              <a:defRPr>
+                <a:solidFill>
+                  <a:schemeClr val="tx1"/>
+                </a:solidFill>
+                <a:latin typeface="Calibri" panose="020F0502020204030204" pitchFamily="34" charset="0"/>
+              </a:defRPr>
+            </a:lvl4pPr>
+            <a:lvl5pPr marL="2057400" indent="-228600">
+              <a:defRPr>
+                <a:solidFill>
+                  <a:schemeClr val="tx1"/>
+                </a:solidFill>
+                <a:latin typeface="Calibri" panose="020F0502020204030204" pitchFamily="34" charset="0"/>
+              </a:defRPr>
+            </a:lvl5pPr>
+            <a:lvl6pPr marL="2514600" indent="-228600" eaLnBrk="0" fontAlgn="base" hangingPunct="0">
+              <a:spcBef>
+                <a:spcPct val="0"/>
+              </a:spcBef>
+              <a:spcAft>
+                <a:spcPct val="0"/>
+              </a:spcAft>
+              <a:defRPr>
+                <a:solidFill>
+                  <a:schemeClr val="tx1"/>
+                </a:solidFill>
+                <a:latin typeface="Calibri" panose="020F0502020204030204" pitchFamily="34" charset="0"/>
+              </a:defRPr>
+            </a:lvl6pPr>
+            <a:lvl7pPr marL="2971800" indent="-228600" eaLnBrk="0" fontAlgn="base" hangingPunct="0">
+              <a:spcBef>
+                <a:spcPct val="0"/>
+              </a:spcBef>
+              <a:spcAft>
+                <a:spcPct val="0"/>
+              </a:spcAft>
+              <a:defRPr>
+                <a:solidFill>
+                  <a:schemeClr val="tx1"/>
+                </a:solidFill>
+                <a:latin typeface="Calibri" panose="020F0502020204030204" pitchFamily="34" charset="0"/>
+              </a:defRPr>
+            </a:lvl7pPr>
+            <a:lvl8pPr marL="3429000" indent="-228600" eaLnBrk="0" fontAlgn="base" hangingPunct="0">
+              <a:spcBef>
+                <a:spcPct val="0"/>
+              </a:spcBef>
+              <a:spcAft>
+                <a:spcPct val="0"/>
+              </a:spcAft>
+              <a:defRPr>
+                <a:solidFill>
+                  <a:schemeClr val="tx1"/>
+                </a:solidFill>
+                <a:latin typeface="Calibri" panose="020F0502020204030204" pitchFamily="34" charset="0"/>
+              </a:defRPr>
+            </a:lvl8pPr>
+            <a:lvl9pPr marL="3886200" indent="-228600" eaLnBrk="0" fontAlgn="base" hangingPunct="0">
+              <a:spcBef>
+                <a:spcPct val="0"/>
+              </a:spcBef>
+              <a:spcAft>
+                <a:spcPct val="0"/>
+              </a:spcAft>
+              <a:defRPr>
+                <a:solidFill>
+                  <a:schemeClr val="tx1"/>
+                </a:solidFill>
+                <a:latin typeface="Calibri" panose="020F0502020204030204" pitchFamily="34" charset="0"/>
+              </a:defRPr>
+            </a:lvl9pPr>
+          </a:lstStyle>
+          <a:p>
+            <a:pPr algn="ctr" eaLnBrk="1" hangingPunct="1"/>
+            <a:r>
+              <a:rPr lang="en-US" altLang="en-US" sz="1000" dirty="0">
+                <a:latin typeface="Arial" panose="020B0604020202020204" pitchFamily="34" charset="0"/>
+                <a:ea typeface="Amazon Ember" panose="020B0603020204020204" pitchFamily="34" charset="0"/>
+                <a:cs typeface="Arial" panose="020B0604020202020204" pitchFamily="34" charset="0"/>
+              </a:rPr>
+              <a:t>AWS Transit </a:t>
+            </a:r>
+          </a:p>
+          <a:p>
+            <a:pPr algn="ctr" eaLnBrk="1" hangingPunct="1"/>
+            <a:r>
+              <a:rPr lang="en-US" altLang="en-US" sz="1000" dirty="0">
+                <a:latin typeface="Arial" panose="020B0604020202020204" pitchFamily="34" charset="0"/>
+                <a:ea typeface="Amazon Ember" panose="020B0603020204020204" pitchFamily="34" charset="0"/>
+                <a:cs typeface="Arial" panose="020B0604020202020204" pitchFamily="34" charset="0"/>
+              </a:rPr>
+              <a:t>Gateway</a:t>
+            </a:r>
+          </a:p>
+        </p:txBody>
+      </p:sp>
+      <p:sp>
+        <p:nvSpPr>
+          <p:cNvPr id="21" name="TextBox 18">
+            <a:extLst>
+              <a:ext uri="{FF2B5EF4-FFF2-40B4-BE49-F238E27FC236}">
+                <a16:creationId xmlns:a16="http://schemas.microsoft.com/office/drawing/2014/main" id="{EFB1EB60-E0E8-455E-9E8D-E6C8D7DD2F26}"/>
+              </a:ext>
+            </a:extLst>
+          </p:cNvPr>
+          <p:cNvSpPr txBox="1">
+            <a:spLocks noChangeArrowheads="1"/>
+          </p:cNvSpPr>
+          <p:nvPr/>
+        </p:nvSpPr>
+        <p:spPr bwMode="auto">
+          <a:xfrm>
+            <a:off x="7306317" y="2441258"/>
+            <a:ext cx="1146578" cy="230832"/>
+          </a:xfrm>
+          <a:prstGeom prst="rect">
+            <a:avLst/>
+          </a:prstGeom>
+          <a:noFill/>
+          <a:ln>
+            <a:noFill/>
+          </a:ln>
+          <a:extLst>
+            <a:ext uri="{909E8E84-426E-40DD-AFC4-6F175D3DCCD1}">
+              <a14:hiddenFill xmlns:a14="http://schemas.microsoft.com/office/drawing/2010/main">
+                <a:solidFill>
+                  <a:srgbClr val="FFFFFF"/>
+                </a:solidFill>
+              </a14:hiddenFill>
+            </a:ext>
+            <a:ext uri="{91240B29-F687-4F45-9708-019B960494DF}">
+              <a14:hiddenLine xmlns:a14="http://schemas.microsoft.com/office/drawing/2010/main" w="9525">
+                <a:solidFill>
+                  <a:srgbClr val="000000"/>
+                </a:solidFill>
+                <a:miter lim="800000"/>
+                <a:headEnd/>
+                <a:tailEnd/>
+              </a14:hiddenLine>
+            </a:ext>
+          </a:extLst>
+        </p:spPr>
+        <p:txBody>
+          <a:bodyPr wrap="square">
+            <a:spAutoFit/>
+          </a:bodyPr>
+          <a:lstStyle>
+            <a:lvl1pPr>
+              <a:defRPr>
+                <a:solidFill>
+                  <a:schemeClr val="tx1"/>
+                </a:solidFill>
+                <a:latin typeface="Calibri" panose="020F0502020204030204" pitchFamily="34" charset="0"/>
+              </a:defRPr>
+            </a:lvl1pPr>
+            <a:lvl2pPr marL="742950" indent="-285750">
+              <a:defRPr>
+                <a:solidFill>
+                  <a:schemeClr val="tx1"/>
+                </a:solidFill>
+                <a:latin typeface="Calibri" panose="020F0502020204030204" pitchFamily="34" charset="0"/>
+              </a:defRPr>
+            </a:lvl2pPr>
+            <a:lvl3pPr marL="1143000" indent="-228600">
+              <a:defRPr>
+                <a:solidFill>
+                  <a:schemeClr val="tx1"/>
+                </a:solidFill>
+                <a:latin typeface="Calibri" panose="020F0502020204030204" pitchFamily="34" charset="0"/>
+              </a:defRPr>
+            </a:lvl3pPr>
+            <a:lvl4pPr marL="1600200" indent="-228600">
+              <a:defRPr>
+                <a:solidFill>
+                  <a:schemeClr val="tx1"/>
+                </a:solidFill>
+                <a:latin typeface="Calibri" panose="020F0502020204030204" pitchFamily="34" charset="0"/>
+              </a:defRPr>
+            </a:lvl4pPr>
+            <a:lvl5pPr marL="2057400" indent="-228600">
+              <a:defRPr>
+                <a:solidFill>
+                  <a:schemeClr val="tx1"/>
+                </a:solidFill>
+                <a:latin typeface="Calibri" panose="020F0502020204030204" pitchFamily="34" charset="0"/>
+              </a:defRPr>
+            </a:lvl5pPr>
+            <a:lvl6pPr marL="2514600" indent="-228600" eaLnBrk="0" fontAlgn="base" hangingPunct="0">
+              <a:spcBef>
+                <a:spcPct val="0"/>
+              </a:spcBef>
+              <a:spcAft>
+                <a:spcPct val="0"/>
+              </a:spcAft>
+              <a:defRPr>
+                <a:solidFill>
+                  <a:schemeClr val="tx1"/>
+                </a:solidFill>
+                <a:latin typeface="Calibri" panose="020F0502020204030204" pitchFamily="34" charset="0"/>
+              </a:defRPr>
+            </a:lvl6pPr>
+            <a:lvl7pPr marL="2971800" indent="-228600" eaLnBrk="0" fontAlgn="base" hangingPunct="0">
+              <a:spcBef>
+                <a:spcPct val="0"/>
+              </a:spcBef>
+              <a:spcAft>
+                <a:spcPct val="0"/>
+              </a:spcAft>
+              <a:defRPr>
+                <a:solidFill>
+                  <a:schemeClr val="tx1"/>
+                </a:solidFill>
+                <a:latin typeface="Calibri" panose="020F0502020204030204" pitchFamily="34" charset="0"/>
+              </a:defRPr>
+            </a:lvl7pPr>
+            <a:lvl8pPr marL="3429000" indent="-228600" eaLnBrk="0" fontAlgn="base" hangingPunct="0">
+              <a:spcBef>
+                <a:spcPct val="0"/>
+              </a:spcBef>
+              <a:spcAft>
+                <a:spcPct val="0"/>
+              </a:spcAft>
+              <a:defRPr>
+                <a:solidFill>
+                  <a:schemeClr val="tx1"/>
+                </a:solidFill>
+                <a:latin typeface="Calibri" panose="020F0502020204030204" pitchFamily="34" charset="0"/>
+              </a:defRPr>
+            </a:lvl8pPr>
+            <a:lvl9pPr marL="3886200" indent="-228600" eaLnBrk="0" fontAlgn="base" hangingPunct="0">
+              <a:spcBef>
+                <a:spcPct val="0"/>
+              </a:spcBef>
+              <a:spcAft>
+                <a:spcPct val="0"/>
+              </a:spcAft>
+              <a:defRPr>
+                <a:solidFill>
+                  <a:schemeClr val="tx1"/>
+                </a:solidFill>
+                <a:latin typeface="Calibri" panose="020F0502020204030204" pitchFamily="34" charset="0"/>
+              </a:defRPr>
+            </a:lvl9pPr>
+          </a:lstStyle>
+          <a:p>
+            <a:pPr algn="ctr" eaLnBrk="1" hangingPunct="1"/>
+            <a:r>
+              <a:rPr lang="en-US" altLang="en-US" sz="900" dirty="0">
+                <a:latin typeface="Arial" panose="020B0604020202020204" pitchFamily="34" charset="0"/>
+                <a:ea typeface="Amazon Ember" panose="020B0603020204020204" pitchFamily="34" charset="0"/>
+                <a:cs typeface="Arial" panose="020B0604020202020204" pitchFamily="34" charset="0"/>
+              </a:rPr>
+              <a:t>Attachment</a:t>
+            </a:r>
+          </a:p>
+        </p:txBody>
+      </p:sp>
+      <p:pic>
+        <p:nvPicPr>
+          <p:cNvPr id="22" name="Graphic 21">
+            <a:extLst>
+              <a:ext uri="{FF2B5EF4-FFF2-40B4-BE49-F238E27FC236}">
+                <a16:creationId xmlns:a16="http://schemas.microsoft.com/office/drawing/2014/main" id="{269E29EA-5FDC-4312-874E-C67066C0B38E}"/>
+              </a:ext>
+            </a:extLst>
+          </p:cNvPr>
+          <p:cNvPicPr>
+            <a:picLocks noChangeAspect="1"/>
+          </p:cNvPicPr>
+          <p:nvPr/>
+        </p:nvPicPr>
+        <p:blipFill>
+          <a:blip r:embed="rId14">
+            <a:extLst>
+              <a:ext uri="{96DAC541-7B7A-43D3-8B79-37D633B846F1}">
+                <asvg:svgBlip xmlns:asvg="http://schemas.microsoft.com/office/drawing/2016/SVG/main" r:embed="rId15"/>
+              </a:ext>
+            </a:extLst>
+          </a:blip>
+          <a:stretch>
+            <a:fillRect/>
+          </a:stretch>
+        </p:blipFill>
+        <p:spPr>
+          <a:xfrm>
+            <a:off x="7738363" y="2150401"/>
+            <a:ext cx="268492" cy="268492"/>
+          </a:xfrm>
+          <a:prstGeom prst="rect">
+            <a:avLst/>
+          </a:prstGeom>
+        </p:spPr>
+      </p:pic>
+      <p:sp>
+        <p:nvSpPr>
+          <p:cNvPr id="27" name="TextBox 16">
+            <a:extLst>
+              <a:ext uri="{FF2B5EF4-FFF2-40B4-BE49-F238E27FC236}">
+                <a16:creationId xmlns:a16="http://schemas.microsoft.com/office/drawing/2014/main" id="{76448F22-6681-49C7-931F-738569544F5F}"/>
+              </a:ext>
+            </a:extLst>
+          </p:cNvPr>
+          <p:cNvSpPr txBox="1">
+            <a:spLocks noChangeArrowheads="1"/>
+          </p:cNvSpPr>
+          <p:nvPr/>
+        </p:nvSpPr>
+        <p:spPr bwMode="auto">
+          <a:xfrm>
+            <a:off x="7330101" y="4733284"/>
+            <a:ext cx="1115568" cy="369332"/>
+          </a:xfrm>
+          <a:prstGeom prst="rect">
+            <a:avLst/>
+          </a:prstGeom>
+          <a:noFill/>
+          <a:ln>
+            <a:noFill/>
+          </a:ln>
+          <a:extLst>
+            <a:ext uri="{909E8E84-426E-40DD-AFC4-6F175D3DCCD1}">
+              <a14:hiddenFill xmlns:a14="http://schemas.microsoft.com/office/drawing/2010/main">
+                <a:solidFill>
+                  <a:srgbClr val="FFFFFF"/>
+                </a:solidFill>
+              </a14:hiddenFill>
+            </a:ext>
+            <a:ext uri="{91240B29-F687-4F45-9708-019B960494DF}">
+              <a14:hiddenLine xmlns:a14="http://schemas.microsoft.com/office/drawing/2010/main" w="9525">
+                <a:solidFill>
+                  <a:srgbClr val="000000"/>
+                </a:solidFill>
+                <a:miter lim="800000"/>
+                <a:headEnd/>
+                <a:tailEnd/>
+              </a14:hiddenLine>
+            </a:ext>
+          </a:extLst>
+        </p:spPr>
+        <p:txBody>
+          <a:bodyPr wrap="square" lIns="0" rIns="0">
+            <a:spAutoFit/>
+          </a:bodyPr>
+          <a:lstStyle>
+            <a:lvl1pPr>
+              <a:defRPr>
+                <a:solidFill>
+                  <a:schemeClr val="tx1"/>
+                </a:solidFill>
+                <a:latin typeface="Calibri" panose="020F0502020204030204" pitchFamily="34" charset="0"/>
+              </a:defRPr>
+            </a:lvl1pPr>
+            <a:lvl2pPr marL="742950" indent="-285750">
+              <a:defRPr>
+                <a:solidFill>
+                  <a:schemeClr val="tx1"/>
+                </a:solidFill>
+                <a:latin typeface="Calibri" panose="020F0502020204030204" pitchFamily="34" charset="0"/>
+              </a:defRPr>
+            </a:lvl2pPr>
+            <a:lvl3pPr marL="1143000" indent="-228600">
+              <a:defRPr>
+                <a:solidFill>
+                  <a:schemeClr val="tx1"/>
+                </a:solidFill>
+                <a:latin typeface="Calibri" panose="020F0502020204030204" pitchFamily="34" charset="0"/>
+              </a:defRPr>
+            </a:lvl3pPr>
+            <a:lvl4pPr marL="1600200" indent="-228600">
+              <a:defRPr>
+                <a:solidFill>
+                  <a:schemeClr val="tx1"/>
+                </a:solidFill>
+                <a:latin typeface="Calibri" panose="020F0502020204030204" pitchFamily="34" charset="0"/>
+              </a:defRPr>
+            </a:lvl4pPr>
+            <a:lvl5pPr marL="2057400" indent="-228600">
+              <a:defRPr>
+                <a:solidFill>
+                  <a:schemeClr val="tx1"/>
+                </a:solidFill>
+                <a:latin typeface="Calibri" panose="020F0502020204030204" pitchFamily="34" charset="0"/>
+              </a:defRPr>
+            </a:lvl5pPr>
+            <a:lvl6pPr marL="2514600" indent="-228600" eaLnBrk="0" fontAlgn="base" hangingPunct="0">
+              <a:spcBef>
+                <a:spcPct val="0"/>
+              </a:spcBef>
+              <a:spcAft>
+                <a:spcPct val="0"/>
+              </a:spcAft>
+              <a:defRPr>
+                <a:solidFill>
+                  <a:schemeClr val="tx1"/>
+                </a:solidFill>
+                <a:latin typeface="Calibri" panose="020F0502020204030204" pitchFamily="34" charset="0"/>
+              </a:defRPr>
+            </a:lvl6pPr>
+            <a:lvl7pPr marL="2971800" indent="-228600" eaLnBrk="0" fontAlgn="base" hangingPunct="0">
+              <a:spcBef>
+                <a:spcPct val="0"/>
+              </a:spcBef>
+              <a:spcAft>
+                <a:spcPct val="0"/>
+              </a:spcAft>
+              <a:defRPr>
+                <a:solidFill>
+                  <a:schemeClr val="tx1"/>
+                </a:solidFill>
+                <a:latin typeface="Calibri" panose="020F0502020204030204" pitchFamily="34" charset="0"/>
+              </a:defRPr>
+            </a:lvl7pPr>
+            <a:lvl8pPr marL="3429000" indent="-228600" eaLnBrk="0" fontAlgn="base" hangingPunct="0">
+              <a:spcBef>
+                <a:spcPct val="0"/>
+              </a:spcBef>
+              <a:spcAft>
+                <a:spcPct val="0"/>
+              </a:spcAft>
+              <a:defRPr>
+                <a:solidFill>
+                  <a:schemeClr val="tx1"/>
+                </a:solidFill>
+                <a:latin typeface="Calibri" panose="020F0502020204030204" pitchFamily="34" charset="0"/>
+              </a:defRPr>
+            </a:lvl8pPr>
+            <a:lvl9pPr marL="3886200" indent="-228600" eaLnBrk="0" fontAlgn="base" hangingPunct="0">
+              <a:spcBef>
+                <a:spcPct val="0"/>
+              </a:spcBef>
+              <a:spcAft>
+                <a:spcPct val="0"/>
+              </a:spcAft>
+              <a:defRPr>
+                <a:solidFill>
+                  <a:schemeClr val="tx1"/>
+                </a:solidFill>
+                <a:latin typeface="Calibri" panose="020F0502020204030204" pitchFamily="34" charset="0"/>
+              </a:defRPr>
+            </a:lvl9pPr>
+          </a:lstStyle>
+          <a:p>
+            <a:pPr algn="ctr"/>
+            <a:r>
+              <a:rPr lang="en-US" altLang="en-US" sz="900" dirty="0" err="1">
+                <a:latin typeface="Arial" panose="020B0604020202020204" pitchFamily="34" charset="0"/>
+                <a:ea typeface="Amazon Ember" panose="020B0603020204020204" pitchFamily="34" charset="0"/>
+                <a:cs typeface="Arial" panose="020B0604020202020204" pitchFamily="34" charset="0"/>
+              </a:rPr>
+              <a:t>Unistore</a:t>
+            </a:r>
+            <a:r>
+              <a:rPr lang="en-US" altLang="en-US" sz="900" dirty="0">
+                <a:latin typeface="Arial" panose="020B0604020202020204" pitchFamily="34" charset="0"/>
+                <a:ea typeface="Amazon Ember" panose="020B0603020204020204" pitchFamily="34" charset="0"/>
+                <a:cs typeface="Arial" panose="020B0604020202020204" pitchFamily="34" charset="0"/>
+              </a:rPr>
+              <a:t> legacy</a:t>
+            </a:r>
+          </a:p>
+          <a:p>
+            <a:pPr algn="ctr"/>
+            <a:r>
+              <a:rPr lang="en-US" altLang="en-US" sz="900" dirty="0">
+                <a:latin typeface="Arial" panose="020B0604020202020204" pitchFamily="34" charset="0"/>
+                <a:ea typeface="Amazon Ember" panose="020B0603020204020204" pitchFamily="34" charset="0"/>
+                <a:cs typeface="Arial" panose="020B0604020202020204" pitchFamily="34" charset="0"/>
+              </a:rPr>
+              <a:t>(monolith)</a:t>
+            </a:r>
+          </a:p>
+        </p:txBody>
+      </p:sp>
+      <p:pic>
+        <p:nvPicPr>
+          <p:cNvPr id="28" name="Graphic 27">
+            <a:extLst>
+              <a:ext uri="{FF2B5EF4-FFF2-40B4-BE49-F238E27FC236}">
+                <a16:creationId xmlns:a16="http://schemas.microsoft.com/office/drawing/2014/main" id="{6BE9B73C-2622-4AF6-82BD-3D0EDA04AED8}"/>
+              </a:ext>
+            </a:extLst>
+          </p:cNvPr>
+          <p:cNvPicPr>
+            <a:picLocks noChangeAspect="1"/>
+          </p:cNvPicPr>
+          <p:nvPr/>
+        </p:nvPicPr>
+        <p:blipFill>
+          <a:blip r:embed="rId16">
+            <a:extLst>
+              <a:ext uri="{96DAC541-7B7A-43D3-8B79-37D633B846F1}">
+                <asvg:svgBlip xmlns:asvg="http://schemas.microsoft.com/office/drawing/2016/SVG/main" r:embed="rId17"/>
+              </a:ext>
+            </a:extLst>
+          </a:blip>
+          <a:stretch>
+            <a:fillRect/>
+          </a:stretch>
+        </p:blipFill>
+        <p:spPr>
+          <a:xfrm>
+            <a:off x="7705874" y="4345152"/>
+            <a:ext cx="365767" cy="365767"/>
+          </a:xfrm>
+          <a:prstGeom prst="rect">
+            <a:avLst/>
+          </a:prstGeom>
+        </p:spPr>
+      </p:pic>
+      <p:sp>
+        <p:nvSpPr>
+          <p:cNvPr id="39" name="TextBox 17">
+            <a:extLst>
+              <a:ext uri="{FF2B5EF4-FFF2-40B4-BE49-F238E27FC236}">
+                <a16:creationId xmlns:a16="http://schemas.microsoft.com/office/drawing/2014/main" id="{45C5A9E7-72C5-434D-952C-9F8B3ED25273}"/>
+              </a:ext>
+            </a:extLst>
+          </p:cNvPr>
+          <p:cNvSpPr txBox="1">
+            <a:spLocks noChangeArrowheads="1"/>
+          </p:cNvSpPr>
+          <p:nvPr/>
+        </p:nvSpPr>
+        <p:spPr bwMode="auto">
+          <a:xfrm>
+            <a:off x="8537293" y="6079169"/>
+            <a:ext cx="1362074" cy="369332"/>
+          </a:xfrm>
+          <a:prstGeom prst="rect">
+            <a:avLst/>
+          </a:prstGeom>
+          <a:noFill/>
+          <a:ln>
+            <a:noFill/>
+          </a:ln>
+          <a:extLst>
+            <a:ext uri="{909E8E84-426E-40DD-AFC4-6F175D3DCCD1}">
+              <a14:hiddenFill xmlns:a14="http://schemas.microsoft.com/office/drawing/2010/main">
+                <a:solidFill>
+                  <a:srgbClr val="FFFFFF"/>
+                </a:solidFill>
+              </a14:hiddenFill>
+            </a:ext>
+            <a:ext uri="{91240B29-F687-4F45-9708-019B960494DF}">
+              <a14:hiddenLine xmlns:a14="http://schemas.microsoft.com/office/drawing/2010/main" w="9525">
+                <a:solidFill>
+                  <a:srgbClr val="000000"/>
+                </a:solidFill>
+                <a:miter lim="800000"/>
+                <a:headEnd/>
+                <a:tailEnd/>
+              </a14:hiddenLine>
+            </a:ext>
+          </a:extLst>
+        </p:spPr>
+        <p:txBody>
+          <a:bodyPr wrap="square">
+            <a:spAutoFit/>
+          </a:bodyPr>
+          <a:lstStyle>
+            <a:lvl1pPr>
+              <a:defRPr>
+                <a:solidFill>
+                  <a:schemeClr val="tx1"/>
+                </a:solidFill>
+                <a:latin typeface="Calibri" panose="020F0502020204030204" pitchFamily="34" charset="0"/>
+              </a:defRPr>
+            </a:lvl1pPr>
+            <a:lvl2pPr marL="742950" indent="-285750">
+              <a:defRPr>
+                <a:solidFill>
+                  <a:schemeClr val="tx1"/>
+                </a:solidFill>
+                <a:latin typeface="Calibri" panose="020F0502020204030204" pitchFamily="34" charset="0"/>
+              </a:defRPr>
+            </a:lvl2pPr>
+            <a:lvl3pPr marL="1143000" indent="-228600">
+              <a:defRPr>
+                <a:solidFill>
+                  <a:schemeClr val="tx1"/>
+                </a:solidFill>
+                <a:latin typeface="Calibri" panose="020F0502020204030204" pitchFamily="34" charset="0"/>
+              </a:defRPr>
+            </a:lvl3pPr>
+            <a:lvl4pPr marL="1600200" indent="-228600">
+              <a:defRPr>
+                <a:solidFill>
+                  <a:schemeClr val="tx1"/>
+                </a:solidFill>
+                <a:latin typeface="Calibri" panose="020F0502020204030204" pitchFamily="34" charset="0"/>
+              </a:defRPr>
+            </a:lvl4pPr>
+            <a:lvl5pPr marL="2057400" indent="-228600">
+              <a:defRPr>
+                <a:solidFill>
+                  <a:schemeClr val="tx1"/>
+                </a:solidFill>
+                <a:latin typeface="Calibri" panose="020F0502020204030204" pitchFamily="34" charset="0"/>
+              </a:defRPr>
+            </a:lvl5pPr>
+            <a:lvl6pPr marL="2514600" indent="-228600" eaLnBrk="0" fontAlgn="base" hangingPunct="0">
+              <a:spcBef>
+                <a:spcPct val="0"/>
+              </a:spcBef>
+              <a:spcAft>
+                <a:spcPct val="0"/>
+              </a:spcAft>
+              <a:defRPr>
+                <a:solidFill>
+                  <a:schemeClr val="tx1"/>
+                </a:solidFill>
+                <a:latin typeface="Calibri" panose="020F0502020204030204" pitchFamily="34" charset="0"/>
+              </a:defRPr>
+            </a:lvl6pPr>
+            <a:lvl7pPr marL="2971800" indent="-228600" eaLnBrk="0" fontAlgn="base" hangingPunct="0">
+              <a:spcBef>
+                <a:spcPct val="0"/>
+              </a:spcBef>
+              <a:spcAft>
+                <a:spcPct val="0"/>
+              </a:spcAft>
+              <a:defRPr>
+                <a:solidFill>
+                  <a:schemeClr val="tx1"/>
+                </a:solidFill>
+                <a:latin typeface="Calibri" panose="020F0502020204030204" pitchFamily="34" charset="0"/>
+              </a:defRPr>
+            </a:lvl7pPr>
+            <a:lvl8pPr marL="3429000" indent="-228600" eaLnBrk="0" fontAlgn="base" hangingPunct="0">
+              <a:spcBef>
+                <a:spcPct val="0"/>
+              </a:spcBef>
+              <a:spcAft>
+                <a:spcPct val="0"/>
+              </a:spcAft>
+              <a:defRPr>
+                <a:solidFill>
+                  <a:schemeClr val="tx1"/>
+                </a:solidFill>
+                <a:latin typeface="Calibri" panose="020F0502020204030204" pitchFamily="34" charset="0"/>
+              </a:defRPr>
+            </a:lvl8pPr>
+            <a:lvl9pPr marL="3886200" indent="-228600" eaLnBrk="0" fontAlgn="base" hangingPunct="0">
+              <a:spcBef>
+                <a:spcPct val="0"/>
+              </a:spcBef>
+              <a:spcAft>
+                <a:spcPct val="0"/>
+              </a:spcAft>
+              <a:defRPr>
+                <a:solidFill>
+                  <a:schemeClr val="tx1"/>
+                </a:solidFill>
+                <a:latin typeface="Calibri" panose="020F0502020204030204" pitchFamily="34" charset="0"/>
+              </a:defRPr>
+            </a:lvl9pPr>
+          </a:lstStyle>
+          <a:p>
+            <a:pPr algn="ctr" eaLnBrk="1" hangingPunct="1"/>
+            <a:r>
+              <a:rPr lang="en-US" altLang="en-US" sz="900" dirty="0">
+                <a:latin typeface="Arial" panose="020B0604020202020204" pitchFamily="34" charset="0"/>
+                <a:ea typeface="Amazon Ember" panose="020B0603020204020204" pitchFamily="34" charset="0"/>
+                <a:cs typeface="Arial" panose="020B0604020202020204" pitchFamily="34" charset="0"/>
+              </a:rPr>
+              <a:t>Lambda function</a:t>
+            </a:r>
+          </a:p>
+          <a:p>
+            <a:pPr algn="ctr" eaLnBrk="1" hangingPunct="1"/>
+            <a:r>
+              <a:rPr lang="en-US" altLang="en-US" sz="900" dirty="0" err="1">
+                <a:latin typeface="Arial" panose="020B0604020202020204" pitchFamily="34" charset="0"/>
+                <a:cs typeface="Arial" panose="020B0604020202020204" pitchFamily="34" charset="0"/>
+              </a:rPr>
+              <a:t>AddToCart</a:t>
+            </a:r>
+            <a:endParaRPr lang="en-US" altLang="en-US" sz="900" dirty="0">
+              <a:latin typeface="Arial" panose="020B0604020202020204" pitchFamily="34" charset="0"/>
+              <a:cs typeface="Arial" panose="020B0604020202020204" pitchFamily="34" charset="0"/>
+            </a:endParaRPr>
+          </a:p>
+        </p:txBody>
+      </p:sp>
+      <p:pic>
+        <p:nvPicPr>
+          <p:cNvPr id="40" name="Graphic 13">
+            <a:extLst>
+              <a:ext uri="{FF2B5EF4-FFF2-40B4-BE49-F238E27FC236}">
+                <a16:creationId xmlns:a16="http://schemas.microsoft.com/office/drawing/2014/main" id="{895D0824-15EA-44B1-A5E5-0480B66619DE}"/>
+              </a:ext>
+            </a:extLst>
+          </p:cNvPr>
+          <p:cNvPicPr>
+            <a:picLocks noChangeAspect="1" noChangeArrowheads="1"/>
+          </p:cNvPicPr>
+          <p:nvPr/>
+        </p:nvPicPr>
+        <p:blipFill>
+          <a:blip r:embed="rId18">
+            <a:extLst>
+              <a:ext uri="{96DAC541-7B7A-43D3-8B79-37D633B846F1}">
+                <asvg:svgBlip xmlns:asvg="http://schemas.microsoft.com/office/drawing/2016/SVG/main" r:embed="rId19"/>
+              </a:ext>
+            </a:extLst>
+          </a:blip>
+          <a:srcRect/>
+          <a:stretch/>
+        </p:blipFill>
+        <p:spPr bwMode="auto">
+          <a:xfrm>
+            <a:off x="8964922" y="5649813"/>
+            <a:ext cx="457200" cy="457200"/>
+          </a:xfrm>
+          <a:prstGeom prst="rect">
+            <a:avLst/>
+          </a:prstGeom>
+          <a:noFill/>
+          <a:ln>
+            <a:noFill/>
+          </a:ln>
+          <a:extLst>
+            <a:ext uri="{909E8E84-426E-40DD-AFC4-6F175D3DCCD1}">
+              <a14:hiddenFill xmlns:a14="http://schemas.microsoft.com/office/drawing/2010/main">
+                <a:solidFill>
+                  <a:srgbClr val="FFFFFF"/>
+                </a:solidFill>
+              </a14:hiddenFill>
+            </a:ext>
+            <a:ext uri="{91240B29-F687-4F45-9708-019B960494DF}">
+              <a14:hiddenLine xmlns:a14="http://schemas.microsoft.com/office/drawing/2010/main" w="9525">
+                <a:solidFill>
+                  <a:srgbClr val="000000"/>
+                </a:solidFill>
+                <a:miter lim="800000"/>
+                <a:headEnd/>
+                <a:tailEnd/>
+              </a14:hiddenLine>
+            </a:ext>
+          </a:extLst>
+        </p:spPr>
+      </p:pic>
+      <p:pic>
+        <p:nvPicPr>
+          <p:cNvPr id="41" name="Graphic 23">
+            <a:extLst>
+              <a:ext uri="{FF2B5EF4-FFF2-40B4-BE49-F238E27FC236}">
+                <a16:creationId xmlns:a16="http://schemas.microsoft.com/office/drawing/2014/main" id="{BAF631F9-D34B-45BC-956D-77B8B81C9B95}"/>
+              </a:ext>
+            </a:extLst>
+          </p:cNvPr>
+          <p:cNvPicPr>
+            <a:picLocks noChangeAspect="1" noChangeArrowheads="1"/>
+          </p:cNvPicPr>
+          <p:nvPr/>
+        </p:nvPicPr>
+        <p:blipFill>
+          <a:blip r:embed="rId20">
+            <a:extLst>
+              <a:ext uri="{96DAC541-7B7A-43D3-8B79-37D633B846F1}">
+                <asvg:svgBlip xmlns:asvg="http://schemas.microsoft.com/office/drawing/2016/SVG/main" r:embed="rId21"/>
+              </a:ext>
+            </a:extLst>
+          </a:blip>
+          <a:srcRect/>
+          <a:stretch/>
+        </p:blipFill>
+        <p:spPr bwMode="auto">
+          <a:xfrm>
+            <a:off x="2523160" y="2165922"/>
+            <a:ext cx="353707" cy="353707"/>
+          </a:xfrm>
+          <a:prstGeom prst="rect">
+            <a:avLst/>
+          </a:prstGeom>
+          <a:noFill/>
+          <a:ln>
+            <a:noFill/>
+          </a:ln>
+          <a:extLst>
+            <a:ext uri="{909E8E84-426E-40DD-AFC4-6F175D3DCCD1}">
+              <a14:hiddenFill xmlns:a14="http://schemas.microsoft.com/office/drawing/2010/main">
+                <a:solidFill>
+                  <a:srgbClr val="FFFFFF"/>
+                </a:solidFill>
+              </a14:hiddenFill>
+            </a:ext>
+            <a:ext uri="{91240B29-F687-4F45-9708-019B960494DF}">
+              <a14:hiddenLine xmlns:a14="http://schemas.microsoft.com/office/drawing/2010/main" w="9525">
+                <a:solidFill>
+                  <a:srgbClr val="000000"/>
+                </a:solidFill>
+                <a:miter lim="800000"/>
+                <a:headEnd/>
+                <a:tailEnd/>
+              </a14:hiddenLine>
+            </a:ext>
+          </a:extLst>
+        </p:spPr>
+      </p:pic>
+      <p:pic>
+        <p:nvPicPr>
+          <p:cNvPr id="45" name="Graphic 44">
+            <a:extLst>
+              <a:ext uri="{FF2B5EF4-FFF2-40B4-BE49-F238E27FC236}">
+                <a16:creationId xmlns:a16="http://schemas.microsoft.com/office/drawing/2014/main" id="{E72888E8-1F32-413A-BD75-247D2C318EAE}"/>
+              </a:ext>
+            </a:extLst>
+          </p:cNvPr>
+          <p:cNvPicPr>
+            <a:picLocks noChangeAspect="1"/>
+          </p:cNvPicPr>
+          <p:nvPr/>
+        </p:nvPicPr>
+        <p:blipFill>
+          <a:blip r:embed="rId22">
+            <a:extLst>
+              <a:ext uri="{96DAC541-7B7A-43D3-8B79-37D633B846F1}">
+                <asvg:svgBlip xmlns:asvg="http://schemas.microsoft.com/office/drawing/2016/SVG/main" r:embed="rId23"/>
+              </a:ext>
+            </a:extLst>
+          </a:blip>
+          <a:stretch>
+            <a:fillRect/>
+          </a:stretch>
+        </p:blipFill>
+        <p:spPr>
+          <a:xfrm>
+            <a:off x="2613497" y="2615897"/>
+            <a:ext cx="258731" cy="258731"/>
+          </a:xfrm>
+          <a:prstGeom prst="rect">
+            <a:avLst/>
+          </a:prstGeom>
+        </p:spPr>
+      </p:pic>
+      <p:pic>
+        <p:nvPicPr>
+          <p:cNvPr id="47" name="Graphic 46">
+            <a:extLst>
+              <a:ext uri="{FF2B5EF4-FFF2-40B4-BE49-F238E27FC236}">
+                <a16:creationId xmlns:a16="http://schemas.microsoft.com/office/drawing/2014/main" id="{25B29BA2-ADEA-4DE4-AC1F-F49D146F0F63}"/>
+              </a:ext>
+            </a:extLst>
+          </p:cNvPr>
+          <p:cNvPicPr>
+            <a:picLocks noChangeAspect="1"/>
+          </p:cNvPicPr>
+          <p:nvPr/>
+        </p:nvPicPr>
+        <p:blipFill>
+          <a:blip r:embed="rId24">
+            <a:extLst>
+              <a:ext uri="{96DAC541-7B7A-43D3-8B79-37D633B846F1}">
+                <asvg:svgBlip xmlns:asvg="http://schemas.microsoft.com/office/drawing/2016/SVG/main" r:embed="rId25"/>
+              </a:ext>
+            </a:extLst>
+          </a:blip>
+          <a:stretch>
+            <a:fillRect/>
+          </a:stretch>
+        </p:blipFill>
+        <p:spPr>
+          <a:xfrm>
+            <a:off x="2713442" y="3881864"/>
+            <a:ext cx="255886" cy="255886"/>
+          </a:xfrm>
+          <a:prstGeom prst="rect">
+            <a:avLst/>
+          </a:prstGeom>
+        </p:spPr>
+      </p:pic>
+      <p:sp>
+        <p:nvSpPr>
+          <p:cNvPr id="48" name="TextBox 15">
+            <a:extLst>
+              <a:ext uri="{FF2B5EF4-FFF2-40B4-BE49-F238E27FC236}">
+                <a16:creationId xmlns:a16="http://schemas.microsoft.com/office/drawing/2014/main" id="{532C2467-005C-4953-8E7E-0545263E2102}"/>
+              </a:ext>
+            </a:extLst>
+          </p:cNvPr>
+          <p:cNvSpPr txBox="1">
+            <a:spLocks noChangeArrowheads="1"/>
+          </p:cNvSpPr>
+          <p:nvPr/>
+        </p:nvSpPr>
+        <p:spPr bwMode="auto">
+          <a:xfrm>
+            <a:off x="4103752" y="4601800"/>
+            <a:ext cx="1136497" cy="369332"/>
+          </a:xfrm>
+          <a:prstGeom prst="rect">
+            <a:avLst/>
+          </a:prstGeom>
+          <a:noFill/>
+          <a:ln>
+            <a:noFill/>
+          </a:ln>
+          <a:extLst>
+            <a:ext uri="{909E8E84-426E-40DD-AFC4-6F175D3DCCD1}">
+              <a14:hiddenFill xmlns:a14="http://schemas.microsoft.com/office/drawing/2010/main">
+                <a:solidFill>
+                  <a:srgbClr val="FFFFFF"/>
+                </a:solidFill>
+              </a14:hiddenFill>
+            </a:ext>
+            <a:ext uri="{91240B29-F687-4F45-9708-019B960494DF}">
+              <a14:hiddenLine xmlns:a14="http://schemas.microsoft.com/office/drawing/2010/main" w="9525">
+                <a:solidFill>
+                  <a:srgbClr val="000000"/>
+                </a:solidFill>
+                <a:miter lim="800000"/>
+                <a:headEnd/>
+                <a:tailEnd/>
+              </a14:hiddenLine>
+            </a:ext>
+          </a:extLst>
+        </p:spPr>
+        <p:txBody>
+          <a:bodyPr wrap="square">
+            <a:spAutoFit/>
+          </a:bodyPr>
+          <a:lstStyle>
+            <a:lvl1pPr>
+              <a:defRPr>
+                <a:solidFill>
+                  <a:schemeClr val="tx1"/>
+                </a:solidFill>
+                <a:latin typeface="Calibri" panose="020F0502020204030204" pitchFamily="34" charset="0"/>
+              </a:defRPr>
+            </a:lvl1pPr>
+            <a:lvl2pPr marL="742950" indent="-285750">
+              <a:defRPr>
+                <a:solidFill>
+                  <a:schemeClr val="tx1"/>
+                </a:solidFill>
+                <a:latin typeface="Calibri" panose="020F0502020204030204" pitchFamily="34" charset="0"/>
+              </a:defRPr>
+            </a:lvl2pPr>
+            <a:lvl3pPr marL="1143000" indent="-228600">
+              <a:defRPr>
+                <a:solidFill>
+                  <a:schemeClr val="tx1"/>
+                </a:solidFill>
+                <a:latin typeface="Calibri" panose="020F0502020204030204" pitchFamily="34" charset="0"/>
+              </a:defRPr>
+            </a:lvl3pPr>
+            <a:lvl4pPr marL="1600200" indent="-228600">
+              <a:defRPr>
+                <a:solidFill>
+                  <a:schemeClr val="tx1"/>
+                </a:solidFill>
+                <a:latin typeface="Calibri" panose="020F0502020204030204" pitchFamily="34" charset="0"/>
+              </a:defRPr>
+            </a:lvl4pPr>
+            <a:lvl5pPr marL="2057400" indent="-228600">
+              <a:defRPr>
+                <a:solidFill>
+                  <a:schemeClr val="tx1"/>
+                </a:solidFill>
+                <a:latin typeface="Calibri" panose="020F0502020204030204" pitchFamily="34" charset="0"/>
+              </a:defRPr>
+            </a:lvl5pPr>
+            <a:lvl6pPr marL="2514600" indent="-228600" eaLnBrk="0" fontAlgn="base" hangingPunct="0">
+              <a:spcBef>
+                <a:spcPct val="0"/>
+              </a:spcBef>
+              <a:spcAft>
+                <a:spcPct val="0"/>
+              </a:spcAft>
+              <a:defRPr>
+                <a:solidFill>
+                  <a:schemeClr val="tx1"/>
+                </a:solidFill>
+                <a:latin typeface="Calibri" panose="020F0502020204030204" pitchFamily="34" charset="0"/>
+              </a:defRPr>
+            </a:lvl6pPr>
+            <a:lvl7pPr marL="2971800" indent="-228600" eaLnBrk="0" fontAlgn="base" hangingPunct="0">
+              <a:spcBef>
+                <a:spcPct val="0"/>
+              </a:spcBef>
+              <a:spcAft>
+                <a:spcPct val="0"/>
+              </a:spcAft>
+              <a:defRPr>
+                <a:solidFill>
+                  <a:schemeClr val="tx1"/>
+                </a:solidFill>
+                <a:latin typeface="Calibri" panose="020F0502020204030204" pitchFamily="34" charset="0"/>
+              </a:defRPr>
+            </a:lvl7pPr>
+            <a:lvl8pPr marL="3429000" indent="-228600" eaLnBrk="0" fontAlgn="base" hangingPunct="0">
+              <a:spcBef>
+                <a:spcPct val="0"/>
+              </a:spcBef>
+              <a:spcAft>
+                <a:spcPct val="0"/>
+              </a:spcAft>
+              <a:defRPr>
+                <a:solidFill>
+                  <a:schemeClr val="tx1"/>
+                </a:solidFill>
+                <a:latin typeface="Calibri" panose="020F0502020204030204" pitchFamily="34" charset="0"/>
+              </a:defRPr>
+            </a:lvl8pPr>
+            <a:lvl9pPr marL="3886200" indent="-228600" eaLnBrk="0" fontAlgn="base" hangingPunct="0">
+              <a:spcBef>
+                <a:spcPct val="0"/>
+              </a:spcBef>
+              <a:spcAft>
+                <a:spcPct val="0"/>
+              </a:spcAft>
+              <a:defRPr>
+                <a:solidFill>
+                  <a:schemeClr val="tx1"/>
+                </a:solidFill>
+                <a:latin typeface="Calibri" panose="020F0502020204030204" pitchFamily="34" charset="0"/>
+              </a:defRPr>
+            </a:lvl9pPr>
+          </a:lstStyle>
+          <a:p>
+            <a:pPr algn="ctr" eaLnBrk="1" hangingPunct="1"/>
+            <a:r>
+              <a:rPr lang="en-US" altLang="en-US" sz="900" dirty="0">
+                <a:latin typeface="Arial" panose="020B0604020202020204" pitchFamily="34" charset="0"/>
+                <a:ea typeface="Amazon Ember" panose="020B0603020204020204" pitchFamily="34" charset="0"/>
+                <a:cs typeface="Arial" panose="020B0604020202020204" pitchFamily="34" charset="0"/>
+              </a:rPr>
+              <a:t>Refactor Spaces </a:t>
+            </a:r>
+          </a:p>
+          <a:p>
+            <a:pPr algn="ctr" eaLnBrk="1" hangingPunct="1"/>
+            <a:r>
+              <a:rPr lang="en-US" altLang="en-US" sz="900" dirty="0">
+                <a:latin typeface="Arial" panose="020B0604020202020204" pitchFamily="34" charset="0"/>
+                <a:ea typeface="Amazon Ember" panose="020B0603020204020204" pitchFamily="34" charset="0"/>
+                <a:cs typeface="Arial" panose="020B0604020202020204" pitchFamily="34" charset="0"/>
+              </a:rPr>
+              <a:t>service (Default)</a:t>
+            </a:r>
+          </a:p>
+        </p:txBody>
+      </p:sp>
+      <p:pic>
+        <p:nvPicPr>
+          <p:cNvPr id="49" name="Graphic 48">
+            <a:extLst>
+              <a:ext uri="{FF2B5EF4-FFF2-40B4-BE49-F238E27FC236}">
+                <a16:creationId xmlns:a16="http://schemas.microsoft.com/office/drawing/2014/main" id="{053ECE4B-A000-4DF5-821C-3C025F1FB6F3}"/>
+              </a:ext>
+            </a:extLst>
+          </p:cNvPr>
+          <p:cNvPicPr>
+            <a:picLocks noChangeAspect="1"/>
+          </p:cNvPicPr>
+          <p:nvPr/>
+        </p:nvPicPr>
+        <p:blipFill>
+          <a:blip r:embed="rId26">
+            <a:extLst>
+              <a:ext uri="{96DAC541-7B7A-43D3-8B79-37D633B846F1}">
+                <asvg:svgBlip xmlns:asvg="http://schemas.microsoft.com/office/drawing/2016/SVG/main" r:embed="rId27"/>
+              </a:ext>
+            </a:extLst>
+          </a:blip>
+          <a:stretch>
+            <a:fillRect/>
+          </a:stretch>
+        </p:blipFill>
+        <p:spPr>
+          <a:xfrm>
+            <a:off x="4541107" y="4345369"/>
+            <a:ext cx="255886" cy="255886"/>
+          </a:xfrm>
+          <a:prstGeom prst="rect">
+            <a:avLst/>
+          </a:prstGeom>
+        </p:spPr>
+      </p:pic>
+      <p:pic>
+        <p:nvPicPr>
+          <p:cNvPr id="50" name="Graphic 17">
+            <a:extLst>
+              <a:ext uri="{FF2B5EF4-FFF2-40B4-BE49-F238E27FC236}">
+                <a16:creationId xmlns:a16="http://schemas.microsoft.com/office/drawing/2014/main" id="{8FF66690-4F04-4B76-8D8E-0C33630EE502}"/>
+              </a:ext>
+            </a:extLst>
+          </p:cNvPr>
+          <p:cNvPicPr>
+            <a:picLocks noChangeAspect="1" noChangeArrowheads="1"/>
+          </p:cNvPicPr>
+          <p:nvPr/>
+        </p:nvPicPr>
+        <p:blipFill>
+          <a:blip r:embed="rId28">
+            <a:extLst>
+              <a:ext uri="{96DAC541-7B7A-43D3-8B79-37D633B846F1}">
+                <asvg:svgBlip xmlns:asvg="http://schemas.microsoft.com/office/drawing/2016/SVG/main" r:embed="rId29"/>
+              </a:ext>
+            </a:extLst>
+          </a:blip>
+          <a:srcRect/>
+          <a:stretch/>
+        </p:blipFill>
+        <p:spPr bwMode="auto">
+          <a:xfrm>
+            <a:off x="3051950" y="4270285"/>
+            <a:ext cx="406752" cy="406752"/>
+          </a:xfrm>
+          <a:prstGeom prst="rect">
+            <a:avLst/>
+          </a:prstGeom>
+          <a:noFill/>
+          <a:ln>
+            <a:noFill/>
+          </a:ln>
+          <a:extLst>
+            <a:ext uri="{909E8E84-426E-40DD-AFC4-6F175D3DCCD1}">
+              <a14:hiddenFill xmlns:a14="http://schemas.microsoft.com/office/drawing/2010/main">
+                <a:solidFill>
+                  <a:srgbClr val="FFFFFF"/>
+                </a:solidFill>
+              </a14:hiddenFill>
+            </a:ext>
+            <a:ext uri="{91240B29-F687-4F45-9708-019B960494DF}">
+              <a14:hiddenLine xmlns:a14="http://schemas.microsoft.com/office/drawing/2010/main" w="9525">
+                <a:solidFill>
+                  <a:srgbClr val="000000"/>
+                </a:solidFill>
+                <a:miter lim="800000"/>
+                <a:headEnd/>
+                <a:tailEnd/>
+              </a14:hiddenLine>
+            </a:ext>
+          </a:extLst>
+        </p:spPr>
+      </p:pic>
+      <p:sp>
+        <p:nvSpPr>
+          <p:cNvPr id="51" name="TextBox 9">
+            <a:extLst>
+              <a:ext uri="{FF2B5EF4-FFF2-40B4-BE49-F238E27FC236}">
+                <a16:creationId xmlns:a16="http://schemas.microsoft.com/office/drawing/2014/main" id="{DB85C0B5-5239-4884-BA2A-8CF780590CB3}"/>
+              </a:ext>
+            </a:extLst>
+          </p:cNvPr>
+          <p:cNvSpPr txBox="1">
+            <a:spLocks noChangeArrowheads="1"/>
+          </p:cNvSpPr>
+          <p:nvPr/>
+        </p:nvSpPr>
+        <p:spPr bwMode="auto">
+          <a:xfrm>
+            <a:off x="2664168" y="4645338"/>
+            <a:ext cx="1198474" cy="415498"/>
+          </a:xfrm>
+          <a:prstGeom prst="rect">
+            <a:avLst/>
+          </a:prstGeom>
+          <a:noFill/>
+          <a:ln>
+            <a:noFill/>
+          </a:ln>
+          <a:extLst>
+            <a:ext uri="{909E8E84-426E-40DD-AFC4-6F175D3DCCD1}">
+              <a14:hiddenFill xmlns:a14="http://schemas.microsoft.com/office/drawing/2010/main">
+                <a:solidFill>
+                  <a:srgbClr val="FFFFFF"/>
+                </a:solidFill>
+              </a14:hiddenFill>
+            </a:ext>
+            <a:ext uri="{91240B29-F687-4F45-9708-019B960494DF}">
+              <a14:hiddenLine xmlns:a14="http://schemas.microsoft.com/office/drawing/2010/main" w="9525">
+                <a:solidFill>
+                  <a:srgbClr val="000000"/>
+                </a:solidFill>
+                <a:miter lim="800000"/>
+                <a:headEnd/>
+                <a:tailEnd/>
+              </a14:hiddenLine>
+            </a:ext>
+          </a:extLst>
+        </p:spPr>
+        <p:txBody>
+          <a:bodyPr wrap="square">
+            <a:spAutoFit/>
+          </a:bodyPr>
+          <a:lstStyle>
+            <a:lvl1pPr>
+              <a:defRPr>
+                <a:solidFill>
+                  <a:schemeClr val="tx1"/>
+                </a:solidFill>
+                <a:latin typeface="Calibri" panose="020F0502020204030204" pitchFamily="34" charset="0"/>
+              </a:defRPr>
+            </a:lvl1pPr>
+            <a:lvl2pPr marL="742950" indent="-285750">
+              <a:defRPr>
+                <a:solidFill>
+                  <a:schemeClr val="tx1"/>
+                </a:solidFill>
+                <a:latin typeface="Calibri" panose="020F0502020204030204" pitchFamily="34" charset="0"/>
+              </a:defRPr>
+            </a:lvl2pPr>
+            <a:lvl3pPr marL="1143000" indent="-228600">
+              <a:defRPr>
+                <a:solidFill>
+                  <a:schemeClr val="tx1"/>
+                </a:solidFill>
+                <a:latin typeface="Calibri" panose="020F0502020204030204" pitchFamily="34" charset="0"/>
+              </a:defRPr>
+            </a:lvl3pPr>
+            <a:lvl4pPr marL="1600200" indent="-228600">
+              <a:defRPr>
+                <a:solidFill>
+                  <a:schemeClr val="tx1"/>
+                </a:solidFill>
+                <a:latin typeface="Calibri" panose="020F0502020204030204" pitchFamily="34" charset="0"/>
+              </a:defRPr>
+            </a:lvl4pPr>
+            <a:lvl5pPr marL="2057400" indent="-228600">
+              <a:defRPr>
+                <a:solidFill>
+                  <a:schemeClr val="tx1"/>
+                </a:solidFill>
+                <a:latin typeface="Calibri" panose="020F0502020204030204" pitchFamily="34" charset="0"/>
+              </a:defRPr>
+            </a:lvl5pPr>
+            <a:lvl6pPr marL="2514600" indent="-228600" eaLnBrk="0" fontAlgn="base" hangingPunct="0">
+              <a:spcBef>
+                <a:spcPct val="0"/>
+              </a:spcBef>
+              <a:spcAft>
+                <a:spcPct val="0"/>
+              </a:spcAft>
+              <a:defRPr>
+                <a:solidFill>
+                  <a:schemeClr val="tx1"/>
+                </a:solidFill>
+                <a:latin typeface="Calibri" panose="020F0502020204030204" pitchFamily="34" charset="0"/>
+              </a:defRPr>
+            </a:lvl6pPr>
+            <a:lvl7pPr marL="2971800" indent="-228600" eaLnBrk="0" fontAlgn="base" hangingPunct="0">
+              <a:spcBef>
+                <a:spcPct val="0"/>
+              </a:spcBef>
+              <a:spcAft>
+                <a:spcPct val="0"/>
+              </a:spcAft>
+              <a:defRPr>
+                <a:solidFill>
+                  <a:schemeClr val="tx1"/>
+                </a:solidFill>
+                <a:latin typeface="Calibri" panose="020F0502020204030204" pitchFamily="34" charset="0"/>
+              </a:defRPr>
+            </a:lvl7pPr>
+            <a:lvl8pPr marL="3429000" indent="-228600" eaLnBrk="0" fontAlgn="base" hangingPunct="0">
+              <a:spcBef>
+                <a:spcPct val="0"/>
+              </a:spcBef>
+              <a:spcAft>
+                <a:spcPct val="0"/>
+              </a:spcAft>
+              <a:defRPr>
+                <a:solidFill>
+                  <a:schemeClr val="tx1"/>
+                </a:solidFill>
+                <a:latin typeface="Calibri" panose="020F0502020204030204" pitchFamily="34" charset="0"/>
+              </a:defRPr>
+            </a:lvl8pPr>
+            <a:lvl9pPr marL="3886200" indent="-228600" eaLnBrk="0" fontAlgn="base" hangingPunct="0">
+              <a:spcBef>
+                <a:spcPct val="0"/>
+              </a:spcBef>
+              <a:spcAft>
+                <a:spcPct val="0"/>
+              </a:spcAft>
+              <a:defRPr>
+                <a:solidFill>
+                  <a:schemeClr val="tx1"/>
+                </a:solidFill>
+                <a:latin typeface="Calibri" panose="020F0502020204030204" pitchFamily="34" charset="0"/>
+              </a:defRPr>
+            </a:lvl9pPr>
+          </a:lstStyle>
+          <a:p>
+            <a:pPr algn="ctr" eaLnBrk="1" hangingPunct="1"/>
+            <a:r>
+              <a:rPr lang="en-US" altLang="en-US" sz="1050" dirty="0">
+                <a:latin typeface="Arial" panose="020B0604020202020204" pitchFamily="34" charset="0"/>
+                <a:ea typeface="Amazon Ember" panose="020B0603020204020204" pitchFamily="34" charset="0"/>
+                <a:cs typeface="Arial" panose="020B0604020202020204" pitchFamily="34" charset="0"/>
+              </a:rPr>
+              <a:t>Amazon API Gateway</a:t>
+            </a:r>
+          </a:p>
+        </p:txBody>
+      </p:sp>
+      <p:pic>
+        <p:nvPicPr>
+          <p:cNvPr id="52" name="Graphic 23">
+            <a:extLst>
+              <a:ext uri="{FF2B5EF4-FFF2-40B4-BE49-F238E27FC236}">
+                <a16:creationId xmlns:a16="http://schemas.microsoft.com/office/drawing/2014/main" id="{32436727-7B71-49C8-8E86-BF5073C2DBBD}"/>
+              </a:ext>
+            </a:extLst>
+          </p:cNvPr>
+          <p:cNvPicPr>
+            <a:picLocks noChangeAspect="1" noChangeArrowheads="1"/>
+          </p:cNvPicPr>
+          <p:nvPr/>
+        </p:nvPicPr>
+        <p:blipFill>
+          <a:blip r:embed="rId30">
+            <a:extLst>
+              <a:ext uri="{96DAC541-7B7A-43D3-8B79-37D633B846F1}">
+                <asvg:svgBlip xmlns:asvg="http://schemas.microsoft.com/office/drawing/2016/SVG/main" r:embed="rId31"/>
+              </a:ext>
+            </a:extLst>
+          </a:blip>
+          <a:srcRect/>
+          <a:stretch/>
+        </p:blipFill>
+        <p:spPr bwMode="auto">
+          <a:xfrm flipH="1">
+            <a:off x="589447" y="4317472"/>
+            <a:ext cx="457200" cy="457200"/>
+          </a:xfrm>
+          <a:prstGeom prst="rect">
+            <a:avLst/>
+          </a:prstGeom>
+          <a:noFill/>
+          <a:ln>
+            <a:noFill/>
+          </a:ln>
+          <a:extLst>
+            <a:ext uri="{909E8E84-426E-40DD-AFC4-6F175D3DCCD1}">
+              <a14:hiddenFill xmlns:a14="http://schemas.microsoft.com/office/drawing/2010/main">
+                <a:solidFill>
+                  <a:srgbClr val="FFFFFF"/>
+                </a:solidFill>
+              </a14:hiddenFill>
+            </a:ext>
+            <a:ext uri="{91240B29-F687-4F45-9708-019B960494DF}">
+              <a14:hiddenLine xmlns:a14="http://schemas.microsoft.com/office/drawing/2010/main" w="9525">
+                <a:solidFill>
+                  <a:srgbClr val="000000"/>
+                </a:solidFill>
+                <a:miter lim="800000"/>
+                <a:headEnd/>
+                <a:tailEnd/>
+              </a14:hiddenLine>
+            </a:ext>
+          </a:extLst>
+        </p:spPr>
+      </p:pic>
+      <p:sp>
+        <p:nvSpPr>
+          <p:cNvPr id="53" name="TextBox 40">
+            <a:extLst>
+              <a:ext uri="{FF2B5EF4-FFF2-40B4-BE49-F238E27FC236}">
+                <a16:creationId xmlns:a16="http://schemas.microsoft.com/office/drawing/2014/main" id="{9FAB52EA-F133-4FE8-89A8-13216AED8AA9}"/>
+              </a:ext>
+            </a:extLst>
+          </p:cNvPr>
+          <p:cNvSpPr txBox="1">
+            <a:spLocks noChangeArrowheads="1"/>
+          </p:cNvSpPr>
+          <p:nvPr/>
+        </p:nvSpPr>
+        <p:spPr bwMode="auto">
+          <a:xfrm>
+            <a:off x="281472" y="5010992"/>
+            <a:ext cx="1073150" cy="253916"/>
+          </a:xfrm>
+          <a:prstGeom prst="rect">
+            <a:avLst/>
+          </a:prstGeom>
+          <a:noFill/>
+          <a:ln>
+            <a:noFill/>
+          </a:ln>
+          <a:extLst>
+            <a:ext uri="{909E8E84-426E-40DD-AFC4-6F175D3DCCD1}">
+              <a14:hiddenFill xmlns:a14="http://schemas.microsoft.com/office/drawing/2010/main">
+                <a:solidFill>
+                  <a:srgbClr val="FFFFFF"/>
+                </a:solidFill>
+              </a14:hiddenFill>
+            </a:ext>
+            <a:ext uri="{91240B29-F687-4F45-9708-019B960494DF}">
+              <a14:hiddenLine xmlns:a14="http://schemas.microsoft.com/office/drawing/2010/main" w="9525">
+                <a:solidFill>
+                  <a:srgbClr val="000000"/>
+                </a:solidFill>
+                <a:miter lim="800000"/>
+                <a:headEnd/>
+                <a:tailEnd/>
+              </a14:hiddenLine>
+            </a:ext>
+          </a:extLst>
+        </p:spPr>
+        <p:txBody>
           <a:bodyPr>
             <a:spAutoFit/>
           </a:bodyPr>
@@ -4230,10 +5583,7 @@
           <a:p>
             <a:pPr algn="ctr" eaLnBrk="1" hangingPunct="1"/>
             <a:r>
-              <a:rPr lang="en-US" altLang="en-US" sz="1000" dirty="0">
-                <a:solidFill>
-                  <a:srgbClr val="000000"/>
-                </a:solidFill>
+              <a:rPr lang="en-US" altLang="en-US" sz="1050" dirty="0">
                 <a:latin typeface="Arial" panose="020B0604020202020204" pitchFamily="34" charset="0"/>
                 <a:cs typeface="Arial" panose="020B0604020202020204" pitchFamily="34" charset="0"/>
               </a:rPr>
@@ -4244,37 +5594,695 @@
       </p:sp>
       <p:cxnSp>
         <p:nvCxnSpPr>
-          <p:cNvPr id="399" name="Connector: Elbow 398">
-            <a:extLst>
-              <a:ext uri="{FF2B5EF4-FFF2-40B4-BE49-F238E27FC236}">
-                <a16:creationId xmlns:a16="http://schemas.microsoft.com/office/drawing/2014/main" id="{8A563248-760E-40CD-B2BE-5CFA942428A6}"/>
+          <p:cNvPr id="54" name="Straight Arrow Connector 53">
+            <a:extLst>
+              <a:ext uri="{FF2B5EF4-FFF2-40B4-BE49-F238E27FC236}">
+                <a16:creationId xmlns:a16="http://schemas.microsoft.com/office/drawing/2014/main" id="{B20189D1-B2DF-4211-8ADC-62AEDA0BABBE}"/>
               </a:ext>
             </a:extLst>
           </p:cNvPr>
           <p:cNvCxnSpPr>
             <a:cxnSpLocks/>
-            <a:stCxn id="393" idx="1"/>
-            <a:endCxn id="182" idx="1"/>
+            <a:endCxn id="50" idx="1"/>
+          </p:cNvCxnSpPr>
+          <p:nvPr/>
+        </p:nvCxnSpPr>
+        <p:spPr>
+          <a:xfrm flipV="1">
+            <a:off x="1091846" y="4473661"/>
+            <a:ext cx="1960104" cy="6501"/>
+          </a:xfrm>
+          <a:prstGeom prst="straightConnector1">
+            <a:avLst/>
+          </a:prstGeom>
+          <a:ln w="15875">
+            <a:solidFill>
+              <a:schemeClr val="tx1"/>
+            </a:solidFill>
+            <a:headEnd type="none" w="med" len="sm"/>
+            <a:tailEnd type="arrow" w="med" len="sm"/>
+          </a:ln>
+        </p:spPr>
+        <p:style>
+          <a:lnRef idx="1">
+            <a:schemeClr val="accent1"/>
+          </a:lnRef>
+          <a:fillRef idx="0">
+            <a:schemeClr val="accent1"/>
+          </a:fillRef>
+          <a:effectRef idx="0">
+            <a:schemeClr val="accent1"/>
+          </a:effectRef>
+          <a:fontRef idx="minor">
+            <a:schemeClr val="tx1"/>
+          </a:fontRef>
+        </p:style>
+      </p:cxnSp>
+      <p:sp>
+        <p:nvSpPr>
+          <p:cNvPr id="55" name="TextBox 22">
+            <a:extLst>
+              <a:ext uri="{FF2B5EF4-FFF2-40B4-BE49-F238E27FC236}">
+                <a16:creationId xmlns:a16="http://schemas.microsoft.com/office/drawing/2014/main" id="{6386E3B5-87AF-4356-B530-58D7B6A4E778}"/>
+              </a:ext>
+            </a:extLst>
+          </p:cNvPr>
+          <p:cNvSpPr txBox="1">
+            <a:spLocks noChangeArrowheads="1"/>
+          </p:cNvSpPr>
+          <p:nvPr/>
+        </p:nvSpPr>
+        <p:spPr bwMode="auto">
+          <a:xfrm>
+            <a:off x="8625554" y="2508640"/>
+            <a:ext cx="1145068" cy="369332"/>
+          </a:xfrm>
+          <a:prstGeom prst="rect">
+            <a:avLst/>
+          </a:prstGeom>
+          <a:noFill/>
+          <a:ln>
+            <a:noFill/>
+          </a:ln>
+          <a:extLst>
+            <a:ext uri="{909E8E84-426E-40DD-AFC4-6F175D3DCCD1}">
+              <a14:hiddenFill xmlns:a14="http://schemas.microsoft.com/office/drawing/2010/main">
+                <a:solidFill>
+                  <a:srgbClr val="FFFFFF"/>
+                </a:solidFill>
+              </a14:hiddenFill>
+            </a:ext>
+            <a:ext uri="{91240B29-F687-4F45-9708-019B960494DF}">
+              <a14:hiddenLine xmlns:a14="http://schemas.microsoft.com/office/drawing/2010/main" w="9525">
+                <a:solidFill>
+                  <a:srgbClr val="000000"/>
+                </a:solidFill>
+                <a:miter lim="800000"/>
+                <a:headEnd/>
+                <a:tailEnd/>
+              </a14:hiddenLine>
+            </a:ext>
+          </a:extLst>
+        </p:spPr>
+        <p:txBody>
+          <a:bodyPr wrap="square">
+            <a:spAutoFit/>
+          </a:bodyPr>
+          <a:lstStyle>
+            <a:lvl1pPr>
+              <a:defRPr>
+                <a:solidFill>
+                  <a:schemeClr val="tx1"/>
+                </a:solidFill>
+                <a:latin typeface="Calibri" panose="020F0502020204030204" pitchFamily="34" charset="0"/>
+              </a:defRPr>
+            </a:lvl1pPr>
+            <a:lvl2pPr marL="742950" indent="-285750">
+              <a:defRPr>
+                <a:solidFill>
+                  <a:schemeClr val="tx1"/>
+                </a:solidFill>
+                <a:latin typeface="Calibri" panose="020F0502020204030204" pitchFamily="34" charset="0"/>
+              </a:defRPr>
+            </a:lvl2pPr>
+            <a:lvl3pPr marL="1143000" indent="-228600">
+              <a:defRPr>
+                <a:solidFill>
+                  <a:schemeClr val="tx1"/>
+                </a:solidFill>
+                <a:latin typeface="Calibri" panose="020F0502020204030204" pitchFamily="34" charset="0"/>
+              </a:defRPr>
+            </a:lvl3pPr>
+            <a:lvl4pPr marL="1600200" indent="-228600">
+              <a:defRPr>
+                <a:solidFill>
+                  <a:schemeClr val="tx1"/>
+                </a:solidFill>
+                <a:latin typeface="Calibri" panose="020F0502020204030204" pitchFamily="34" charset="0"/>
+              </a:defRPr>
+            </a:lvl4pPr>
+            <a:lvl5pPr marL="2057400" indent="-228600">
+              <a:defRPr>
+                <a:solidFill>
+                  <a:schemeClr val="tx1"/>
+                </a:solidFill>
+                <a:latin typeface="Calibri" panose="020F0502020204030204" pitchFamily="34" charset="0"/>
+              </a:defRPr>
+            </a:lvl5pPr>
+            <a:lvl6pPr marL="2514600" indent="-228600" eaLnBrk="0" fontAlgn="base" hangingPunct="0">
+              <a:spcBef>
+                <a:spcPct val="0"/>
+              </a:spcBef>
+              <a:spcAft>
+                <a:spcPct val="0"/>
+              </a:spcAft>
+              <a:defRPr>
+                <a:solidFill>
+                  <a:schemeClr val="tx1"/>
+                </a:solidFill>
+                <a:latin typeface="Calibri" panose="020F0502020204030204" pitchFamily="34" charset="0"/>
+              </a:defRPr>
+            </a:lvl6pPr>
+            <a:lvl7pPr marL="2971800" indent="-228600" eaLnBrk="0" fontAlgn="base" hangingPunct="0">
+              <a:spcBef>
+                <a:spcPct val="0"/>
+              </a:spcBef>
+              <a:spcAft>
+                <a:spcPct val="0"/>
+              </a:spcAft>
+              <a:defRPr>
+                <a:solidFill>
+                  <a:schemeClr val="tx1"/>
+                </a:solidFill>
+                <a:latin typeface="Calibri" panose="020F0502020204030204" pitchFamily="34" charset="0"/>
+              </a:defRPr>
+            </a:lvl7pPr>
+            <a:lvl8pPr marL="3429000" indent="-228600" eaLnBrk="0" fontAlgn="base" hangingPunct="0">
+              <a:spcBef>
+                <a:spcPct val="0"/>
+              </a:spcBef>
+              <a:spcAft>
+                <a:spcPct val="0"/>
+              </a:spcAft>
+              <a:defRPr>
+                <a:solidFill>
+                  <a:schemeClr val="tx1"/>
+                </a:solidFill>
+                <a:latin typeface="Calibri" panose="020F0502020204030204" pitchFamily="34" charset="0"/>
+              </a:defRPr>
+            </a:lvl8pPr>
+            <a:lvl9pPr marL="3886200" indent="-228600" eaLnBrk="0" fontAlgn="base" hangingPunct="0">
+              <a:spcBef>
+                <a:spcPct val="0"/>
+              </a:spcBef>
+              <a:spcAft>
+                <a:spcPct val="0"/>
+              </a:spcAft>
+              <a:defRPr>
+                <a:solidFill>
+                  <a:schemeClr val="tx1"/>
+                </a:solidFill>
+                <a:latin typeface="Calibri" panose="020F0502020204030204" pitchFamily="34" charset="0"/>
+              </a:defRPr>
+            </a:lvl9pPr>
+          </a:lstStyle>
+          <a:p>
+            <a:pPr algn="ctr" eaLnBrk="1" hangingPunct="1"/>
+            <a:r>
+              <a:rPr lang="en-US" altLang="en-US" sz="900" dirty="0">
+                <a:latin typeface="Arial" panose="020B0604020202020204" pitchFamily="34" charset="0"/>
+                <a:ea typeface="Amazon Ember" panose="020B0603020204020204" pitchFamily="34" charset="0"/>
+                <a:cs typeface="Arial" panose="020B0604020202020204" pitchFamily="34" charset="0"/>
+              </a:rPr>
+              <a:t>Network Load </a:t>
+            </a:r>
+            <a:br>
+              <a:rPr lang="en-US" altLang="en-US" sz="900" dirty="0">
+                <a:latin typeface="Arial" panose="020B0604020202020204" pitchFamily="34" charset="0"/>
+                <a:ea typeface="Amazon Ember" panose="020B0603020204020204" pitchFamily="34" charset="0"/>
+                <a:cs typeface="Arial" panose="020B0604020202020204" pitchFamily="34" charset="0"/>
+              </a:rPr>
+            </a:br>
+            <a:r>
+              <a:rPr lang="en-US" altLang="en-US" sz="900" dirty="0">
+                <a:latin typeface="Arial" panose="020B0604020202020204" pitchFamily="34" charset="0"/>
+                <a:ea typeface="Amazon Ember" panose="020B0603020204020204" pitchFamily="34" charset="0"/>
+                <a:cs typeface="Arial" panose="020B0604020202020204" pitchFamily="34" charset="0"/>
+              </a:rPr>
+              <a:t>Balancer</a:t>
+            </a:r>
+          </a:p>
+        </p:txBody>
+      </p:sp>
+      <p:pic>
+        <p:nvPicPr>
+          <p:cNvPr id="56" name="Graphic 55">
+            <a:extLst>
+              <a:ext uri="{FF2B5EF4-FFF2-40B4-BE49-F238E27FC236}">
+                <a16:creationId xmlns:a16="http://schemas.microsoft.com/office/drawing/2014/main" id="{4F6E13BC-E8F6-4FE3-B7FD-8963F5B7D9A0}"/>
+              </a:ext>
+            </a:extLst>
+          </p:cNvPr>
+          <p:cNvPicPr>
+            <a:picLocks noChangeAspect="1"/>
+          </p:cNvPicPr>
+          <p:nvPr/>
+        </p:nvPicPr>
+        <p:blipFill>
+          <a:blip r:embed="rId32">
+            <a:extLst>
+              <a:ext uri="{96DAC541-7B7A-43D3-8B79-37D633B846F1}">
+                <asvg:svgBlip xmlns:asvg="http://schemas.microsoft.com/office/drawing/2016/SVG/main" r:embed="rId33"/>
+              </a:ext>
+            </a:extLst>
+          </a:blip>
+          <a:stretch>
+            <a:fillRect/>
+          </a:stretch>
+        </p:blipFill>
+        <p:spPr>
+          <a:xfrm>
+            <a:off x="9015617" y="2102458"/>
+            <a:ext cx="369332" cy="369332"/>
+          </a:xfrm>
+          <a:prstGeom prst="rect">
+            <a:avLst/>
+          </a:prstGeom>
+        </p:spPr>
+      </p:pic>
+      <p:sp>
+        <p:nvSpPr>
+          <p:cNvPr id="57" name="Rectangle 56">
+            <a:extLst>
+              <a:ext uri="{FF2B5EF4-FFF2-40B4-BE49-F238E27FC236}">
+                <a16:creationId xmlns:a16="http://schemas.microsoft.com/office/drawing/2014/main" id="{643031CD-FEA2-4DCC-BD21-8EB9630B239B}"/>
+              </a:ext>
+            </a:extLst>
+          </p:cNvPr>
+          <p:cNvSpPr/>
+          <p:nvPr/>
+        </p:nvSpPr>
+        <p:spPr>
+          <a:xfrm>
+            <a:off x="2601995" y="2599426"/>
+            <a:ext cx="3206502" cy="3390951"/>
+          </a:xfrm>
+          <a:prstGeom prst="rect">
+            <a:avLst/>
+          </a:prstGeom>
+          <a:noFill/>
+          <a:ln w="15875">
+            <a:solidFill>
+              <a:srgbClr val="7D8998"/>
+            </a:solidFill>
+            <a:prstDash val="solid"/>
+          </a:ln>
+        </p:spPr>
+        <p:style>
+          <a:lnRef idx="2">
+            <a:schemeClr val="accent1">
+              <a:shade val="50000"/>
+            </a:schemeClr>
+          </a:lnRef>
+          <a:fillRef idx="1">
+            <a:schemeClr val="accent1"/>
+          </a:fillRef>
+          <a:effectRef idx="0">
+            <a:schemeClr val="accent1"/>
+          </a:effectRef>
+          <a:fontRef idx="minor">
+            <a:schemeClr val="lt1"/>
+          </a:fontRef>
+        </p:style>
+        <p:txBody>
+          <a:bodyPr lIns="324000" tIns="91440"/>
+          <a:lstStyle/>
+          <a:p>
+            <a:pPr eaLnBrk="1" hangingPunct="1"/>
+            <a:r>
+              <a:rPr lang="en-US" altLang="en-US" sz="1000" dirty="0">
+                <a:solidFill>
+                  <a:schemeClr val="tx1"/>
+                </a:solidFill>
+                <a:latin typeface="Arial" panose="020B0604020202020204" pitchFamily="34" charset="0"/>
+                <a:ea typeface="Amazon Ember" panose="020B0603020204020204" pitchFamily="34" charset="0"/>
+                <a:cs typeface="Arial" panose="020B0604020202020204" pitchFamily="34" charset="0"/>
+              </a:rPr>
+              <a:t>Refactor Spaces environment</a:t>
+            </a:r>
+          </a:p>
+        </p:txBody>
+      </p:sp>
+      <p:sp>
+        <p:nvSpPr>
+          <p:cNvPr id="60" name="Rectangle 59">
+            <a:extLst>
+              <a:ext uri="{FF2B5EF4-FFF2-40B4-BE49-F238E27FC236}">
+                <a16:creationId xmlns:a16="http://schemas.microsoft.com/office/drawing/2014/main" id="{8FC30DAF-4C15-4F63-BB01-A75B7252D36E}"/>
+              </a:ext>
+            </a:extLst>
+          </p:cNvPr>
+          <p:cNvSpPr/>
+          <p:nvPr/>
+        </p:nvSpPr>
+        <p:spPr>
+          <a:xfrm>
+            <a:off x="2701419" y="3867302"/>
+            <a:ext cx="2991298" cy="2007444"/>
+          </a:xfrm>
+          <a:prstGeom prst="rect">
+            <a:avLst/>
+          </a:prstGeom>
+          <a:noFill/>
+          <a:ln w="15875">
+            <a:solidFill>
+              <a:srgbClr val="7D8998"/>
+            </a:solidFill>
+            <a:prstDash val="dash"/>
+          </a:ln>
+        </p:spPr>
+        <p:style>
+          <a:lnRef idx="2">
+            <a:schemeClr val="accent1">
+              <a:shade val="50000"/>
+            </a:schemeClr>
+          </a:lnRef>
+          <a:fillRef idx="1">
+            <a:schemeClr val="accent1"/>
+          </a:fillRef>
+          <a:effectRef idx="0">
+            <a:schemeClr val="accent1"/>
+          </a:effectRef>
+          <a:fontRef idx="minor">
+            <a:schemeClr val="lt1"/>
+          </a:fontRef>
+        </p:style>
+        <p:txBody>
+          <a:bodyPr lIns="324000" tIns="91440"/>
+          <a:lstStyle/>
+          <a:p>
+            <a:pPr>
+              <a:defRPr/>
+            </a:pPr>
+            <a:r>
+              <a:rPr lang="en-US" altLang="en-US" sz="1000" dirty="0">
+                <a:solidFill>
+                  <a:schemeClr val="tx1"/>
+                </a:solidFill>
+                <a:latin typeface="Arial" panose="020B0604020202020204" pitchFamily="34" charset="0"/>
+                <a:ea typeface="Amazon Ember" panose="020B0603020204020204" pitchFamily="34" charset="0"/>
+                <a:cs typeface="Arial" panose="020B0604020202020204" pitchFamily="34" charset="0"/>
+              </a:rPr>
+              <a:t>Refactor Spaces application</a:t>
+            </a:r>
+          </a:p>
+        </p:txBody>
+      </p:sp>
+      <p:cxnSp>
+        <p:nvCxnSpPr>
+          <p:cNvPr id="61" name="Elbow Connector 22">
+            <a:extLst>
+              <a:ext uri="{FF2B5EF4-FFF2-40B4-BE49-F238E27FC236}">
+                <a16:creationId xmlns:a16="http://schemas.microsoft.com/office/drawing/2014/main" id="{4CD2653E-D453-4738-B2EF-9B9716BC45E1}"/>
+              </a:ext>
+            </a:extLst>
+          </p:cNvPr>
+          <p:cNvCxnSpPr>
+            <a:cxnSpLocks/>
+            <a:stCxn id="50" idx="3"/>
+            <a:endCxn id="49" idx="1"/>
+          </p:cNvCxnSpPr>
+          <p:nvPr/>
+        </p:nvCxnSpPr>
+        <p:spPr>
+          <a:xfrm flipV="1">
+            <a:off x="3458702" y="4473312"/>
+            <a:ext cx="1082405" cy="349"/>
+          </a:xfrm>
+          <a:prstGeom prst="bentConnector3">
+            <a:avLst>
+              <a:gd name="adj1" fmla="val 50000"/>
+            </a:avLst>
+          </a:prstGeom>
+          <a:ln w="15875">
+            <a:solidFill>
+              <a:schemeClr val="tx1"/>
+            </a:solidFill>
+            <a:headEnd type="none" w="med" len="sm"/>
+            <a:tailEnd type="arrow" w="med" len="sm"/>
+          </a:ln>
+        </p:spPr>
+        <p:style>
+          <a:lnRef idx="1">
+            <a:schemeClr val="accent1"/>
+          </a:lnRef>
+          <a:fillRef idx="0">
+            <a:schemeClr val="accent1"/>
+          </a:fillRef>
+          <a:effectRef idx="0">
+            <a:schemeClr val="accent1"/>
+          </a:effectRef>
+          <a:fontRef idx="minor">
+            <a:schemeClr val="tx1"/>
+          </a:fontRef>
+        </p:style>
+      </p:cxnSp>
+      <p:sp>
+        <p:nvSpPr>
+          <p:cNvPr id="62" name="TextBox 15">
+            <a:extLst>
+              <a:ext uri="{FF2B5EF4-FFF2-40B4-BE49-F238E27FC236}">
+                <a16:creationId xmlns:a16="http://schemas.microsoft.com/office/drawing/2014/main" id="{D2623317-193E-44F1-912D-FA9F9B023D03}"/>
+              </a:ext>
+            </a:extLst>
+          </p:cNvPr>
+          <p:cNvSpPr txBox="1">
+            <a:spLocks noChangeArrowheads="1"/>
+          </p:cNvSpPr>
+          <p:nvPr/>
+        </p:nvSpPr>
+        <p:spPr bwMode="auto">
+          <a:xfrm>
+            <a:off x="3624665" y="5379673"/>
+            <a:ext cx="2024359" cy="369332"/>
+          </a:xfrm>
+          <a:prstGeom prst="rect">
+            <a:avLst/>
+          </a:prstGeom>
+          <a:noFill/>
+          <a:ln>
+            <a:noFill/>
+          </a:ln>
+          <a:extLst>
+            <a:ext uri="{909E8E84-426E-40DD-AFC4-6F175D3DCCD1}">
+              <a14:hiddenFill xmlns:a14="http://schemas.microsoft.com/office/drawing/2010/main">
+                <a:solidFill>
+                  <a:srgbClr val="FFFFFF"/>
+                </a:solidFill>
+              </a14:hiddenFill>
+            </a:ext>
+            <a:ext uri="{91240B29-F687-4F45-9708-019B960494DF}">
+              <a14:hiddenLine xmlns:a14="http://schemas.microsoft.com/office/drawing/2010/main" w="9525">
+                <a:solidFill>
+                  <a:srgbClr val="000000"/>
+                </a:solidFill>
+                <a:miter lim="800000"/>
+                <a:headEnd/>
+                <a:tailEnd/>
+              </a14:hiddenLine>
+            </a:ext>
+          </a:extLst>
+        </p:spPr>
+        <p:txBody>
+          <a:bodyPr wrap="square">
+            <a:spAutoFit/>
+          </a:bodyPr>
+          <a:lstStyle>
+            <a:lvl1pPr>
+              <a:defRPr>
+                <a:solidFill>
+                  <a:schemeClr val="tx1"/>
+                </a:solidFill>
+                <a:latin typeface="Calibri" panose="020F0502020204030204" pitchFamily="34" charset="0"/>
+              </a:defRPr>
+            </a:lvl1pPr>
+            <a:lvl2pPr marL="742950" indent="-285750">
+              <a:defRPr>
+                <a:solidFill>
+                  <a:schemeClr val="tx1"/>
+                </a:solidFill>
+                <a:latin typeface="Calibri" panose="020F0502020204030204" pitchFamily="34" charset="0"/>
+              </a:defRPr>
+            </a:lvl2pPr>
+            <a:lvl3pPr marL="1143000" indent="-228600">
+              <a:defRPr>
+                <a:solidFill>
+                  <a:schemeClr val="tx1"/>
+                </a:solidFill>
+                <a:latin typeface="Calibri" panose="020F0502020204030204" pitchFamily="34" charset="0"/>
+              </a:defRPr>
+            </a:lvl3pPr>
+            <a:lvl4pPr marL="1600200" indent="-228600">
+              <a:defRPr>
+                <a:solidFill>
+                  <a:schemeClr val="tx1"/>
+                </a:solidFill>
+                <a:latin typeface="Calibri" panose="020F0502020204030204" pitchFamily="34" charset="0"/>
+              </a:defRPr>
+            </a:lvl4pPr>
+            <a:lvl5pPr marL="2057400" indent="-228600">
+              <a:defRPr>
+                <a:solidFill>
+                  <a:schemeClr val="tx1"/>
+                </a:solidFill>
+                <a:latin typeface="Calibri" panose="020F0502020204030204" pitchFamily="34" charset="0"/>
+              </a:defRPr>
+            </a:lvl5pPr>
+            <a:lvl6pPr marL="2514600" indent="-228600" eaLnBrk="0" fontAlgn="base" hangingPunct="0">
+              <a:spcBef>
+                <a:spcPct val="0"/>
+              </a:spcBef>
+              <a:spcAft>
+                <a:spcPct val="0"/>
+              </a:spcAft>
+              <a:defRPr>
+                <a:solidFill>
+                  <a:schemeClr val="tx1"/>
+                </a:solidFill>
+                <a:latin typeface="Calibri" panose="020F0502020204030204" pitchFamily="34" charset="0"/>
+              </a:defRPr>
+            </a:lvl6pPr>
+            <a:lvl7pPr marL="2971800" indent="-228600" eaLnBrk="0" fontAlgn="base" hangingPunct="0">
+              <a:spcBef>
+                <a:spcPct val="0"/>
+              </a:spcBef>
+              <a:spcAft>
+                <a:spcPct val="0"/>
+              </a:spcAft>
+              <a:defRPr>
+                <a:solidFill>
+                  <a:schemeClr val="tx1"/>
+                </a:solidFill>
+                <a:latin typeface="Calibri" panose="020F0502020204030204" pitchFamily="34" charset="0"/>
+              </a:defRPr>
+            </a:lvl7pPr>
+            <a:lvl8pPr marL="3429000" indent="-228600" eaLnBrk="0" fontAlgn="base" hangingPunct="0">
+              <a:spcBef>
+                <a:spcPct val="0"/>
+              </a:spcBef>
+              <a:spcAft>
+                <a:spcPct val="0"/>
+              </a:spcAft>
+              <a:defRPr>
+                <a:solidFill>
+                  <a:schemeClr val="tx1"/>
+                </a:solidFill>
+                <a:latin typeface="Calibri" panose="020F0502020204030204" pitchFamily="34" charset="0"/>
+              </a:defRPr>
+            </a:lvl8pPr>
+            <a:lvl9pPr marL="3886200" indent="-228600" eaLnBrk="0" fontAlgn="base" hangingPunct="0">
+              <a:spcBef>
+                <a:spcPct val="0"/>
+              </a:spcBef>
+              <a:spcAft>
+                <a:spcPct val="0"/>
+              </a:spcAft>
+              <a:defRPr>
+                <a:solidFill>
+                  <a:schemeClr val="tx1"/>
+                </a:solidFill>
+                <a:latin typeface="Calibri" panose="020F0502020204030204" pitchFamily="34" charset="0"/>
+              </a:defRPr>
+            </a:lvl9pPr>
+          </a:lstStyle>
+          <a:p>
+            <a:pPr algn="ctr" eaLnBrk="1" hangingPunct="1"/>
+            <a:r>
+              <a:rPr lang="en-US" altLang="en-US" sz="900" dirty="0">
+                <a:latin typeface="Arial" panose="020B0604020202020204" pitchFamily="34" charset="0"/>
+                <a:ea typeface="Amazon Ember" panose="020B0603020204020204" pitchFamily="34" charset="0"/>
+                <a:cs typeface="Arial" panose="020B0604020202020204" pitchFamily="34" charset="0"/>
+              </a:rPr>
+              <a:t>Refactor Spaces </a:t>
+            </a:r>
+          </a:p>
+          <a:p>
+            <a:pPr algn="ctr" eaLnBrk="1" hangingPunct="1"/>
+            <a:r>
+              <a:rPr lang="en-US" altLang="en-US" sz="900" dirty="0">
+                <a:latin typeface="Arial" panose="020B0604020202020204" pitchFamily="34" charset="0"/>
+                <a:ea typeface="Amazon Ember" panose="020B0603020204020204" pitchFamily="34" charset="0"/>
+                <a:cs typeface="Arial" panose="020B0604020202020204" pitchFamily="34" charset="0"/>
+              </a:rPr>
+              <a:t>service (</a:t>
+            </a:r>
+            <a:r>
+              <a:rPr lang="en-US" altLang="en-US" sz="900" dirty="0" err="1">
+                <a:latin typeface="Arial" panose="020B0604020202020204" pitchFamily="34" charset="0"/>
+                <a:ea typeface="Amazon Ember" panose="020B0603020204020204" pitchFamily="34" charset="0"/>
+                <a:cs typeface="Arial" panose="020B0604020202020204" pitchFamily="34" charset="0"/>
+              </a:rPr>
+              <a:t>AddToCart</a:t>
+            </a:r>
+            <a:r>
+              <a:rPr lang="en-US" altLang="en-US" sz="900" dirty="0">
+                <a:latin typeface="Arial" panose="020B0604020202020204" pitchFamily="34" charset="0"/>
+                <a:ea typeface="Amazon Ember" panose="020B0603020204020204" pitchFamily="34" charset="0"/>
+                <a:cs typeface="Arial" panose="020B0604020202020204" pitchFamily="34" charset="0"/>
+              </a:rPr>
+              <a:t>)</a:t>
+            </a:r>
+          </a:p>
+        </p:txBody>
+      </p:sp>
+      <p:pic>
+        <p:nvPicPr>
+          <p:cNvPr id="63" name="Graphic 62">
+            <a:extLst>
+              <a:ext uri="{FF2B5EF4-FFF2-40B4-BE49-F238E27FC236}">
+                <a16:creationId xmlns:a16="http://schemas.microsoft.com/office/drawing/2014/main" id="{E9840B1D-4762-4E2D-8E28-277253A751F8}"/>
+              </a:ext>
+            </a:extLst>
+          </p:cNvPr>
+          <p:cNvPicPr>
+            <a:picLocks noChangeAspect="1"/>
+          </p:cNvPicPr>
+          <p:nvPr/>
+        </p:nvPicPr>
+        <p:blipFill>
+          <a:blip r:embed="rId26">
+            <a:extLst>
+              <a:ext uri="{96DAC541-7B7A-43D3-8B79-37D633B846F1}">
+                <asvg:svgBlip xmlns:asvg="http://schemas.microsoft.com/office/drawing/2016/SVG/main" r:embed="rId27"/>
+              </a:ext>
+            </a:extLst>
+          </a:blip>
+          <a:stretch>
+            <a:fillRect/>
+          </a:stretch>
+        </p:blipFill>
+        <p:spPr>
+          <a:xfrm>
+            <a:off x="4543495" y="5164032"/>
+            <a:ext cx="255886" cy="255886"/>
+          </a:xfrm>
+          <a:prstGeom prst="rect">
+            <a:avLst/>
+          </a:prstGeom>
+        </p:spPr>
+      </p:pic>
+      <p:cxnSp>
+        <p:nvCxnSpPr>
+          <p:cNvPr id="64" name="Elbow Connector 22">
+            <a:extLst>
+              <a:ext uri="{FF2B5EF4-FFF2-40B4-BE49-F238E27FC236}">
+                <a16:creationId xmlns:a16="http://schemas.microsoft.com/office/drawing/2014/main" id="{0BAD62B3-72DB-41CA-AA45-ABC856A972FE}"/>
+              </a:ext>
+            </a:extLst>
+          </p:cNvPr>
+          <p:cNvCxnSpPr>
+            <a:cxnSpLocks/>
+            <a:stCxn id="50" idx="3"/>
+            <a:endCxn id="63" idx="1"/>
           </p:cNvCxnSpPr>
           <p:nvPr/>
         </p:nvCxnSpPr>
         <p:spPr>
           <a:xfrm>
-            <a:off x="1324946" y="4476876"/>
-            <a:ext cx="1815650" cy="2650"/>
+            <a:off x="3458702" y="4473661"/>
+            <a:ext cx="1084793" cy="818314"/>
           </a:xfrm>
           <a:prstGeom prst="bentConnector3">
             <a:avLst>
-              <a:gd name="adj1" fmla="val 50000"/>
+              <a:gd name="adj1" fmla="val 33658"/>
             </a:avLst>
           </a:prstGeom>
-          <a:ln w="19050">
+          <a:ln w="15875">
             <a:solidFill>
-              <a:schemeClr val="accent4">
-                <a:lumMod val="75000"/>
-              </a:schemeClr>
+              <a:schemeClr val="tx1"/>
             </a:solidFill>
-            <a:tailEnd type="triangle"/>
+            <a:headEnd type="none" w="med" len="sm"/>
+            <a:tailEnd type="arrow" w="med" len="sm"/>
           </a:ln>
         </p:spPr>
         <p:style>
@@ -4294,33 +6302,34 @@
       </p:cxnSp>
       <p:cxnSp>
         <p:nvCxnSpPr>
-          <p:cNvPr id="102" name="Connector: Elbow 101">
-            <a:extLst>
-              <a:ext uri="{FF2B5EF4-FFF2-40B4-BE49-F238E27FC236}">
-                <a16:creationId xmlns:a16="http://schemas.microsoft.com/office/drawing/2014/main" id="{CB9E88BE-CF11-487C-B172-F91087273F94}"/>
+          <p:cNvPr id="78" name="Straight Arrow Connector 77">
+            <a:extLst>
+              <a:ext uri="{FF2B5EF4-FFF2-40B4-BE49-F238E27FC236}">
+                <a16:creationId xmlns:a16="http://schemas.microsoft.com/office/drawing/2014/main" id="{B1526F0D-E39F-4FD0-A5DE-89B31DEB5499}"/>
               </a:ext>
             </a:extLst>
           </p:cNvPr>
           <p:cNvCxnSpPr>
             <a:cxnSpLocks/>
-            <a:stCxn id="182" idx="3"/>
-            <a:endCxn id="185" idx="1"/>
+            <a:stCxn id="19" idx="3"/>
+            <a:endCxn id="103" idx="1"/>
           </p:cNvCxnSpPr>
           <p:nvPr/>
         </p:nvCxnSpPr>
         <p:spPr>
           <a:xfrm>
-            <a:off x="3449429" y="4479526"/>
-            <a:ext cx="435107" cy="289532"/>
-          </a:xfrm>
-          <a:prstGeom prst="bentConnector3">
+            <a:off x="5499837" y="3178044"/>
+            <a:ext cx="1142543" cy="3372"/>
+          </a:xfrm>
+          <a:prstGeom prst="straightConnector1">
             <a:avLst/>
           </a:prstGeom>
-          <a:ln w="19050">
+          <a:ln w="15875">
             <a:solidFill>
-              <a:schemeClr val="accent3"/>
+              <a:schemeClr val="tx1"/>
             </a:solidFill>
-            <a:tailEnd type="triangle"/>
+            <a:headEnd type="arrow" w="med" len="sm"/>
+            <a:tailEnd type="none" w="med" len="sm"/>
           </a:ln>
         </p:spPr>
         <p:style>
@@ -4340,35 +6349,36 @@
       </p:cxnSp>
       <p:cxnSp>
         <p:nvCxnSpPr>
-          <p:cNvPr id="106" name="Connector: Elbow 105">
-            <a:extLst>
-              <a:ext uri="{FF2B5EF4-FFF2-40B4-BE49-F238E27FC236}">
-                <a16:creationId xmlns:a16="http://schemas.microsoft.com/office/drawing/2014/main" id="{DB6E6391-D93C-4485-B78E-09C7CB6D601F}"/>
+          <p:cNvPr id="80" name="Elbow Connector 22">
+            <a:extLst>
+              <a:ext uri="{FF2B5EF4-FFF2-40B4-BE49-F238E27FC236}">
+                <a16:creationId xmlns:a16="http://schemas.microsoft.com/office/drawing/2014/main" id="{61602079-3970-4AFC-BEB6-1B88FA48DC79}"/>
               </a:ext>
             </a:extLst>
           </p:cNvPr>
           <p:cNvCxnSpPr>
             <a:cxnSpLocks/>
-            <a:stCxn id="182" idx="3"/>
-            <a:endCxn id="187" idx="1"/>
+            <a:stCxn id="63" idx="3"/>
+            <a:endCxn id="40" idx="1"/>
           </p:cNvCxnSpPr>
           <p:nvPr/>
         </p:nvCxnSpPr>
         <p:spPr>
           <a:xfrm>
-            <a:off x="3449429" y="4479526"/>
-            <a:ext cx="435107" cy="938477"/>
+            <a:off x="4799381" y="5291975"/>
+            <a:ext cx="4165541" cy="586438"/>
           </a:xfrm>
           <a:prstGeom prst="bentConnector3">
             <a:avLst>
-              <a:gd name="adj1" fmla="val 50000"/>
+              <a:gd name="adj1" fmla="val 32926"/>
             </a:avLst>
           </a:prstGeom>
-          <a:ln w="19050">
+          <a:ln w="15875">
             <a:solidFill>
-              <a:schemeClr val="accent3"/>
+              <a:schemeClr val="tx1"/>
             </a:solidFill>
-            <a:tailEnd type="triangle"/>
+            <a:headEnd type="none" w="med" len="sm"/>
+            <a:tailEnd type="arrow" w="med" len="sm"/>
           </a:ln>
         </p:spPr>
         <p:style>
@@ -4388,29 +6398,242 @@
       </p:cxnSp>
       <p:sp>
         <p:nvSpPr>
-          <p:cNvPr id="107" name="Rectangle 106">
-            <a:extLst>
-              <a:ext uri="{FF2B5EF4-FFF2-40B4-BE49-F238E27FC236}">
-                <a16:creationId xmlns:a16="http://schemas.microsoft.com/office/drawing/2014/main" id="{20B1D9CD-AF2B-4CF1-8812-AC47A6D9BE82}"/>
-              </a:ext>
-            </a:extLst>
-          </p:cNvPr>
-          <p:cNvSpPr/>
+          <p:cNvPr id="84" name="TextBox 19">
+            <a:extLst>
+              <a:ext uri="{FF2B5EF4-FFF2-40B4-BE49-F238E27FC236}">
+                <a16:creationId xmlns:a16="http://schemas.microsoft.com/office/drawing/2014/main" id="{E84E6ED0-0965-42EC-9F6E-82F31025D2E9}"/>
+              </a:ext>
+            </a:extLst>
+          </p:cNvPr>
+          <p:cNvSpPr txBox="1">
+            <a:spLocks noChangeArrowheads="1"/>
+          </p:cNvSpPr>
           <p:nvPr/>
         </p:nvSpPr>
-        <p:spPr>
+        <p:spPr bwMode="auto">
           <a:xfrm>
-            <a:off x="2271832" y="2409858"/>
-            <a:ext cx="4149339" cy="3775988"/>
+            <a:off x="8545390" y="3979226"/>
+            <a:ext cx="1313319" cy="369332"/>
           </a:xfrm>
           <a:prstGeom prst="rect">
             <a:avLst/>
           </a:prstGeom>
           <a:noFill/>
-          <a:ln w="12700">
+          <a:ln>
+            <a:noFill/>
+          </a:ln>
+          <a:extLst>
+            <a:ext uri="{909E8E84-426E-40DD-AFC4-6F175D3DCCD1}">
+              <a14:hiddenFill xmlns:a14="http://schemas.microsoft.com/office/drawing/2010/main">
+                <a:solidFill>
+                  <a:srgbClr val="FFFFFF"/>
+                </a:solidFill>
+              </a14:hiddenFill>
+            </a:ext>
+            <a:ext uri="{91240B29-F687-4F45-9708-019B960494DF}">
+              <a14:hiddenLine xmlns:a14="http://schemas.microsoft.com/office/drawing/2010/main" w="9525">
+                <a:solidFill>
+                  <a:srgbClr val="000000"/>
+                </a:solidFill>
+                <a:miter lim="800000"/>
+                <a:headEnd/>
+                <a:tailEnd/>
+              </a14:hiddenLine>
+            </a:ext>
+          </a:extLst>
+        </p:spPr>
+        <p:txBody>
+          <a:bodyPr wrap="square">
+            <a:spAutoFit/>
+          </a:bodyPr>
+          <a:lstStyle>
+            <a:lvl1pPr>
+              <a:defRPr>
+                <a:solidFill>
+                  <a:schemeClr val="tx1"/>
+                </a:solidFill>
+                <a:latin typeface="Calibri" panose="020F0502020204030204" pitchFamily="34" charset="0"/>
+              </a:defRPr>
+            </a:lvl1pPr>
+            <a:lvl2pPr marL="742950" indent="-285750">
+              <a:defRPr>
+                <a:solidFill>
+                  <a:schemeClr val="tx1"/>
+                </a:solidFill>
+                <a:latin typeface="Calibri" panose="020F0502020204030204" pitchFamily="34" charset="0"/>
+              </a:defRPr>
+            </a:lvl2pPr>
+            <a:lvl3pPr marL="1143000" indent="-228600">
+              <a:defRPr>
+                <a:solidFill>
+                  <a:schemeClr val="tx1"/>
+                </a:solidFill>
+                <a:latin typeface="Calibri" panose="020F0502020204030204" pitchFamily="34" charset="0"/>
+              </a:defRPr>
+            </a:lvl3pPr>
+            <a:lvl4pPr marL="1600200" indent="-228600">
+              <a:defRPr>
+                <a:solidFill>
+                  <a:schemeClr val="tx1"/>
+                </a:solidFill>
+                <a:latin typeface="Calibri" panose="020F0502020204030204" pitchFamily="34" charset="0"/>
+              </a:defRPr>
+            </a:lvl4pPr>
+            <a:lvl5pPr marL="2057400" indent="-228600">
+              <a:defRPr>
+                <a:solidFill>
+                  <a:schemeClr val="tx1"/>
+                </a:solidFill>
+                <a:latin typeface="Calibri" panose="020F0502020204030204" pitchFamily="34" charset="0"/>
+              </a:defRPr>
+            </a:lvl5pPr>
+            <a:lvl6pPr marL="2514600" indent="-228600" eaLnBrk="0" fontAlgn="base" hangingPunct="0">
+              <a:spcBef>
+                <a:spcPct val="0"/>
+              </a:spcBef>
+              <a:spcAft>
+                <a:spcPct val="0"/>
+              </a:spcAft>
+              <a:defRPr>
+                <a:solidFill>
+                  <a:schemeClr val="tx1"/>
+                </a:solidFill>
+                <a:latin typeface="Calibri" panose="020F0502020204030204" pitchFamily="34" charset="0"/>
+              </a:defRPr>
+            </a:lvl6pPr>
+            <a:lvl7pPr marL="2971800" indent="-228600" eaLnBrk="0" fontAlgn="base" hangingPunct="0">
+              <a:spcBef>
+                <a:spcPct val="0"/>
+              </a:spcBef>
+              <a:spcAft>
+                <a:spcPct val="0"/>
+              </a:spcAft>
+              <a:defRPr>
+                <a:solidFill>
+                  <a:schemeClr val="tx1"/>
+                </a:solidFill>
+                <a:latin typeface="Calibri" panose="020F0502020204030204" pitchFamily="34" charset="0"/>
+              </a:defRPr>
+            </a:lvl7pPr>
+            <a:lvl8pPr marL="3429000" indent="-228600" eaLnBrk="0" fontAlgn="base" hangingPunct="0">
+              <a:spcBef>
+                <a:spcPct val="0"/>
+              </a:spcBef>
+              <a:spcAft>
+                <a:spcPct val="0"/>
+              </a:spcAft>
+              <a:defRPr>
+                <a:solidFill>
+                  <a:schemeClr val="tx1"/>
+                </a:solidFill>
+                <a:latin typeface="Calibri" panose="020F0502020204030204" pitchFamily="34" charset="0"/>
+              </a:defRPr>
+            </a:lvl8pPr>
+            <a:lvl9pPr marL="3886200" indent="-228600" eaLnBrk="0" fontAlgn="base" hangingPunct="0">
+              <a:spcBef>
+                <a:spcPct val="0"/>
+              </a:spcBef>
+              <a:spcAft>
+                <a:spcPct val="0"/>
+              </a:spcAft>
+              <a:defRPr>
+                <a:solidFill>
+                  <a:schemeClr val="tx1"/>
+                </a:solidFill>
+                <a:latin typeface="Calibri" panose="020F0502020204030204" pitchFamily="34" charset="0"/>
+              </a:defRPr>
+            </a:lvl9pPr>
+          </a:lstStyle>
+          <a:p>
+            <a:pPr algn="ctr" eaLnBrk="1" hangingPunct="1"/>
+            <a:r>
+              <a:rPr lang="en-US" altLang="en-US" sz="900" dirty="0">
+                <a:latin typeface="Arial" panose="020B0604020202020204" pitchFamily="34" charset="0"/>
+                <a:ea typeface="Amazon Ember" panose="020B0603020204020204" pitchFamily="34" charset="0"/>
+                <a:cs typeface="Arial" panose="020B0604020202020204" pitchFamily="34" charset="0"/>
+              </a:rPr>
+              <a:t>Application Load </a:t>
+            </a:r>
+            <a:br>
+              <a:rPr lang="en-US" altLang="en-US" sz="900" dirty="0">
+                <a:latin typeface="Arial" panose="020B0604020202020204" pitchFamily="34" charset="0"/>
+                <a:ea typeface="Amazon Ember" panose="020B0603020204020204" pitchFamily="34" charset="0"/>
+                <a:cs typeface="Arial" panose="020B0604020202020204" pitchFamily="34" charset="0"/>
+              </a:rPr>
+            </a:br>
+            <a:r>
+              <a:rPr lang="en-US" altLang="en-US" sz="900" dirty="0">
+                <a:latin typeface="Arial" panose="020B0604020202020204" pitchFamily="34" charset="0"/>
+                <a:ea typeface="Amazon Ember" panose="020B0603020204020204" pitchFamily="34" charset="0"/>
+                <a:cs typeface="Arial" panose="020B0604020202020204" pitchFamily="34" charset="0"/>
+              </a:rPr>
+              <a:t>Balancer</a:t>
+            </a:r>
+          </a:p>
+        </p:txBody>
+      </p:sp>
+      <p:pic>
+        <p:nvPicPr>
+          <p:cNvPr id="85" name="Graphic 84">
+            <a:extLst>
+              <a:ext uri="{FF2B5EF4-FFF2-40B4-BE49-F238E27FC236}">
+                <a16:creationId xmlns:a16="http://schemas.microsoft.com/office/drawing/2014/main" id="{81A3349A-8FE8-4F4F-BEE3-42D3FF9ADA53}"/>
+              </a:ext>
+            </a:extLst>
+          </p:cNvPr>
+          <p:cNvPicPr>
+            <a:picLocks noChangeAspect="1"/>
+          </p:cNvPicPr>
+          <p:nvPr/>
+        </p:nvPicPr>
+        <p:blipFill>
+          <a:blip r:embed="rId34">
+            <a:extLst>
+              <a:ext uri="{96DAC541-7B7A-43D3-8B79-37D633B846F1}">
+                <asvg:svgBlip xmlns:asvg="http://schemas.microsoft.com/office/drawing/2016/SVG/main" r:embed="rId35"/>
+              </a:ext>
+            </a:extLst>
+          </a:blip>
+          <a:stretch>
+            <a:fillRect/>
+          </a:stretch>
+        </p:blipFill>
+        <p:spPr>
+          <a:xfrm>
+            <a:off x="9008856" y="4344110"/>
+            <a:ext cx="369332" cy="369332"/>
+          </a:xfrm>
+          <a:prstGeom prst="rect">
+            <a:avLst/>
+          </a:prstGeom>
+        </p:spPr>
+      </p:pic>
+      <p:sp>
+        <p:nvSpPr>
+          <p:cNvPr id="86" name="Rectangle 85">
+            <a:extLst>
+              <a:ext uri="{FF2B5EF4-FFF2-40B4-BE49-F238E27FC236}">
+                <a16:creationId xmlns:a16="http://schemas.microsoft.com/office/drawing/2014/main" id="{8DBEA325-C060-4A20-954E-DF45150E86EF}"/>
+              </a:ext>
+            </a:extLst>
+          </p:cNvPr>
+          <p:cNvSpPr/>
+          <p:nvPr/>
+        </p:nvSpPr>
+        <p:spPr>
+          <a:xfrm>
+            <a:off x="9661523" y="1032191"/>
+            <a:ext cx="1717483" cy="4435850"/>
+          </a:xfrm>
+          <a:prstGeom prst="rect">
+            <a:avLst/>
+          </a:prstGeom>
+          <a:noFill/>
+          <a:ln w="15875">
             <a:solidFill>
-              <a:srgbClr val="1B7B67"/>
+              <a:srgbClr val="00A4A6"/>
             </a:solidFill>
+            <a:prstDash val="dash"/>
           </a:ln>
         </p:spPr>
         <p:style>
@@ -4430,10 +6653,10 @@
           </a:fontRef>
         </p:style>
         <p:txBody>
-          <a:bodyPr lIns="502920" tIns="91440" rIns="36000"/>
+          <a:bodyPr tIns="91440"/>
           <a:lstStyle/>
           <a:p>
-            <a:pPr eaLnBrk="1" fontAlgn="auto" hangingPunct="1">
+            <a:pPr algn="ctr" eaLnBrk="1" fontAlgn="auto" hangingPunct="1">
               <a:spcBef>
                 <a:spcPts val="0"/>
               </a:spcBef>
@@ -4442,857 +6665,45 @@
               </a:spcAft>
               <a:defRPr/>
             </a:pPr>
-            <a:endParaRPr lang="en-US" sz="1000" dirty="0">
-              <a:ln w="0"/>
-              <a:solidFill>
-                <a:srgbClr val="1B7B67"/>
-              </a:solidFill>
-              <a:latin typeface="Arial" panose="020B0604020202020204" pitchFamily="34" charset="0"/>
-              <a:cs typeface="Arial" panose="020B0604020202020204" pitchFamily="34" charset="0"/>
-            </a:endParaRPr>
-          </a:p>
-        </p:txBody>
-      </p:sp>
-      <p:pic>
-        <p:nvPicPr>
-          <p:cNvPr id="108" name="Graphic 107">
-            <a:extLst>
-              <a:ext uri="{FF2B5EF4-FFF2-40B4-BE49-F238E27FC236}">
-                <a16:creationId xmlns:a16="http://schemas.microsoft.com/office/drawing/2014/main" id="{FBB122E3-2DA1-43B3-9C1A-1DAA7BB440D1}"/>
-              </a:ext>
-            </a:extLst>
-          </p:cNvPr>
-          <p:cNvPicPr>
-            <a:picLocks noChangeAspect="1"/>
-          </p:cNvPicPr>
+            <a:r>
+              <a:rPr lang="en-US" sz="1050" dirty="0">
+                <a:solidFill>
+                  <a:schemeClr val="tx1"/>
+                </a:solidFill>
+                <a:latin typeface="Arial" panose="020B0604020202020204" pitchFamily="34" charset="0"/>
+                <a:cs typeface="Arial" panose="020B0604020202020204" pitchFamily="34" charset="0"/>
+              </a:rPr>
+              <a:t>Availability Zone 2</a:t>
+            </a:r>
+          </a:p>
+        </p:txBody>
+      </p:sp>
+      <p:sp>
+        <p:nvSpPr>
+          <p:cNvPr id="87" name="Rectangle 86">
+            <a:extLst>
+              <a:ext uri="{FF2B5EF4-FFF2-40B4-BE49-F238E27FC236}">
+                <a16:creationId xmlns:a16="http://schemas.microsoft.com/office/drawing/2014/main" id="{75F4785B-D96F-4B7B-AA4E-2AC9185E6D71}"/>
+              </a:ext>
+            </a:extLst>
+          </p:cNvPr>
+          <p:cNvSpPr/>
           <p:nvPr/>
-        </p:nvPicPr>
-        <p:blipFill>
-          <a:blip r:embed="rId8">
-            <a:extLst>
-              <a:ext uri="{96DAC541-7B7A-43D3-8B79-37D633B846F1}">
-                <asvg:svgBlip xmlns:asvg="http://schemas.microsoft.com/office/drawing/2016/SVG/main" r:embed="rId9"/>
-              </a:ext>
-            </a:extLst>
-          </a:blip>
-          <a:srcRect/>
-          <a:stretch/>
-        </p:blipFill>
+        </p:nvSpPr>
         <p:spPr>
           <a:xfrm>
-            <a:off x="2281289" y="2415568"/>
-            <a:ext cx="4153390" cy="269781"/>
-          </a:xfrm>
-          <a:prstGeom prst="rect">
-            <a:avLst/>
-          </a:prstGeom>
-        </p:spPr>
-      </p:pic>
-      <p:sp>
-        <p:nvSpPr>
-          <p:cNvPr id="110" name="TextBox 9">
-            <a:extLst>
-              <a:ext uri="{FF2B5EF4-FFF2-40B4-BE49-F238E27FC236}">
-                <a16:creationId xmlns:a16="http://schemas.microsoft.com/office/drawing/2014/main" id="{F1718ED0-BC96-450C-B5FE-291292A449BA}"/>
-              </a:ext>
-            </a:extLst>
-          </p:cNvPr>
-          <p:cNvSpPr txBox="1">
-            <a:spLocks noChangeArrowheads="1"/>
-          </p:cNvSpPr>
-          <p:nvPr/>
-        </p:nvSpPr>
-        <p:spPr bwMode="auto">
-          <a:xfrm>
-            <a:off x="2510275" y="2435252"/>
-            <a:ext cx="1224889" cy="230832"/>
+            <a:off x="9776814" y="1813746"/>
+            <a:ext cx="1478611" cy="927895"/>
           </a:xfrm>
           <a:prstGeom prst="rect">
             <a:avLst/>
           </a:prstGeom>
           <a:noFill/>
-          <a:ln>
-            <a:noFill/>
-          </a:ln>
-          <a:extLst>
-            <a:ext uri="{909E8E84-426E-40DD-AFC4-6F175D3DCCD1}">
-              <a14:hiddenFill xmlns:a14="http://schemas.microsoft.com/office/drawing/2010/main">
-                <a:solidFill>
-                  <a:srgbClr val="FFFFFF"/>
-                </a:solidFill>
-              </a14:hiddenFill>
-            </a:ext>
-            <a:ext uri="{91240B29-F687-4F45-9708-019B960494DF}">
-              <a14:hiddenLine xmlns:a14="http://schemas.microsoft.com/office/drawing/2010/main" w="9525">
-                <a:solidFill>
-                  <a:srgbClr val="000000"/>
-                </a:solidFill>
-                <a:miter lim="800000"/>
-                <a:headEnd/>
-                <a:tailEnd/>
-              </a14:hiddenLine>
-            </a:ext>
-          </a:extLst>
-        </p:spPr>
-        <p:txBody>
-          <a:bodyPr wrap="square">
-            <a:spAutoFit/>
-          </a:bodyPr>
-          <a:lstStyle>
-            <a:lvl1pPr>
-              <a:defRPr>
-                <a:solidFill>
-                  <a:schemeClr val="tx1"/>
-                </a:solidFill>
-                <a:latin typeface="Calibri" panose="020F0502020204030204" pitchFamily="34" charset="0"/>
-              </a:defRPr>
-            </a:lvl1pPr>
-            <a:lvl2pPr marL="742950" indent="-285750">
-              <a:defRPr>
-                <a:solidFill>
-                  <a:schemeClr val="tx1"/>
-                </a:solidFill>
-                <a:latin typeface="Calibri" panose="020F0502020204030204" pitchFamily="34" charset="0"/>
-              </a:defRPr>
-            </a:lvl2pPr>
-            <a:lvl3pPr marL="1143000" indent="-228600">
-              <a:defRPr>
-                <a:solidFill>
-                  <a:schemeClr val="tx1"/>
-                </a:solidFill>
-                <a:latin typeface="Calibri" panose="020F0502020204030204" pitchFamily="34" charset="0"/>
-              </a:defRPr>
-            </a:lvl3pPr>
-            <a:lvl4pPr marL="1600200" indent="-228600">
-              <a:defRPr>
-                <a:solidFill>
-                  <a:schemeClr val="tx1"/>
-                </a:solidFill>
-                <a:latin typeface="Calibri" panose="020F0502020204030204" pitchFamily="34" charset="0"/>
-              </a:defRPr>
-            </a:lvl4pPr>
-            <a:lvl5pPr marL="2057400" indent="-228600">
-              <a:defRPr>
-                <a:solidFill>
-                  <a:schemeClr val="tx1"/>
-                </a:solidFill>
-                <a:latin typeface="Calibri" panose="020F0502020204030204" pitchFamily="34" charset="0"/>
-              </a:defRPr>
-            </a:lvl5pPr>
-            <a:lvl6pPr marL="2514600" indent="-228600" eaLnBrk="0" fontAlgn="base" hangingPunct="0">
-              <a:spcBef>
-                <a:spcPct val="0"/>
-              </a:spcBef>
-              <a:spcAft>
-                <a:spcPct val="0"/>
-              </a:spcAft>
-              <a:defRPr>
-                <a:solidFill>
-                  <a:schemeClr val="tx1"/>
-                </a:solidFill>
-                <a:latin typeface="Calibri" panose="020F0502020204030204" pitchFamily="34" charset="0"/>
-              </a:defRPr>
-            </a:lvl6pPr>
-            <a:lvl7pPr marL="2971800" indent="-228600" eaLnBrk="0" fontAlgn="base" hangingPunct="0">
-              <a:spcBef>
-                <a:spcPct val="0"/>
-              </a:spcBef>
-              <a:spcAft>
-                <a:spcPct val="0"/>
-              </a:spcAft>
-              <a:defRPr>
-                <a:solidFill>
-                  <a:schemeClr val="tx1"/>
-                </a:solidFill>
-                <a:latin typeface="Calibri" panose="020F0502020204030204" pitchFamily="34" charset="0"/>
-              </a:defRPr>
-            </a:lvl7pPr>
-            <a:lvl8pPr marL="3429000" indent="-228600" eaLnBrk="0" fontAlgn="base" hangingPunct="0">
-              <a:spcBef>
-                <a:spcPct val="0"/>
-              </a:spcBef>
-              <a:spcAft>
-                <a:spcPct val="0"/>
-              </a:spcAft>
-              <a:defRPr>
-                <a:solidFill>
-                  <a:schemeClr val="tx1"/>
-                </a:solidFill>
-                <a:latin typeface="Calibri" panose="020F0502020204030204" pitchFamily="34" charset="0"/>
-              </a:defRPr>
-            </a:lvl8pPr>
-            <a:lvl9pPr marL="3886200" indent="-228600" eaLnBrk="0" fontAlgn="base" hangingPunct="0">
-              <a:spcBef>
-                <a:spcPct val="0"/>
-              </a:spcBef>
-              <a:spcAft>
-                <a:spcPct val="0"/>
-              </a:spcAft>
-              <a:defRPr>
-                <a:solidFill>
-                  <a:schemeClr val="tx1"/>
-                </a:solidFill>
-                <a:latin typeface="Calibri" panose="020F0502020204030204" pitchFamily="34" charset="0"/>
-              </a:defRPr>
-            </a:lvl9pPr>
-          </a:lstStyle>
-          <a:p>
-            <a:pPr algn="ctr" eaLnBrk="1" hangingPunct="1"/>
-            <a:r>
-              <a:rPr lang="en-US" altLang="en-US" sz="900" dirty="0">
-                <a:solidFill>
-                  <a:schemeClr val="bg1"/>
-                </a:solidFill>
-                <a:latin typeface="Arial" panose="020B0604020202020204" pitchFamily="34" charset="0"/>
-                <a:ea typeface="Amazon Ember" panose="020B0603020204020204" pitchFamily="34" charset="0"/>
-                <a:cs typeface="Arial" panose="020B0604020202020204" pitchFamily="34" charset="0"/>
-              </a:rPr>
-              <a:t>AWS Migration Hub</a:t>
-            </a:r>
-          </a:p>
-        </p:txBody>
-      </p:sp>
-      <p:pic>
-        <p:nvPicPr>
-          <p:cNvPr id="111" name="Graphic 23">
-            <a:extLst>
-              <a:ext uri="{FF2B5EF4-FFF2-40B4-BE49-F238E27FC236}">
-                <a16:creationId xmlns:a16="http://schemas.microsoft.com/office/drawing/2014/main" id="{4D0ABE3D-18B0-481B-ABAF-2A8C21AE9BC3}"/>
-              </a:ext>
-            </a:extLst>
-          </p:cNvPr>
-          <p:cNvPicPr>
-            <a:picLocks noChangeAspect="1" noChangeArrowheads="1"/>
-          </p:cNvPicPr>
-          <p:nvPr/>
-        </p:nvPicPr>
-        <p:blipFill>
-          <a:blip r:embed="rId10">
-            <a:extLst>
-              <a:ext uri="{28A0092B-C50C-407E-A947-70E740481C1C}">
-                <a14:useLocalDpi xmlns:a14="http://schemas.microsoft.com/office/drawing/2010/main" val="0"/>
-              </a:ext>
-            </a:extLst>
-          </a:blip>
-          <a:srcRect/>
-          <a:stretch>
-            <a:fillRect/>
-          </a:stretch>
-        </p:blipFill>
-        <p:spPr bwMode="auto">
-          <a:xfrm>
-            <a:off x="2281289" y="2415684"/>
-            <a:ext cx="269547" cy="269547"/>
-          </a:xfrm>
-          <a:prstGeom prst="rect">
-            <a:avLst/>
-          </a:prstGeom>
-          <a:noFill/>
-          <a:ln>
-            <a:noFill/>
-          </a:ln>
-          <a:extLst>
-            <a:ext uri="{909E8E84-426E-40DD-AFC4-6F175D3DCCD1}">
-              <a14:hiddenFill xmlns:a14="http://schemas.microsoft.com/office/drawing/2010/main">
-                <a:solidFill>
-                  <a:srgbClr val="FFFFFF"/>
-                </a:solidFill>
-              </a14:hiddenFill>
-            </a:ext>
-            <a:ext uri="{91240B29-F687-4F45-9708-019B960494DF}">
-              <a14:hiddenLine xmlns:a14="http://schemas.microsoft.com/office/drawing/2010/main" w="9525">
-                <a:solidFill>
-                  <a:srgbClr val="000000"/>
-                </a:solidFill>
-                <a:miter lim="800000"/>
-                <a:headEnd/>
-                <a:tailEnd/>
-              </a14:hiddenLine>
-            </a:ext>
-          </a:extLst>
-        </p:spPr>
-      </p:pic>
-      <p:cxnSp>
-        <p:nvCxnSpPr>
-          <p:cNvPr id="11" name="Connector: Elbow 10">
-            <a:extLst>
-              <a:ext uri="{FF2B5EF4-FFF2-40B4-BE49-F238E27FC236}">
-                <a16:creationId xmlns:a16="http://schemas.microsoft.com/office/drawing/2014/main" id="{7F19F612-5115-4CE2-9895-33A0D890472E}"/>
-              </a:ext>
-            </a:extLst>
-          </p:cNvPr>
-          <p:cNvCxnSpPr>
-            <a:cxnSpLocks/>
-            <a:stCxn id="185" idx="3"/>
-            <a:endCxn id="149" idx="2"/>
-          </p:cNvCxnSpPr>
-          <p:nvPr/>
-        </p:nvCxnSpPr>
-        <p:spPr>
-          <a:xfrm>
-            <a:off x="4144929" y="4769058"/>
-            <a:ext cx="4793782" cy="332414"/>
-          </a:xfrm>
-          <a:prstGeom prst="bentConnector4">
-            <a:avLst>
-              <a:gd name="adj1" fmla="val 51356"/>
-              <a:gd name="adj2" fmla="val 226681"/>
-            </a:avLst>
-          </a:prstGeom>
-          <a:ln w="19050">
+          <a:ln w="15875">
             <a:solidFill>
-              <a:schemeClr val="accent3"/>
+              <a:srgbClr val="00A4A6"/>
             </a:solidFill>
-            <a:prstDash val="sysDash"/>
-            <a:tailEnd type="triangle"/>
-          </a:ln>
-        </p:spPr>
-        <p:style>
-          <a:lnRef idx="1">
-            <a:schemeClr val="accent1"/>
-          </a:lnRef>
-          <a:fillRef idx="0">
-            <a:schemeClr val="accent1"/>
-          </a:fillRef>
-          <a:effectRef idx="0">
-            <a:schemeClr val="accent1"/>
-          </a:effectRef>
-          <a:fontRef idx="minor">
-            <a:schemeClr val="tx1"/>
-          </a:fontRef>
-        </p:style>
-      </p:cxnSp>
-      <p:pic>
-        <p:nvPicPr>
-          <p:cNvPr id="115" name="Graphic 7">
-            <a:extLst>
-              <a:ext uri="{FF2B5EF4-FFF2-40B4-BE49-F238E27FC236}">
-                <a16:creationId xmlns:a16="http://schemas.microsoft.com/office/drawing/2014/main" id="{2A943C90-ED95-4331-87FE-2CA28E6732C2}"/>
-              </a:ext>
-            </a:extLst>
-          </p:cNvPr>
-          <p:cNvPicPr>
-            <a:picLocks noChangeAspect="1" noChangeArrowheads="1"/>
-          </p:cNvPicPr>
-          <p:nvPr/>
-        </p:nvPicPr>
-        <p:blipFill>
-          <a:blip r:embed="rId11">
-            <a:extLst>
-              <a:ext uri="{28A0092B-C50C-407E-A947-70E740481C1C}">
-                <a14:useLocalDpi xmlns:a14="http://schemas.microsoft.com/office/drawing/2010/main" val="0"/>
-              </a:ext>
-            </a:extLst>
-          </a:blip>
-          <a:srcRect/>
-          <a:stretch>
-            <a:fillRect/>
-          </a:stretch>
-        </p:blipFill>
-        <p:spPr bwMode="auto">
-          <a:xfrm>
-            <a:off x="5553876" y="2849224"/>
-            <a:ext cx="308888" cy="308888"/>
-          </a:xfrm>
-          <a:prstGeom prst="rect">
-            <a:avLst/>
-          </a:prstGeom>
-          <a:noFill/>
-          <a:ln>
-            <a:noFill/>
-          </a:ln>
-          <a:extLst>
-            <a:ext uri="{909E8E84-426E-40DD-AFC4-6F175D3DCCD1}">
-              <a14:hiddenFill xmlns:a14="http://schemas.microsoft.com/office/drawing/2010/main">
-                <a:solidFill>
-                  <a:srgbClr val="FFFFFF"/>
-                </a:solidFill>
-              </a14:hiddenFill>
-            </a:ext>
-            <a:ext uri="{91240B29-F687-4F45-9708-019B960494DF}">
-              <a14:hiddenLine xmlns:a14="http://schemas.microsoft.com/office/drawing/2010/main" w="9525">
-                <a:solidFill>
-                  <a:srgbClr val="000000"/>
-                </a:solidFill>
-                <a:miter lim="800000"/>
-                <a:headEnd/>
-                <a:tailEnd/>
-              </a14:hiddenLine>
-            </a:ext>
-          </a:extLst>
-        </p:spPr>
-      </p:pic>
-      <p:cxnSp>
-        <p:nvCxnSpPr>
-          <p:cNvPr id="117" name="Connector: Elbow 116">
-            <a:extLst>
-              <a:ext uri="{FF2B5EF4-FFF2-40B4-BE49-F238E27FC236}">
-                <a16:creationId xmlns:a16="http://schemas.microsoft.com/office/drawing/2014/main" id="{2DE26A81-1F4F-403D-8919-7F7FD786AA09}"/>
-              </a:ext>
-            </a:extLst>
-          </p:cNvPr>
-          <p:cNvCxnSpPr>
-            <a:cxnSpLocks/>
-            <a:stCxn id="118" idx="1"/>
-          </p:cNvCxnSpPr>
-          <p:nvPr/>
-        </p:nvCxnSpPr>
-        <p:spPr>
-          <a:xfrm rot="10800000" flipV="1">
-            <a:off x="3168304" y="1474304"/>
-            <a:ext cx="5612306" cy="2870477"/>
-          </a:xfrm>
-          <a:prstGeom prst="bentConnector3">
-            <a:avLst>
-              <a:gd name="adj1" fmla="val 118389"/>
-            </a:avLst>
-          </a:prstGeom>
-          <a:ln w="19050">
-            <a:solidFill>
-              <a:schemeClr val="accent3"/>
-            </a:solidFill>
-            <a:headEnd type="triangle" w="med" len="med"/>
-            <a:tailEnd type="none" w="med" len="med"/>
-          </a:ln>
-        </p:spPr>
-        <p:style>
-          <a:lnRef idx="1">
-            <a:schemeClr val="accent1"/>
-          </a:lnRef>
-          <a:fillRef idx="0">
-            <a:schemeClr val="accent1"/>
-          </a:fillRef>
-          <a:effectRef idx="0">
-            <a:schemeClr val="accent1"/>
-          </a:effectRef>
-          <a:fontRef idx="minor">
-            <a:schemeClr val="tx1"/>
-          </a:fontRef>
-        </p:style>
-      </p:cxnSp>
-      <p:pic>
-        <p:nvPicPr>
-          <p:cNvPr id="118" name="Graphic 24">
-            <a:extLst>
-              <a:ext uri="{FF2B5EF4-FFF2-40B4-BE49-F238E27FC236}">
-                <a16:creationId xmlns:a16="http://schemas.microsoft.com/office/drawing/2014/main" id="{4797510A-82F5-47EF-A183-ABD91FA1B0B2}"/>
-              </a:ext>
-            </a:extLst>
-          </p:cNvPr>
-          <p:cNvPicPr>
-            <a:picLocks noChangeAspect="1" noChangeArrowheads="1"/>
-          </p:cNvPicPr>
-          <p:nvPr/>
-        </p:nvPicPr>
-        <p:blipFill>
-          <a:blip r:embed="rId12">
-            <a:extLst>
-              <a:ext uri="{28A0092B-C50C-407E-A947-70E740481C1C}">
-                <a14:useLocalDpi xmlns:a14="http://schemas.microsoft.com/office/drawing/2010/main" val="0"/>
-              </a:ext>
-            </a:extLst>
-          </a:blip>
-          <a:srcRect/>
-          <a:stretch>
-            <a:fillRect/>
-          </a:stretch>
-        </p:blipFill>
-        <p:spPr bwMode="auto">
-          <a:xfrm>
-            <a:off x="8780610" y="1319470"/>
-            <a:ext cx="309669" cy="309669"/>
-          </a:xfrm>
-          <a:prstGeom prst="rect">
-            <a:avLst/>
-          </a:prstGeom>
-          <a:noFill/>
-          <a:ln>
-            <a:noFill/>
-          </a:ln>
-          <a:extLst>
-            <a:ext uri="{909E8E84-426E-40DD-AFC4-6F175D3DCCD1}">
-              <a14:hiddenFill xmlns:a14="http://schemas.microsoft.com/office/drawing/2010/main">
-                <a:solidFill>
-                  <a:srgbClr val="FFFFFF"/>
-                </a:solidFill>
-              </a14:hiddenFill>
-            </a:ext>
-            <a:ext uri="{91240B29-F687-4F45-9708-019B960494DF}">
-              <a14:hiddenLine xmlns:a14="http://schemas.microsoft.com/office/drawing/2010/main" w="9525">
-                <a:solidFill>
-                  <a:srgbClr val="000000"/>
-                </a:solidFill>
-                <a:miter lim="800000"/>
-                <a:headEnd/>
-                <a:tailEnd/>
-              </a14:hiddenLine>
-            </a:ext>
-          </a:extLst>
-        </p:spPr>
-      </p:pic>
-      <p:sp>
-        <p:nvSpPr>
-          <p:cNvPr id="119" name="TextBox 9">
-            <a:extLst>
-              <a:ext uri="{FF2B5EF4-FFF2-40B4-BE49-F238E27FC236}">
-                <a16:creationId xmlns:a16="http://schemas.microsoft.com/office/drawing/2014/main" id="{34ADE9E3-0795-4E85-A436-7E9F48C8CC1A}"/>
-              </a:ext>
-            </a:extLst>
-          </p:cNvPr>
-          <p:cNvSpPr txBox="1">
-            <a:spLocks noChangeArrowheads="1"/>
-          </p:cNvSpPr>
-          <p:nvPr/>
-        </p:nvSpPr>
-        <p:spPr bwMode="auto">
-          <a:xfrm>
-            <a:off x="5059889" y="1295321"/>
-            <a:ext cx="704011" cy="200055"/>
-          </a:xfrm>
-          <a:prstGeom prst="rect">
-            <a:avLst/>
-          </a:prstGeom>
-          <a:noFill/>
-          <a:ln>
-            <a:noFill/>
-          </a:ln>
-          <a:extLst>
-            <a:ext uri="{909E8E84-426E-40DD-AFC4-6F175D3DCCD1}">
-              <a14:hiddenFill xmlns:a14="http://schemas.microsoft.com/office/drawing/2010/main">
-                <a:solidFill>
-                  <a:srgbClr val="FFFFFF"/>
-                </a:solidFill>
-              </a14:hiddenFill>
-            </a:ext>
-            <a:ext uri="{91240B29-F687-4F45-9708-019B960494DF}">
-              <a14:hiddenLine xmlns:a14="http://schemas.microsoft.com/office/drawing/2010/main" w="9525">
-                <a:solidFill>
-                  <a:srgbClr val="000000"/>
-                </a:solidFill>
-                <a:miter lim="800000"/>
-                <a:headEnd/>
-                <a:tailEnd/>
-              </a14:hiddenLine>
-            </a:ext>
-          </a:extLst>
-        </p:spPr>
-        <p:txBody>
-          <a:bodyPr wrap="square">
-            <a:spAutoFit/>
-          </a:bodyPr>
-          <a:lstStyle>
-            <a:lvl1pPr>
-              <a:defRPr>
-                <a:solidFill>
-                  <a:schemeClr val="tx1"/>
-                </a:solidFill>
-                <a:latin typeface="Calibri" panose="020F0502020204030204" pitchFamily="34" charset="0"/>
-              </a:defRPr>
-            </a:lvl1pPr>
-            <a:lvl2pPr marL="742950" indent="-285750">
-              <a:defRPr>
-                <a:solidFill>
-                  <a:schemeClr val="tx1"/>
-                </a:solidFill>
-                <a:latin typeface="Calibri" panose="020F0502020204030204" pitchFamily="34" charset="0"/>
-              </a:defRPr>
-            </a:lvl2pPr>
-            <a:lvl3pPr marL="1143000" indent="-228600">
-              <a:defRPr>
-                <a:solidFill>
-                  <a:schemeClr val="tx1"/>
-                </a:solidFill>
-                <a:latin typeface="Calibri" panose="020F0502020204030204" pitchFamily="34" charset="0"/>
-              </a:defRPr>
-            </a:lvl3pPr>
-            <a:lvl4pPr marL="1600200" indent="-228600">
-              <a:defRPr>
-                <a:solidFill>
-                  <a:schemeClr val="tx1"/>
-                </a:solidFill>
-                <a:latin typeface="Calibri" panose="020F0502020204030204" pitchFamily="34" charset="0"/>
-              </a:defRPr>
-            </a:lvl4pPr>
-            <a:lvl5pPr marL="2057400" indent="-228600">
-              <a:defRPr>
-                <a:solidFill>
-                  <a:schemeClr val="tx1"/>
-                </a:solidFill>
-                <a:latin typeface="Calibri" panose="020F0502020204030204" pitchFamily="34" charset="0"/>
-              </a:defRPr>
-            </a:lvl5pPr>
-            <a:lvl6pPr marL="2514600" indent="-228600" eaLnBrk="0" fontAlgn="base" hangingPunct="0">
-              <a:spcBef>
-                <a:spcPct val="0"/>
-              </a:spcBef>
-              <a:spcAft>
-                <a:spcPct val="0"/>
-              </a:spcAft>
-              <a:defRPr>
-                <a:solidFill>
-                  <a:schemeClr val="tx1"/>
-                </a:solidFill>
-                <a:latin typeface="Calibri" panose="020F0502020204030204" pitchFamily="34" charset="0"/>
-              </a:defRPr>
-            </a:lvl6pPr>
-            <a:lvl7pPr marL="2971800" indent="-228600" eaLnBrk="0" fontAlgn="base" hangingPunct="0">
-              <a:spcBef>
-                <a:spcPct val="0"/>
-              </a:spcBef>
-              <a:spcAft>
-                <a:spcPct val="0"/>
-              </a:spcAft>
-              <a:defRPr>
-                <a:solidFill>
-                  <a:schemeClr val="tx1"/>
-                </a:solidFill>
-                <a:latin typeface="Calibri" panose="020F0502020204030204" pitchFamily="34" charset="0"/>
-              </a:defRPr>
-            </a:lvl7pPr>
-            <a:lvl8pPr marL="3429000" indent="-228600" eaLnBrk="0" fontAlgn="base" hangingPunct="0">
-              <a:spcBef>
-                <a:spcPct val="0"/>
-              </a:spcBef>
-              <a:spcAft>
-                <a:spcPct val="0"/>
-              </a:spcAft>
-              <a:defRPr>
-                <a:solidFill>
-                  <a:schemeClr val="tx1"/>
-                </a:solidFill>
-                <a:latin typeface="Calibri" panose="020F0502020204030204" pitchFamily="34" charset="0"/>
-              </a:defRPr>
-            </a:lvl8pPr>
-            <a:lvl9pPr marL="3886200" indent="-228600" eaLnBrk="0" fontAlgn="base" hangingPunct="0">
-              <a:spcBef>
-                <a:spcPct val="0"/>
-              </a:spcBef>
-              <a:spcAft>
-                <a:spcPct val="0"/>
-              </a:spcAft>
-              <a:defRPr>
-                <a:solidFill>
-                  <a:schemeClr val="tx1"/>
-                </a:solidFill>
-                <a:latin typeface="Calibri" panose="020F0502020204030204" pitchFamily="34" charset="0"/>
-              </a:defRPr>
-            </a:lvl9pPr>
-          </a:lstStyle>
-          <a:p>
-            <a:pPr algn="ctr" eaLnBrk="1" hangingPunct="1"/>
-            <a:r>
-              <a:rPr lang="en-US" altLang="en-US" sz="700" dirty="0">
-                <a:latin typeface="Arial" panose="020B0604020202020204" pitchFamily="34" charset="0"/>
-                <a:ea typeface="Amazon Ember" panose="020B0603020204020204" pitchFamily="34" charset="0"/>
-                <a:cs typeface="Arial" panose="020B0604020202020204" pitchFamily="34" charset="0"/>
-              </a:rPr>
-              <a:t>VPC Link</a:t>
-            </a:r>
-          </a:p>
-        </p:txBody>
-      </p:sp>
-      <p:sp>
-        <p:nvSpPr>
-          <p:cNvPr id="120" name="TextBox 22">
-            <a:extLst>
-              <a:ext uri="{FF2B5EF4-FFF2-40B4-BE49-F238E27FC236}">
-                <a16:creationId xmlns:a16="http://schemas.microsoft.com/office/drawing/2014/main" id="{60786DAB-5D3B-478D-9623-0EB8ABB627F2}"/>
-              </a:ext>
-            </a:extLst>
-          </p:cNvPr>
-          <p:cNvSpPr txBox="1">
-            <a:spLocks noChangeArrowheads="1"/>
-          </p:cNvSpPr>
-          <p:nvPr/>
-        </p:nvSpPr>
-        <p:spPr bwMode="auto">
-          <a:xfrm>
-            <a:off x="8399664" y="1843766"/>
-            <a:ext cx="1053039" cy="369332"/>
-          </a:xfrm>
-          <a:prstGeom prst="rect">
-            <a:avLst/>
-          </a:prstGeom>
-          <a:noFill/>
-          <a:ln>
-            <a:noFill/>
-          </a:ln>
-          <a:extLst>
-            <a:ext uri="{909E8E84-426E-40DD-AFC4-6F175D3DCCD1}">
-              <a14:hiddenFill xmlns:a14="http://schemas.microsoft.com/office/drawing/2010/main">
-                <a:solidFill>
-                  <a:srgbClr val="FFFFFF"/>
-                </a:solidFill>
-              </a14:hiddenFill>
-            </a:ext>
-            <a:ext uri="{91240B29-F687-4F45-9708-019B960494DF}">
-              <a14:hiddenLine xmlns:a14="http://schemas.microsoft.com/office/drawing/2010/main" w="9525">
-                <a:solidFill>
-                  <a:srgbClr val="000000"/>
-                </a:solidFill>
-                <a:miter lim="800000"/>
-                <a:headEnd/>
-                <a:tailEnd/>
-              </a14:hiddenLine>
-            </a:ext>
-          </a:extLst>
-        </p:spPr>
-        <p:txBody>
-          <a:bodyPr wrap="square">
-            <a:spAutoFit/>
-          </a:bodyPr>
-          <a:lstStyle>
-            <a:lvl1pPr>
-              <a:defRPr>
-                <a:solidFill>
-                  <a:schemeClr val="tx1"/>
-                </a:solidFill>
-                <a:latin typeface="Calibri" panose="020F0502020204030204" pitchFamily="34" charset="0"/>
-              </a:defRPr>
-            </a:lvl1pPr>
-            <a:lvl2pPr marL="742950" indent="-285750">
-              <a:defRPr>
-                <a:solidFill>
-                  <a:schemeClr val="tx1"/>
-                </a:solidFill>
-                <a:latin typeface="Calibri" panose="020F0502020204030204" pitchFamily="34" charset="0"/>
-              </a:defRPr>
-            </a:lvl2pPr>
-            <a:lvl3pPr marL="1143000" indent="-228600">
-              <a:defRPr>
-                <a:solidFill>
-                  <a:schemeClr val="tx1"/>
-                </a:solidFill>
-                <a:latin typeface="Calibri" panose="020F0502020204030204" pitchFamily="34" charset="0"/>
-              </a:defRPr>
-            </a:lvl3pPr>
-            <a:lvl4pPr marL="1600200" indent="-228600">
-              <a:defRPr>
-                <a:solidFill>
-                  <a:schemeClr val="tx1"/>
-                </a:solidFill>
-                <a:latin typeface="Calibri" panose="020F0502020204030204" pitchFamily="34" charset="0"/>
-              </a:defRPr>
-            </a:lvl4pPr>
-            <a:lvl5pPr marL="2057400" indent="-228600">
-              <a:defRPr>
-                <a:solidFill>
-                  <a:schemeClr val="tx1"/>
-                </a:solidFill>
-                <a:latin typeface="Calibri" panose="020F0502020204030204" pitchFamily="34" charset="0"/>
-              </a:defRPr>
-            </a:lvl5pPr>
-            <a:lvl6pPr marL="2514600" indent="-228600" eaLnBrk="0" fontAlgn="base" hangingPunct="0">
-              <a:spcBef>
-                <a:spcPct val="0"/>
-              </a:spcBef>
-              <a:spcAft>
-                <a:spcPct val="0"/>
-              </a:spcAft>
-              <a:defRPr>
-                <a:solidFill>
-                  <a:schemeClr val="tx1"/>
-                </a:solidFill>
-                <a:latin typeface="Calibri" panose="020F0502020204030204" pitchFamily="34" charset="0"/>
-              </a:defRPr>
-            </a:lvl6pPr>
-            <a:lvl7pPr marL="2971800" indent="-228600" eaLnBrk="0" fontAlgn="base" hangingPunct="0">
-              <a:spcBef>
-                <a:spcPct val="0"/>
-              </a:spcBef>
-              <a:spcAft>
-                <a:spcPct val="0"/>
-              </a:spcAft>
-              <a:defRPr>
-                <a:solidFill>
-                  <a:schemeClr val="tx1"/>
-                </a:solidFill>
-                <a:latin typeface="Calibri" panose="020F0502020204030204" pitchFamily="34" charset="0"/>
-              </a:defRPr>
-            </a:lvl7pPr>
-            <a:lvl8pPr marL="3429000" indent="-228600" eaLnBrk="0" fontAlgn="base" hangingPunct="0">
-              <a:spcBef>
-                <a:spcPct val="0"/>
-              </a:spcBef>
-              <a:spcAft>
-                <a:spcPct val="0"/>
-              </a:spcAft>
-              <a:defRPr>
-                <a:solidFill>
-                  <a:schemeClr val="tx1"/>
-                </a:solidFill>
-                <a:latin typeface="Calibri" panose="020F0502020204030204" pitchFamily="34" charset="0"/>
-              </a:defRPr>
-            </a:lvl8pPr>
-            <a:lvl9pPr marL="3886200" indent="-228600" eaLnBrk="0" fontAlgn="base" hangingPunct="0">
-              <a:spcBef>
-                <a:spcPct val="0"/>
-              </a:spcBef>
-              <a:spcAft>
-                <a:spcPct val="0"/>
-              </a:spcAft>
-              <a:defRPr>
-                <a:solidFill>
-                  <a:schemeClr val="tx1"/>
-                </a:solidFill>
-                <a:latin typeface="Calibri" panose="020F0502020204030204" pitchFamily="34" charset="0"/>
-              </a:defRPr>
-            </a:lvl9pPr>
-          </a:lstStyle>
-          <a:p>
-            <a:pPr algn="ctr" eaLnBrk="1" hangingPunct="1"/>
-            <a:r>
-              <a:rPr lang="en-US" altLang="en-US" sz="900" dirty="0">
-                <a:latin typeface="Arial" panose="020B0604020202020204" pitchFamily="34" charset="0"/>
-                <a:ea typeface="Amazon Ember" panose="020B0603020204020204" pitchFamily="34" charset="0"/>
-                <a:cs typeface="Arial" panose="020B0604020202020204" pitchFamily="34" charset="0"/>
-              </a:rPr>
-              <a:t>Network Load </a:t>
-            </a:r>
-            <a:br>
-              <a:rPr lang="en-US" altLang="en-US" sz="900" dirty="0">
-                <a:latin typeface="Arial" panose="020B0604020202020204" pitchFamily="34" charset="0"/>
-                <a:ea typeface="Amazon Ember" panose="020B0603020204020204" pitchFamily="34" charset="0"/>
-                <a:cs typeface="Arial" panose="020B0604020202020204" pitchFamily="34" charset="0"/>
-              </a:rPr>
-            </a:br>
-            <a:r>
-              <a:rPr lang="en-US" altLang="en-US" sz="900" dirty="0">
-                <a:latin typeface="Arial" panose="020B0604020202020204" pitchFamily="34" charset="0"/>
-                <a:ea typeface="Amazon Ember" panose="020B0603020204020204" pitchFamily="34" charset="0"/>
-                <a:cs typeface="Arial" panose="020B0604020202020204" pitchFamily="34" charset="0"/>
-              </a:rPr>
-              <a:t>Balancer</a:t>
-            </a:r>
-          </a:p>
-        </p:txBody>
-      </p:sp>
-      <p:sp>
-        <p:nvSpPr>
-          <p:cNvPr id="121" name="Rectangle 120">
-            <a:extLst>
-              <a:ext uri="{FF2B5EF4-FFF2-40B4-BE49-F238E27FC236}">
-                <a16:creationId xmlns:a16="http://schemas.microsoft.com/office/drawing/2014/main" id="{A63BA342-EB41-46E5-9C80-8E676EE2E68C}"/>
-              </a:ext>
-            </a:extLst>
-          </p:cNvPr>
-          <p:cNvSpPr/>
-          <p:nvPr/>
-        </p:nvSpPr>
-        <p:spPr>
-          <a:xfrm>
-            <a:off x="7007418" y="754767"/>
-            <a:ext cx="1473407" cy="4594690"/>
-          </a:xfrm>
-          <a:prstGeom prst="rect">
-            <a:avLst/>
-          </a:prstGeom>
-          <a:noFill/>
-          <a:ln w="12700">
-            <a:solidFill>
-              <a:srgbClr val="5B9CD5"/>
-            </a:solidFill>
-            <a:prstDash val="dash"/>
+            <a:prstDash val="solid"/>
           </a:ln>
         </p:spPr>
         <p:style>
@@ -5312,149 +6723,7 @@
           </a:fontRef>
         </p:style>
         <p:txBody>
-          <a:bodyPr tIns="91440"/>
-          <a:lstStyle/>
-          <a:p>
-            <a:pPr algn="ctr" eaLnBrk="1" fontAlgn="auto" hangingPunct="1">
-              <a:spcBef>
-                <a:spcPts val="0"/>
-              </a:spcBef>
-              <a:spcAft>
-                <a:spcPts val="0"/>
-              </a:spcAft>
-              <a:defRPr/>
-            </a:pPr>
-            <a:r>
-              <a:rPr lang="en-US" sz="1000" dirty="0">
-                <a:solidFill>
-                  <a:srgbClr val="5B9CD5"/>
-                </a:solidFill>
-                <a:latin typeface="Arial" panose="020B0604020202020204" pitchFamily="34" charset="0"/>
-                <a:cs typeface="Arial" panose="020B0604020202020204" pitchFamily="34" charset="0"/>
-              </a:rPr>
-              <a:t>Availability Zone 1</a:t>
-            </a:r>
-          </a:p>
-        </p:txBody>
-      </p:sp>
-      <p:sp>
-        <p:nvSpPr>
-          <p:cNvPr id="122" name="Rectangle 121">
-            <a:extLst>
-              <a:ext uri="{FF2B5EF4-FFF2-40B4-BE49-F238E27FC236}">
-                <a16:creationId xmlns:a16="http://schemas.microsoft.com/office/drawing/2014/main" id="{BF11FE0D-8115-498B-AAE2-C35FFB4EE449}"/>
-              </a:ext>
-            </a:extLst>
-          </p:cNvPr>
-          <p:cNvSpPr/>
-          <p:nvPr/>
-        </p:nvSpPr>
-        <p:spPr>
-          <a:xfrm>
-            <a:off x="9426733" y="754765"/>
-            <a:ext cx="1468433" cy="4594691"/>
-          </a:xfrm>
-          <a:prstGeom prst="rect">
-            <a:avLst/>
-          </a:prstGeom>
-          <a:noFill/>
-          <a:ln w="12700">
-            <a:solidFill>
-              <a:srgbClr val="5B9CD5"/>
-            </a:solidFill>
-            <a:prstDash val="dash"/>
-          </a:ln>
-        </p:spPr>
-        <p:style>
-          <a:lnRef idx="2">
-            <a:schemeClr val="accent1">
-              <a:shade val="50000"/>
-            </a:schemeClr>
-          </a:lnRef>
-          <a:fillRef idx="1">
-            <a:schemeClr val="accent1"/>
-          </a:fillRef>
-          <a:effectRef idx="0">
-            <a:schemeClr val="accent1"/>
-          </a:effectRef>
-          <a:fontRef idx="minor">
-            <a:schemeClr val="lt1"/>
-          </a:fontRef>
-        </p:style>
-        <p:txBody>
-          <a:bodyPr tIns="91440"/>
-          <a:lstStyle/>
-          <a:p>
-            <a:pPr algn="ctr" eaLnBrk="1" fontAlgn="auto" hangingPunct="1">
-              <a:spcBef>
-                <a:spcPts val="0"/>
-              </a:spcBef>
-              <a:spcAft>
-                <a:spcPts val="0"/>
-              </a:spcAft>
-              <a:defRPr/>
-            </a:pPr>
-            <a:r>
-              <a:rPr lang="en-US" sz="1000" dirty="0">
-                <a:solidFill>
-                  <a:srgbClr val="5B9CD5"/>
-                </a:solidFill>
-                <a:latin typeface="Arial" panose="020B0604020202020204" pitchFamily="34" charset="0"/>
-                <a:cs typeface="Arial" panose="020B0604020202020204" pitchFamily="34" charset="0"/>
-              </a:rPr>
-              <a:t>Availability Zone 2</a:t>
-            </a:r>
-          </a:p>
-        </p:txBody>
-      </p:sp>
-      <p:sp>
-        <p:nvSpPr>
-          <p:cNvPr id="123" name="Rectangle 122">
-            <a:extLst>
-              <a:ext uri="{FF2B5EF4-FFF2-40B4-BE49-F238E27FC236}">
-                <a16:creationId xmlns:a16="http://schemas.microsoft.com/office/drawing/2014/main" id="{5F64F882-A8F2-43D7-9278-3878D6138262}"/>
-              </a:ext>
-            </a:extLst>
-          </p:cNvPr>
-          <p:cNvSpPr/>
-          <p:nvPr/>
-        </p:nvSpPr>
-        <p:spPr>
-          <a:xfrm>
-            <a:off x="7190538" y="1723082"/>
-            <a:ext cx="1055463" cy="879570"/>
-          </a:xfrm>
-          <a:prstGeom prst="rect">
-            <a:avLst/>
-          </a:prstGeom>
-          <a:solidFill>
-            <a:srgbClr val="007CBC">
-              <a:alpha val="9804"/>
-            </a:srgbClr>
-          </a:solidFill>
-          <a:ln w="12700">
-            <a:noFill/>
-            <a:prstDash val="dash"/>
-          </a:ln>
-        </p:spPr>
-        <p:style>
-          <a:lnRef idx="2">
-            <a:schemeClr val="accent1">
-              <a:shade val="50000"/>
-            </a:schemeClr>
-          </a:lnRef>
-          <a:fillRef idx="1">
-            <a:schemeClr val="accent1"/>
-          </a:fillRef>
-          <a:effectRef idx="0">
-            <a:schemeClr val="accent1"/>
-          </a:effectRef>
-          <a:fontRef idx="minor">
-            <a:schemeClr val="lt1"/>
-          </a:fontRef>
-        </p:style>
-        <p:txBody>
-          <a:bodyPr lIns="288000" tIns="54000" rIns="0"/>
+          <a:bodyPr lIns="324000" tIns="72000" bIns="45720"/>
           <a:lstStyle/>
           <a:p>
             <a:pPr eaLnBrk="1" fontAlgn="auto" hangingPunct="1">
@@ -5467,9 +6736,9 @@
               <a:defRPr/>
             </a:pPr>
             <a:r>
-              <a:rPr lang="en-US" sz="800" dirty="0">
-                <a:solidFill>
-                  <a:srgbClr val="5B9CD5"/>
+              <a:rPr lang="en-US" sz="1050" dirty="0">
+                <a:solidFill>
+                  <a:schemeClr val="tx1"/>
                 </a:solidFill>
                 <a:latin typeface="Arial" panose="020B0604020202020204" pitchFamily="34" charset="0"/>
                 <a:cs typeface="Arial" panose="020B0604020202020204" pitchFamily="34" charset="0"/>
@@ -5479,107 +6748,59 @@
           </a:p>
         </p:txBody>
       </p:sp>
-      <p:sp>
-        <p:nvSpPr>
-          <p:cNvPr id="124" name="Rectangle 123">
-            <a:extLst>
-              <a:ext uri="{FF2B5EF4-FFF2-40B4-BE49-F238E27FC236}">
-                <a16:creationId xmlns:a16="http://schemas.microsoft.com/office/drawing/2014/main" id="{D01B95F4-DD89-43FB-979D-76D5CF4DC191}"/>
-              </a:ext>
-            </a:extLst>
-          </p:cNvPr>
-          <p:cNvSpPr/>
-          <p:nvPr/>
-        </p:nvSpPr>
-        <p:spPr>
-          <a:xfrm>
-            <a:off x="6726678" y="1102809"/>
-            <a:ext cx="4301540" cy="1676244"/>
-          </a:xfrm>
-          <a:prstGeom prst="rect">
-            <a:avLst/>
-          </a:prstGeom>
-          <a:noFill/>
-          <a:ln w="12700">
-            <a:solidFill>
-              <a:srgbClr val="1E8900"/>
-            </a:solidFill>
-          </a:ln>
-        </p:spPr>
-        <p:style>
-          <a:lnRef idx="2">
-            <a:schemeClr val="accent1">
-              <a:shade val="50000"/>
-            </a:schemeClr>
-          </a:lnRef>
-          <a:fillRef idx="1">
-            <a:schemeClr val="accent1"/>
-          </a:fillRef>
-          <a:effectRef idx="0">
-            <a:schemeClr val="accent1"/>
-          </a:effectRef>
-          <a:fontRef idx="minor">
-            <a:schemeClr val="lt1"/>
-          </a:fontRef>
-        </p:style>
-        <p:txBody>
-          <a:bodyPr lIns="288000" tIns="72000"/>
-          <a:lstStyle/>
-          <a:p>
-            <a:pPr eaLnBrk="1" fontAlgn="auto" hangingPunct="1">
-              <a:spcBef>
-                <a:spcPts val="0"/>
-              </a:spcBef>
-              <a:spcAft>
-                <a:spcPts val="0"/>
-              </a:spcAft>
-              <a:defRPr/>
-            </a:pPr>
-            <a:r>
-              <a:rPr lang="en-US" sz="800" dirty="0">
-                <a:ln w="0"/>
-                <a:solidFill>
-                  <a:srgbClr val="1E8900"/>
-                </a:solidFill>
-                <a:latin typeface="Arial" panose="020B0604020202020204" pitchFamily="34" charset="0"/>
-                <a:cs typeface="Arial" panose="020B0604020202020204" pitchFamily="34" charset="0"/>
-              </a:rPr>
-              <a:t>VPC-Application-Example-Proxy</a:t>
-            </a:r>
-          </a:p>
-        </p:txBody>
-      </p:sp>
       <p:pic>
         <p:nvPicPr>
-          <p:cNvPr id="125" name="Graphic 28">
-            <a:extLst>
-              <a:ext uri="{FF2B5EF4-FFF2-40B4-BE49-F238E27FC236}">
-                <a16:creationId xmlns:a16="http://schemas.microsoft.com/office/drawing/2014/main" id="{9A0A40FB-7D88-424A-B687-2B2B9D451815}"/>
+          <p:cNvPr id="88" name="Graphic 87">
+            <a:extLst>
+              <a:ext uri="{FF2B5EF4-FFF2-40B4-BE49-F238E27FC236}">
+                <a16:creationId xmlns:a16="http://schemas.microsoft.com/office/drawing/2014/main" id="{39E239DE-639D-45E1-AB9E-044A052F23AC}"/>
               </a:ext>
             </a:extLst>
           </p:cNvPr>
           <p:cNvPicPr>
-            <a:picLocks noChangeAspect="1" noChangeArrowheads="1"/>
+            <a:picLocks noChangeAspect="1"/>
           </p:cNvPicPr>
           <p:nvPr/>
         </p:nvPicPr>
         <p:blipFill>
-          <a:blip r:embed="rId13">
-            <a:extLst>
-              <a:ext uri="{28A0092B-C50C-407E-A947-70E740481C1C}">
-                <a14:useLocalDpi xmlns:a14="http://schemas.microsoft.com/office/drawing/2010/main" val="0"/>
+          <a:blip r:embed="rId8">
+            <a:extLst>
+              <a:ext uri="{96DAC541-7B7A-43D3-8B79-37D633B846F1}">
+                <asvg:svgBlip xmlns:asvg="http://schemas.microsoft.com/office/drawing/2016/SVG/main" r:embed="rId9"/>
               </a:ext>
             </a:extLst>
           </a:blip>
           <a:srcRect/>
-          <a:stretch>
-            <a:fillRect/>
-          </a:stretch>
+          <a:stretch/>
         </p:blipFill>
+        <p:spPr>
+          <a:xfrm>
+            <a:off x="9776814" y="1813747"/>
+            <a:ext cx="270071" cy="270071"/>
+          </a:xfrm>
+          <a:prstGeom prst="rect">
+            <a:avLst/>
+          </a:prstGeom>
+        </p:spPr>
+      </p:pic>
+      <p:sp>
+        <p:nvSpPr>
+          <p:cNvPr id="89" name="TextBox 18">
+            <a:extLst>
+              <a:ext uri="{FF2B5EF4-FFF2-40B4-BE49-F238E27FC236}">
+                <a16:creationId xmlns:a16="http://schemas.microsoft.com/office/drawing/2014/main" id="{19C5A502-802B-4CFC-8DE2-B2569133990F}"/>
+              </a:ext>
+            </a:extLst>
+          </p:cNvPr>
+          <p:cNvSpPr txBox="1">
+            <a:spLocks noChangeArrowheads="1"/>
+          </p:cNvSpPr>
+          <p:nvPr/>
+        </p:nvSpPr>
         <p:spPr bwMode="auto">
           <a:xfrm>
-            <a:off x="6726678" y="1102807"/>
-            <a:ext cx="222383" cy="222383"/>
+            <a:off x="9947717" y="2438298"/>
+            <a:ext cx="1146578" cy="230832"/>
           </a:xfrm>
           <a:prstGeom prst="rect">
             <a:avLst/>
@@ -5608,13 +6829,127 @@
             </a:ext>
           </a:extLst>
         </p:spPr>
-      </p:pic>
+        <p:txBody>
+          <a:bodyPr wrap="square">
+            <a:spAutoFit/>
+          </a:bodyPr>
+          <a:lstStyle>
+            <a:lvl1pPr>
+              <a:defRPr>
+                <a:solidFill>
+                  <a:schemeClr val="tx1"/>
+                </a:solidFill>
+                <a:latin typeface="Calibri" panose="020F0502020204030204" pitchFamily="34" charset="0"/>
+              </a:defRPr>
+            </a:lvl1pPr>
+            <a:lvl2pPr marL="742950" indent="-285750">
+              <a:defRPr>
+                <a:solidFill>
+                  <a:schemeClr val="tx1"/>
+                </a:solidFill>
+                <a:latin typeface="Calibri" panose="020F0502020204030204" pitchFamily="34" charset="0"/>
+              </a:defRPr>
+            </a:lvl2pPr>
+            <a:lvl3pPr marL="1143000" indent="-228600">
+              <a:defRPr>
+                <a:solidFill>
+                  <a:schemeClr val="tx1"/>
+                </a:solidFill>
+                <a:latin typeface="Calibri" panose="020F0502020204030204" pitchFamily="34" charset="0"/>
+              </a:defRPr>
+            </a:lvl3pPr>
+            <a:lvl4pPr marL="1600200" indent="-228600">
+              <a:defRPr>
+                <a:solidFill>
+                  <a:schemeClr val="tx1"/>
+                </a:solidFill>
+                <a:latin typeface="Calibri" panose="020F0502020204030204" pitchFamily="34" charset="0"/>
+              </a:defRPr>
+            </a:lvl4pPr>
+            <a:lvl5pPr marL="2057400" indent="-228600">
+              <a:defRPr>
+                <a:solidFill>
+                  <a:schemeClr val="tx1"/>
+                </a:solidFill>
+                <a:latin typeface="Calibri" panose="020F0502020204030204" pitchFamily="34" charset="0"/>
+              </a:defRPr>
+            </a:lvl5pPr>
+            <a:lvl6pPr marL="2514600" indent="-228600" eaLnBrk="0" fontAlgn="base" hangingPunct="0">
+              <a:spcBef>
+                <a:spcPct val="0"/>
+              </a:spcBef>
+              <a:spcAft>
+                <a:spcPct val="0"/>
+              </a:spcAft>
+              <a:defRPr>
+                <a:solidFill>
+                  <a:schemeClr val="tx1"/>
+                </a:solidFill>
+                <a:latin typeface="Calibri" panose="020F0502020204030204" pitchFamily="34" charset="0"/>
+              </a:defRPr>
+            </a:lvl6pPr>
+            <a:lvl7pPr marL="2971800" indent="-228600" eaLnBrk="0" fontAlgn="base" hangingPunct="0">
+              <a:spcBef>
+                <a:spcPct val="0"/>
+              </a:spcBef>
+              <a:spcAft>
+                <a:spcPct val="0"/>
+              </a:spcAft>
+              <a:defRPr>
+                <a:solidFill>
+                  <a:schemeClr val="tx1"/>
+                </a:solidFill>
+                <a:latin typeface="Calibri" panose="020F0502020204030204" pitchFamily="34" charset="0"/>
+              </a:defRPr>
+            </a:lvl7pPr>
+            <a:lvl8pPr marL="3429000" indent="-228600" eaLnBrk="0" fontAlgn="base" hangingPunct="0">
+              <a:spcBef>
+                <a:spcPct val="0"/>
+              </a:spcBef>
+              <a:spcAft>
+                <a:spcPct val="0"/>
+              </a:spcAft>
+              <a:defRPr>
+                <a:solidFill>
+                  <a:schemeClr val="tx1"/>
+                </a:solidFill>
+                <a:latin typeface="Calibri" panose="020F0502020204030204" pitchFamily="34" charset="0"/>
+              </a:defRPr>
+            </a:lvl8pPr>
+            <a:lvl9pPr marL="3886200" indent="-228600" eaLnBrk="0" fontAlgn="base" hangingPunct="0">
+              <a:spcBef>
+                <a:spcPct val="0"/>
+              </a:spcBef>
+              <a:spcAft>
+                <a:spcPct val="0"/>
+              </a:spcAft>
+              <a:defRPr>
+                <a:solidFill>
+                  <a:schemeClr val="tx1"/>
+                </a:solidFill>
+                <a:latin typeface="Calibri" panose="020F0502020204030204" pitchFamily="34" charset="0"/>
+              </a:defRPr>
+            </a:lvl9pPr>
+          </a:lstStyle>
+          <a:p>
+            <a:pPr algn="ctr" eaLnBrk="1" hangingPunct="1"/>
+            <a:r>
+              <a:rPr lang="en-US" altLang="en-US" sz="900" dirty="0">
+                <a:latin typeface="Arial" panose="020B0604020202020204" pitchFamily="34" charset="0"/>
+                <a:ea typeface="Amazon Ember" panose="020B0603020204020204" pitchFamily="34" charset="0"/>
+                <a:cs typeface="Arial" panose="020B0604020202020204" pitchFamily="34" charset="0"/>
+              </a:rPr>
+              <a:t>Attachment</a:t>
+            </a:r>
+          </a:p>
+        </p:txBody>
+      </p:sp>
       <p:pic>
         <p:nvPicPr>
-          <p:cNvPr id="126" name="Graphic 125">
-            <a:extLst>
-              <a:ext uri="{FF2B5EF4-FFF2-40B4-BE49-F238E27FC236}">
-                <a16:creationId xmlns:a16="http://schemas.microsoft.com/office/drawing/2014/main" id="{5BB82D26-CBA3-4E1E-9930-BC12315D2968}"/>
+          <p:cNvPr id="90" name="Graphic 89">
+            <a:extLst>
+              <a:ext uri="{FF2B5EF4-FFF2-40B4-BE49-F238E27FC236}">
+                <a16:creationId xmlns:a16="http://schemas.microsoft.com/office/drawing/2014/main" id="{C62187DE-0C14-4AA3-AC9B-4960FD80F6AD}"/>
               </a:ext>
             </a:extLst>
           </p:cNvPr>
@@ -5637,1282 +6972,44 @@
         </p:blipFill>
         <p:spPr>
           <a:xfrm>
-            <a:off x="7194409" y="1723081"/>
-            <a:ext cx="219665" cy="219665"/>
+            <a:off x="10379763" y="2147441"/>
+            <a:ext cx="268492" cy="268492"/>
           </a:xfrm>
           <a:prstGeom prst="rect">
             <a:avLst/>
           </a:prstGeom>
         </p:spPr>
       </p:pic>
-      <p:sp>
-        <p:nvSpPr>
-          <p:cNvPr id="131" name="TextBox 18">
-            <a:extLst>
-              <a:ext uri="{FF2B5EF4-FFF2-40B4-BE49-F238E27FC236}">
-                <a16:creationId xmlns:a16="http://schemas.microsoft.com/office/drawing/2014/main" id="{ED025930-AA54-4C07-883E-76755A078589}"/>
-              </a:ext>
-            </a:extLst>
-          </p:cNvPr>
-          <p:cNvSpPr txBox="1">
-            <a:spLocks noChangeArrowheads="1"/>
-          </p:cNvSpPr>
-          <p:nvPr/>
-        </p:nvSpPr>
-        <p:spPr bwMode="auto">
-          <a:xfrm>
-            <a:off x="7117394" y="2242682"/>
-            <a:ext cx="1146578" cy="307777"/>
-          </a:xfrm>
-          <a:prstGeom prst="rect">
-            <a:avLst/>
-          </a:prstGeom>
-          <a:noFill/>
-          <a:ln>
-            <a:noFill/>
-          </a:ln>
-          <a:extLst>
-            <a:ext uri="{909E8E84-426E-40DD-AFC4-6F175D3DCCD1}">
-              <a14:hiddenFill xmlns:a14="http://schemas.microsoft.com/office/drawing/2010/main">
-                <a:solidFill>
-                  <a:srgbClr val="FFFFFF"/>
-                </a:solidFill>
-              </a14:hiddenFill>
-            </a:ext>
-            <a:ext uri="{91240B29-F687-4F45-9708-019B960494DF}">
-              <a14:hiddenLine xmlns:a14="http://schemas.microsoft.com/office/drawing/2010/main" w="9525">
-                <a:solidFill>
-                  <a:srgbClr val="000000"/>
-                </a:solidFill>
-                <a:miter lim="800000"/>
-                <a:headEnd/>
-                <a:tailEnd/>
-              </a14:hiddenLine>
-            </a:ext>
-          </a:extLst>
-        </p:spPr>
-        <p:txBody>
-          <a:bodyPr wrap="square">
-            <a:spAutoFit/>
-          </a:bodyPr>
-          <a:lstStyle>
-            <a:lvl1pPr>
-              <a:defRPr>
-                <a:solidFill>
-                  <a:schemeClr val="tx1"/>
-                </a:solidFill>
-                <a:latin typeface="Calibri" panose="020F0502020204030204" pitchFamily="34" charset="0"/>
-              </a:defRPr>
-            </a:lvl1pPr>
-            <a:lvl2pPr marL="742950" indent="-285750">
-              <a:defRPr>
-                <a:solidFill>
-                  <a:schemeClr val="tx1"/>
-                </a:solidFill>
-                <a:latin typeface="Calibri" panose="020F0502020204030204" pitchFamily="34" charset="0"/>
-              </a:defRPr>
-            </a:lvl2pPr>
-            <a:lvl3pPr marL="1143000" indent="-228600">
-              <a:defRPr>
-                <a:solidFill>
-                  <a:schemeClr val="tx1"/>
-                </a:solidFill>
-                <a:latin typeface="Calibri" panose="020F0502020204030204" pitchFamily="34" charset="0"/>
-              </a:defRPr>
-            </a:lvl3pPr>
-            <a:lvl4pPr marL="1600200" indent="-228600">
-              <a:defRPr>
-                <a:solidFill>
-                  <a:schemeClr val="tx1"/>
-                </a:solidFill>
-                <a:latin typeface="Calibri" panose="020F0502020204030204" pitchFamily="34" charset="0"/>
-              </a:defRPr>
-            </a:lvl4pPr>
-            <a:lvl5pPr marL="2057400" indent="-228600">
-              <a:defRPr>
-                <a:solidFill>
-                  <a:schemeClr val="tx1"/>
-                </a:solidFill>
-                <a:latin typeface="Calibri" panose="020F0502020204030204" pitchFamily="34" charset="0"/>
-              </a:defRPr>
-            </a:lvl5pPr>
-            <a:lvl6pPr marL="2514600" indent="-228600" eaLnBrk="0" fontAlgn="base" hangingPunct="0">
-              <a:spcBef>
-                <a:spcPct val="0"/>
-              </a:spcBef>
-              <a:spcAft>
-                <a:spcPct val="0"/>
-              </a:spcAft>
-              <a:defRPr>
-                <a:solidFill>
-                  <a:schemeClr val="tx1"/>
-                </a:solidFill>
-                <a:latin typeface="Calibri" panose="020F0502020204030204" pitchFamily="34" charset="0"/>
-              </a:defRPr>
-            </a:lvl6pPr>
-            <a:lvl7pPr marL="2971800" indent="-228600" eaLnBrk="0" fontAlgn="base" hangingPunct="0">
-              <a:spcBef>
-                <a:spcPct val="0"/>
-              </a:spcBef>
-              <a:spcAft>
-                <a:spcPct val="0"/>
-              </a:spcAft>
-              <a:defRPr>
-                <a:solidFill>
-                  <a:schemeClr val="tx1"/>
-                </a:solidFill>
-                <a:latin typeface="Calibri" panose="020F0502020204030204" pitchFamily="34" charset="0"/>
-              </a:defRPr>
-            </a:lvl7pPr>
-            <a:lvl8pPr marL="3429000" indent="-228600" eaLnBrk="0" fontAlgn="base" hangingPunct="0">
-              <a:spcBef>
-                <a:spcPct val="0"/>
-              </a:spcBef>
-              <a:spcAft>
-                <a:spcPct val="0"/>
-              </a:spcAft>
-              <a:defRPr>
-                <a:solidFill>
-                  <a:schemeClr val="tx1"/>
-                </a:solidFill>
-                <a:latin typeface="Calibri" panose="020F0502020204030204" pitchFamily="34" charset="0"/>
-              </a:defRPr>
-            </a:lvl8pPr>
-            <a:lvl9pPr marL="3886200" indent="-228600" eaLnBrk="0" fontAlgn="base" hangingPunct="0">
-              <a:spcBef>
-                <a:spcPct val="0"/>
-              </a:spcBef>
-              <a:spcAft>
-                <a:spcPct val="0"/>
-              </a:spcAft>
-              <a:defRPr>
-                <a:solidFill>
-                  <a:schemeClr val="tx1"/>
-                </a:solidFill>
-                <a:latin typeface="Calibri" panose="020F0502020204030204" pitchFamily="34" charset="0"/>
-              </a:defRPr>
-            </a:lvl9pPr>
-          </a:lstStyle>
-          <a:p>
-            <a:pPr algn="ctr" eaLnBrk="1" hangingPunct="1"/>
-            <a:r>
-              <a:rPr lang="en-US" altLang="en-US" sz="700" dirty="0">
-                <a:latin typeface="Arial" panose="020B0604020202020204" pitchFamily="34" charset="0"/>
-                <a:ea typeface="Amazon Ember" panose="020B0603020204020204" pitchFamily="34" charset="0"/>
-                <a:cs typeface="Arial" panose="020B0604020202020204" pitchFamily="34" charset="0"/>
-              </a:rPr>
-              <a:t>Transit Gateway Attachment</a:t>
-            </a:r>
-          </a:p>
-        </p:txBody>
-      </p:sp>
-      <p:pic>
-        <p:nvPicPr>
-          <p:cNvPr id="132" name="Graphic 8">
-            <a:extLst>
-              <a:ext uri="{FF2B5EF4-FFF2-40B4-BE49-F238E27FC236}">
-                <a16:creationId xmlns:a16="http://schemas.microsoft.com/office/drawing/2014/main" id="{D0341EAC-5316-4610-8B2F-7BDC319AF304}"/>
-              </a:ext>
-            </a:extLst>
-          </p:cNvPr>
-          <p:cNvPicPr>
-            <a:picLocks noChangeAspect="1" noChangeArrowheads="1"/>
-          </p:cNvPicPr>
-          <p:nvPr/>
-        </p:nvPicPr>
-        <p:blipFill>
-          <a:blip r:embed="rId16">
-            <a:extLst>
-              <a:ext uri="{96DAC541-7B7A-43D3-8B79-37D633B846F1}">
-                <asvg:svgBlip xmlns:asvg="http://schemas.microsoft.com/office/drawing/2016/SVG/main" r:embed="rId17"/>
-              </a:ext>
-            </a:extLst>
-          </a:blip>
-          <a:srcRect/>
-          <a:stretch/>
-        </p:blipFill>
-        <p:spPr bwMode="auto">
-          <a:xfrm>
-            <a:off x="7563873" y="1967486"/>
-            <a:ext cx="291602" cy="291602"/>
-          </a:xfrm>
-          <a:prstGeom prst="rect">
-            <a:avLst/>
-          </a:prstGeom>
-          <a:noFill/>
-          <a:ln>
-            <a:noFill/>
-          </a:ln>
-          <a:extLst>
-            <a:ext uri="{909E8E84-426E-40DD-AFC4-6F175D3DCCD1}">
-              <a14:hiddenFill xmlns:a14="http://schemas.microsoft.com/office/drawing/2010/main">
-                <a:solidFill>
-                  <a:srgbClr val="FFFFFF"/>
-                </a:solidFill>
-              </a14:hiddenFill>
-            </a:ext>
-            <a:ext uri="{91240B29-F687-4F45-9708-019B960494DF}">
-              <a14:hiddenLine xmlns:a14="http://schemas.microsoft.com/office/drawing/2010/main" w="9525">
-                <a:solidFill>
-                  <a:srgbClr val="000000"/>
-                </a:solidFill>
-                <a:miter lim="800000"/>
-                <a:headEnd/>
-                <a:tailEnd/>
-              </a14:hiddenLine>
-            </a:ext>
-          </a:extLst>
-        </p:spPr>
-      </p:pic>
-      <p:sp>
-        <p:nvSpPr>
-          <p:cNvPr id="137" name="Rectangle 136">
-            <a:extLst>
-              <a:ext uri="{FF2B5EF4-FFF2-40B4-BE49-F238E27FC236}">
-                <a16:creationId xmlns:a16="http://schemas.microsoft.com/office/drawing/2014/main" id="{C1E39CB1-9C33-4FCC-8433-86BD5255A091}"/>
-              </a:ext>
-            </a:extLst>
-          </p:cNvPr>
-          <p:cNvSpPr/>
-          <p:nvPr/>
-        </p:nvSpPr>
-        <p:spPr>
-          <a:xfrm>
-            <a:off x="9656235" y="1728127"/>
-            <a:ext cx="1055463" cy="879570"/>
-          </a:xfrm>
-          <a:prstGeom prst="rect">
-            <a:avLst/>
-          </a:prstGeom>
-          <a:solidFill>
-            <a:srgbClr val="007CBC">
-              <a:alpha val="9804"/>
-            </a:srgbClr>
-          </a:solidFill>
-          <a:ln w="12700">
-            <a:noFill/>
-            <a:prstDash val="dash"/>
-          </a:ln>
-        </p:spPr>
-        <p:style>
-          <a:lnRef idx="2">
-            <a:schemeClr val="accent1">
-              <a:shade val="50000"/>
-            </a:schemeClr>
-          </a:lnRef>
-          <a:fillRef idx="1">
-            <a:schemeClr val="accent1"/>
-          </a:fillRef>
-          <a:effectRef idx="0">
-            <a:schemeClr val="accent1"/>
-          </a:effectRef>
-          <a:fontRef idx="minor">
-            <a:schemeClr val="lt1"/>
-          </a:fontRef>
-        </p:style>
-        <p:txBody>
-          <a:bodyPr lIns="288000" tIns="54000" rIns="0"/>
-          <a:lstStyle/>
-          <a:p>
-            <a:pPr eaLnBrk="1" fontAlgn="auto" hangingPunct="1">
-              <a:spcBef>
-                <a:spcPts val="0"/>
-              </a:spcBef>
-              <a:spcAft>
-                <a:spcPts val="0"/>
-              </a:spcAft>
-              <a:defRPr/>
-            </a:pPr>
-            <a:r>
-              <a:rPr lang="en-US" sz="800" dirty="0">
-                <a:solidFill>
-                  <a:srgbClr val="5B9CD5"/>
-                </a:solidFill>
-                <a:latin typeface="Arial" panose="020B0604020202020204" pitchFamily="34" charset="0"/>
-                <a:cs typeface="Arial" panose="020B0604020202020204" pitchFamily="34" charset="0"/>
-              </a:rPr>
-              <a:t>Private subnet</a:t>
-            </a:r>
-          </a:p>
-        </p:txBody>
-      </p:sp>
-      <p:pic>
-        <p:nvPicPr>
-          <p:cNvPr id="139" name="Graphic 138">
-            <a:extLst>
-              <a:ext uri="{FF2B5EF4-FFF2-40B4-BE49-F238E27FC236}">
-                <a16:creationId xmlns:a16="http://schemas.microsoft.com/office/drawing/2014/main" id="{78CF524A-83CB-402F-99EE-93EF4987E716}"/>
-              </a:ext>
-            </a:extLst>
-          </p:cNvPr>
-          <p:cNvPicPr>
-            <a:picLocks noChangeAspect="1"/>
-          </p:cNvPicPr>
-          <p:nvPr/>
-        </p:nvPicPr>
-        <p:blipFill>
-          <a:blip r:embed="rId14">
-            <a:extLst>
-              <a:ext uri="{96DAC541-7B7A-43D3-8B79-37D633B846F1}">
-                <asvg:svgBlip xmlns:asvg="http://schemas.microsoft.com/office/drawing/2016/SVG/main" r:embed="rId15"/>
-              </a:ext>
-            </a:extLst>
-          </a:blip>
-          <a:stretch>
-            <a:fillRect/>
-          </a:stretch>
-        </p:blipFill>
-        <p:spPr>
-          <a:xfrm>
-            <a:off x="9660106" y="1728126"/>
-            <a:ext cx="219665" cy="219665"/>
-          </a:xfrm>
-          <a:prstGeom prst="rect">
-            <a:avLst/>
-          </a:prstGeom>
-        </p:spPr>
-      </p:pic>
-      <p:sp>
-        <p:nvSpPr>
-          <p:cNvPr id="140" name="TextBox 18">
-            <a:extLst>
-              <a:ext uri="{FF2B5EF4-FFF2-40B4-BE49-F238E27FC236}">
-                <a16:creationId xmlns:a16="http://schemas.microsoft.com/office/drawing/2014/main" id="{425D3DEB-35E4-4877-B1B7-91D52B39CC2F}"/>
-              </a:ext>
-            </a:extLst>
-          </p:cNvPr>
-          <p:cNvSpPr txBox="1">
-            <a:spLocks noChangeArrowheads="1"/>
-          </p:cNvSpPr>
-          <p:nvPr/>
-        </p:nvSpPr>
-        <p:spPr bwMode="auto">
-          <a:xfrm>
-            <a:off x="9583091" y="2247727"/>
-            <a:ext cx="1146578" cy="307777"/>
-          </a:xfrm>
-          <a:prstGeom prst="rect">
-            <a:avLst/>
-          </a:prstGeom>
-          <a:noFill/>
-          <a:ln>
-            <a:noFill/>
-          </a:ln>
-          <a:extLst>
-            <a:ext uri="{909E8E84-426E-40DD-AFC4-6F175D3DCCD1}">
-              <a14:hiddenFill xmlns:a14="http://schemas.microsoft.com/office/drawing/2010/main">
-                <a:solidFill>
-                  <a:srgbClr val="FFFFFF"/>
-                </a:solidFill>
-              </a14:hiddenFill>
-            </a:ext>
-            <a:ext uri="{91240B29-F687-4F45-9708-019B960494DF}">
-              <a14:hiddenLine xmlns:a14="http://schemas.microsoft.com/office/drawing/2010/main" w="9525">
-                <a:solidFill>
-                  <a:srgbClr val="000000"/>
-                </a:solidFill>
-                <a:miter lim="800000"/>
-                <a:headEnd/>
-                <a:tailEnd/>
-              </a14:hiddenLine>
-            </a:ext>
-          </a:extLst>
-        </p:spPr>
-        <p:txBody>
-          <a:bodyPr wrap="square">
-            <a:spAutoFit/>
-          </a:bodyPr>
-          <a:lstStyle>
-            <a:lvl1pPr>
-              <a:defRPr>
-                <a:solidFill>
-                  <a:schemeClr val="tx1"/>
-                </a:solidFill>
-                <a:latin typeface="Calibri" panose="020F0502020204030204" pitchFamily="34" charset="0"/>
-              </a:defRPr>
-            </a:lvl1pPr>
-            <a:lvl2pPr marL="742950" indent="-285750">
-              <a:defRPr>
-                <a:solidFill>
-                  <a:schemeClr val="tx1"/>
-                </a:solidFill>
-                <a:latin typeface="Calibri" panose="020F0502020204030204" pitchFamily="34" charset="0"/>
-              </a:defRPr>
-            </a:lvl2pPr>
-            <a:lvl3pPr marL="1143000" indent="-228600">
-              <a:defRPr>
-                <a:solidFill>
-                  <a:schemeClr val="tx1"/>
-                </a:solidFill>
-                <a:latin typeface="Calibri" panose="020F0502020204030204" pitchFamily="34" charset="0"/>
-              </a:defRPr>
-            </a:lvl3pPr>
-            <a:lvl4pPr marL="1600200" indent="-228600">
-              <a:defRPr>
-                <a:solidFill>
-                  <a:schemeClr val="tx1"/>
-                </a:solidFill>
-                <a:latin typeface="Calibri" panose="020F0502020204030204" pitchFamily="34" charset="0"/>
-              </a:defRPr>
-            </a:lvl4pPr>
-            <a:lvl5pPr marL="2057400" indent="-228600">
-              <a:defRPr>
-                <a:solidFill>
-                  <a:schemeClr val="tx1"/>
-                </a:solidFill>
-                <a:latin typeface="Calibri" panose="020F0502020204030204" pitchFamily="34" charset="0"/>
-              </a:defRPr>
-            </a:lvl5pPr>
-            <a:lvl6pPr marL="2514600" indent="-228600" eaLnBrk="0" fontAlgn="base" hangingPunct="0">
-              <a:spcBef>
-                <a:spcPct val="0"/>
-              </a:spcBef>
-              <a:spcAft>
-                <a:spcPct val="0"/>
-              </a:spcAft>
-              <a:defRPr>
-                <a:solidFill>
-                  <a:schemeClr val="tx1"/>
-                </a:solidFill>
-                <a:latin typeface="Calibri" panose="020F0502020204030204" pitchFamily="34" charset="0"/>
-              </a:defRPr>
-            </a:lvl6pPr>
-            <a:lvl7pPr marL="2971800" indent="-228600" eaLnBrk="0" fontAlgn="base" hangingPunct="0">
-              <a:spcBef>
-                <a:spcPct val="0"/>
-              </a:spcBef>
-              <a:spcAft>
-                <a:spcPct val="0"/>
-              </a:spcAft>
-              <a:defRPr>
-                <a:solidFill>
-                  <a:schemeClr val="tx1"/>
-                </a:solidFill>
-                <a:latin typeface="Calibri" panose="020F0502020204030204" pitchFamily="34" charset="0"/>
-              </a:defRPr>
-            </a:lvl7pPr>
-            <a:lvl8pPr marL="3429000" indent="-228600" eaLnBrk="0" fontAlgn="base" hangingPunct="0">
-              <a:spcBef>
-                <a:spcPct val="0"/>
-              </a:spcBef>
-              <a:spcAft>
-                <a:spcPct val="0"/>
-              </a:spcAft>
-              <a:defRPr>
-                <a:solidFill>
-                  <a:schemeClr val="tx1"/>
-                </a:solidFill>
-                <a:latin typeface="Calibri" panose="020F0502020204030204" pitchFamily="34" charset="0"/>
-              </a:defRPr>
-            </a:lvl8pPr>
-            <a:lvl9pPr marL="3886200" indent="-228600" eaLnBrk="0" fontAlgn="base" hangingPunct="0">
-              <a:spcBef>
-                <a:spcPct val="0"/>
-              </a:spcBef>
-              <a:spcAft>
-                <a:spcPct val="0"/>
-              </a:spcAft>
-              <a:defRPr>
-                <a:solidFill>
-                  <a:schemeClr val="tx1"/>
-                </a:solidFill>
-                <a:latin typeface="Calibri" panose="020F0502020204030204" pitchFamily="34" charset="0"/>
-              </a:defRPr>
-            </a:lvl9pPr>
-          </a:lstStyle>
-          <a:p>
-            <a:pPr algn="ctr" eaLnBrk="1" hangingPunct="1"/>
-            <a:r>
-              <a:rPr lang="en-US" altLang="en-US" sz="700" dirty="0">
-                <a:latin typeface="Arial" panose="020B0604020202020204" pitchFamily="34" charset="0"/>
-                <a:ea typeface="Amazon Ember" panose="020B0603020204020204" pitchFamily="34" charset="0"/>
-                <a:cs typeface="Arial" panose="020B0604020202020204" pitchFamily="34" charset="0"/>
-              </a:rPr>
-              <a:t>Transit Gateway Attachment</a:t>
-            </a:r>
-          </a:p>
-        </p:txBody>
-      </p:sp>
-      <p:pic>
-        <p:nvPicPr>
-          <p:cNvPr id="141" name="Graphic 8">
-            <a:extLst>
-              <a:ext uri="{FF2B5EF4-FFF2-40B4-BE49-F238E27FC236}">
-                <a16:creationId xmlns:a16="http://schemas.microsoft.com/office/drawing/2014/main" id="{6C8853B4-FAE9-46C3-BE36-3AE61A8E3D19}"/>
-              </a:ext>
-            </a:extLst>
-          </p:cNvPr>
-          <p:cNvPicPr>
-            <a:picLocks noChangeAspect="1" noChangeArrowheads="1"/>
-          </p:cNvPicPr>
-          <p:nvPr/>
-        </p:nvPicPr>
-        <p:blipFill>
-          <a:blip r:embed="rId16">
-            <a:extLst>
-              <a:ext uri="{96DAC541-7B7A-43D3-8B79-37D633B846F1}">
-                <asvg:svgBlip xmlns:asvg="http://schemas.microsoft.com/office/drawing/2016/SVG/main" r:embed="rId17"/>
-              </a:ext>
-            </a:extLst>
-          </a:blip>
-          <a:srcRect/>
-          <a:stretch/>
-        </p:blipFill>
-        <p:spPr bwMode="auto">
-          <a:xfrm>
-            <a:off x="10029570" y="1972531"/>
-            <a:ext cx="291602" cy="291602"/>
-          </a:xfrm>
-          <a:prstGeom prst="rect">
-            <a:avLst/>
-          </a:prstGeom>
-          <a:noFill/>
-          <a:ln>
-            <a:noFill/>
-          </a:ln>
-          <a:extLst>
-            <a:ext uri="{909E8E84-426E-40DD-AFC4-6F175D3DCCD1}">
-              <a14:hiddenFill xmlns:a14="http://schemas.microsoft.com/office/drawing/2010/main">
-                <a:solidFill>
-                  <a:srgbClr val="FFFFFF"/>
-                </a:solidFill>
-              </a14:hiddenFill>
-            </a:ext>
-            <a:ext uri="{91240B29-F687-4F45-9708-019B960494DF}">
-              <a14:hiddenLine xmlns:a14="http://schemas.microsoft.com/office/drawing/2010/main" w="9525">
-                <a:solidFill>
-                  <a:srgbClr val="000000"/>
-                </a:solidFill>
-                <a:miter lim="800000"/>
-                <a:headEnd/>
-                <a:tailEnd/>
-              </a14:hiddenLine>
-            </a:ext>
-          </a:extLst>
-        </p:spPr>
-      </p:pic>
-      <p:sp>
-        <p:nvSpPr>
-          <p:cNvPr id="143" name="Rectangle 142">
-            <a:extLst>
-              <a:ext uri="{FF2B5EF4-FFF2-40B4-BE49-F238E27FC236}">
-                <a16:creationId xmlns:a16="http://schemas.microsoft.com/office/drawing/2014/main" id="{88C2CE1D-8D02-4C55-987A-8DBAFE043416}"/>
-              </a:ext>
-            </a:extLst>
-          </p:cNvPr>
-          <p:cNvSpPr/>
-          <p:nvPr/>
-        </p:nvSpPr>
-        <p:spPr>
-          <a:xfrm>
-            <a:off x="6746448" y="2892624"/>
-            <a:ext cx="4281770" cy="2271161"/>
-          </a:xfrm>
-          <a:prstGeom prst="rect">
-            <a:avLst/>
-          </a:prstGeom>
-          <a:noFill/>
-          <a:ln w="12700">
-            <a:solidFill>
-              <a:srgbClr val="1E8900"/>
-            </a:solidFill>
-          </a:ln>
-        </p:spPr>
-        <p:style>
-          <a:lnRef idx="2">
-            <a:schemeClr val="accent1">
-              <a:shade val="50000"/>
-            </a:schemeClr>
-          </a:lnRef>
-          <a:fillRef idx="1">
-            <a:schemeClr val="accent1"/>
-          </a:fillRef>
-          <a:effectRef idx="0">
-            <a:schemeClr val="accent1"/>
-          </a:effectRef>
-          <a:fontRef idx="minor">
-            <a:schemeClr val="lt1"/>
-          </a:fontRef>
-        </p:style>
-        <p:txBody>
-          <a:bodyPr lIns="288000" tIns="72000"/>
-          <a:lstStyle/>
-          <a:p>
-            <a:pPr eaLnBrk="1" fontAlgn="auto" hangingPunct="1">
-              <a:spcBef>
-                <a:spcPts val="0"/>
-              </a:spcBef>
-              <a:spcAft>
-                <a:spcPts val="0"/>
-              </a:spcAft>
-              <a:defRPr/>
-            </a:pPr>
-            <a:r>
-              <a:rPr lang="en-US" sz="800" dirty="0">
-                <a:ln w="0"/>
-                <a:solidFill>
-                  <a:srgbClr val="1E8900"/>
-                </a:solidFill>
-                <a:latin typeface="Arial" panose="020B0604020202020204" pitchFamily="34" charset="0"/>
-                <a:cs typeface="Arial" panose="020B0604020202020204" pitchFamily="34" charset="0"/>
-              </a:rPr>
-              <a:t>Monolith VPC</a:t>
-            </a:r>
-          </a:p>
-        </p:txBody>
-      </p:sp>
-      <p:pic>
-        <p:nvPicPr>
-          <p:cNvPr id="144" name="Graphic 28">
-            <a:extLst>
-              <a:ext uri="{FF2B5EF4-FFF2-40B4-BE49-F238E27FC236}">
-                <a16:creationId xmlns:a16="http://schemas.microsoft.com/office/drawing/2014/main" id="{93CC1FC3-69C2-42C7-A158-5BE83103FEF0}"/>
-              </a:ext>
-            </a:extLst>
-          </p:cNvPr>
-          <p:cNvPicPr>
-            <a:picLocks noChangeAspect="1" noChangeArrowheads="1"/>
-          </p:cNvPicPr>
-          <p:nvPr/>
-        </p:nvPicPr>
-        <p:blipFill>
-          <a:blip r:embed="rId13">
-            <a:extLst>
-              <a:ext uri="{28A0092B-C50C-407E-A947-70E740481C1C}">
-                <a14:useLocalDpi xmlns:a14="http://schemas.microsoft.com/office/drawing/2010/main" val="0"/>
-              </a:ext>
-            </a:extLst>
-          </a:blip>
-          <a:srcRect/>
-          <a:stretch>
-            <a:fillRect/>
-          </a:stretch>
-        </p:blipFill>
-        <p:spPr bwMode="auto">
-          <a:xfrm>
-            <a:off x="6746448" y="2892624"/>
-            <a:ext cx="222383" cy="222383"/>
-          </a:xfrm>
-          <a:prstGeom prst="rect">
-            <a:avLst/>
-          </a:prstGeom>
-          <a:noFill/>
-          <a:ln>
-            <a:noFill/>
-          </a:ln>
-          <a:extLst>
-            <a:ext uri="{909E8E84-426E-40DD-AFC4-6F175D3DCCD1}">
-              <a14:hiddenFill xmlns:a14="http://schemas.microsoft.com/office/drawing/2010/main">
-                <a:solidFill>
-                  <a:srgbClr val="FFFFFF"/>
-                </a:solidFill>
-              </a14:hiddenFill>
-            </a:ext>
-            <a:ext uri="{91240B29-F687-4F45-9708-019B960494DF}">
-              <a14:hiddenLine xmlns:a14="http://schemas.microsoft.com/office/drawing/2010/main" w="9525">
-                <a:solidFill>
-                  <a:srgbClr val="000000"/>
-                </a:solidFill>
-                <a:miter lim="800000"/>
-                <a:headEnd/>
-                <a:tailEnd/>
-              </a14:hiddenLine>
-            </a:ext>
-          </a:extLst>
-        </p:spPr>
-      </p:pic>
-      <p:sp>
-        <p:nvSpPr>
-          <p:cNvPr id="148" name="TextBox 19">
-            <a:extLst>
-              <a:ext uri="{FF2B5EF4-FFF2-40B4-BE49-F238E27FC236}">
-                <a16:creationId xmlns:a16="http://schemas.microsoft.com/office/drawing/2014/main" id="{98150DD0-6FC2-44D7-BAD7-232E823A4F17}"/>
-              </a:ext>
-            </a:extLst>
-          </p:cNvPr>
-          <p:cNvSpPr txBox="1">
-            <a:spLocks noChangeArrowheads="1"/>
-          </p:cNvSpPr>
-          <p:nvPr/>
-        </p:nvSpPr>
-        <p:spPr bwMode="auto">
-          <a:xfrm>
-            <a:off x="8332347" y="4260548"/>
-            <a:ext cx="1252536" cy="369332"/>
-          </a:xfrm>
-          <a:prstGeom prst="rect">
-            <a:avLst/>
-          </a:prstGeom>
-          <a:noFill/>
-          <a:ln>
-            <a:noFill/>
-          </a:ln>
-          <a:extLst>
-            <a:ext uri="{909E8E84-426E-40DD-AFC4-6F175D3DCCD1}">
-              <a14:hiddenFill xmlns:a14="http://schemas.microsoft.com/office/drawing/2010/main">
-                <a:solidFill>
-                  <a:srgbClr val="FFFFFF"/>
-                </a:solidFill>
-              </a14:hiddenFill>
-            </a:ext>
-            <a:ext uri="{91240B29-F687-4F45-9708-019B960494DF}">
-              <a14:hiddenLine xmlns:a14="http://schemas.microsoft.com/office/drawing/2010/main" w="9525">
-                <a:solidFill>
-                  <a:srgbClr val="000000"/>
-                </a:solidFill>
-                <a:miter lim="800000"/>
-                <a:headEnd/>
-                <a:tailEnd/>
-              </a14:hiddenLine>
-            </a:ext>
-          </a:extLst>
-        </p:spPr>
-        <p:txBody>
-          <a:bodyPr wrap="square">
-            <a:spAutoFit/>
-          </a:bodyPr>
-          <a:lstStyle>
-            <a:lvl1pPr>
-              <a:defRPr>
-                <a:solidFill>
-                  <a:schemeClr val="tx1"/>
-                </a:solidFill>
-                <a:latin typeface="Calibri" panose="020F0502020204030204" pitchFamily="34" charset="0"/>
-              </a:defRPr>
-            </a:lvl1pPr>
-            <a:lvl2pPr marL="742950" indent="-285750">
-              <a:defRPr>
-                <a:solidFill>
-                  <a:schemeClr val="tx1"/>
-                </a:solidFill>
-                <a:latin typeface="Calibri" panose="020F0502020204030204" pitchFamily="34" charset="0"/>
-              </a:defRPr>
-            </a:lvl2pPr>
-            <a:lvl3pPr marL="1143000" indent="-228600">
-              <a:defRPr>
-                <a:solidFill>
-                  <a:schemeClr val="tx1"/>
-                </a:solidFill>
-                <a:latin typeface="Calibri" panose="020F0502020204030204" pitchFamily="34" charset="0"/>
-              </a:defRPr>
-            </a:lvl3pPr>
-            <a:lvl4pPr marL="1600200" indent="-228600">
-              <a:defRPr>
-                <a:solidFill>
-                  <a:schemeClr val="tx1"/>
-                </a:solidFill>
-                <a:latin typeface="Calibri" panose="020F0502020204030204" pitchFamily="34" charset="0"/>
-              </a:defRPr>
-            </a:lvl4pPr>
-            <a:lvl5pPr marL="2057400" indent="-228600">
-              <a:defRPr>
-                <a:solidFill>
-                  <a:schemeClr val="tx1"/>
-                </a:solidFill>
-                <a:latin typeface="Calibri" panose="020F0502020204030204" pitchFamily="34" charset="0"/>
-              </a:defRPr>
-            </a:lvl5pPr>
-            <a:lvl6pPr marL="2514600" indent="-228600" eaLnBrk="0" fontAlgn="base" hangingPunct="0">
-              <a:spcBef>
-                <a:spcPct val="0"/>
-              </a:spcBef>
-              <a:spcAft>
-                <a:spcPct val="0"/>
-              </a:spcAft>
-              <a:defRPr>
-                <a:solidFill>
-                  <a:schemeClr val="tx1"/>
-                </a:solidFill>
-                <a:latin typeface="Calibri" panose="020F0502020204030204" pitchFamily="34" charset="0"/>
-              </a:defRPr>
-            </a:lvl6pPr>
-            <a:lvl7pPr marL="2971800" indent="-228600" eaLnBrk="0" fontAlgn="base" hangingPunct="0">
-              <a:spcBef>
-                <a:spcPct val="0"/>
-              </a:spcBef>
-              <a:spcAft>
-                <a:spcPct val="0"/>
-              </a:spcAft>
-              <a:defRPr>
-                <a:solidFill>
-                  <a:schemeClr val="tx1"/>
-                </a:solidFill>
-                <a:latin typeface="Calibri" panose="020F0502020204030204" pitchFamily="34" charset="0"/>
-              </a:defRPr>
-            </a:lvl7pPr>
-            <a:lvl8pPr marL="3429000" indent="-228600" eaLnBrk="0" fontAlgn="base" hangingPunct="0">
-              <a:spcBef>
-                <a:spcPct val="0"/>
-              </a:spcBef>
-              <a:spcAft>
-                <a:spcPct val="0"/>
-              </a:spcAft>
-              <a:defRPr>
-                <a:solidFill>
-                  <a:schemeClr val="tx1"/>
-                </a:solidFill>
-                <a:latin typeface="Calibri" panose="020F0502020204030204" pitchFamily="34" charset="0"/>
-              </a:defRPr>
-            </a:lvl8pPr>
-            <a:lvl9pPr marL="3886200" indent="-228600" eaLnBrk="0" fontAlgn="base" hangingPunct="0">
-              <a:spcBef>
-                <a:spcPct val="0"/>
-              </a:spcBef>
-              <a:spcAft>
-                <a:spcPct val="0"/>
-              </a:spcAft>
-              <a:defRPr>
-                <a:solidFill>
-                  <a:schemeClr val="tx1"/>
-                </a:solidFill>
-                <a:latin typeface="Calibri" panose="020F0502020204030204" pitchFamily="34" charset="0"/>
-              </a:defRPr>
-            </a:lvl9pPr>
-          </a:lstStyle>
-          <a:p>
-            <a:pPr algn="ctr" eaLnBrk="1" hangingPunct="1"/>
-            <a:r>
-              <a:rPr lang="en-US" altLang="en-US" sz="900" dirty="0">
-                <a:latin typeface="Arial" panose="020B0604020202020204" pitchFamily="34" charset="0"/>
-                <a:ea typeface="Amazon Ember" panose="020B0603020204020204" pitchFamily="34" charset="0"/>
-                <a:cs typeface="Arial" panose="020B0604020202020204" pitchFamily="34" charset="0"/>
-              </a:rPr>
-              <a:t>Application Load </a:t>
-            </a:r>
-            <a:br>
-              <a:rPr lang="en-US" altLang="en-US" sz="900" dirty="0">
-                <a:latin typeface="Arial" panose="020B0604020202020204" pitchFamily="34" charset="0"/>
-                <a:ea typeface="Amazon Ember" panose="020B0603020204020204" pitchFamily="34" charset="0"/>
-                <a:cs typeface="Arial" panose="020B0604020202020204" pitchFamily="34" charset="0"/>
-              </a:rPr>
-            </a:br>
-            <a:r>
-              <a:rPr lang="en-US" altLang="en-US" sz="900" dirty="0">
-                <a:latin typeface="Arial" panose="020B0604020202020204" pitchFamily="34" charset="0"/>
-                <a:ea typeface="Amazon Ember" panose="020B0603020204020204" pitchFamily="34" charset="0"/>
-                <a:cs typeface="Arial" panose="020B0604020202020204" pitchFamily="34" charset="0"/>
-              </a:rPr>
-              <a:t>Balancer</a:t>
-            </a:r>
-          </a:p>
-        </p:txBody>
-      </p:sp>
-      <p:pic>
-        <p:nvPicPr>
-          <p:cNvPr id="149" name="Graphic 8">
-            <a:extLst>
-              <a:ext uri="{FF2B5EF4-FFF2-40B4-BE49-F238E27FC236}">
-                <a16:creationId xmlns:a16="http://schemas.microsoft.com/office/drawing/2014/main" id="{5FE0F01D-16E4-45F2-8D7C-70A5B6980B81}"/>
-              </a:ext>
-            </a:extLst>
-          </p:cNvPr>
-          <p:cNvPicPr>
-            <a:picLocks noChangeAspect="1" noChangeArrowheads="1"/>
-          </p:cNvPicPr>
-          <p:nvPr/>
-        </p:nvPicPr>
-        <p:blipFill>
-          <a:blip r:embed="rId18">
-            <a:extLst>
-              <a:ext uri="{28A0092B-C50C-407E-A947-70E740481C1C}">
-                <a14:useLocalDpi xmlns:a14="http://schemas.microsoft.com/office/drawing/2010/main" val="0"/>
-              </a:ext>
-            </a:extLst>
-          </a:blip>
-          <a:srcRect/>
-          <a:stretch>
-            <a:fillRect/>
-          </a:stretch>
-        </p:blipFill>
-        <p:spPr bwMode="auto">
-          <a:xfrm>
-            <a:off x="8763968" y="4751987"/>
-            <a:ext cx="349485" cy="349485"/>
-          </a:xfrm>
-          <a:prstGeom prst="rect">
-            <a:avLst/>
-          </a:prstGeom>
-          <a:noFill/>
-          <a:ln>
-            <a:noFill/>
-          </a:ln>
-          <a:extLst>
-            <a:ext uri="{909E8E84-426E-40DD-AFC4-6F175D3DCCD1}">
-              <a14:hiddenFill xmlns:a14="http://schemas.microsoft.com/office/drawing/2010/main">
-                <a:solidFill>
-                  <a:srgbClr val="FFFFFF"/>
-                </a:solidFill>
-              </a14:hiddenFill>
-            </a:ext>
-            <a:ext uri="{91240B29-F687-4F45-9708-019B960494DF}">
-              <a14:hiddenLine xmlns:a14="http://schemas.microsoft.com/office/drawing/2010/main" w="9525">
-                <a:solidFill>
-                  <a:srgbClr val="000000"/>
-                </a:solidFill>
-                <a:miter lim="800000"/>
-                <a:headEnd/>
-                <a:tailEnd/>
-              </a14:hiddenLine>
-            </a:ext>
-          </a:extLst>
-        </p:spPr>
-      </p:pic>
-      <p:sp>
-        <p:nvSpPr>
-          <p:cNvPr id="150" name="Rectangle 149">
-            <a:extLst>
-              <a:ext uri="{FF2B5EF4-FFF2-40B4-BE49-F238E27FC236}">
-                <a16:creationId xmlns:a16="http://schemas.microsoft.com/office/drawing/2014/main" id="{AAE67FF7-F84A-44DB-B441-045EEF3D6EF5}"/>
-              </a:ext>
-            </a:extLst>
-          </p:cNvPr>
-          <p:cNvSpPr/>
-          <p:nvPr/>
-        </p:nvSpPr>
-        <p:spPr>
-          <a:xfrm>
-            <a:off x="7201630" y="3168656"/>
-            <a:ext cx="1055463" cy="1512998"/>
-          </a:xfrm>
-          <a:prstGeom prst="rect">
-            <a:avLst/>
-          </a:prstGeom>
-          <a:solidFill>
-            <a:srgbClr val="007CBC">
-              <a:alpha val="9804"/>
-            </a:srgbClr>
-          </a:solidFill>
-          <a:ln w="12700">
-            <a:noFill/>
-            <a:prstDash val="dash"/>
-          </a:ln>
-        </p:spPr>
-        <p:style>
-          <a:lnRef idx="2">
-            <a:schemeClr val="accent1">
-              <a:shade val="50000"/>
-            </a:schemeClr>
-          </a:lnRef>
-          <a:fillRef idx="1">
-            <a:schemeClr val="accent1"/>
-          </a:fillRef>
-          <a:effectRef idx="0">
-            <a:schemeClr val="accent1"/>
-          </a:effectRef>
-          <a:fontRef idx="minor">
-            <a:schemeClr val="lt1"/>
-          </a:fontRef>
-        </p:style>
-        <p:txBody>
-          <a:bodyPr lIns="288000" tIns="54000" rIns="0"/>
-          <a:lstStyle/>
-          <a:p>
-            <a:pPr eaLnBrk="1" fontAlgn="auto" hangingPunct="1">
-              <a:spcBef>
-                <a:spcPts val="0"/>
-              </a:spcBef>
-              <a:spcAft>
-                <a:spcPts val="0"/>
-              </a:spcAft>
-              <a:defRPr/>
-            </a:pPr>
-            <a:r>
-              <a:rPr lang="en-US" sz="800" dirty="0">
-                <a:solidFill>
-                  <a:srgbClr val="5B9CD5"/>
-                </a:solidFill>
-                <a:latin typeface="Arial" panose="020B0604020202020204" pitchFamily="34" charset="0"/>
-                <a:cs typeface="Arial" panose="020B0604020202020204" pitchFamily="34" charset="0"/>
-              </a:rPr>
-              <a:t>Private subnet</a:t>
-            </a:r>
-          </a:p>
-        </p:txBody>
-      </p:sp>
-      <p:pic>
-        <p:nvPicPr>
-          <p:cNvPr id="151" name="Graphic 150">
-            <a:extLst>
-              <a:ext uri="{FF2B5EF4-FFF2-40B4-BE49-F238E27FC236}">
-                <a16:creationId xmlns:a16="http://schemas.microsoft.com/office/drawing/2014/main" id="{4DBAA4AE-265B-46E1-B5B0-A91D1D77B20B}"/>
-              </a:ext>
-            </a:extLst>
-          </p:cNvPr>
-          <p:cNvPicPr>
-            <a:picLocks noChangeAspect="1"/>
-          </p:cNvPicPr>
-          <p:nvPr/>
-        </p:nvPicPr>
-        <p:blipFill>
-          <a:blip r:embed="rId14">
-            <a:extLst>
-              <a:ext uri="{96DAC541-7B7A-43D3-8B79-37D633B846F1}">
-                <asvg:svgBlip xmlns:asvg="http://schemas.microsoft.com/office/drawing/2016/SVG/main" r:embed="rId15"/>
-              </a:ext>
-            </a:extLst>
-          </a:blip>
-          <a:stretch>
-            <a:fillRect/>
-          </a:stretch>
-        </p:blipFill>
-        <p:spPr>
-          <a:xfrm>
-            <a:off x="7205501" y="3168656"/>
-            <a:ext cx="219665" cy="219665"/>
-          </a:xfrm>
-          <a:prstGeom prst="rect">
-            <a:avLst/>
-          </a:prstGeom>
-        </p:spPr>
-      </p:pic>
-      <p:pic>
-        <p:nvPicPr>
-          <p:cNvPr id="152" name="Graphic 8">
-            <a:extLst>
-              <a:ext uri="{FF2B5EF4-FFF2-40B4-BE49-F238E27FC236}">
-                <a16:creationId xmlns:a16="http://schemas.microsoft.com/office/drawing/2014/main" id="{4FAD177B-589B-46B6-96CE-F22F3344BCA5}"/>
-              </a:ext>
-            </a:extLst>
-          </p:cNvPr>
-          <p:cNvPicPr>
-            <a:picLocks noChangeAspect="1" noChangeArrowheads="1"/>
-          </p:cNvPicPr>
-          <p:nvPr/>
-        </p:nvPicPr>
-        <p:blipFill>
-          <a:blip r:embed="rId16">
-            <a:extLst>
-              <a:ext uri="{96DAC541-7B7A-43D3-8B79-37D633B846F1}">
-                <asvg:svgBlip xmlns:asvg="http://schemas.microsoft.com/office/drawing/2016/SVG/main" r:embed="rId17"/>
-              </a:ext>
-            </a:extLst>
-          </a:blip>
-          <a:srcRect/>
-          <a:stretch/>
-        </p:blipFill>
-        <p:spPr bwMode="auto">
-          <a:xfrm>
-            <a:off x="7574965" y="3413061"/>
-            <a:ext cx="291602" cy="291602"/>
-          </a:xfrm>
-          <a:prstGeom prst="rect">
-            <a:avLst/>
-          </a:prstGeom>
-          <a:noFill/>
-          <a:ln>
-            <a:noFill/>
-          </a:ln>
-          <a:extLst>
-            <a:ext uri="{909E8E84-426E-40DD-AFC4-6F175D3DCCD1}">
-              <a14:hiddenFill xmlns:a14="http://schemas.microsoft.com/office/drawing/2010/main">
-                <a:solidFill>
-                  <a:srgbClr val="FFFFFF"/>
-                </a:solidFill>
-              </a14:hiddenFill>
-            </a:ext>
-            <a:ext uri="{91240B29-F687-4F45-9708-019B960494DF}">
-              <a14:hiddenLine xmlns:a14="http://schemas.microsoft.com/office/drawing/2010/main" w="9525">
-                <a:solidFill>
-                  <a:srgbClr val="000000"/>
-                </a:solidFill>
-                <a:miter lim="800000"/>
-                <a:headEnd/>
-                <a:tailEnd/>
-              </a14:hiddenLine>
-            </a:ext>
-          </a:extLst>
-        </p:spPr>
-      </p:pic>
-      <p:sp>
-        <p:nvSpPr>
-          <p:cNvPr id="153" name="TextBox 18">
-            <a:extLst>
-              <a:ext uri="{FF2B5EF4-FFF2-40B4-BE49-F238E27FC236}">
-                <a16:creationId xmlns:a16="http://schemas.microsoft.com/office/drawing/2014/main" id="{1E93CC5C-EF8E-44DD-B4C2-24C4E5396859}"/>
-              </a:ext>
-            </a:extLst>
-          </p:cNvPr>
-          <p:cNvSpPr txBox="1">
-            <a:spLocks noChangeArrowheads="1"/>
-          </p:cNvSpPr>
-          <p:nvPr/>
-        </p:nvSpPr>
-        <p:spPr bwMode="auto">
-          <a:xfrm>
-            <a:off x="7136009" y="3728984"/>
-            <a:ext cx="1146578" cy="307777"/>
-          </a:xfrm>
-          <a:prstGeom prst="rect">
-            <a:avLst/>
-          </a:prstGeom>
-          <a:noFill/>
-          <a:ln>
-            <a:noFill/>
-          </a:ln>
-          <a:extLst>
-            <a:ext uri="{909E8E84-426E-40DD-AFC4-6F175D3DCCD1}">
-              <a14:hiddenFill xmlns:a14="http://schemas.microsoft.com/office/drawing/2010/main">
-                <a:solidFill>
-                  <a:srgbClr val="FFFFFF"/>
-                </a:solidFill>
-              </a14:hiddenFill>
-            </a:ext>
-            <a:ext uri="{91240B29-F687-4F45-9708-019B960494DF}">
-              <a14:hiddenLine xmlns:a14="http://schemas.microsoft.com/office/drawing/2010/main" w="9525">
-                <a:solidFill>
-                  <a:srgbClr val="000000"/>
-                </a:solidFill>
-                <a:miter lim="800000"/>
-                <a:headEnd/>
-                <a:tailEnd/>
-              </a14:hiddenLine>
-            </a:ext>
-          </a:extLst>
-        </p:spPr>
-        <p:txBody>
-          <a:bodyPr wrap="square">
-            <a:spAutoFit/>
-          </a:bodyPr>
-          <a:lstStyle>
-            <a:lvl1pPr>
-              <a:defRPr>
-                <a:solidFill>
-                  <a:schemeClr val="tx1"/>
-                </a:solidFill>
-                <a:latin typeface="Calibri" panose="020F0502020204030204" pitchFamily="34" charset="0"/>
-              </a:defRPr>
-            </a:lvl1pPr>
-            <a:lvl2pPr marL="742950" indent="-285750">
-              <a:defRPr>
-                <a:solidFill>
-                  <a:schemeClr val="tx1"/>
-                </a:solidFill>
-                <a:latin typeface="Calibri" panose="020F0502020204030204" pitchFamily="34" charset="0"/>
-              </a:defRPr>
-            </a:lvl2pPr>
-            <a:lvl3pPr marL="1143000" indent="-228600">
-              <a:defRPr>
-                <a:solidFill>
-                  <a:schemeClr val="tx1"/>
-                </a:solidFill>
-                <a:latin typeface="Calibri" panose="020F0502020204030204" pitchFamily="34" charset="0"/>
-              </a:defRPr>
-            </a:lvl3pPr>
-            <a:lvl4pPr marL="1600200" indent="-228600">
-              <a:defRPr>
-                <a:solidFill>
-                  <a:schemeClr val="tx1"/>
-                </a:solidFill>
-                <a:latin typeface="Calibri" panose="020F0502020204030204" pitchFamily="34" charset="0"/>
-              </a:defRPr>
-            </a:lvl4pPr>
-            <a:lvl5pPr marL="2057400" indent="-228600">
-              <a:defRPr>
-                <a:solidFill>
-                  <a:schemeClr val="tx1"/>
-                </a:solidFill>
-                <a:latin typeface="Calibri" panose="020F0502020204030204" pitchFamily="34" charset="0"/>
-              </a:defRPr>
-            </a:lvl5pPr>
-            <a:lvl6pPr marL="2514600" indent="-228600" eaLnBrk="0" fontAlgn="base" hangingPunct="0">
-              <a:spcBef>
-                <a:spcPct val="0"/>
-              </a:spcBef>
-              <a:spcAft>
-                <a:spcPct val="0"/>
-              </a:spcAft>
-              <a:defRPr>
-                <a:solidFill>
-                  <a:schemeClr val="tx1"/>
-                </a:solidFill>
-                <a:latin typeface="Calibri" panose="020F0502020204030204" pitchFamily="34" charset="0"/>
-              </a:defRPr>
-            </a:lvl6pPr>
-            <a:lvl7pPr marL="2971800" indent="-228600" eaLnBrk="0" fontAlgn="base" hangingPunct="0">
-              <a:spcBef>
-                <a:spcPct val="0"/>
-              </a:spcBef>
-              <a:spcAft>
-                <a:spcPct val="0"/>
-              </a:spcAft>
-              <a:defRPr>
-                <a:solidFill>
-                  <a:schemeClr val="tx1"/>
-                </a:solidFill>
-                <a:latin typeface="Calibri" panose="020F0502020204030204" pitchFamily="34" charset="0"/>
-              </a:defRPr>
-            </a:lvl7pPr>
-            <a:lvl8pPr marL="3429000" indent="-228600" eaLnBrk="0" fontAlgn="base" hangingPunct="0">
-              <a:spcBef>
-                <a:spcPct val="0"/>
-              </a:spcBef>
-              <a:spcAft>
-                <a:spcPct val="0"/>
-              </a:spcAft>
-              <a:defRPr>
-                <a:solidFill>
-                  <a:schemeClr val="tx1"/>
-                </a:solidFill>
-                <a:latin typeface="Calibri" panose="020F0502020204030204" pitchFamily="34" charset="0"/>
-              </a:defRPr>
-            </a:lvl8pPr>
-            <a:lvl9pPr marL="3886200" indent="-228600" eaLnBrk="0" fontAlgn="base" hangingPunct="0">
-              <a:spcBef>
-                <a:spcPct val="0"/>
-              </a:spcBef>
-              <a:spcAft>
-                <a:spcPct val="0"/>
-              </a:spcAft>
-              <a:defRPr>
-                <a:solidFill>
-                  <a:schemeClr val="tx1"/>
-                </a:solidFill>
-                <a:latin typeface="Calibri" panose="020F0502020204030204" pitchFamily="34" charset="0"/>
-              </a:defRPr>
-            </a:lvl9pPr>
-          </a:lstStyle>
-          <a:p>
-            <a:pPr algn="ctr" eaLnBrk="1" hangingPunct="1"/>
-            <a:r>
-              <a:rPr lang="en-US" altLang="en-US" sz="700" dirty="0">
-                <a:latin typeface="Arial" panose="020B0604020202020204" pitchFamily="34" charset="0"/>
-                <a:ea typeface="Amazon Ember" panose="020B0603020204020204" pitchFamily="34" charset="0"/>
-                <a:cs typeface="Arial" panose="020B0604020202020204" pitchFamily="34" charset="0"/>
-              </a:rPr>
-              <a:t>Transit Gateway Attachment</a:t>
-            </a:r>
-          </a:p>
-        </p:txBody>
-      </p:sp>
       <p:cxnSp>
         <p:nvCxnSpPr>
-          <p:cNvPr id="28" name="Connector: Elbow 27">
-            <a:extLst>
-              <a:ext uri="{FF2B5EF4-FFF2-40B4-BE49-F238E27FC236}">
-                <a16:creationId xmlns:a16="http://schemas.microsoft.com/office/drawing/2014/main" id="{3FC6F643-075E-410E-B4A1-3AE72084DC56}"/>
+          <p:cNvPr id="91" name="Straight Arrow Connector 90">
+            <a:extLst>
+              <a:ext uri="{FF2B5EF4-FFF2-40B4-BE49-F238E27FC236}">
+                <a16:creationId xmlns:a16="http://schemas.microsoft.com/office/drawing/2014/main" id="{0EFAC8BF-A288-422E-A236-27E38C366119}"/>
               </a:ext>
             </a:extLst>
           </p:cNvPr>
           <p:cNvCxnSpPr>
             <a:cxnSpLocks/>
-            <a:stCxn id="124" idx="1"/>
-            <a:endCxn id="115" idx="0"/>
+            <a:stCxn id="22" idx="3"/>
+            <a:endCxn id="56" idx="1"/>
           </p:cNvCxnSpPr>
           <p:nvPr/>
         </p:nvCxnSpPr>
         <p:spPr>
-          <a:xfrm rot="10800000" flipV="1">
-            <a:off x="5708320" y="1940930"/>
-            <a:ext cx="1018358" cy="908293"/>
-          </a:xfrm>
-          <a:prstGeom prst="bentConnector2">
+          <a:xfrm>
+            <a:off x="8006855" y="2284647"/>
+            <a:ext cx="1008762" cy="2477"/>
+          </a:xfrm>
+          <a:prstGeom prst="straightConnector1">
             <a:avLst/>
           </a:prstGeom>
-          <a:ln w="19050">
+          <a:ln w="15875">
             <a:solidFill>
-              <a:schemeClr val="accent3"/>
+              <a:schemeClr val="tx1"/>
             </a:solidFill>
-            <a:tailEnd type="triangle"/>
+            <a:headEnd type="arrow" w="med" len="sm"/>
+            <a:tailEnd type="none" w="med" len="sm"/>
           </a:ln>
         </p:spPr>
         <p:style>
@@ -6932,33 +7029,34 @@
       </p:cxnSp>
       <p:cxnSp>
         <p:nvCxnSpPr>
-          <p:cNvPr id="33" name="Connector: Elbow 32">
-            <a:extLst>
-              <a:ext uri="{FF2B5EF4-FFF2-40B4-BE49-F238E27FC236}">
-                <a16:creationId xmlns:a16="http://schemas.microsoft.com/office/drawing/2014/main" id="{FB3ECD2D-C5BD-4425-A1A4-4925DE301563}"/>
+          <p:cNvPr id="94" name="Straight Arrow Connector 93">
+            <a:extLst>
+              <a:ext uri="{FF2B5EF4-FFF2-40B4-BE49-F238E27FC236}">
+                <a16:creationId xmlns:a16="http://schemas.microsoft.com/office/drawing/2014/main" id="{6B693950-5393-4E1A-8E67-71BA8C54CAFA}"/>
               </a:ext>
             </a:extLst>
           </p:cNvPr>
           <p:cNvCxnSpPr>
             <a:cxnSpLocks/>
-            <a:stCxn id="144" idx="1"/>
-            <a:endCxn id="115" idx="3"/>
+            <a:stCxn id="90" idx="1"/>
+            <a:endCxn id="56" idx="3"/>
           </p:cNvCxnSpPr>
           <p:nvPr/>
         </p:nvCxnSpPr>
         <p:spPr>
-          <a:xfrm rot="10800000">
-            <a:off x="5862764" y="3003668"/>
-            <a:ext cx="883684" cy="148"/>
-          </a:xfrm>
-          <a:prstGeom prst="bentConnector3">
+          <a:xfrm flipH="1">
+            <a:off x="9384949" y="2281687"/>
+            <a:ext cx="994814" cy="5437"/>
+          </a:xfrm>
+          <a:prstGeom prst="straightConnector1">
             <a:avLst/>
           </a:prstGeom>
-          <a:ln w="19050">
+          <a:ln w="15875">
             <a:solidFill>
-              <a:schemeClr val="accent3"/>
+              <a:schemeClr val="tx1"/>
             </a:solidFill>
-            <a:tailEnd type="triangle"/>
+            <a:headEnd type="arrow" w="med" len="sm"/>
+            <a:tailEnd type="none" w="med" len="sm"/>
           </a:ln>
         </p:spPr>
         <p:style>
@@ -6978,433 +7076,30 @@
       </p:cxnSp>
       <p:sp>
         <p:nvSpPr>
-          <p:cNvPr id="154" name="TextBox 9">
-            <a:extLst>
-              <a:ext uri="{FF2B5EF4-FFF2-40B4-BE49-F238E27FC236}">
-                <a16:creationId xmlns:a16="http://schemas.microsoft.com/office/drawing/2014/main" id="{C34C6613-1F57-4327-A900-DDA895347DB8}"/>
-              </a:ext>
-            </a:extLst>
-          </p:cNvPr>
-          <p:cNvSpPr txBox="1">
-            <a:spLocks noChangeArrowheads="1"/>
-          </p:cNvSpPr>
+          <p:cNvPr id="98" name="Rectangle 97">
+            <a:extLst>
+              <a:ext uri="{FF2B5EF4-FFF2-40B4-BE49-F238E27FC236}">
+                <a16:creationId xmlns:a16="http://schemas.microsoft.com/office/drawing/2014/main" id="{429396F3-B933-4B82-87CF-C750D0D53520}"/>
+              </a:ext>
+            </a:extLst>
+          </p:cNvPr>
+          <p:cNvSpPr/>
           <p:nvPr/>
         </p:nvSpPr>
-        <p:spPr bwMode="auto">
+        <p:spPr>
           <a:xfrm>
-            <a:off x="4590134" y="3171063"/>
-            <a:ext cx="2243137" cy="369332"/>
+            <a:off x="7137265" y="3484180"/>
+            <a:ext cx="1478611" cy="1662725"/>
           </a:xfrm>
           <a:prstGeom prst="rect">
             <a:avLst/>
           </a:prstGeom>
           <a:noFill/>
-          <a:ln>
-            <a:noFill/>
-          </a:ln>
-          <a:extLst>
-            <a:ext uri="{909E8E84-426E-40DD-AFC4-6F175D3DCCD1}">
-              <a14:hiddenFill xmlns:a14="http://schemas.microsoft.com/office/drawing/2010/main">
-                <a:solidFill>
-                  <a:srgbClr val="FFFFFF"/>
-                </a:solidFill>
-              </a14:hiddenFill>
-            </a:ext>
-            <a:ext uri="{91240B29-F687-4F45-9708-019B960494DF}">
-              <a14:hiddenLine xmlns:a14="http://schemas.microsoft.com/office/drawing/2010/main" w="9525">
-                <a:solidFill>
-                  <a:srgbClr val="000000"/>
-                </a:solidFill>
-                <a:miter lim="800000"/>
-                <a:headEnd/>
-                <a:tailEnd/>
-              </a14:hiddenLine>
-            </a:ext>
-          </a:extLst>
-        </p:spPr>
-        <p:txBody>
-          <a:bodyPr>
-            <a:spAutoFit/>
-          </a:bodyPr>
-          <a:lstStyle>
-            <a:lvl1pPr>
-              <a:defRPr>
-                <a:solidFill>
-                  <a:schemeClr val="tx1"/>
-                </a:solidFill>
-                <a:latin typeface="Calibri" panose="020F0502020204030204" pitchFamily="34" charset="0"/>
-              </a:defRPr>
-            </a:lvl1pPr>
-            <a:lvl2pPr marL="742950" indent="-285750">
-              <a:defRPr>
-                <a:solidFill>
-                  <a:schemeClr val="tx1"/>
-                </a:solidFill>
-                <a:latin typeface="Calibri" panose="020F0502020204030204" pitchFamily="34" charset="0"/>
-              </a:defRPr>
-            </a:lvl2pPr>
-            <a:lvl3pPr marL="1143000" indent="-228600">
-              <a:defRPr>
-                <a:solidFill>
-                  <a:schemeClr val="tx1"/>
-                </a:solidFill>
-                <a:latin typeface="Calibri" panose="020F0502020204030204" pitchFamily="34" charset="0"/>
-              </a:defRPr>
-            </a:lvl3pPr>
-            <a:lvl4pPr marL="1600200" indent="-228600">
-              <a:defRPr>
-                <a:solidFill>
-                  <a:schemeClr val="tx1"/>
-                </a:solidFill>
-                <a:latin typeface="Calibri" panose="020F0502020204030204" pitchFamily="34" charset="0"/>
-              </a:defRPr>
-            </a:lvl4pPr>
-            <a:lvl5pPr marL="2057400" indent="-228600">
-              <a:defRPr>
-                <a:solidFill>
-                  <a:schemeClr val="tx1"/>
-                </a:solidFill>
-                <a:latin typeface="Calibri" panose="020F0502020204030204" pitchFamily="34" charset="0"/>
-              </a:defRPr>
-            </a:lvl5pPr>
-            <a:lvl6pPr marL="2514600" indent="-228600" eaLnBrk="0" fontAlgn="base" hangingPunct="0">
-              <a:spcBef>
-                <a:spcPct val="0"/>
-              </a:spcBef>
-              <a:spcAft>
-                <a:spcPct val="0"/>
-              </a:spcAft>
-              <a:defRPr>
-                <a:solidFill>
-                  <a:schemeClr val="tx1"/>
-                </a:solidFill>
-                <a:latin typeface="Calibri" panose="020F0502020204030204" pitchFamily="34" charset="0"/>
-              </a:defRPr>
-            </a:lvl6pPr>
-            <a:lvl7pPr marL="2971800" indent="-228600" eaLnBrk="0" fontAlgn="base" hangingPunct="0">
-              <a:spcBef>
-                <a:spcPct val="0"/>
-              </a:spcBef>
-              <a:spcAft>
-                <a:spcPct val="0"/>
-              </a:spcAft>
-              <a:defRPr>
-                <a:solidFill>
-                  <a:schemeClr val="tx1"/>
-                </a:solidFill>
-                <a:latin typeface="Calibri" panose="020F0502020204030204" pitchFamily="34" charset="0"/>
-              </a:defRPr>
-            </a:lvl7pPr>
-            <a:lvl8pPr marL="3429000" indent="-228600" eaLnBrk="0" fontAlgn="base" hangingPunct="0">
-              <a:spcBef>
-                <a:spcPct val="0"/>
-              </a:spcBef>
-              <a:spcAft>
-                <a:spcPct val="0"/>
-              </a:spcAft>
-              <a:defRPr>
-                <a:solidFill>
-                  <a:schemeClr val="tx1"/>
-                </a:solidFill>
-                <a:latin typeface="Calibri" panose="020F0502020204030204" pitchFamily="34" charset="0"/>
-              </a:defRPr>
-            </a:lvl8pPr>
-            <a:lvl9pPr marL="3886200" indent="-228600" eaLnBrk="0" fontAlgn="base" hangingPunct="0">
-              <a:spcBef>
-                <a:spcPct val="0"/>
-              </a:spcBef>
-              <a:spcAft>
-                <a:spcPct val="0"/>
-              </a:spcAft>
-              <a:defRPr>
-                <a:solidFill>
-                  <a:schemeClr val="tx1"/>
-                </a:solidFill>
-                <a:latin typeface="Calibri" panose="020F0502020204030204" pitchFamily="34" charset="0"/>
-              </a:defRPr>
-            </a:lvl9pPr>
-          </a:lstStyle>
-          <a:p>
-            <a:pPr algn="ctr" eaLnBrk="1" hangingPunct="1"/>
-            <a:r>
-              <a:rPr lang="en-US" altLang="en-US" sz="900" dirty="0">
-                <a:latin typeface="Arial" panose="020B0604020202020204" pitchFamily="34" charset="0"/>
-                <a:ea typeface="Amazon Ember" panose="020B0603020204020204" pitchFamily="34" charset="0"/>
-                <a:cs typeface="Arial" panose="020B0604020202020204" pitchFamily="34" charset="0"/>
-              </a:rPr>
-              <a:t>AWS Transit </a:t>
-            </a:r>
-          </a:p>
-          <a:p>
-            <a:pPr algn="ctr" eaLnBrk="1" hangingPunct="1"/>
-            <a:r>
-              <a:rPr lang="en-US" altLang="en-US" sz="900" dirty="0">
-                <a:latin typeface="Arial" panose="020B0604020202020204" pitchFamily="34" charset="0"/>
-                <a:ea typeface="Amazon Ember" panose="020B0603020204020204" pitchFamily="34" charset="0"/>
-                <a:cs typeface="Arial" panose="020B0604020202020204" pitchFamily="34" charset="0"/>
-              </a:rPr>
-              <a:t>Gateway</a:t>
-            </a:r>
-          </a:p>
-        </p:txBody>
-      </p:sp>
-      <p:pic>
-        <p:nvPicPr>
-          <p:cNvPr id="155" name="Graphic 5">
-            <a:extLst>
-              <a:ext uri="{FF2B5EF4-FFF2-40B4-BE49-F238E27FC236}">
-                <a16:creationId xmlns:a16="http://schemas.microsoft.com/office/drawing/2014/main" id="{00A11317-12AD-4DBC-B5A1-1578820B5A40}"/>
-              </a:ext>
-            </a:extLst>
-          </p:cNvPr>
-          <p:cNvPicPr>
-            <a:picLocks noChangeAspect="1" noChangeArrowheads="1"/>
-          </p:cNvPicPr>
-          <p:nvPr/>
-        </p:nvPicPr>
-        <p:blipFill>
-          <a:blip r:embed="rId19">
-            <a:extLst>
-              <a:ext uri="{28A0092B-C50C-407E-A947-70E740481C1C}">
-                <a14:useLocalDpi xmlns:a14="http://schemas.microsoft.com/office/drawing/2010/main" val="0"/>
-              </a:ext>
-            </a:extLst>
-          </a:blip>
-          <a:srcRect/>
-          <a:stretch>
-            <a:fillRect/>
-          </a:stretch>
-        </p:blipFill>
-        <p:spPr bwMode="auto">
-          <a:xfrm>
-            <a:off x="7557080" y="4086585"/>
-            <a:ext cx="345089" cy="345089"/>
-          </a:xfrm>
-          <a:prstGeom prst="rect">
-            <a:avLst/>
-          </a:prstGeom>
-          <a:noFill/>
-          <a:ln>
-            <a:noFill/>
-          </a:ln>
-          <a:extLst>
-            <a:ext uri="{909E8E84-426E-40DD-AFC4-6F175D3DCCD1}">
-              <a14:hiddenFill xmlns:a14="http://schemas.microsoft.com/office/drawing/2010/main">
-                <a:solidFill>
-                  <a:srgbClr val="FFFFFF"/>
-                </a:solidFill>
-              </a14:hiddenFill>
-            </a:ext>
-            <a:ext uri="{91240B29-F687-4F45-9708-019B960494DF}">
-              <a14:hiddenLine xmlns:a14="http://schemas.microsoft.com/office/drawing/2010/main" w="9525">
-                <a:solidFill>
-                  <a:srgbClr val="000000"/>
-                </a:solidFill>
-                <a:miter lim="800000"/>
-                <a:headEnd/>
-                <a:tailEnd/>
-              </a14:hiddenLine>
-            </a:ext>
-          </a:extLst>
-        </p:spPr>
-      </p:pic>
-      <p:sp>
-        <p:nvSpPr>
-          <p:cNvPr id="156" name="TextBox 6">
-            <a:extLst>
-              <a:ext uri="{FF2B5EF4-FFF2-40B4-BE49-F238E27FC236}">
-                <a16:creationId xmlns:a16="http://schemas.microsoft.com/office/drawing/2014/main" id="{5E76C359-0C89-421E-9254-8A9298433664}"/>
-              </a:ext>
-            </a:extLst>
-          </p:cNvPr>
-          <p:cNvSpPr txBox="1">
-            <a:spLocks noChangeArrowheads="1"/>
-          </p:cNvSpPr>
-          <p:nvPr/>
-        </p:nvSpPr>
-        <p:spPr bwMode="auto">
-          <a:xfrm>
-            <a:off x="6594858" y="4432774"/>
-            <a:ext cx="2268537" cy="200055"/>
-          </a:xfrm>
-          <a:prstGeom prst="rect">
-            <a:avLst/>
-          </a:prstGeom>
-          <a:noFill/>
-          <a:ln>
-            <a:noFill/>
-          </a:ln>
-          <a:extLst>
-            <a:ext uri="{909E8E84-426E-40DD-AFC4-6F175D3DCCD1}">
-              <a14:hiddenFill xmlns:a14="http://schemas.microsoft.com/office/drawing/2010/main">
-                <a:solidFill>
-                  <a:srgbClr val="FFFFFF"/>
-                </a:solidFill>
-              </a14:hiddenFill>
-            </a:ext>
-            <a:ext uri="{91240B29-F687-4F45-9708-019B960494DF}">
-              <a14:hiddenLine xmlns:a14="http://schemas.microsoft.com/office/drawing/2010/main" w="9525">
-                <a:solidFill>
-                  <a:srgbClr val="000000"/>
-                </a:solidFill>
-                <a:miter lim="800000"/>
-                <a:headEnd/>
-                <a:tailEnd/>
-              </a14:hiddenLine>
-            </a:ext>
-          </a:extLst>
-        </p:spPr>
-        <p:txBody>
-          <a:bodyPr>
-            <a:spAutoFit/>
-          </a:bodyPr>
-          <a:lstStyle>
-            <a:lvl1pPr>
-              <a:defRPr>
-                <a:solidFill>
-                  <a:schemeClr val="tx1"/>
-                </a:solidFill>
-                <a:latin typeface="Calibri" panose="020F0502020204030204" pitchFamily="34" charset="0"/>
-              </a:defRPr>
-            </a:lvl1pPr>
-            <a:lvl2pPr marL="742950" indent="-285750">
-              <a:defRPr>
-                <a:solidFill>
-                  <a:schemeClr val="tx1"/>
-                </a:solidFill>
-                <a:latin typeface="Calibri" panose="020F0502020204030204" pitchFamily="34" charset="0"/>
-              </a:defRPr>
-            </a:lvl2pPr>
-            <a:lvl3pPr marL="1143000" indent="-228600">
-              <a:defRPr>
-                <a:solidFill>
-                  <a:schemeClr val="tx1"/>
-                </a:solidFill>
-                <a:latin typeface="Calibri" panose="020F0502020204030204" pitchFamily="34" charset="0"/>
-              </a:defRPr>
-            </a:lvl3pPr>
-            <a:lvl4pPr marL="1600200" indent="-228600">
-              <a:defRPr>
-                <a:solidFill>
-                  <a:schemeClr val="tx1"/>
-                </a:solidFill>
-                <a:latin typeface="Calibri" panose="020F0502020204030204" pitchFamily="34" charset="0"/>
-              </a:defRPr>
-            </a:lvl4pPr>
-            <a:lvl5pPr marL="2057400" indent="-228600">
-              <a:defRPr>
-                <a:solidFill>
-                  <a:schemeClr val="tx1"/>
-                </a:solidFill>
-                <a:latin typeface="Calibri" panose="020F0502020204030204" pitchFamily="34" charset="0"/>
-              </a:defRPr>
-            </a:lvl5pPr>
-            <a:lvl6pPr marL="2514600" indent="-228600" eaLnBrk="0" fontAlgn="base" hangingPunct="0">
-              <a:spcBef>
-                <a:spcPct val="0"/>
-              </a:spcBef>
-              <a:spcAft>
-                <a:spcPct val="0"/>
-              </a:spcAft>
-              <a:defRPr>
-                <a:solidFill>
-                  <a:schemeClr val="tx1"/>
-                </a:solidFill>
-                <a:latin typeface="Calibri" panose="020F0502020204030204" pitchFamily="34" charset="0"/>
-              </a:defRPr>
-            </a:lvl6pPr>
-            <a:lvl7pPr marL="2971800" indent="-228600" eaLnBrk="0" fontAlgn="base" hangingPunct="0">
-              <a:spcBef>
-                <a:spcPct val="0"/>
-              </a:spcBef>
-              <a:spcAft>
-                <a:spcPct val="0"/>
-              </a:spcAft>
-              <a:defRPr>
-                <a:solidFill>
-                  <a:schemeClr val="tx1"/>
-                </a:solidFill>
-                <a:latin typeface="Calibri" panose="020F0502020204030204" pitchFamily="34" charset="0"/>
-              </a:defRPr>
-            </a:lvl7pPr>
-            <a:lvl8pPr marL="3429000" indent="-228600" eaLnBrk="0" fontAlgn="base" hangingPunct="0">
-              <a:spcBef>
-                <a:spcPct val="0"/>
-              </a:spcBef>
-              <a:spcAft>
-                <a:spcPct val="0"/>
-              </a:spcAft>
-              <a:defRPr>
-                <a:solidFill>
-                  <a:schemeClr val="tx1"/>
-                </a:solidFill>
-                <a:latin typeface="Calibri" panose="020F0502020204030204" pitchFamily="34" charset="0"/>
-              </a:defRPr>
-            </a:lvl8pPr>
-            <a:lvl9pPr marL="3886200" indent="-228600" eaLnBrk="0" fontAlgn="base" hangingPunct="0">
-              <a:spcBef>
-                <a:spcPct val="0"/>
-              </a:spcBef>
-              <a:spcAft>
-                <a:spcPct val="0"/>
-              </a:spcAft>
-              <a:defRPr>
-                <a:solidFill>
-                  <a:schemeClr val="tx1"/>
-                </a:solidFill>
-                <a:latin typeface="Calibri" panose="020F0502020204030204" pitchFamily="34" charset="0"/>
-              </a:defRPr>
-            </a:lvl9pPr>
-          </a:lstStyle>
-          <a:p>
-            <a:pPr algn="ctr" eaLnBrk="1" hangingPunct="1"/>
-            <a:r>
-              <a:rPr lang="en-US" altLang="en-US" sz="700" dirty="0" err="1">
-                <a:latin typeface="Arial" panose="020B0604020202020204" pitchFamily="34" charset="0"/>
-                <a:ea typeface="Amazon Ember" panose="020B0603020204020204" pitchFamily="34" charset="0"/>
-                <a:cs typeface="Arial" panose="020B0604020202020204" pitchFamily="34" charset="0"/>
-              </a:rPr>
-              <a:t>Unistore</a:t>
-            </a:r>
-            <a:r>
-              <a:rPr lang="en-US" altLang="en-US" sz="700" dirty="0">
-                <a:latin typeface="Arial" panose="020B0604020202020204" pitchFamily="34" charset="0"/>
-                <a:ea typeface="Amazon Ember" panose="020B0603020204020204" pitchFamily="34" charset="0"/>
-                <a:cs typeface="Arial" panose="020B0604020202020204" pitchFamily="34" charset="0"/>
-              </a:rPr>
-              <a:t> Legacy</a:t>
-            </a:r>
-          </a:p>
-        </p:txBody>
-      </p:sp>
-      <p:sp>
-        <p:nvSpPr>
-          <p:cNvPr id="157" name="Rectangle 156">
-            <a:extLst>
-              <a:ext uri="{FF2B5EF4-FFF2-40B4-BE49-F238E27FC236}">
-                <a16:creationId xmlns:a16="http://schemas.microsoft.com/office/drawing/2014/main" id="{CFC0A2CB-1696-4362-AEDA-AAB332B79771}"/>
-              </a:ext>
-            </a:extLst>
-          </p:cNvPr>
-          <p:cNvSpPr/>
-          <p:nvPr/>
-        </p:nvSpPr>
-        <p:spPr>
-          <a:xfrm>
-            <a:off x="9644966" y="3155378"/>
-            <a:ext cx="1055463" cy="1512998"/>
-          </a:xfrm>
-          <a:prstGeom prst="rect">
-            <a:avLst/>
-          </a:prstGeom>
-          <a:solidFill>
-            <a:srgbClr val="007CBC">
-              <a:alpha val="9804"/>
-            </a:srgbClr>
-          </a:solidFill>
-          <a:ln w="12700">
-            <a:noFill/>
-            <a:prstDash val="dash"/>
+          <a:ln w="15875">
+            <a:solidFill>
+              <a:srgbClr val="00A4A6"/>
+            </a:solidFill>
+            <a:prstDash val="solid"/>
           </a:ln>
         </p:spPr>
         <p:style>
@@ -7424,7 +7119,7 @@
           </a:fontRef>
         </p:style>
         <p:txBody>
-          <a:bodyPr lIns="288000" tIns="54000" rIns="0"/>
+          <a:bodyPr lIns="324000" tIns="72000" bIns="45720"/>
           <a:lstStyle/>
           <a:p>
             <a:pPr eaLnBrk="1" fontAlgn="auto" hangingPunct="1">
@@ -7437,9 +7132,9 @@
               <a:defRPr/>
             </a:pPr>
             <a:r>
-              <a:rPr lang="en-US" sz="800" dirty="0">
-                <a:solidFill>
-                  <a:srgbClr val="5B9CD5"/>
+              <a:rPr lang="en-US" sz="1050" dirty="0">
+                <a:solidFill>
+                  <a:schemeClr val="tx1"/>
                 </a:solidFill>
                 <a:latin typeface="Arial" panose="020B0604020202020204" pitchFamily="34" charset="0"/>
                 <a:cs typeface="Arial" panose="020B0604020202020204" pitchFamily="34" charset="0"/>
@@ -7451,10 +7146,10 @@
       </p:sp>
       <p:pic>
         <p:nvPicPr>
-          <p:cNvPr id="158" name="Graphic 157">
-            <a:extLst>
-              <a:ext uri="{FF2B5EF4-FFF2-40B4-BE49-F238E27FC236}">
-                <a16:creationId xmlns:a16="http://schemas.microsoft.com/office/drawing/2014/main" id="{F35B4A05-EA17-4445-BE1A-20C89CAD5B2F}"/>
+          <p:cNvPr id="99" name="Graphic 98">
+            <a:extLst>
+              <a:ext uri="{FF2B5EF4-FFF2-40B4-BE49-F238E27FC236}">
+                <a16:creationId xmlns:a16="http://schemas.microsoft.com/office/drawing/2014/main" id="{42DEAD49-6296-496B-B49D-75444F6DC004}"/>
               </a:ext>
             </a:extLst>
           </p:cNvPr>
@@ -7464,56 +7159,44 @@
           <p:nvPr/>
         </p:nvPicPr>
         <p:blipFill>
-          <a:blip r:embed="rId14">
+          <a:blip r:embed="rId8">
             <a:extLst>
               <a:ext uri="{96DAC541-7B7A-43D3-8B79-37D633B846F1}">
-                <asvg:svgBlip xmlns:asvg="http://schemas.microsoft.com/office/drawing/2016/SVG/main" r:embed="rId15"/>
-              </a:ext>
-            </a:extLst>
-          </a:blip>
-          <a:stretch>
-            <a:fillRect/>
-          </a:stretch>
-        </p:blipFill>
-        <p:spPr>
-          <a:xfrm>
-            <a:off x="9648837" y="3155378"/>
-            <a:ext cx="219665" cy="219665"/>
-          </a:xfrm>
-          <a:prstGeom prst="rect">
-            <a:avLst/>
-          </a:prstGeom>
-        </p:spPr>
-      </p:pic>
-      <p:pic>
-        <p:nvPicPr>
-          <p:cNvPr id="159" name="Graphic 8">
-            <a:extLst>
-              <a:ext uri="{FF2B5EF4-FFF2-40B4-BE49-F238E27FC236}">
-                <a16:creationId xmlns:a16="http://schemas.microsoft.com/office/drawing/2014/main" id="{F70A976A-8364-4955-AAC4-899CA9EC111E}"/>
-              </a:ext>
-            </a:extLst>
-          </p:cNvPr>
-          <p:cNvPicPr>
-            <a:picLocks noChangeAspect="1" noChangeArrowheads="1"/>
-          </p:cNvPicPr>
-          <p:nvPr/>
-        </p:nvPicPr>
-        <p:blipFill>
-          <a:blip r:embed="rId16">
-            <a:extLst>
-              <a:ext uri="{96DAC541-7B7A-43D3-8B79-37D633B846F1}">
-                <asvg:svgBlip xmlns:asvg="http://schemas.microsoft.com/office/drawing/2016/SVG/main" r:embed="rId17"/>
+                <asvg:svgBlip xmlns:asvg="http://schemas.microsoft.com/office/drawing/2016/SVG/main" r:embed="rId9"/>
               </a:ext>
             </a:extLst>
           </a:blip>
           <a:srcRect/>
           <a:stretch/>
         </p:blipFill>
+        <p:spPr>
+          <a:xfrm>
+            <a:off x="7137265" y="3484181"/>
+            <a:ext cx="270071" cy="270071"/>
+          </a:xfrm>
+          <a:prstGeom prst="rect">
+            <a:avLst/>
+          </a:prstGeom>
+        </p:spPr>
+      </p:pic>
+      <p:sp>
+        <p:nvSpPr>
+          <p:cNvPr id="100" name="TextBox 18">
+            <a:extLst>
+              <a:ext uri="{FF2B5EF4-FFF2-40B4-BE49-F238E27FC236}">
+                <a16:creationId xmlns:a16="http://schemas.microsoft.com/office/drawing/2014/main" id="{F32194A4-04C6-4F06-93AC-E434BD402613}"/>
+              </a:ext>
+            </a:extLst>
+          </p:cNvPr>
+          <p:cNvSpPr txBox="1">
+            <a:spLocks noChangeArrowheads="1"/>
+          </p:cNvSpPr>
+          <p:nvPr/>
+        </p:nvSpPr>
         <p:spPr bwMode="auto">
           <a:xfrm>
-            <a:off x="10018301" y="3399783"/>
-            <a:ext cx="291602" cy="291602"/>
+            <a:off x="7315140" y="4109830"/>
+            <a:ext cx="1146578" cy="230832"/>
           </a:xfrm>
           <a:prstGeom prst="rect">
             <a:avLst/>
@@ -7542,13 +7225,268 @@
             </a:ext>
           </a:extLst>
         </p:spPr>
+        <p:txBody>
+          <a:bodyPr wrap="square">
+            <a:spAutoFit/>
+          </a:bodyPr>
+          <a:lstStyle>
+            <a:lvl1pPr>
+              <a:defRPr>
+                <a:solidFill>
+                  <a:schemeClr val="tx1"/>
+                </a:solidFill>
+                <a:latin typeface="Calibri" panose="020F0502020204030204" pitchFamily="34" charset="0"/>
+              </a:defRPr>
+            </a:lvl1pPr>
+            <a:lvl2pPr marL="742950" indent="-285750">
+              <a:defRPr>
+                <a:solidFill>
+                  <a:schemeClr val="tx1"/>
+                </a:solidFill>
+                <a:latin typeface="Calibri" panose="020F0502020204030204" pitchFamily="34" charset="0"/>
+              </a:defRPr>
+            </a:lvl2pPr>
+            <a:lvl3pPr marL="1143000" indent="-228600">
+              <a:defRPr>
+                <a:solidFill>
+                  <a:schemeClr val="tx1"/>
+                </a:solidFill>
+                <a:latin typeface="Calibri" panose="020F0502020204030204" pitchFamily="34" charset="0"/>
+              </a:defRPr>
+            </a:lvl3pPr>
+            <a:lvl4pPr marL="1600200" indent="-228600">
+              <a:defRPr>
+                <a:solidFill>
+                  <a:schemeClr val="tx1"/>
+                </a:solidFill>
+                <a:latin typeface="Calibri" panose="020F0502020204030204" pitchFamily="34" charset="0"/>
+              </a:defRPr>
+            </a:lvl4pPr>
+            <a:lvl5pPr marL="2057400" indent="-228600">
+              <a:defRPr>
+                <a:solidFill>
+                  <a:schemeClr val="tx1"/>
+                </a:solidFill>
+                <a:latin typeface="Calibri" panose="020F0502020204030204" pitchFamily="34" charset="0"/>
+              </a:defRPr>
+            </a:lvl5pPr>
+            <a:lvl6pPr marL="2514600" indent="-228600" eaLnBrk="0" fontAlgn="base" hangingPunct="0">
+              <a:spcBef>
+                <a:spcPct val="0"/>
+              </a:spcBef>
+              <a:spcAft>
+                <a:spcPct val="0"/>
+              </a:spcAft>
+              <a:defRPr>
+                <a:solidFill>
+                  <a:schemeClr val="tx1"/>
+                </a:solidFill>
+                <a:latin typeface="Calibri" panose="020F0502020204030204" pitchFamily="34" charset="0"/>
+              </a:defRPr>
+            </a:lvl6pPr>
+            <a:lvl7pPr marL="2971800" indent="-228600" eaLnBrk="0" fontAlgn="base" hangingPunct="0">
+              <a:spcBef>
+                <a:spcPct val="0"/>
+              </a:spcBef>
+              <a:spcAft>
+                <a:spcPct val="0"/>
+              </a:spcAft>
+              <a:defRPr>
+                <a:solidFill>
+                  <a:schemeClr val="tx1"/>
+                </a:solidFill>
+                <a:latin typeface="Calibri" panose="020F0502020204030204" pitchFamily="34" charset="0"/>
+              </a:defRPr>
+            </a:lvl7pPr>
+            <a:lvl8pPr marL="3429000" indent="-228600" eaLnBrk="0" fontAlgn="base" hangingPunct="0">
+              <a:spcBef>
+                <a:spcPct val="0"/>
+              </a:spcBef>
+              <a:spcAft>
+                <a:spcPct val="0"/>
+              </a:spcAft>
+              <a:defRPr>
+                <a:solidFill>
+                  <a:schemeClr val="tx1"/>
+                </a:solidFill>
+                <a:latin typeface="Calibri" panose="020F0502020204030204" pitchFamily="34" charset="0"/>
+              </a:defRPr>
+            </a:lvl8pPr>
+            <a:lvl9pPr marL="3886200" indent="-228600" eaLnBrk="0" fontAlgn="base" hangingPunct="0">
+              <a:spcBef>
+                <a:spcPct val="0"/>
+              </a:spcBef>
+              <a:spcAft>
+                <a:spcPct val="0"/>
+              </a:spcAft>
+              <a:defRPr>
+                <a:solidFill>
+                  <a:schemeClr val="tx1"/>
+                </a:solidFill>
+                <a:latin typeface="Calibri" panose="020F0502020204030204" pitchFamily="34" charset="0"/>
+              </a:defRPr>
+            </a:lvl9pPr>
+          </a:lstStyle>
+          <a:p>
+            <a:pPr algn="ctr" eaLnBrk="1" hangingPunct="1"/>
+            <a:r>
+              <a:rPr lang="en-US" altLang="en-US" sz="900" dirty="0">
+                <a:latin typeface="Arial" panose="020B0604020202020204" pitchFamily="34" charset="0"/>
+                <a:ea typeface="Amazon Ember" panose="020B0603020204020204" pitchFamily="34" charset="0"/>
+                <a:cs typeface="Arial" panose="020B0604020202020204" pitchFamily="34" charset="0"/>
+              </a:rPr>
+              <a:t>Attachment</a:t>
+            </a:r>
+          </a:p>
+        </p:txBody>
+      </p:sp>
+      <p:pic>
+        <p:nvPicPr>
+          <p:cNvPr id="101" name="Graphic 100">
+            <a:extLst>
+              <a:ext uri="{FF2B5EF4-FFF2-40B4-BE49-F238E27FC236}">
+                <a16:creationId xmlns:a16="http://schemas.microsoft.com/office/drawing/2014/main" id="{2979CC2C-A167-4348-A3CD-47D3AFD861B6}"/>
+              </a:ext>
+            </a:extLst>
+          </p:cNvPr>
+          <p:cNvPicPr>
+            <a:picLocks noChangeAspect="1"/>
+          </p:cNvPicPr>
+          <p:nvPr/>
+        </p:nvPicPr>
+        <p:blipFill>
+          <a:blip r:embed="rId14">
+            <a:extLst>
+              <a:ext uri="{96DAC541-7B7A-43D3-8B79-37D633B846F1}">
+                <asvg:svgBlip xmlns:asvg="http://schemas.microsoft.com/office/drawing/2016/SVG/main" r:embed="rId15"/>
+              </a:ext>
+            </a:extLst>
+          </a:blip>
+          <a:stretch>
+            <a:fillRect/>
+          </a:stretch>
+        </p:blipFill>
+        <p:spPr>
+          <a:xfrm>
+            <a:off x="7753639" y="3819244"/>
+            <a:ext cx="268492" cy="268492"/>
+          </a:xfrm>
+          <a:prstGeom prst="rect">
+            <a:avLst/>
+          </a:prstGeom>
+        </p:spPr>
       </p:pic>
       <p:sp>
         <p:nvSpPr>
-          <p:cNvPr id="160" name="TextBox 18">
-            <a:extLst>
-              <a:ext uri="{FF2B5EF4-FFF2-40B4-BE49-F238E27FC236}">
-                <a16:creationId xmlns:a16="http://schemas.microsoft.com/office/drawing/2014/main" id="{C0EAC54B-78AA-4410-B76A-DA85A7C0C248}"/>
+          <p:cNvPr id="102" name="Rectangle 101">
+            <a:extLst>
+              <a:ext uri="{FF2B5EF4-FFF2-40B4-BE49-F238E27FC236}">
+                <a16:creationId xmlns:a16="http://schemas.microsoft.com/office/drawing/2014/main" id="{443D9DFA-C107-48BA-862D-2FCE7E7575FD}"/>
+              </a:ext>
+            </a:extLst>
+          </p:cNvPr>
+          <p:cNvSpPr/>
+          <p:nvPr/>
+        </p:nvSpPr>
+        <p:spPr>
+          <a:xfrm>
+            <a:off x="6642380" y="3047171"/>
+            <a:ext cx="4868100" cy="2258418"/>
+          </a:xfrm>
+          <a:prstGeom prst="rect">
+            <a:avLst/>
+          </a:prstGeom>
+          <a:noFill/>
+          <a:ln w="15875">
+            <a:solidFill>
+              <a:srgbClr val="8C4FFF"/>
+            </a:solidFill>
+          </a:ln>
+        </p:spPr>
+        <p:style>
+          <a:lnRef idx="2">
+            <a:schemeClr val="accent1">
+              <a:shade val="50000"/>
+            </a:schemeClr>
+          </a:lnRef>
+          <a:fillRef idx="1">
+            <a:schemeClr val="accent1"/>
+          </a:fillRef>
+          <a:effectRef idx="0">
+            <a:schemeClr val="accent1"/>
+          </a:effectRef>
+          <a:fontRef idx="minor">
+            <a:schemeClr val="lt1"/>
+          </a:fontRef>
+        </p:style>
+        <p:txBody>
+          <a:bodyPr lIns="396000" tIns="91440"/>
+          <a:lstStyle/>
+          <a:p>
+            <a:pPr eaLnBrk="1" fontAlgn="auto" hangingPunct="1">
+              <a:spcBef>
+                <a:spcPts val="0"/>
+              </a:spcBef>
+              <a:spcAft>
+                <a:spcPts val="0"/>
+              </a:spcAft>
+              <a:defRPr/>
+            </a:pPr>
+            <a:r>
+              <a:rPr lang="en-US" sz="1050" dirty="0">
+                <a:ln w="0"/>
+                <a:solidFill>
+                  <a:schemeClr val="tx1"/>
+                </a:solidFill>
+                <a:latin typeface="Arial" panose="020B0604020202020204" pitchFamily="34" charset="0"/>
+                <a:cs typeface="Arial" panose="020B0604020202020204" pitchFamily="34" charset="0"/>
+              </a:rPr>
+              <a:t>Virtual private cloud (VPC)</a:t>
+            </a:r>
+          </a:p>
+        </p:txBody>
+      </p:sp>
+      <p:pic>
+        <p:nvPicPr>
+          <p:cNvPr id="103" name="Graphic 102">
+            <a:extLst>
+              <a:ext uri="{FF2B5EF4-FFF2-40B4-BE49-F238E27FC236}">
+                <a16:creationId xmlns:a16="http://schemas.microsoft.com/office/drawing/2014/main" id="{906FF09A-61E1-4748-A31B-0B93A8962420}"/>
+              </a:ext>
+            </a:extLst>
+          </p:cNvPr>
+          <p:cNvPicPr>
+            <a:picLocks noChangeAspect="1"/>
+          </p:cNvPicPr>
+          <p:nvPr/>
+        </p:nvPicPr>
+        <p:blipFill>
+          <a:blip r:embed="rId6">
+            <a:extLst>
+              <a:ext uri="{96DAC541-7B7A-43D3-8B79-37D633B846F1}">
+                <asvg:svgBlip xmlns:asvg="http://schemas.microsoft.com/office/drawing/2016/SVG/main" r:embed="rId7"/>
+              </a:ext>
+            </a:extLst>
+          </a:blip>
+          <a:srcRect/>
+          <a:stretch/>
+        </p:blipFill>
+        <p:spPr>
+          <a:xfrm>
+            <a:off x="6642380" y="3047170"/>
+            <a:ext cx="268492" cy="268492"/>
+          </a:xfrm>
+          <a:prstGeom prst="rect">
+            <a:avLst/>
+          </a:prstGeom>
+        </p:spPr>
+      </p:pic>
+      <p:sp>
+        <p:nvSpPr>
+          <p:cNvPr id="104" name="TextBox 16">
+            <a:extLst>
+              <a:ext uri="{FF2B5EF4-FFF2-40B4-BE49-F238E27FC236}">
+                <a16:creationId xmlns:a16="http://schemas.microsoft.com/office/drawing/2014/main" id="{6C56B4C9-C532-4890-B38D-F43D4F6D100D}"/>
               </a:ext>
             </a:extLst>
           </p:cNvPr>
@@ -7559,8 +7497,8 @@
         </p:nvSpPr>
         <p:spPr bwMode="auto">
           <a:xfrm>
-            <a:off x="9579345" y="3715706"/>
-            <a:ext cx="1146578" cy="307777"/>
+            <a:off x="9963458" y="4739212"/>
+            <a:ext cx="1115568" cy="369332"/>
           </a:xfrm>
           <a:prstGeom prst="rect">
             <a:avLst/>
@@ -7590,7 +7528,7 @@
           </a:extLst>
         </p:spPr>
         <p:txBody>
-          <a:bodyPr wrap="square">
+          <a:bodyPr wrap="square" lIns="0" rIns="0">
             <a:spAutoFit/>
           </a:bodyPr>
           <a:lstStyle>
@@ -7692,49 +7630,196 @@
             </a:lvl9pPr>
           </a:lstStyle>
           <a:p>
-            <a:pPr algn="ctr" eaLnBrk="1" hangingPunct="1"/>
-            <a:r>
-              <a:rPr lang="en-US" altLang="en-US" sz="700" dirty="0">
+            <a:pPr algn="ctr"/>
+            <a:r>
+              <a:rPr lang="en-US" altLang="en-US" sz="900" dirty="0" err="1">
                 <a:latin typeface="Arial" panose="020B0604020202020204" pitchFamily="34" charset="0"/>
                 <a:ea typeface="Amazon Ember" panose="020B0603020204020204" pitchFamily="34" charset="0"/>
                 <a:cs typeface="Arial" panose="020B0604020202020204" pitchFamily="34" charset="0"/>
               </a:rPr>
-              <a:t>Transit Gateway Attachment</a:t>
+              <a:t>Unistore</a:t>
+            </a:r>
+            <a:r>
+              <a:rPr lang="en-US" altLang="en-US" sz="900" dirty="0">
+                <a:latin typeface="Arial" panose="020B0604020202020204" pitchFamily="34" charset="0"/>
+                <a:ea typeface="Amazon Ember" panose="020B0603020204020204" pitchFamily="34" charset="0"/>
+                <a:cs typeface="Arial" panose="020B0604020202020204" pitchFamily="34" charset="0"/>
+              </a:rPr>
+              <a:t> legacy</a:t>
+            </a:r>
+          </a:p>
+          <a:p>
+            <a:pPr algn="ctr"/>
+            <a:r>
+              <a:rPr lang="en-US" altLang="en-US" sz="900" dirty="0">
+                <a:latin typeface="Arial" panose="020B0604020202020204" pitchFamily="34" charset="0"/>
+                <a:ea typeface="Amazon Ember" panose="020B0603020204020204" pitchFamily="34" charset="0"/>
+                <a:cs typeface="Arial" panose="020B0604020202020204" pitchFamily="34" charset="0"/>
+              </a:rPr>
+              <a:t>(monolith)</a:t>
             </a:r>
           </a:p>
         </p:txBody>
       </p:sp>
       <p:pic>
         <p:nvPicPr>
-          <p:cNvPr id="161" name="Graphic 5">
-            <a:extLst>
-              <a:ext uri="{FF2B5EF4-FFF2-40B4-BE49-F238E27FC236}">
-                <a16:creationId xmlns:a16="http://schemas.microsoft.com/office/drawing/2014/main" id="{B332D693-658C-4219-A741-1BB992B6221A}"/>
+          <p:cNvPr id="105" name="Graphic 104">
+            <a:extLst>
+              <a:ext uri="{FF2B5EF4-FFF2-40B4-BE49-F238E27FC236}">
+                <a16:creationId xmlns:a16="http://schemas.microsoft.com/office/drawing/2014/main" id="{7FF71BC5-422E-456A-9FD4-28737A7EFF98}"/>
               </a:ext>
             </a:extLst>
           </p:cNvPr>
           <p:cNvPicPr>
-            <a:picLocks noChangeAspect="1" noChangeArrowheads="1"/>
+            <a:picLocks noChangeAspect="1"/>
           </p:cNvPicPr>
           <p:nvPr/>
         </p:nvPicPr>
         <p:blipFill>
-          <a:blip r:embed="rId19">
-            <a:extLst>
-              <a:ext uri="{28A0092B-C50C-407E-A947-70E740481C1C}">
-                <a14:useLocalDpi xmlns:a14="http://schemas.microsoft.com/office/drawing/2010/main" val="0"/>
+          <a:blip r:embed="rId16">
+            <a:extLst>
+              <a:ext uri="{96DAC541-7B7A-43D3-8B79-37D633B846F1}">
+                <asvg:svgBlip xmlns:asvg="http://schemas.microsoft.com/office/drawing/2016/SVG/main" r:embed="rId17"/>
               </a:ext>
             </a:extLst>
           </a:blip>
-          <a:srcRect/>
           <a:stretch>
             <a:fillRect/>
           </a:stretch>
         </p:blipFill>
+        <p:spPr>
+          <a:xfrm>
+            <a:off x="10339231" y="4351080"/>
+            <a:ext cx="365767" cy="365767"/>
+          </a:xfrm>
+          <a:prstGeom prst="rect">
+            <a:avLst/>
+          </a:prstGeom>
+        </p:spPr>
+      </p:pic>
+      <p:sp>
+        <p:nvSpPr>
+          <p:cNvPr id="106" name="Rectangle 105">
+            <a:extLst>
+              <a:ext uri="{FF2B5EF4-FFF2-40B4-BE49-F238E27FC236}">
+                <a16:creationId xmlns:a16="http://schemas.microsoft.com/office/drawing/2014/main" id="{53AA6890-A4BB-47C3-B691-7C52B85634B8}"/>
+              </a:ext>
+            </a:extLst>
+          </p:cNvPr>
+          <p:cNvSpPr/>
+          <p:nvPr/>
+        </p:nvSpPr>
+        <p:spPr>
+          <a:xfrm>
+            <a:off x="9770622" y="3490108"/>
+            <a:ext cx="1478611" cy="1662725"/>
+          </a:xfrm>
+          <a:prstGeom prst="rect">
+            <a:avLst/>
+          </a:prstGeom>
+          <a:noFill/>
+          <a:ln w="15875">
+            <a:solidFill>
+              <a:srgbClr val="00A4A6"/>
+            </a:solidFill>
+            <a:prstDash val="solid"/>
+          </a:ln>
+        </p:spPr>
+        <p:style>
+          <a:lnRef idx="2">
+            <a:schemeClr val="accent1">
+              <a:shade val="50000"/>
+            </a:schemeClr>
+          </a:lnRef>
+          <a:fillRef idx="1">
+            <a:schemeClr val="accent1"/>
+          </a:fillRef>
+          <a:effectRef idx="0">
+            <a:schemeClr val="accent1"/>
+          </a:effectRef>
+          <a:fontRef idx="minor">
+            <a:schemeClr val="lt1"/>
+          </a:fontRef>
+        </p:style>
+        <p:txBody>
+          <a:bodyPr lIns="324000" tIns="72000" bIns="45720"/>
+          <a:lstStyle/>
+          <a:p>
+            <a:pPr eaLnBrk="1" fontAlgn="auto" hangingPunct="1">
+              <a:spcBef>
+                <a:spcPts val="0"/>
+              </a:spcBef>
+              <a:spcAft>
+                <a:spcPts val="0"/>
+              </a:spcAft>
+              <a:defRPr/>
+            </a:pPr>
+            <a:r>
+              <a:rPr lang="en-US" sz="1050" dirty="0">
+                <a:solidFill>
+                  <a:schemeClr val="tx1"/>
+                </a:solidFill>
+                <a:latin typeface="Arial" panose="020B0604020202020204" pitchFamily="34" charset="0"/>
+                <a:cs typeface="Arial" panose="020B0604020202020204" pitchFamily="34" charset="0"/>
+              </a:rPr>
+              <a:t>Private subnet</a:t>
+            </a:r>
+          </a:p>
+        </p:txBody>
+      </p:sp>
+      <p:pic>
+        <p:nvPicPr>
+          <p:cNvPr id="107" name="Graphic 106">
+            <a:extLst>
+              <a:ext uri="{FF2B5EF4-FFF2-40B4-BE49-F238E27FC236}">
+                <a16:creationId xmlns:a16="http://schemas.microsoft.com/office/drawing/2014/main" id="{513532F2-31E8-443E-A533-15BA10E1C2F8}"/>
+              </a:ext>
+            </a:extLst>
+          </p:cNvPr>
+          <p:cNvPicPr>
+            <a:picLocks noChangeAspect="1"/>
+          </p:cNvPicPr>
+          <p:nvPr/>
+        </p:nvPicPr>
+        <p:blipFill>
+          <a:blip r:embed="rId8">
+            <a:extLst>
+              <a:ext uri="{96DAC541-7B7A-43D3-8B79-37D633B846F1}">
+                <asvg:svgBlip xmlns:asvg="http://schemas.microsoft.com/office/drawing/2016/SVG/main" r:embed="rId9"/>
+              </a:ext>
+            </a:extLst>
+          </a:blip>
+          <a:srcRect/>
+          <a:stretch/>
+        </p:blipFill>
+        <p:spPr>
+          <a:xfrm>
+            <a:off x="9770622" y="3490109"/>
+            <a:ext cx="270071" cy="270071"/>
+          </a:xfrm>
+          <a:prstGeom prst="rect">
+            <a:avLst/>
+          </a:prstGeom>
+        </p:spPr>
+      </p:pic>
+      <p:sp>
+        <p:nvSpPr>
+          <p:cNvPr id="108" name="TextBox 18">
+            <a:extLst>
+              <a:ext uri="{FF2B5EF4-FFF2-40B4-BE49-F238E27FC236}">
+                <a16:creationId xmlns:a16="http://schemas.microsoft.com/office/drawing/2014/main" id="{11E4BCCC-C07B-43F1-B1E6-155FA85E9211}"/>
+              </a:ext>
+            </a:extLst>
+          </p:cNvPr>
+          <p:cNvSpPr txBox="1">
+            <a:spLocks noChangeArrowheads="1"/>
+          </p:cNvSpPr>
+          <p:nvPr/>
+        </p:nvSpPr>
         <p:spPr bwMode="auto">
           <a:xfrm>
-            <a:off x="10000416" y="4073307"/>
-            <a:ext cx="345089" cy="345089"/>
+            <a:off x="9948497" y="4115758"/>
+            <a:ext cx="1146578" cy="230832"/>
           </a:xfrm>
           <a:prstGeom prst="rect">
             <a:avLst/>
@@ -7763,55 +7848,8 @@
             </a:ext>
           </a:extLst>
         </p:spPr>
-      </p:pic>
-      <p:sp>
-        <p:nvSpPr>
-          <p:cNvPr id="162" name="TextBox 6">
-            <a:extLst>
-              <a:ext uri="{FF2B5EF4-FFF2-40B4-BE49-F238E27FC236}">
-                <a16:creationId xmlns:a16="http://schemas.microsoft.com/office/drawing/2014/main" id="{5DF6A911-64B2-4A53-B462-B1084FDD3097}"/>
-              </a:ext>
-            </a:extLst>
-          </p:cNvPr>
-          <p:cNvSpPr txBox="1">
-            <a:spLocks noChangeArrowheads="1"/>
-          </p:cNvSpPr>
-          <p:nvPr/>
-        </p:nvSpPr>
-        <p:spPr bwMode="auto">
-          <a:xfrm>
-            <a:off x="9033649" y="4446220"/>
-            <a:ext cx="2268537" cy="200055"/>
-          </a:xfrm>
-          <a:prstGeom prst="rect">
-            <a:avLst/>
-          </a:prstGeom>
-          <a:noFill/>
-          <a:ln>
-            <a:noFill/>
-          </a:ln>
-          <a:extLst>
-            <a:ext uri="{909E8E84-426E-40DD-AFC4-6F175D3DCCD1}">
-              <a14:hiddenFill xmlns:a14="http://schemas.microsoft.com/office/drawing/2010/main">
-                <a:solidFill>
-                  <a:srgbClr val="FFFFFF"/>
-                </a:solidFill>
-              </a14:hiddenFill>
-            </a:ext>
-            <a:ext uri="{91240B29-F687-4F45-9708-019B960494DF}">
-              <a14:hiddenLine xmlns:a14="http://schemas.microsoft.com/office/drawing/2010/main" w="9525">
-                <a:solidFill>
-                  <a:srgbClr val="000000"/>
-                </a:solidFill>
-                <a:miter lim="800000"/>
-                <a:headEnd/>
-                <a:tailEnd/>
-              </a14:hiddenLine>
-            </a:ext>
-          </a:extLst>
-        </p:spPr>
-        <p:txBody>
-          <a:bodyPr>
+        <p:txBody>
+          <a:bodyPr wrap="square">
             <a:spAutoFit/>
           </a:bodyPr>
           <a:lstStyle>
@@ -7915,53 +7953,82 @@
           <a:p>
             <a:pPr algn="ctr" eaLnBrk="1" hangingPunct="1"/>
             <a:r>
-              <a:rPr lang="en-US" altLang="en-US" sz="700" dirty="0" err="1">
+              <a:rPr lang="en-US" altLang="en-US" sz="900" dirty="0">
                 <a:latin typeface="Arial" panose="020B0604020202020204" pitchFamily="34" charset="0"/>
                 <a:ea typeface="Amazon Ember" panose="020B0603020204020204" pitchFamily="34" charset="0"/>
                 <a:cs typeface="Arial" panose="020B0604020202020204" pitchFamily="34" charset="0"/>
               </a:rPr>
-              <a:t>Unistore</a:t>
-            </a:r>
-            <a:r>
-              <a:rPr lang="en-US" altLang="en-US" sz="700" dirty="0">
-                <a:latin typeface="Arial" panose="020B0604020202020204" pitchFamily="34" charset="0"/>
-                <a:ea typeface="Amazon Ember" panose="020B0603020204020204" pitchFamily="34" charset="0"/>
-                <a:cs typeface="Arial" panose="020B0604020202020204" pitchFamily="34" charset="0"/>
-              </a:rPr>
-              <a:t> Legacy</a:t>
-            </a:r>
-          </a:p>
-        </p:txBody>
-      </p:sp>
+              <a:t>Attachment</a:t>
+            </a:r>
+          </a:p>
+        </p:txBody>
+      </p:sp>
+      <p:pic>
+        <p:nvPicPr>
+          <p:cNvPr id="109" name="Graphic 108">
+            <a:extLst>
+              <a:ext uri="{FF2B5EF4-FFF2-40B4-BE49-F238E27FC236}">
+                <a16:creationId xmlns:a16="http://schemas.microsoft.com/office/drawing/2014/main" id="{8895026C-8384-49DD-94DF-7B40CD7A8FC8}"/>
+              </a:ext>
+            </a:extLst>
+          </p:cNvPr>
+          <p:cNvPicPr>
+            <a:picLocks noChangeAspect="1"/>
+          </p:cNvPicPr>
+          <p:nvPr/>
+        </p:nvPicPr>
+        <p:blipFill>
+          <a:blip r:embed="rId14">
+            <a:extLst>
+              <a:ext uri="{96DAC541-7B7A-43D3-8B79-37D633B846F1}">
+                <asvg:svgBlip xmlns:asvg="http://schemas.microsoft.com/office/drawing/2016/SVG/main" r:embed="rId15"/>
+              </a:ext>
+            </a:extLst>
+          </a:blip>
+          <a:stretch>
+            <a:fillRect/>
+          </a:stretch>
+        </p:blipFill>
+        <p:spPr>
+          <a:xfrm>
+            <a:off x="10386996" y="3825172"/>
+            <a:ext cx="268492" cy="268492"/>
+          </a:xfrm>
+          <a:prstGeom prst="rect">
+            <a:avLst/>
+          </a:prstGeom>
+        </p:spPr>
+      </p:pic>
       <p:cxnSp>
         <p:nvCxnSpPr>
-          <p:cNvPr id="43" name="Straight Arrow Connector 42">
-            <a:extLst>
-              <a:ext uri="{FF2B5EF4-FFF2-40B4-BE49-F238E27FC236}">
-                <a16:creationId xmlns:a16="http://schemas.microsoft.com/office/drawing/2014/main" id="{B8B3F03C-2FA7-488F-97AB-7009F00E1F68}"/>
+          <p:cNvPr id="110" name="Straight Arrow Connector 109">
+            <a:extLst>
+              <a:ext uri="{FF2B5EF4-FFF2-40B4-BE49-F238E27FC236}">
+                <a16:creationId xmlns:a16="http://schemas.microsoft.com/office/drawing/2014/main" id="{F5A97D34-0A78-41F9-81D6-695CDB580BD4}"/>
               </a:ext>
             </a:extLst>
           </p:cNvPr>
           <p:cNvCxnSpPr>
             <a:cxnSpLocks/>
-            <a:stCxn id="149" idx="0"/>
-            <a:endCxn id="155" idx="3"/>
+            <a:stCxn id="28" idx="3"/>
+            <a:endCxn id="85" idx="1"/>
           </p:cNvCxnSpPr>
           <p:nvPr/>
         </p:nvCxnSpPr>
         <p:spPr>
-          <a:xfrm flipH="1" flipV="1">
-            <a:off x="7902169" y="4259130"/>
-            <a:ext cx="1036542" cy="492857"/>
+          <a:xfrm>
+            <a:off x="8071641" y="4528036"/>
+            <a:ext cx="937215" cy="740"/>
           </a:xfrm>
           <a:prstGeom prst="straightConnector1">
             <a:avLst/>
           </a:prstGeom>
-          <a:ln w="19050">
+          <a:ln w="15875">
             <a:solidFill>
-              <a:schemeClr val="accent3"/>
+              <a:schemeClr val="tx1"/>
             </a:solidFill>
-            <a:tailEnd type="triangle"/>
+            <a:headEnd type="arrow" w="med" len="sm"/>
+            <a:tailEnd type="none" w="med" len="sm"/>
           </a:ln>
         </p:spPr>
         <p:style>
@@ -7981,880 +8048,34 @@
       </p:cxnSp>
       <p:cxnSp>
         <p:nvCxnSpPr>
-          <p:cNvPr id="167" name="Straight Arrow Connector 166">
-            <a:extLst>
-              <a:ext uri="{FF2B5EF4-FFF2-40B4-BE49-F238E27FC236}">
-                <a16:creationId xmlns:a16="http://schemas.microsoft.com/office/drawing/2014/main" id="{4E34220C-8B95-447A-A4AE-7A10F4C339D8}"/>
+          <p:cNvPr id="113" name="Straight Arrow Connector 112">
+            <a:extLst>
+              <a:ext uri="{FF2B5EF4-FFF2-40B4-BE49-F238E27FC236}">
+                <a16:creationId xmlns:a16="http://schemas.microsoft.com/office/drawing/2014/main" id="{48FB19EF-B518-47C6-86D6-8794E361068E}"/>
               </a:ext>
             </a:extLst>
           </p:cNvPr>
           <p:cNvCxnSpPr>
             <a:cxnSpLocks/>
-            <a:stCxn id="149" idx="0"/>
-            <a:endCxn id="161" idx="1"/>
+            <a:stCxn id="105" idx="1"/>
+            <a:endCxn id="85" idx="3"/>
           </p:cNvCxnSpPr>
           <p:nvPr/>
         </p:nvCxnSpPr>
         <p:spPr>
-          <a:xfrm flipV="1">
-            <a:off x="8938711" y="4245852"/>
-            <a:ext cx="1061705" cy="506135"/>
+          <a:xfrm flipH="1" flipV="1">
+            <a:off x="9378188" y="4528776"/>
+            <a:ext cx="961043" cy="5188"/>
           </a:xfrm>
           <a:prstGeom prst="straightConnector1">
             <a:avLst/>
           </a:prstGeom>
-          <a:ln w="19050">
+          <a:ln w="15875">
             <a:solidFill>
-              <a:schemeClr val="accent3"/>
+              <a:schemeClr val="tx1"/>
             </a:solidFill>
-            <a:tailEnd type="triangle"/>
-          </a:ln>
-        </p:spPr>
-        <p:style>
-          <a:lnRef idx="1">
-            <a:schemeClr val="accent1"/>
-          </a:lnRef>
-          <a:fillRef idx="0">
-            <a:schemeClr val="accent1"/>
-          </a:fillRef>
-          <a:effectRef idx="0">
-            <a:schemeClr val="accent1"/>
-          </a:effectRef>
-          <a:fontRef idx="minor">
-            <a:schemeClr val="tx1"/>
-          </a:fontRef>
-        </p:style>
-      </p:cxnSp>
-      <p:pic>
-        <p:nvPicPr>
-          <p:cNvPr id="179" name="Graphic 20">
-            <a:extLst>
-              <a:ext uri="{FF2B5EF4-FFF2-40B4-BE49-F238E27FC236}">
-                <a16:creationId xmlns:a16="http://schemas.microsoft.com/office/drawing/2014/main" id="{C7707771-49B3-4991-B41A-7E198143C365}"/>
-              </a:ext>
-            </a:extLst>
-          </p:cNvPr>
-          <p:cNvPicPr>
-            <a:picLocks noChangeAspect="1" noChangeArrowheads="1"/>
-          </p:cNvPicPr>
-          <p:nvPr/>
-        </p:nvPicPr>
-        <p:blipFill>
-          <a:blip r:embed="rId20">
-            <a:extLst>
-              <a:ext uri="{96DAC541-7B7A-43D3-8B79-37D633B846F1}">
-                <asvg:svgBlip xmlns:asvg="http://schemas.microsoft.com/office/drawing/2016/SVG/main" r:embed="rId21"/>
-              </a:ext>
-            </a:extLst>
-          </a:blip>
-          <a:srcRect/>
-          <a:stretch/>
-        </p:blipFill>
-        <p:spPr bwMode="auto">
-          <a:xfrm>
-            <a:off x="2523907" y="2801605"/>
-            <a:ext cx="353461" cy="353461"/>
-          </a:xfrm>
-          <a:prstGeom prst="rect">
-            <a:avLst/>
-          </a:prstGeom>
-          <a:noFill/>
-          <a:ln>
-            <a:noFill/>
-          </a:ln>
-          <a:extLst>
-            <a:ext uri="{909E8E84-426E-40DD-AFC4-6F175D3DCCD1}">
-              <a14:hiddenFill xmlns:a14="http://schemas.microsoft.com/office/drawing/2010/main">
-                <a:solidFill>
-                  <a:srgbClr val="FFFFFF"/>
-                </a:solidFill>
-              </a14:hiddenFill>
-            </a:ext>
-            <a:ext uri="{91240B29-F687-4F45-9708-019B960494DF}">
-              <a14:hiddenLine xmlns:a14="http://schemas.microsoft.com/office/drawing/2010/main" w="9525">
-                <a:solidFill>
-                  <a:srgbClr val="000000"/>
-                </a:solidFill>
-                <a:miter lim="800000"/>
-                <a:headEnd/>
-                <a:tailEnd/>
-              </a14:hiddenLine>
-            </a:ext>
-          </a:extLst>
-        </p:spPr>
-      </p:pic>
-      <p:pic>
-        <p:nvPicPr>
-          <p:cNvPr id="182" name="Graphic 17">
-            <a:extLst>
-              <a:ext uri="{FF2B5EF4-FFF2-40B4-BE49-F238E27FC236}">
-                <a16:creationId xmlns:a16="http://schemas.microsoft.com/office/drawing/2014/main" id="{90DC7030-2EB0-4FAA-ABB1-752A315127BA}"/>
-              </a:ext>
-            </a:extLst>
-          </p:cNvPr>
-          <p:cNvPicPr>
-            <a:picLocks noChangeAspect="1" noChangeArrowheads="1"/>
-          </p:cNvPicPr>
-          <p:nvPr/>
-        </p:nvPicPr>
-        <p:blipFill>
-          <a:blip r:embed="rId22"/>
-          <a:srcRect/>
-          <a:stretch/>
-        </p:blipFill>
-        <p:spPr bwMode="auto">
-          <a:xfrm>
-            <a:off x="3140596" y="4325109"/>
-            <a:ext cx="308833" cy="308833"/>
-          </a:xfrm>
-          <a:prstGeom prst="rect">
-            <a:avLst/>
-          </a:prstGeom>
-          <a:noFill/>
-          <a:ln>
-            <a:noFill/>
-          </a:ln>
-          <a:extLst>
-            <a:ext uri="{909E8E84-426E-40DD-AFC4-6F175D3DCCD1}">
-              <a14:hiddenFill xmlns:a14="http://schemas.microsoft.com/office/drawing/2010/main">
-                <a:solidFill>
-                  <a:srgbClr val="FFFFFF"/>
-                </a:solidFill>
-              </a14:hiddenFill>
-            </a:ext>
-            <a:ext uri="{91240B29-F687-4F45-9708-019B960494DF}">
-              <a14:hiddenLine xmlns:a14="http://schemas.microsoft.com/office/drawing/2010/main" w="9525">
-                <a:solidFill>
-                  <a:srgbClr val="000000"/>
-                </a:solidFill>
-                <a:miter lim="800000"/>
-                <a:headEnd/>
-                <a:tailEnd/>
-              </a14:hiddenLine>
-            </a:ext>
-          </a:extLst>
-        </p:spPr>
-      </p:pic>
-      <p:pic>
-        <p:nvPicPr>
-          <p:cNvPr id="185" name="Graphic 7">
-            <a:extLst>
-              <a:ext uri="{FF2B5EF4-FFF2-40B4-BE49-F238E27FC236}">
-                <a16:creationId xmlns:a16="http://schemas.microsoft.com/office/drawing/2014/main" id="{D410F5ED-C965-4EC8-B669-B62E2FB081CA}"/>
-              </a:ext>
-            </a:extLst>
-          </p:cNvPr>
-          <p:cNvPicPr>
-            <a:picLocks noChangeAspect="1" noChangeArrowheads="1"/>
-          </p:cNvPicPr>
-          <p:nvPr/>
-        </p:nvPicPr>
-        <p:blipFill>
-          <a:blip r:embed="rId23">
-            <a:extLst>
-              <a:ext uri="{96DAC541-7B7A-43D3-8B79-37D633B846F1}">
-                <asvg:svgBlip xmlns:asvg="http://schemas.microsoft.com/office/drawing/2016/SVG/main" r:embed="rId24"/>
-              </a:ext>
-            </a:extLst>
-          </a:blip>
-          <a:srcRect/>
-          <a:stretch/>
-        </p:blipFill>
-        <p:spPr bwMode="auto">
-          <a:xfrm>
-            <a:off x="3884536" y="4638861"/>
-            <a:ext cx="260393" cy="260393"/>
-          </a:xfrm>
-          <a:prstGeom prst="rect">
-            <a:avLst/>
-          </a:prstGeom>
-          <a:noFill/>
-          <a:ln>
-            <a:noFill/>
-          </a:ln>
-          <a:extLst>
-            <a:ext uri="{909E8E84-426E-40DD-AFC4-6F175D3DCCD1}">
-              <a14:hiddenFill xmlns:a14="http://schemas.microsoft.com/office/drawing/2010/main">
-                <a:solidFill>
-                  <a:srgbClr val="FFFFFF"/>
-                </a:solidFill>
-              </a14:hiddenFill>
-            </a:ext>
-            <a:ext uri="{91240B29-F687-4F45-9708-019B960494DF}">
-              <a14:hiddenLine xmlns:a14="http://schemas.microsoft.com/office/drawing/2010/main" w="9525">
-                <a:solidFill>
-                  <a:srgbClr val="000000"/>
-                </a:solidFill>
-                <a:miter lim="800000"/>
-                <a:headEnd/>
-                <a:tailEnd/>
-              </a14:hiddenLine>
-            </a:ext>
-          </a:extLst>
-        </p:spPr>
-      </p:pic>
-      <p:sp>
-        <p:nvSpPr>
-          <p:cNvPr id="186" name="TextBox 185">
-            <a:extLst>
-              <a:ext uri="{FF2B5EF4-FFF2-40B4-BE49-F238E27FC236}">
-                <a16:creationId xmlns:a16="http://schemas.microsoft.com/office/drawing/2014/main" id="{5333B73F-6B3D-438D-A94D-400DC8256CDB}"/>
-              </a:ext>
-            </a:extLst>
-          </p:cNvPr>
-          <p:cNvSpPr txBox="1">
-            <a:spLocks noChangeArrowheads="1"/>
-          </p:cNvSpPr>
-          <p:nvPr/>
-        </p:nvSpPr>
-        <p:spPr bwMode="auto">
-          <a:xfrm>
-            <a:off x="4050631" y="4408573"/>
-            <a:ext cx="1515071" cy="369332"/>
-          </a:xfrm>
-          <a:prstGeom prst="rect">
-            <a:avLst/>
-          </a:prstGeom>
-          <a:noFill/>
-          <a:ln>
-            <a:noFill/>
-          </a:ln>
-          <a:extLst>
-            <a:ext uri="{909E8E84-426E-40DD-AFC4-6F175D3DCCD1}">
-              <a14:hiddenFill xmlns:a14="http://schemas.microsoft.com/office/drawing/2010/main">
-                <a:solidFill>
-                  <a:srgbClr val="FFFFFF"/>
-                </a:solidFill>
-              </a14:hiddenFill>
-            </a:ext>
-            <a:ext uri="{91240B29-F687-4F45-9708-019B960494DF}">
-              <a14:hiddenLine xmlns:a14="http://schemas.microsoft.com/office/drawing/2010/main" w="9525">
-                <a:solidFill>
-                  <a:srgbClr val="000000"/>
-                </a:solidFill>
-                <a:miter lim="800000"/>
-                <a:headEnd/>
-                <a:tailEnd/>
-              </a14:hiddenLine>
-            </a:ext>
-          </a:extLst>
-        </p:spPr>
-        <p:txBody>
-          <a:bodyPr wrap="square">
-            <a:spAutoFit/>
-          </a:bodyPr>
-          <a:lstStyle>
-            <a:lvl1pPr>
-              <a:defRPr>
-                <a:solidFill>
-                  <a:schemeClr val="tx1"/>
-                </a:solidFill>
-                <a:latin typeface="Calibri" panose="020F0502020204030204" pitchFamily="34" charset="0"/>
-              </a:defRPr>
-            </a:lvl1pPr>
-            <a:lvl2pPr marL="742950" indent="-285750">
-              <a:defRPr>
-                <a:solidFill>
-                  <a:schemeClr val="tx1"/>
-                </a:solidFill>
-                <a:latin typeface="Calibri" panose="020F0502020204030204" pitchFamily="34" charset="0"/>
-              </a:defRPr>
-            </a:lvl2pPr>
-            <a:lvl3pPr marL="1143000" indent="-228600">
-              <a:defRPr>
-                <a:solidFill>
-                  <a:schemeClr val="tx1"/>
-                </a:solidFill>
-                <a:latin typeface="Calibri" panose="020F0502020204030204" pitchFamily="34" charset="0"/>
-              </a:defRPr>
-            </a:lvl3pPr>
-            <a:lvl4pPr marL="1600200" indent="-228600">
-              <a:defRPr>
-                <a:solidFill>
-                  <a:schemeClr val="tx1"/>
-                </a:solidFill>
-                <a:latin typeface="Calibri" panose="020F0502020204030204" pitchFamily="34" charset="0"/>
-              </a:defRPr>
-            </a:lvl4pPr>
-            <a:lvl5pPr marL="2057400" indent="-228600">
-              <a:defRPr>
-                <a:solidFill>
-                  <a:schemeClr val="tx1"/>
-                </a:solidFill>
-                <a:latin typeface="Calibri" panose="020F0502020204030204" pitchFamily="34" charset="0"/>
-              </a:defRPr>
-            </a:lvl5pPr>
-            <a:lvl6pPr marL="2514600" indent="-228600" eaLnBrk="0" fontAlgn="base" hangingPunct="0">
-              <a:spcBef>
-                <a:spcPct val="0"/>
-              </a:spcBef>
-              <a:spcAft>
-                <a:spcPct val="0"/>
-              </a:spcAft>
-              <a:defRPr>
-                <a:solidFill>
-                  <a:schemeClr val="tx1"/>
-                </a:solidFill>
-                <a:latin typeface="Calibri" panose="020F0502020204030204" pitchFamily="34" charset="0"/>
-              </a:defRPr>
-            </a:lvl6pPr>
-            <a:lvl7pPr marL="2971800" indent="-228600" eaLnBrk="0" fontAlgn="base" hangingPunct="0">
-              <a:spcBef>
-                <a:spcPct val="0"/>
-              </a:spcBef>
-              <a:spcAft>
-                <a:spcPct val="0"/>
-              </a:spcAft>
-              <a:defRPr>
-                <a:solidFill>
-                  <a:schemeClr val="tx1"/>
-                </a:solidFill>
-                <a:latin typeface="Calibri" panose="020F0502020204030204" pitchFamily="34" charset="0"/>
-              </a:defRPr>
-            </a:lvl7pPr>
-            <a:lvl8pPr marL="3429000" indent="-228600" eaLnBrk="0" fontAlgn="base" hangingPunct="0">
-              <a:spcBef>
-                <a:spcPct val="0"/>
-              </a:spcBef>
-              <a:spcAft>
-                <a:spcPct val="0"/>
-              </a:spcAft>
-              <a:defRPr>
-                <a:solidFill>
-                  <a:schemeClr val="tx1"/>
-                </a:solidFill>
-                <a:latin typeface="Calibri" panose="020F0502020204030204" pitchFamily="34" charset="0"/>
-              </a:defRPr>
-            </a:lvl8pPr>
-            <a:lvl9pPr marL="3886200" indent="-228600" eaLnBrk="0" fontAlgn="base" hangingPunct="0">
-              <a:spcBef>
-                <a:spcPct val="0"/>
-              </a:spcBef>
-              <a:spcAft>
-                <a:spcPct val="0"/>
-              </a:spcAft>
-              <a:defRPr>
-                <a:solidFill>
-                  <a:schemeClr val="tx1"/>
-                </a:solidFill>
-                <a:latin typeface="Calibri" panose="020F0502020204030204" pitchFamily="34" charset="0"/>
-              </a:defRPr>
-            </a:lvl9pPr>
-          </a:lstStyle>
-          <a:p>
-            <a:pPr eaLnBrk="1" hangingPunct="1"/>
-            <a:r>
-              <a:rPr lang="en-US" altLang="en-US" sz="900" dirty="0">
-                <a:latin typeface="Arial" panose="020B0604020202020204" pitchFamily="34" charset="0"/>
-                <a:ea typeface="Amazon Ember" panose="020B0603020204020204" pitchFamily="34" charset="0"/>
-                <a:cs typeface="Arial" panose="020B0604020202020204" pitchFamily="34" charset="0"/>
-              </a:rPr>
-              <a:t>Service : Monolith</a:t>
-            </a:r>
-          </a:p>
-          <a:p>
-            <a:pPr eaLnBrk="1" hangingPunct="1"/>
-            <a:r>
-              <a:rPr lang="en-US" altLang="en-US" sz="900" dirty="0">
-                <a:latin typeface="Arial" panose="020B0604020202020204" pitchFamily="34" charset="0"/>
-                <a:ea typeface="Amazon Ember" panose="020B0603020204020204" pitchFamily="34" charset="0"/>
-                <a:cs typeface="Arial" panose="020B0604020202020204" pitchFamily="34" charset="0"/>
-              </a:rPr>
-              <a:t>Default Route (/)</a:t>
-            </a:r>
-          </a:p>
-        </p:txBody>
-      </p:sp>
-      <p:pic>
-        <p:nvPicPr>
-          <p:cNvPr id="187" name="Graphic 7">
-            <a:extLst>
-              <a:ext uri="{FF2B5EF4-FFF2-40B4-BE49-F238E27FC236}">
-                <a16:creationId xmlns:a16="http://schemas.microsoft.com/office/drawing/2014/main" id="{AEDFBE5C-79C6-458E-A930-01637EE56415}"/>
-              </a:ext>
-            </a:extLst>
-          </p:cNvPr>
-          <p:cNvPicPr>
-            <a:picLocks noChangeAspect="1" noChangeArrowheads="1"/>
-          </p:cNvPicPr>
-          <p:nvPr/>
-        </p:nvPicPr>
-        <p:blipFill>
-          <a:blip r:embed="rId23">
-            <a:extLst>
-              <a:ext uri="{96DAC541-7B7A-43D3-8B79-37D633B846F1}">
-                <asvg:svgBlip xmlns:asvg="http://schemas.microsoft.com/office/drawing/2016/SVG/main" r:embed="rId24"/>
-              </a:ext>
-            </a:extLst>
-          </a:blip>
-          <a:srcRect/>
-          <a:stretch/>
-        </p:blipFill>
-        <p:spPr bwMode="auto">
-          <a:xfrm>
-            <a:off x="3884536" y="5287806"/>
-            <a:ext cx="260393" cy="260393"/>
-          </a:xfrm>
-          <a:prstGeom prst="rect">
-            <a:avLst/>
-          </a:prstGeom>
-          <a:noFill/>
-          <a:ln>
-            <a:noFill/>
-          </a:ln>
-          <a:extLst>
-            <a:ext uri="{909E8E84-426E-40DD-AFC4-6F175D3DCCD1}">
-              <a14:hiddenFill xmlns:a14="http://schemas.microsoft.com/office/drawing/2010/main">
-                <a:solidFill>
-                  <a:srgbClr val="FFFFFF"/>
-                </a:solidFill>
-              </a14:hiddenFill>
-            </a:ext>
-            <a:ext uri="{91240B29-F687-4F45-9708-019B960494DF}">
-              <a14:hiddenLine xmlns:a14="http://schemas.microsoft.com/office/drawing/2010/main" w="9525">
-                <a:solidFill>
-                  <a:srgbClr val="000000"/>
-                </a:solidFill>
-                <a:miter lim="800000"/>
-                <a:headEnd/>
-                <a:tailEnd/>
-              </a14:hiddenLine>
-            </a:ext>
-          </a:extLst>
-        </p:spPr>
-      </p:pic>
-      <p:sp>
-        <p:nvSpPr>
-          <p:cNvPr id="188" name="TextBox 187">
-            <a:extLst>
-              <a:ext uri="{FF2B5EF4-FFF2-40B4-BE49-F238E27FC236}">
-                <a16:creationId xmlns:a16="http://schemas.microsoft.com/office/drawing/2014/main" id="{D7252536-D99D-4D41-9D4C-16FDA47976EF}"/>
-              </a:ext>
-            </a:extLst>
-          </p:cNvPr>
-          <p:cNvSpPr txBox="1">
-            <a:spLocks noChangeArrowheads="1"/>
-          </p:cNvSpPr>
-          <p:nvPr/>
-        </p:nvSpPr>
-        <p:spPr bwMode="auto">
-          <a:xfrm>
-            <a:off x="4061418" y="5085643"/>
-            <a:ext cx="2086242" cy="369332"/>
-          </a:xfrm>
-          <a:prstGeom prst="rect">
-            <a:avLst/>
-          </a:prstGeom>
-          <a:noFill/>
-          <a:ln>
-            <a:noFill/>
-          </a:ln>
-          <a:extLst>
-            <a:ext uri="{909E8E84-426E-40DD-AFC4-6F175D3DCCD1}">
-              <a14:hiddenFill xmlns:a14="http://schemas.microsoft.com/office/drawing/2010/main">
-                <a:solidFill>
-                  <a:srgbClr val="FFFFFF"/>
-                </a:solidFill>
-              </a14:hiddenFill>
-            </a:ext>
-            <a:ext uri="{91240B29-F687-4F45-9708-019B960494DF}">
-              <a14:hiddenLine xmlns:a14="http://schemas.microsoft.com/office/drawing/2010/main" w="9525">
-                <a:solidFill>
-                  <a:srgbClr val="000000"/>
-                </a:solidFill>
-                <a:miter lim="800000"/>
-                <a:headEnd/>
-                <a:tailEnd/>
-              </a14:hiddenLine>
-            </a:ext>
-          </a:extLst>
-        </p:spPr>
-        <p:txBody>
-          <a:bodyPr wrap="square">
-            <a:spAutoFit/>
-          </a:bodyPr>
-          <a:lstStyle>
-            <a:lvl1pPr>
-              <a:defRPr>
-                <a:solidFill>
-                  <a:schemeClr val="tx1"/>
-                </a:solidFill>
-                <a:latin typeface="Calibri" panose="020F0502020204030204" pitchFamily="34" charset="0"/>
-              </a:defRPr>
-            </a:lvl1pPr>
-            <a:lvl2pPr marL="742950" indent="-285750">
-              <a:defRPr>
-                <a:solidFill>
-                  <a:schemeClr val="tx1"/>
-                </a:solidFill>
-                <a:latin typeface="Calibri" panose="020F0502020204030204" pitchFamily="34" charset="0"/>
-              </a:defRPr>
-            </a:lvl2pPr>
-            <a:lvl3pPr marL="1143000" indent="-228600">
-              <a:defRPr>
-                <a:solidFill>
-                  <a:schemeClr val="tx1"/>
-                </a:solidFill>
-                <a:latin typeface="Calibri" panose="020F0502020204030204" pitchFamily="34" charset="0"/>
-              </a:defRPr>
-            </a:lvl3pPr>
-            <a:lvl4pPr marL="1600200" indent="-228600">
-              <a:defRPr>
-                <a:solidFill>
-                  <a:schemeClr val="tx1"/>
-                </a:solidFill>
-                <a:latin typeface="Calibri" panose="020F0502020204030204" pitchFamily="34" charset="0"/>
-              </a:defRPr>
-            </a:lvl4pPr>
-            <a:lvl5pPr marL="2057400" indent="-228600">
-              <a:defRPr>
-                <a:solidFill>
-                  <a:schemeClr val="tx1"/>
-                </a:solidFill>
-                <a:latin typeface="Calibri" panose="020F0502020204030204" pitchFamily="34" charset="0"/>
-              </a:defRPr>
-            </a:lvl5pPr>
-            <a:lvl6pPr marL="2514600" indent="-228600" eaLnBrk="0" fontAlgn="base" hangingPunct="0">
-              <a:spcBef>
-                <a:spcPct val="0"/>
-              </a:spcBef>
-              <a:spcAft>
-                <a:spcPct val="0"/>
-              </a:spcAft>
-              <a:defRPr>
-                <a:solidFill>
-                  <a:schemeClr val="tx1"/>
-                </a:solidFill>
-                <a:latin typeface="Calibri" panose="020F0502020204030204" pitchFamily="34" charset="0"/>
-              </a:defRPr>
-            </a:lvl6pPr>
-            <a:lvl7pPr marL="2971800" indent="-228600" eaLnBrk="0" fontAlgn="base" hangingPunct="0">
-              <a:spcBef>
-                <a:spcPct val="0"/>
-              </a:spcBef>
-              <a:spcAft>
-                <a:spcPct val="0"/>
-              </a:spcAft>
-              <a:defRPr>
-                <a:solidFill>
-                  <a:schemeClr val="tx1"/>
-                </a:solidFill>
-                <a:latin typeface="Calibri" panose="020F0502020204030204" pitchFamily="34" charset="0"/>
-              </a:defRPr>
-            </a:lvl7pPr>
-            <a:lvl8pPr marL="3429000" indent="-228600" eaLnBrk="0" fontAlgn="base" hangingPunct="0">
-              <a:spcBef>
-                <a:spcPct val="0"/>
-              </a:spcBef>
-              <a:spcAft>
-                <a:spcPct val="0"/>
-              </a:spcAft>
-              <a:defRPr>
-                <a:solidFill>
-                  <a:schemeClr val="tx1"/>
-                </a:solidFill>
-                <a:latin typeface="Calibri" panose="020F0502020204030204" pitchFamily="34" charset="0"/>
-              </a:defRPr>
-            </a:lvl8pPr>
-            <a:lvl9pPr marL="3886200" indent="-228600" eaLnBrk="0" fontAlgn="base" hangingPunct="0">
-              <a:spcBef>
-                <a:spcPct val="0"/>
-              </a:spcBef>
-              <a:spcAft>
-                <a:spcPct val="0"/>
-              </a:spcAft>
-              <a:defRPr>
-                <a:solidFill>
-                  <a:schemeClr val="tx1"/>
-                </a:solidFill>
-                <a:latin typeface="Calibri" panose="020F0502020204030204" pitchFamily="34" charset="0"/>
-              </a:defRPr>
-            </a:lvl9pPr>
-          </a:lstStyle>
-          <a:p>
-            <a:pPr eaLnBrk="1" hangingPunct="1"/>
-            <a:r>
-              <a:rPr lang="en-US" altLang="en-US" sz="900" dirty="0">
-                <a:latin typeface="Arial" panose="020B0604020202020204" pitchFamily="34" charset="0"/>
-                <a:ea typeface="Amazon Ember" panose="020B0603020204020204" pitchFamily="34" charset="0"/>
-                <a:cs typeface="Arial" panose="020B0604020202020204" pitchFamily="34" charset="0"/>
-              </a:rPr>
-              <a:t>Service : </a:t>
-            </a:r>
-            <a:r>
-              <a:rPr lang="en-US" altLang="en-US" sz="900" dirty="0" err="1">
-                <a:latin typeface="Arial" panose="020B0604020202020204" pitchFamily="34" charset="0"/>
-                <a:ea typeface="Amazon Ember" panose="020B0603020204020204" pitchFamily="34" charset="0"/>
-                <a:cs typeface="Arial" panose="020B0604020202020204" pitchFamily="34" charset="0"/>
-              </a:rPr>
-              <a:t>Unistore-AddToCartService</a:t>
-            </a:r>
-            <a:endParaRPr lang="en-US" altLang="en-US" sz="900" dirty="0">
-              <a:latin typeface="Arial" panose="020B0604020202020204" pitchFamily="34" charset="0"/>
-              <a:ea typeface="Amazon Ember" panose="020B0603020204020204" pitchFamily="34" charset="0"/>
-              <a:cs typeface="Arial" panose="020B0604020202020204" pitchFamily="34" charset="0"/>
-            </a:endParaRPr>
-          </a:p>
-          <a:p>
-            <a:pPr eaLnBrk="1" hangingPunct="1"/>
-            <a:r>
-              <a:rPr lang="en-US" altLang="en-US" sz="900" dirty="0">
-                <a:latin typeface="Arial" panose="020B0604020202020204" pitchFamily="34" charset="0"/>
-                <a:ea typeface="Amazon Ember" panose="020B0603020204020204" pitchFamily="34" charset="0"/>
-                <a:cs typeface="Arial" panose="020B0604020202020204" pitchFamily="34" charset="0"/>
-              </a:rPr>
-              <a:t>Route /unicorns/basket {GET, POST}</a:t>
-            </a:r>
-          </a:p>
-        </p:txBody>
-      </p:sp>
-      <p:pic>
-        <p:nvPicPr>
-          <p:cNvPr id="189" name="Graphic 22">
-            <a:extLst>
-              <a:ext uri="{FF2B5EF4-FFF2-40B4-BE49-F238E27FC236}">
-                <a16:creationId xmlns:a16="http://schemas.microsoft.com/office/drawing/2014/main" id="{F69C232E-5895-46B7-AA26-451D718FD0FA}"/>
-              </a:ext>
-            </a:extLst>
-          </p:cNvPr>
-          <p:cNvPicPr>
-            <a:picLocks noChangeAspect="1" noChangeArrowheads="1"/>
-          </p:cNvPicPr>
-          <p:nvPr/>
-        </p:nvPicPr>
-        <p:blipFill>
-          <a:blip r:embed="rId25">
-            <a:extLst>
-              <a:ext uri="{96DAC541-7B7A-43D3-8B79-37D633B846F1}">
-                <asvg:svgBlip xmlns:asvg="http://schemas.microsoft.com/office/drawing/2016/SVG/main" r:embed="rId26"/>
-              </a:ext>
-            </a:extLst>
-          </a:blip>
-          <a:srcRect/>
-          <a:stretch/>
-        </p:blipFill>
-        <p:spPr bwMode="auto">
-          <a:xfrm>
-            <a:off x="2696757" y="3719373"/>
-            <a:ext cx="343496" cy="343496"/>
-          </a:xfrm>
-          <a:prstGeom prst="rect">
-            <a:avLst/>
-          </a:prstGeom>
-          <a:noFill/>
-          <a:ln>
-            <a:noFill/>
-          </a:ln>
-          <a:extLst>
-            <a:ext uri="{909E8E84-426E-40DD-AFC4-6F175D3DCCD1}">
-              <a14:hiddenFill xmlns:a14="http://schemas.microsoft.com/office/drawing/2010/main">
-                <a:solidFill>
-                  <a:srgbClr val="FFFFFF"/>
-                </a:solidFill>
-              </a14:hiddenFill>
-            </a:ext>
-            <a:ext uri="{91240B29-F687-4F45-9708-019B960494DF}">
-              <a14:hiddenLine xmlns:a14="http://schemas.microsoft.com/office/drawing/2010/main" w="9525">
-                <a:solidFill>
-                  <a:srgbClr val="000000"/>
-                </a:solidFill>
-                <a:miter lim="800000"/>
-                <a:headEnd/>
-                <a:tailEnd/>
-              </a14:hiddenLine>
-            </a:ext>
-          </a:extLst>
-        </p:spPr>
-      </p:pic>
-      <p:sp>
-        <p:nvSpPr>
-          <p:cNvPr id="192" name="TextBox 191">
-            <a:extLst>
-              <a:ext uri="{FF2B5EF4-FFF2-40B4-BE49-F238E27FC236}">
-                <a16:creationId xmlns:a16="http://schemas.microsoft.com/office/drawing/2014/main" id="{37FBEB5A-30D3-4057-8AA4-BCC3A8D5F402}"/>
-              </a:ext>
-            </a:extLst>
-          </p:cNvPr>
-          <p:cNvSpPr txBox="1">
-            <a:spLocks noChangeArrowheads="1"/>
-          </p:cNvSpPr>
-          <p:nvPr/>
-        </p:nvSpPr>
-        <p:spPr bwMode="auto">
-          <a:xfrm>
-            <a:off x="2869415" y="4658264"/>
-            <a:ext cx="841673" cy="369332"/>
-          </a:xfrm>
-          <a:prstGeom prst="rect">
-            <a:avLst/>
-          </a:prstGeom>
-          <a:noFill/>
-          <a:ln>
-            <a:noFill/>
-          </a:ln>
-          <a:extLst>
-            <a:ext uri="{909E8E84-426E-40DD-AFC4-6F175D3DCCD1}">
-              <a14:hiddenFill xmlns:a14="http://schemas.microsoft.com/office/drawing/2010/main">
-                <a:solidFill>
-                  <a:srgbClr val="FFFFFF"/>
-                </a:solidFill>
-              </a14:hiddenFill>
-            </a:ext>
-            <a:ext uri="{91240B29-F687-4F45-9708-019B960494DF}">
-              <a14:hiddenLine xmlns:a14="http://schemas.microsoft.com/office/drawing/2010/main" w="9525">
-                <a:solidFill>
-                  <a:srgbClr val="000000"/>
-                </a:solidFill>
-                <a:miter lim="800000"/>
-                <a:headEnd/>
-                <a:tailEnd/>
-              </a14:hiddenLine>
-            </a:ext>
-          </a:extLst>
-        </p:spPr>
-        <p:txBody>
-          <a:bodyPr wrap="square">
-            <a:spAutoFit/>
-          </a:bodyPr>
-          <a:lstStyle>
-            <a:lvl1pPr>
-              <a:defRPr>
-                <a:solidFill>
-                  <a:schemeClr val="tx1"/>
-                </a:solidFill>
-                <a:latin typeface="Calibri" panose="020F0502020204030204" pitchFamily="34" charset="0"/>
-              </a:defRPr>
-            </a:lvl1pPr>
-            <a:lvl2pPr marL="742950" indent="-285750">
-              <a:defRPr>
-                <a:solidFill>
-                  <a:schemeClr val="tx1"/>
-                </a:solidFill>
-                <a:latin typeface="Calibri" panose="020F0502020204030204" pitchFamily="34" charset="0"/>
-              </a:defRPr>
-            </a:lvl2pPr>
-            <a:lvl3pPr marL="1143000" indent="-228600">
-              <a:defRPr>
-                <a:solidFill>
-                  <a:schemeClr val="tx1"/>
-                </a:solidFill>
-                <a:latin typeface="Calibri" panose="020F0502020204030204" pitchFamily="34" charset="0"/>
-              </a:defRPr>
-            </a:lvl3pPr>
-            <a:lvl4pPr marL="1600200" indent="-228600">
-              <a:defRPr>
-                <a:solidFill>
-                  <a:schemeClr val="tx1"/>
-                </a:solidFill>
-                <a:latin typeface="Calibri" panose="020F0502020204030204" pitchFamily="34" charset="0"/>
-              </a:defRPr>
-            </a:lvl4pPr>
-            <a:lvl5pPr marL="2057400" indent="-228600">
-              <a:defRPr>
-                <a:solidFill>
-                  <a:schemeClr val="tx1"/>
-                </a:solidFill>
-                <a:latin typeface="Calibri" panose="020F0502020204030204" pitchFamily="34" charset="0"/>
-              </a:defRPr>
-            </a:lvl5pPr>
-            <a:lvl6pPr marL="2514600" indent="-228600" eaLnBrk="0" fontAlgn="base" hangingPunct="0">
-              <a:spcBef>
-                <a:spcPct val="0"/>
-              </a:spcBef>
-              <a:spcAft>
-                <a:spcPct val="0"/>
-              </a:spcAft>
-              <a:defRPr>
-                <a:solidFill>
-                  <a:schemeClr val="tx1"/>
-                </a:solidFill>
-                <a:latin typeface="Calibri" panose="020F0502020204030204" pitchFamily="34" charset="0"/>
-              </a:defRPr>
-            </a:lvl6pPr>
-            <a:lvl7pPr marL="2971800" indent="-228600" eaLnBrk="0" fontAlgn="base" hangingPunct="0">
-              <a:spcBef>
-                <a:spcPct val="0"/>
-              </a:spcBef>
-              <a:spcAft>
-                <a:spcPct val="0"/>
-              </a:spcAft>
-              <a:defRPr>
-                <a:solidFill>
-                  <a:schemeClr val="tx1"/>
-                </a:solidFill>
-                <a:latin typeface="Calibri" panose="020F0502020204030204" pitchFamily="34" charset="0"/>
-              </a:defRPr>
-            </a:lvl7pPr>
-            <a:lvl8pPr marL="3429000" indent="-228600" eaLnBrk="0" fontAlgn="base" hangingPunct="0">
-              <a:spcBef>
-                <a:spcPct val="0"/>
-              </a:spcBef>
-              <a:spcAft>
-                <a:spcPct val="0"/>
-              </a:spcAft>
-              <a:defRPr>
-                <a:solidFill>
-                  <a:schemeClr val="tx1"/>
-                </a:solidFill>
-                <a:latin typeface="Calibri" panose="020F0502020204030204" pitchFamily="34" charset="0"/>
-              </a:defRPr>
-            </a:lvl8pPr>
-            <a:lvl9pPr marL="3886200" indent="-228600" eaLnBrk="0" fontAlgn="base" hangingPunct="0">
-              <a:spcBef>
-                <a:spcPct val="0"/>
-              </a:spcBef>
-              <a:spcAft>
-                <a:spcPct val="0"/>
-              </a:spcAft>
-              <a:defRPr>
-                <a:solidFill>
-                  <a:schemeClr val="tx1"/>
-                </a:solidFill>
-                <a:latin typeface="Calibri" panose="020F0502020204030204" pitchFamily="34" charset="0"/>
-              </a:defRPr>
-            </a:lvl9pPr>
-          </a:lstStyle>
-          <a:p>
-            <a:pPr algn="ctr" eaLnBrk="1" hangingPunct="1"/>
-            <a:r>
-              <a:rPr lang="en-US" altLang="en-US" sz="900" dirty="0">
-                <a:latin typeface="Arial" panose="020B0604020202020204" pitchFamily="34" charset="0"/>
-                <a:ea typeface="Amazon Ember" panose="020B0603020204020204" pitchFamily="34" charset="0"/>
-                <a:cs typeface="Arial" panose="020B0604020202020204" pitchFamily="34" charset="0"/>
-              </a:rPr>
-              <a:t>Amazon API Gateway</a:t>
-            </a:r>
-          </a:p>
-        </p:txBody>
-      </p:sp>
-      <p:cxnSp>
-        <p:nvCxnSpPr>
-          <p:cNvPr id="215" name="Straight Arrow Connector 214">
-            <a:extLst>
-              <a:ext uri="{FF2B5EF4-FFF2-40B4-BE49-F238E27FC236}">
-                <a16:creationId xmlns:a16="http://schemas.microsoft.com/office/drawing/2014/main" id="{771122A9-BF36-45F5-A909-4EEA5EBB0728}"/>
-              </a:ext>
-            </a:extLst>
-          </p:cNvPr>
-          <p:cNvCxnSpPr>
-            <a:cxnSpLocks/>
-            <a:stCxn id="118" idx="2"/>
-          </p:cNvCxnSpPr>
-          <p:nvPr/>
-        </p:nvCxnSpPr>
-        <p:spPr>
-          <a:xfrm flipH="1">
-            <a:off x="8078800" y="1629139"/>
-            <a:ext cx="856645" cy="513514"/>
-          </a:xfrm>
-          <a:prstGeom prst="straightConnector1">
-            <a:avLst/>
-          </a:prstGeom>
-          <a:ln w="19050">
-            <a:solidFill>
-              <a:schemeClr val="accent3"/>
-            </a:solidFill>
-            <a:tailEnd type="triangle"/>
+            <a:headEnd type="arrow" w="med" len="sm"/>
+            <a:tailEnd type="none" w="med" len="sm"/>
           </a:ln>
         </p:spPr>
         <p:style>
@@ -8874,32 +8095,37 @@
       </p:cxnSp>
       <p:cxnSp>
         <p:nvCxnSpPr>
-          <p:cNvPr id="218" name="Straight Arrow Connector 217">
-            <a:extLst>
-              <a:ext uri="{FF2B5EF4-FFF2-40B4-BE49-F238E27FC236}">
-                <a16:creationId xmlns:a16="http://schemas.microsoft.com/office/drawing/2014/main" id="{94684554-1815-4951-B677-D2C645186981}"/>
+          <p:cNvPr id="116" name="Elbow Connector 22">
+            <a:extLst>
+              <a:ext uri="{FF2B5EF4-FFF2-40B4-BE49-F238E27FC236}">
+                <a16:creationId xmlns:a16="http://schemas.microsoft.com/office/drawing/2014/main" id="{C416EBAD-8159-4229-8653-8A14E4F55684}"/>
               </a:ext>
             </a:extLst>
           </p:cNvPr>
           <p:cNvCxnSpPr>
             <a:cxnSpLocks/>
-            <a:stCxn id="118" idx="2"/>
+            <a:stCxn id="49" idx="3"/>
+            <a:endCxn id="85" idx="2"/>
           </p:cNvCxnSpPr>
           <p:nvPr/>
         </p:nvCxnSpPr>
         <p:spPr>
           <a:xfrm>
-            <a:off x="8935445" y="1629139"/>
-            <a:ext cx="942539" cy="489193"/>
-          </a:xfrm>
-          <a:prstGeom prst="straightConnector1">
-            <a:avLst/>
+            <a:off x="4796993" y="4473312"/>
+            <a:ext cx="4396529" cy="240130"/>
+          </a:xfrm>
+          <a:prstGeom prst="bentConnector4">
+            <a:avLst>
+              <a:gd name="adj1" fmla="val 36634"/>
+              <a:gd name="adj2" fmla="val 464927"/>
+            </a:avLst>
           </a:prstGeom>
-          <a:ln w="19050">
+          <a:ln w="15875">
             <a:solidFill>
-              <a:schemeClr val="accent3"/>
+              <a:schemeClr val="tx1"/>
             </a:solidFill>
-            <a:tailEnd type="triangle"/>
+            <a:headEnd type="none" w="med" len="sm"/>
+            <a:tailEnd type="arrow" w="med" len="sm"/>
           </a:ln>
         </p:spPr>
         <p:style>
@@ -8917,10 +8143,267 @@
           </a:fontRef>
         </p:style>
       </p:cxnSp>
+      <p:cxnSp>
+        <p:nvCxnSpPr>
+          <p:cNvPr id="150" name="Elbow Connector 22">
+            <a:extLst>
+              <a:ext uri="{FF2B5EF4-FFF2-40B4-BE49-F238E27FC236}">
+                <a16:creationId xmlns:a16="http://schemas.microsoft.com/office/drawing/2014/main" id="{04E70DF5-1C5C-488D-8B2F-E0C0A08D09D9}"/>
+              </a:ext>
+            </a:extLst>
+          </p:cNvPr>
+          <p:cNvCxnSpPr>
+            <a:cxnSpLocks/>
+            <a:stCxn id="10" idx="1"/>
+            <a:endCxn id="19" idx="0"/>
+          </p:cNvCxnSpPr>
+          <p:nvPr/>
+        </p:nvCxnSpPr>
+        <p:spPr>
+          <a:xfrm rot="10800000" flipV="1">
+            <a:off x="5298794" y="1526435"/>
+            <a:ext cx="1343586" cy="1450566"/>
+          </a:xfrm>
+          <a:prstGeom prst="bentConnector2">
+            <a:avLst/>
+          </a:prstGeom>
+          <a:ln w="15875">
+            <a:solidFill>
+              <a:schemeClr val="tx1"/>
+            </a:solidFill>
+            <a:headEnd type="none" w="med" len="sm"/>
+            <a:tailEnd type="arrow" w="med" len="sm"/>
+          </a:ln>
+        </p:spPr>
+        <p:style>
+          <a:lnRef idx="1">
+            <a:schemeClr val="accent1"/>
+          </a:lnRef>
+          <a:fillRef idx="0">
+            <a:schemeClr val="accent1"/>
+          </a:fillRef>
+          <a:effectRef idx="0">
+            <a:schemeClr val="accent1"/>
+          </a:effectRef>
+          <a:fontRef idx="minor">
+            <a:schemeClr val="tx1"/>
+          </a:fontRef>
+        </p:style>
+      </p:cxnSp>
+      <p:cxnSp>
+        <p:nvCxnSpPr>
+          <p:cNvPr id="174" name="Elbow Connector 22">
+            <a:extLst>
+              <a:ext uri="{FF2B5EF4-FFF2-40B4-BE49-F238E27FC236}">
+                <a16:creationId xmlns:a16="http://schemas.microsoft.com/office/drawing/2014/main" id="{3A5AB328-4BC9-47BC-96D8-950A2E61B57A}"/>
+              </a:ext>
+            </a:extLst>
+          </p:cNvPr>
+          <p:cNvCxnSpPr>
+            <a:cxnSpLocks/>
+            <a:endCxn id="56" idx="0"/>
+          </p:cNvCxnSpPr>
+          <p:nvPr/>
+        </p:nvCxnSpPr>
+        <p:spPr>
+          <a:xfrm flipV="1">
+            <a:off x="3047770" y="2102458"/>
+            <a:ext cx="6152513" cy="2241651"/>
+          </a:xfrm>
+          <a:prstGeom prst="bentConnector4">
+            <a:avLst>
+              <a:gd name="adj1" fmla="val -14438"/>
+              <a:gd name="adj2" fmla="val 150989"/>
+            </a:avLst>
+          </a:prstGeom>
+          <a:ln w="15875">
+            <a:solidFill>
+              <a:schemeClr val="tx1"/>
+            </a:solidFill>
+            <a:headEnd type="none" w="med" len="sm"/>
+            <a:tailEnd type="arrow" w="med" len="sm"/>
+          </a:ln>
+        </p:spPr>
+        <p:style>
+          <a:lnRef idx="1">
+            <a:schemeClr val="accent1"/>
+          </a:lnRef>
+          <a:fillRef idx="0">
+            <a:schemeClr val="accent1"/>
+          </a:fillRef>
+          <a:effectRef idx="0">
+            <a:schemeClr val="accent1"/>
+          </a:effectRef>
+          <a:fontRef idx="minor">
+            <a:schemeClr val="tx1"/>
+          </a:fontRef>
+        </p:style>
+      </p:cxnSp>
+      <p:sp>
+        <p:nvSpPr>
+          <p:cNvPr id="195" name="TextBox 9">
+            <a:extLst>
+              <a:ext uri="{FF2B5EF4-FFF2-40B4-BE49-F238E27FC236}">
+                <a16:creationId xmlns:a16="http://schemas.microsoft.com/office/drawing/2014/main" id="{E440444F-A31E-43F0-BC20-68CC0F42A5B1}"/>
+              </a:ext>
+            </a:extLst>
+          </p:cNvPr>
+          <p:cNvSpPr txBox="1">
+            <a:spLocks noChangeArrowheads="1"/>
+          </p:cNvSpPr>
+          <p:nvPr/>
+        </p:nvSpPr>
+        <p:spPr bwMode="auto">
+          <a:xfrm>
+            <a:off x="4487301" y="978361"/>
+            <a:ext cx="1622986" cy="200055"/>
+          </a:xfrm>
+          <a:prstGeom prst="rect">
+            <a:avLst/>
+          </a:prstGeom>
+          <a:noFill/>
+          <a:ln>
+            <a:noFill/>
+          </a:ln>
+          <a:extLst>
+            <a:ext uri="{909E8E84-426E-40DD-AFC4-6F175D3DCCD1}">
+              <a14:hiddenFill xmlns:a14="http://schemas.microsoft.com/office/drawing/2010/main">
+                <a:solidFill>
+                  <a:srgbClr val="FFFFFF"/>
+                </a:solidFill>
+              </a14:hiddenFill>
+            </a:ext>
+            <a:ext uri="{91240B29-F687-4F45-9708-019B960494DF}">
+              <a14:hiddenLine xmlns:a14="http://schemas.microsoft.com/office/drawing/2010/main" w="9525">
+                <a:solidFill>
+                  <a:srgbClr val="000000"/>
+                </a:solidFill>
+                <a:miter lim="800000"/>
+                <a:headEnd/>
+                <a:tailEnd/>
+              </a14:hiddenLine>
+            </a:ext>
+          </a:extLst>
+        </p:spPr>
+        <p:txBody>
+          <a:bodyPr wrap="square">
+            <a:spAutoFit/>
+          </a:bodyPr>
+          <a:lstStyle>
+            <a:lvl1pPr>
+              <a:defRPr>
+                <a:solidFill>
+                  <a:schemeClr val="tx1"/>
+                </a:solidFill>
+                <a:latin typeface="Calibri" panose="020F0502020204030204" pitchFamily="34" charset="0"/>
+              </a:defRPr>
+            </a:lvl1pPr>
+            <a:lvl2pPr marL="742950" indent="-285750">
+              <a:defRPr>
+                <a:solidFill>
+                  <a:schemeClr val="tx1"/>
+                </a:solidFill>
+                <a:latin typeface="Calibri" panose="020F0502020204030204" pitchFamily="34" charset="0"/>
+              </a:defRPr>
+            </a:lvl2pPr>
+            <a:lvl3pPr marL="1143000" indent="-228600">
+              <a:defRPr>
+                <a:solidFill>
+                  <a:schemeClr val="tx1"/>
+                </a:solidFill>
+                <a:latin typeface="Calibri" panose="020F0502020204030204" pitchFamily="34" charset="0"/>
+              </a:defRPr>
+            </a:lvl3pPr>
+            <a:lvl4pPr marL="1600200" indent="-228600">
+              <a:defRPr>
+                <a:solidFill>
+                  <a:schemeClr val="tx1"/>
+                </a:solidFill>
+                <a:latin typeface="Calibri" panose="020F0502020204030204" pitchFamily="34" charset="0"/>
+              </a:defRPr>
+            </a:lvl4pPr>
+            <a:lvl5pPr marL="2057400" indent="-228600">
+              <a:defRPr>
+                <a:solidFill>
+                  <a:schemeClr val="tx1"/>
+                </a:solidFill>
+                <a:latin typeface="Calibri" panose="020F0502020204030204" pitchFamily="34" charset="0"/>
+              </a:defRPr>
+            </a:lvl5pPr>
+            <a:lvl6pPr marL="2514600" indent="-228600" eaLnBrk="0" fontAlgn="base" hangingPunct="0">
+              <a:spcBef>
+                <a:spcPct val="0"/>
+              </a:spcBef>
+              <a:spcAft>
+                <a:spcPct val="0"/>
+              </a:spcAft>
+              <a:defRPr>
+                <a:solidFill>
+                  <a:schemeClr val="tx1"/>
+                </a:solidFill>
+                <a:latin typeface="Calibri" panose="020F0502020204030204" pitchFamily="34" charset="0"/>
+              </a:defRPr>
+            </a:lvl6pPr>
+            <a:lvl7pPr marL="2971800" indent="-228600" eaLnBrk="0" fontAlgn="base" hangingPunct="0">
+              <a:spcBef>
+                <a:spcPct val="0"/>
+              </a:spcBef>
+              <a:spcAft>
+                <a:spcPct val="0"/>
+              </a:spcAft>
+              <a:defRPr>
+                <a:solidFill>
+                  <a:schemeClr val="tx1"/>
+                </a:solidFill>
+                <a:latin typeface="Calibri" panose="020F0502020204030204" pitchFamily="34" charset="0"/>
+              </a:defRPr>
+            </a:lvl7pPr>
+            <a:lvl8pPr marL="3429000" indent="-228600" eaLnBrk="0" fontAlgn="base" hangingPunct="0">
+              <a:spcBef>
+                <a:spcPct val="0"/>
+              </a:spcBef>
+              <a:spcAft>
+                <a:spcPct val="0"/>
+              </a:spcAft>
+              <a:defRPr>
+                <a:solidFill>
+                  <a:schemeClr val="tx1"/>
+                </a:solidFill>
+                <a:latin typeface="Calibri" panose="020F0502020204030204" pitchFamily="34" charset="0"/>
+              </a:defRPr>
+            </a:lvl8pPr>
+            <a:lvl9pPr marL="3886200" indent="-228600" eaLnBrk="0" fontAlgn="base" hangingPunct="0">
+              <a:spcBef>
+                <a:spcPct val="0"/>
+              </a:spcBef>
+              <a:spcAft>
+                <a:spcPct val="0"/>
+              </a:spcAft>
+              <a:defRPr>
+                <a:solidFill>
+                  <a:schemeClr val="tx1"/>
+                </a:solidFill>
+                <a:latin typeface="Calibri" panose="020F0502020204030204" pitchFamily="34" charset="0"/>
+              </a:defRPr>
+            </a:lvl9pPr>
+          </a:lstStyle>
+          <a:p>
+            <a:pPr algn="ctr" eaLnBrk="1" hangingPunct="1"/>
+            <a:r>
+              <a:rPr lang="en-US" altLang="en-US" sz="700" dirty="0">
+                <a:latin typeface="Arial" panose="020B0604020202020204" pitchFamily="34" charset="0"/>
+                <a:ea typeface="Amazon Ember" panose="020B0603020204020204" pitchFamily="34" charset="0"/>
+                <a:cs typeface="Arial" panose="020B0604020202020204" pitchFamily="34" charset="0"/>
+              </a:rPr>
+              <a:t>VPC link</a:t>
+            </a:r>
+          </a:p>
+        </p:txBody>
+      </p:sp>
     </p:spTree>
     <p:extLst>
       <p:ext uri="{BB962C8B-B14F-4D97-AF65-F5344CB8AC3E}">
-        <p14:creationId xmlns:p14="http://schemas.microsoft.com/office/powerpoint/2010/main" val="3047097384"/>
+        <p14:creationId xmlns:p14="http://schemas.microsoft.com/office/powerpoint/2010/main" val="1660230612"/>
       </p:ext>
     </p:extLst>
   </p:cSld>

--- a/images/aws_migration_hub_refactor_spaces_basic.pptx
+++ b/images/aws_migration_hub_refactor_spaces_basic.pptx
@@ -106,7 +106,18 @@
   </p:defaultTextStyle>
   <p:extLst>
     <p:ext uri="{EFAFB233-063F-42B5-8137-9DF3F51BA10A}">
-      <p15:sldGuideLst xmlns:p15="http://schemas.microsoft.com/office/powerpoint/2012/main"/>
+      <p15:sldGuideLst xmlns:p15="http://schemas.microsoft.com/office/powerpoint/2012/main">
+        <p15:guide id="1" orient="horz" pos="2160" userDrawn="1">
+          <p15:clr>
+            <a:srgbClr val="A4A3A4"/>
+          </p15:clr>
+        </p15:guide>
+        <p15:guide id="2" pos="3840" userDrawn="1">
+          <p15:clr>
+            <a:srgbClr val="A4A3A4"/>
+          </p15:clr>
+        </p15:guide>
+      </p15:sldGuideLst>
     </p:ext>
   </p:extLst>
 </p:presentation>
@@ -261,7 +272,7 @@
           <a:p>
             <a:fld id="{8F0A3F37-DB1D-4DCE-B8D9-AFF008F54D13}" type="datetimeFigureOut">
               <a:rPr lang="en-AU" smtClean="0"/>
-              <a:t>5/06/2023</a:t>
+              <a:t>26/06/2023</a:t>
             </a:fld>
             <a:endParaRPr lang="en-AU"/>
           </a:p>
@@ -461,7 +472,7 @@
           <a:p>
             <a:fld id="{8F0A3F37-DB1D-4DCE-B8D9-AFF008F54D13}" type="datetimeFigureOut">
               <a:rPr lang="en-AU" smtClean="0"/>
-              <a:t>5/06/2023</a:t>
+              <a:t>26/06/2023</a:t>
             </a:fld>
             <a:endParaRPr lang="en-AU"/>
           </a:p>
@@ -671,7 +682,7 @@
           <a:p>
             <a:fld id="{8F0A3F37-DB1D-4DCE-B8D9-AFF008F54D13}" type="datetimeFigureOut">
               <a:rPr lang="en-AU" smtClean="0"/>
-              <a:t>5/06/2023</a:t>
+              <a:t>26/06/2023</a:t>
             </a:fld>
             <a:endParaRPr lang="en-AU"/>
           </a:p>
@@ -871,7 +882,7 @@
           <a:p>
             <a:fld id="{8F0A3F37-DB1D-4DCE-B8D9-AFF008F54D13}" type="datetimeFigureOut">
               <a:rPr lang="en-AU" smtClean="0"/>
-              <a:t>5/06/2023</a:t>
+              <a:t>26/06/2023</a:t>
             </a:fld>
             <a:endParaRPr lang="en-AU"/>
           </a:p>
@@ -1147,7 +1158,7 @@
           <a:p>
             <a:fld id="{8F0A3F37-DB1D-4DCE-B8D9-AFF008F54D13}" type="datetimeFigureOut">
               <a:rPr lang="en-AU" smtClean="0"/>
-              <a:t>5/06/2023</a:t>
+              <a:t>26/06/2023</a:t>
             </a:fld>
             <a:endParaRPr lang="en-AU"/>
           </a:p>
@@ -1415,7 +1426,7 @@
           <a:p>
             <a:fld id="{8F0A3F37-DB1D-4DCE-B8D9-AFF008F54D13}" type="datetimeFigureOut">
               <a:rPr lang="en-AU" smtClean="0"/>
-              <a:t>5/06/2023</a:t>
+              <a:t>26/06/2023</a:t>
             </a:fld>
             <a:endParaRPr lang="en-AU"/>
           </a:p>
@@ -1830,7 +1841,7 @@
           <a:p>
             <a:fld id="{8F0A3F37-DB1D-4DCE-B8D9-AFF008F54D13}" type="datetimeFigureOut">
               <a:rPr lang="en-AU" smtClean="0"/>
-              <a:t>5/06/2023</a:t>
+              <a:t>26/06/2023</a:t>
             </a:fld>
             <a:endParaRPr lang="en-AU"/>
           </a:p>
@@ -1972,7 +1983,7 @@
           <a:p>
             <a:fld id="{8F0A3F37-DB1D-4DCE-B8D9-AFF008F54D13}" type="datetimeFigureOut">
               <a:rPr lang="en-AU" smtClean="0"/>
-              <a:t>5/06/2023</a:t>
+              <a:t>26/06/2023</a:t>
             </a:fld>
             <a:endParaRPr lang="en-AU"/>
           </a:p>
@@ -2085,7 +2096,7 @@
           <a:p>
             <a:fld id="{8F0A3F37-DB1D-4DCE-B8D9-AFF008F54D13}" type="datetimeFigureOut">
               <a:rPr lang="en-AU" smtClean="0"/>
-              <a:t>5/06/2023</a:t>
+              <a:t>26/06/2023</a:t>
             </a:fld>
             <a:endParaRPr lang="en-AU"/>
           </a:p>
@@ -2398,7 +2409,7 @@
           <a:p>
             <a:fld id="{8F0A3F37-DB1D-4DCE-B8D9-AFF008F54D13}" type="datetimeFigureOut">
               <a:rPr lang="en-AU" smtClean="0"/>
-              <a:t>5/06/2023</a:t>
+              <a:t>26/06/2023</a:t>
             </a:fld>
             <a:endParaRPr lang="en-AU"/>
           </a:p>
@@ -2687,7 +2698,7 @@
           <a:p>
             <a:fld id="{8F0A3F37-DB1D-4DCE-B8D9-AFF008F54D13}" type="datetimeFigureOut">
               <a:rPr lang="en-AU" smtClean="0"/>
-              <a:t>5/06/2023</a:t>
+              <a:t>26/06/2023</a:t>
             </a:fld>
             <a:endParaRPr lang="en-AU"/>
           </a:p>
@@ -2930,7 +2941,7 @@
           <a:p>
             <a:fld id="{8F0A3F37-DB1D-4DCE-B8D9-AFF008F54D13}" type="datetimeFigureOut">
               <a:rPr lang="en-AU" smtClean="0"/>
-              <a:t>5/06/2023</a:t>
+              <a:t>26/06/2023</a:t>
             </a:fld>
             <a:endParaRPr lang="en-AU"/>
           </a:p>
@@ -3361,8 +3372,8 @@
         </p:nvSpPr>
         <p:spPr>
           <a:xfrm>
-            <a:off x="1441639" y="114348"/>
-            <a:ext cx="10473551" cy="6622802"/>
+            <a:off x="914400" y="274320"/>
+            <a:ext cx="11155680" cy="6469818"/>
           </a:xfrm>
           <a:prstGeom prst="rect">
             <a:avLst/>
@@ -3404,7 +3415,7 @@
               <a:defRPr/>
             </a:pPr>
             <a:r>
-              <a:rPr lang="en-US" sz="1050">
+              <a:rPr lang="en-US" sz="1200" dirty="0">
                 <a:solidFill>
                   <a:schemeClr val="tx1"/>
                 </a:solidFill>
@@ -3443,7 +3454,7 @@
         </p:blipFill>
         <p:spPr>
           <a:xfrm>
-            <a:off x="1441640" y="114349"/>
+            <a:off x="914400" y="274320"/>
             <a:ext cx="381000" cy="381000"/>
           </a:xfrm>
           <a:prstGeom prst="rect">
@@ -3453,10 +3464,10 @@
       </p:pic>
       <p:sp>
         <p:nvSpPr>
-          <p:cNvPr id="5" name="Rectangle 4">
-            <a:extLst>
-              <a:ext uri="{FF2B5EF4-FFF2-40B4-BE49-F238E27FC236}">
-                <a16:creationId xmlns:a16="http://schemas.microsoft.com/office/drawing/2014/main" id="{012D812A-8EE3-4264-8046-1711F2938855}"/>
+          <p:cNvPr id="7" name="Rectangle 6">
+            <a:extLst>
+              <a:ext uri="{FF2B5EF4-FFF2-40B4-BE49-F238E27FC236}">
+                <a16:creationId xmlns:a16="http://schemas.microsoft.com/office/drawing/2014/main" id="{414FEDD8-445E-45A9-9C5F-6EFDFC8809F1}"/>
               </a:ext>
             </a:extLst>
           </p:cNvPr>
@@ -3465,113 +3476,8 @@
         </p:nvSpPr>
         <p:spPr>
           <a:xfrm>
-            <a:off x="1846533" y="584131"/>
-            <a:ext cx="9873329" cy="6012611"/>
-          </a:xfrm>
-          <a:prstGeom prst="rect">
-            <a:avLst/>
-          </a:prstGeom>
-          <a:noFill/>
-          <a:ln w="15875">
-            <a:solidFill>
-              <a:srgbClr val="00A4A6"/>
-            </a:solidFill>
-            <a:prstDash val="sysDash"/>
-          </a:ln>
-        </p:spPr>
-        <p:style>
-          <a:lnRef idx="2">
-            <a:schemeClr val="accent1">
-              <a:shade val="50000"/>
-            </a:schemeClr>
-          </a:lnRef>
-          <a:fillRef idx="1">
-            <a:schemeClr val="accent1"/>
-          </a:fillRef>
-          <a:effectRef idx="0">
-            <a:schemeClr val="accent1"/>
-          </a:effectRef>
-          <a:fontRef idx="minor">
-            <a:schemeClr val="lt1"/>
-          </a:fontRef>
-        </p:style>
-        <p:txBody>
-          <a:bodyPr lIns="360000" tIns="91440"/>
-          <a:lstStyle/>
-          <a:p>
-            <a:pPr eaLnBrk="1" fontAlgn="auto" hangingPunct="1">
-              <a:spcBef>
-                <a:spcPts val="0"/>
-              </a:spcBef>
-              <a:spcAft>
-                <a:spcPts val="0"/>
-              </a:spcAft>
-              <a:defRPr/>
-            </a:pPr>
-            <a:r>
-              <a:rPr lang="en-US" sz="1050" dirty="0">
-                <a:solidFill>
-                  <a:schemeClr val="tx1"/>
-                </a:solidFill>
-                <a:latin typeface="Arial" panose="020B0604020202020204" pitchFamily="34" charset="0"/>
-                <a:cs typeface="Arial" panose="020B0604020202020204" pitchFamily="34" charset="0"/>
-              </a:rPr>
-              <a:t>Region</a:t>
-            </a:r>
-          </a:p>
-        </p:txBody>
-      </p:sp>
-      <p:pic>
-        <p:nvPicPr>
-          <p:cNvPr id="6" name="Graphic 5">
-            <a:extLst>
-              <a:ext uri="{FF2B5EF4-FFF2-40B4-BE49-F238E27FC236}">
-                <a16:creationId xmlns:a16="http://schemas.microsoft.com/office/drawing/2014/main" id="{32EC2F29-770F-4E55-8E35-A8C2DDE26D30}"/>
-              </a:ext>
-            </a:extLst>
-          </p:cNvPr>
-          <p:cNvPicPr>
-            <a:picLocks noChangeAspect="1"/>
-          </p:cNvPicPr>
-          <p:nvPr/>
-        </p:nvPicPr>
-        <p:blipFill>
-          <a:blip r:embed="rId4">
-            <a:extLst>
-              <a:ext uri="{96DAC541-7B7A-43D3-8B79-37D633B846F1}">
-                <asvg:svgBlip xmlns:asvg="http://schemas.microsoft.com/office/drawing/2016/SVG/main" r:embed="rId5"/>
-              </a:ext>
-            </a:extLst>
-          </a:blip>
-          <a:srcRect/>
-          <a:stretch/>
-        </p:blipFill>
-        <p:spPr>
-          <a:xfrm>
-            <a:off x="1855136" y="584131"/>
-            <a:ext cx="302873" cy="302873"/>
-          </a:xfrm>
-          <a:prstGeom prst="rect">
-            <a:avLst/>
-          </a:prstGeom>
-        </p:spPr>
-      </p:pic>
-      <p:sp>
-        <p:nvSpPr>
-          <p:cNvPr id="7" name="Rectangle 6">
-            <a:extLst>
-              <a:ext uri="{FF2B5EF4-FFF2-40B4-BE49-F238E27FC236}">
-                <a16:creationId xmlns:a16="http://schemas.microsoft.com/office/drawing/2014/main" id="{414FEDD8-445E-45A9-9C5F-6EFDFC8809F1}"/>
-              </a:ext>
-            </a:extLst>
-          </p:cNvPr>
-          <p:cNvSpPr/>
-          <p:nvPr/>
-        </p:nvSpPr>
-        <p:spPr>
-          <a:xfrm>
-            <a:off x="7007026" y="1035897"/>
-            <a:ext cx="1713354" cy="4437581"/>
+            <a:off x="6949440" y="841416"/>
+            <a:ext cx="1737360" cy="5120640"/>
           </a:xfrm>
           <a:prstGeom prst="rect">
             <a:avLst/>
@@ -3614,7 +3520,7 @@
               <a:defRPr/>
             </a:pPr>
             <a:r>
-              <a:rPr lang="en-US" sz="1050" dirty="0">
+              <a:rPr lang="en-US" sz="1200" dirty="0">
                 <a:solidFill>
                   <a:schemeClr val="tx1"/>
                 </a:solidFill>
@@ -3640,8 +3546,8 @@
         </p:nvSpPr>
         <p:spPr>
           <a:xfrm>
-            <a:off x="6642380" y="1392190"/>
-            <a:ext cx="4868100" cy="1550637"/>
+            <a:off x="6126480" y="1390056"/>
+            <a:ext cx="5760720" cy="1737360"/>
           </a:xfrm>
           <a:prstGeom prst="rect">
             <a:avLst/>
@@ -3691,7 +3597,18 @@
                 <a:latin typeface="Arial" panose="020B0604020202020204" pitchFamily="34" charset="0"/>
                 <a:cs typeface="Arial" panose="020B0604020202020204" pitchFamily="34" charset="0"/>
               </a:rPr>
-              <a:t>Virtual private cloud (VPC)</a:t>
+              <a:t>  </a:t>
+            </a:r>
+            <a:r>
+              <a:rPr lang="en-US" sz="1200" dirty="0">
+                <a:ln w="0"/>
+                <a:solidFill>
+                  <a:schemeClr val="tx1"/>
+                </a:solidFill>
+                <a:latin typeface="Arial" panose="020B0604020202020204" pitchFamily="34" charset="0"/>
+                <a:cs typeface="Arial" panose="020B0604020202020204" pitchFamily="34" charset="0"/>
+              </a:rPr>
+              <a:t>VPC</a:t>
             </a:r>
           </a:p>
         </p:txBody>
@@ -3711,10 +3628,10 @@
           <p:nvPr/>
         </p:nvPicPr>
         <p:blipFill>
-          <a:blip r:embed="rId6">
+          <a:blip r:embed="rId4">
             <a:extLst>
               <a:ext uri="{96DAC541-7B7A-43D3-8B79-37D633B846F1}">
-                <asvg:svgBlip xmlns:asvg="http://schemas.microsoft.com/office/drawing/2016/SVG/main" r:embed="rId7"/>
+                <asvg:svgBlip xmlns:asvg="http://schemas.microsoft.com/office/drawing/2016/SVG/main" r:embed="rId5"/>
               </a:ext>
             </a:extLst>
           </a:blip>
@@ -3723,8 +3640,8 @@
         </p:blipFill>
         <p:spPr>
           <a:xfrm>
-            <a:off x="6642380" y="1392189"/>
-            <a:ext cx="268492" cy="268492"/>
+            <a:off x="6126480" y="1390056"/>
+            <a:ext cx="384048" cy="384048"/>
           </a:xfrm>
           <a:prstGeom prst="rect">
             <a:avLst/>
@@ -3745,8 +3662,8 @@
         </p:nvSpPr>
         <p:spPr>
           <a:xfrm>
-            <a:off x="7135414" y="1816706"/>
-            <a:ext cx="1478611" cy="927895"/>
+            <a:off x="7040880" y="1755816"/>
+            <a:ext cx="1554480" cy="1188720"/>
           </a:xfrm>
           <a:prstGeom prst="rect">
             <a:avLst/>
@@ -3789,14 +3706,14 @@
               <a:defRPr/>
             </a:pPr>
             <a:r>
-              <a:rPr lang="en-US" sz="1050" dirty="0">
+              <a:rPr lang="en-US" sz="1200" dirty="0">
                 <a:solidFill>
                   <a:schemeClr val="tx1"/>
                 </a:solidFill>
                 <a:latin typeface="Arial" panose="020B0604020202020204" pitchFamily="34" charset="0"/>
                 <a:cs typeface="Arial" panose="020B0604020202020204" pitchFamily="34" charset="0"/>
               </a:rPr>
-              <a:t>Private subnet</a:t>
+              <a:t>   Private subnet</a:t>
             </a:r>
           </a:p>
         </p:txBody>
@@ -3816,10 +3733,10 @@
           <p:nvPr/>
         </p:nvPicPr>
         <p:blipFill>
-          <a:blip r:embed="rId8">
+          <a:blip r:embed="rId6">
             <a:extLst>
               <a:ext uri="{96DAC541-7B7A-43D3-8B79-37D633B846F1}">
-                <asvg:svgBlip xmlns:asvg="http://schemas.microsoft.com/office/drawing/2016/SVG/main" r:embed="rId9"/>
+                <asvg:svgBlip xmlns:asvg="http://schemas.microsoft.com/office/drawing/2016/SVG/main" r:embed="rId7"/>
               </a:ext>
             </a:extLst>
           </a:blip>
@@ -3828,8 +3745,8 @@
         </p:blipFill>
         <p:spPr>
           <a:xfrm>
-            <a:off x="7135414" y="1816707"/>
-            <a:ext cx="270071" cy="270071"/>
+            <a:off x="7040880" y="1755816"/>
+            <a:ext cx="384048" cy="384048"/>
           </a:xfrm>
           <a:prstGeom prst="rect">
             <a:avLst/>
@@ -3838,173 +3755,10 @@
       </p:pic>
       <p:sp>
         <p:nvSpPr>
-          <p:cNvPr id="17" name="Rectangle 16">
-            <a:extLst>
-              <a:ext uri="{FF2B5EF4-FFF2-40B4-BE49-F238E27FC236}">
-                <a16:creationId xmlns:a16="http://schemas.microsoft.com/office/drawing/2014/main" id="{A64AC845-3577-4422-A1AC-C957213D936B}"/>
-              </a:ext>
-            </a:extLst>
-          </p:cNvPr>
-          <p:cNvSpPr/>
-          <p:nvPr/>
-        </p:nvSpPr>
-        <p:spPr>
-          <a:xfrm>
-            <a:off x="2512645" y="2151676"/>
-            <a:ext cx="3433136" cy="4039457"/>
-          </a:xfrm>
-          <a:prstGeom prst="rect">
-            <a:avLst/>
-          </a:prstGeom>
-          <a:noFill/>
-          <a:ln w="15875">
-            <a:solidFill>
-              <a:srgbClr val="01A88D"/>
-            </a:solidFill>
-          </a:ln>
-        </p:spPr>
-        <p:style>
-          <a:lnRef idx="2">
-            <a:schemeClr val="accent1">
-              <a:shade val="50000"/>
-            </a:schemeClr>
-          </a:lnRef>
-          <a:fillRef idx="1">
-            <a:schemeClr val="accent1"/>
-          </a:fillRef>
-          <a:effectRef idx="0">
-            <a:schemeClr val="accent1"/>
-          </a:effectRef>
-          <a:fontRef idx="minor">
-            <a:schemeClr val="lt1"/>
-          </a:fontRef>
-        </p:style>
-        <p:txBody>
-          <a:bodyPr lIns="502920" tIns="91440"/>
-          <a:lstStyle/>
-          <a:p>
-            <a:pPr eaLnBrk="1" fontAlgn="auto" hangingPunct="1">
-              <a:spcBef>
-                <a:spcPts val="0"/>
-              </a:spcBef>
-              <a:spcAft>
-                <a:spcPts val="0"/>
-              </a:spcAft>
-              <a:defRPr/>
-            </a:pPr>
-            <a:r>
-              <a:rPr lang="en-US" sz="1050" dirty="0">
-                <a:ln w="0"/>
-                <a:solidFill>
-                  <a:schemeClr val="tx1"/>
-                </a:solidFill>
-                <a:latin typeface="Arial" panose="020B0604020202020204" pitchFamily="34" charset="0"/>
-                <a:cs typeface="Arial" panose="020B0604020202020204" pitchFamily="34" charset="0"/>
-              </a:rPr>
-              <a:t>AWS Migration Hub</a:t>
-            </a:r>
-          </a:p>
-        </p:txBody>
-      </p:sp>
-      <p:pic>
-        <p:nvPicPr>
-          <p:cNvPr id="18" name="Graphic 17">
-            <a:extLst>
-              <a:ext uri="{FF2B5EF4-FFF2-40B4-BE49-F238E27FC236}">
-                <a16:creationId xmlns:a16="http://schemas.microsoft.com/office/drawing/2014/main" id="{66F16096-5916-4B41-B948-C6EFA39A04CF}"/>
-              </a:ext>
-            </a:extLst>
-          </p:cNvPr>
-          <p:cNvPicPr>
-            <a:picLocks noChangeAspect="1"/>
-          </p:cNvPicPr>
-          <p:nvPr/>
-        </p:nvPicPr>
-        <p:blipFill>
-          <a:blip r:embed="rId10">
-            <a:extLst>
-              <a:ext uri="{96DAC541-7B7A-43D3-8B79-37D633B846F1}">
-                <asvg:svgBlip xmlns:asvg="http://schemas.microsoft.com/office/drawing/2016/SVG/main" r:embed="rId11"/>
-              </a:ext>
-            </a:extLst>
-          </a:blip>
-          <a:srcRect/>
-          <a:stretch/>
-        </p:blipFill>
-        <p:spPr>
-          <a:xfrm>
-            <a:off x="2512646" y="2150104"/>
-            <a:ext cx="381000" cy="381000"/>
-          </a:xfrm>
-          <a:prstGeom prst="rect">
-            <a:avLst/>
-          </a:prstGeom>
-        </p:spPr>
-      </p:pic>
-      <p:pic>
-        <p:nvPicPr>
-          <p:cNvPr id="19" name="Graphic 7">
-            <a:extLst>
-              <a:ext uri="{FF2B5EF4-FFF2-40B4-BE49-F238E27FC236}">
-                <a16:creationId xmlns:a16="http://schemas.microsoft.com/office/drawing/2014/main" id="{BF7D9EA0-D6C7-44AF-BBE7-7B19FF908185}"/>
-              </a:ext>
-            </a:extLst>
-          </p:cNvPr>
-          <p:cNvPicPr>
-            <a:picLocks noChangeAspect="1" noChangeArrowheads="1"/>
-          </p:cNvPicPr>
-          <p:nvPr/>
-        </p:nvPicPr>
-        <p:blipFill>
-          <a:blip r:embed="rId12">
-            <a:extLst>
-              <a:ext uri="{96DAC541-7B7A-43D3-8B79-37D633B846F1}">
-                <asvg:svgBlip xmlns:asvg="http://schemas.microsoft.com/office/drawing/2016/SVG/main" r:embed="rId13"/>
-              </a:ext>
-            </a:extLst>
-          </a:blip>
-          <a:srcRect/>
-          <a:stretch/>
-        </p:blipFill>
-        <p:spPr bwMode="auto">
-          <a:xfrm>
-            <a:off x="5097751" y="2977001"/>
-            <a:ext cx="402086" cy="402086"/>
-          </a:xfrm>
-          <a:prstGeom prst="rect">
-            <a:avLst/>
-          </a:prstGeom>
-          <a:noFill/>
-          <a:ln>
-            <a:noFill/>
-          </a:ln>
-          <a:extLst>
-            <a:ext uri="{909E8E84-426E-40DD-AFC4-6F175D3DCCD1}">
-              <a14:hiddenFill xmlns:a14="http://schemas.microsoft.com/office/drawing/2010/main">
-                <a:solidFill>
-                  <a:srgbClr val="FFFFFF"/>
-                </a:solidFill>
-              </a14:hiddenFill>
-            </a:ext>
-            <a:ext uri="{91240B29-F687-4F45-9708-019B960494DF}">
-              <a14:hiddenLine xmlns:a14="http://schemas.microsoft.com/office/drawing/2010/main" w="9525">
-                <a:solidFill>
-                  <a:srgbClr val="000000"/>
-                </a:solidFill>
-                <a:miter lim="800000"/>
-                <a:headEnd/>
-                <a:tailEnd/>
-              </a14:hiddenLine>
-            </a:ext>
-          </a:extLst>
-        </p:spPr>
-      </p:pic>
-      <p:sp>
-        <p:nvSpPr>
-          <p:cNvPr id="20" name="TextBox 9">
-            <a:extLst>
-              <a:ext uri="{FF2B5EF4-FFF2-40B4-BE49-F238E27FC236}">
-                <a16:creationId xmlns:a16="http://schemas.microsoft.com/office/drawing/2014/main" id="{E17089B5-FF0A-4B67-9C5B-9E43A6247284}"/>
+          <p:cNvPr id="21" name="TextBox 18">
+            <a:extLst>
+              <a:ext uri="{FF2B5EF4-FFF2-40B4-BE49-F238E27FC236}">
+                <a16:creationId xmlns:a16="http://schemas.microsoft.com/office/drawing/2014/main" id="{EFB1EB60-E0E8-455E-9E8D-E6C8D7DD2F26}"/>
               </a:ext>
             </a:extLst>
           </p:cNvPr>
@@ -4015,8 +3769,8 @@
         </p:nvSpPr>
         <p:spPr bwMode="auto">
           <a:xfrm>
-            <a:off x="4606879" y="3375721"/>
-            <a:ext cx="1383829" cy="400110"/>
+            <a:off x="7265902" y="2555217"/>
+            <a:ext cx="1146578" cy="276999"/>
           </a:xfrm>
           <a:prstGeom prst="rect">
             <a:avLst/>
@@ -4150,33 +3904,58 @@
           <a:p>
             <a:pPr algn="ctr" eaLnBrk="1" hangingPunct="1"/>
             <a:r>
-              <a:rPr lang="en-US" altLang="en-US" sz="1000" dirty="0">
+              <a:rPr lang="en-US" altLang="en-US" sz="1200" dirty="0">
                 <a:latin typeface="Arial" panose="020B0604020202020204" pitchFamily="34" charset="0"/>
                 <a:ea typeface="Amazon Ember" panose="020B0603020204020204" pitchFamily="34" charset="0"/>
                 <a:cs typeface="Arial" panose="020B0604020202020204" pitchFamily="34" charset="0"/>
               </a:rPr>
-              <a:t>AWS Transit </a:t>
-            </a:r>
-          </a:p>
-          <a:p>
-            <a:pPr algn="ctr" eaLnBrk="1" hangingPunct="1"/>
-            <a:r>
-              <a:rPr lang="en-US" altLang="en-US" sz="1000" dirty="0">
-                <a:latin typeface="Arial" panose="020B0604020202020204" pitchFamily="34" charset="0"/>
-                <a:ea typeface="Amazon Ember" panose="020B0603020204020204" pitchFamily="34" charset="0"/>
-                <a:cs typeface="Arial" panose="020B0604020202020204" pitchFamily="34" charset="0"/>
-              </a:rPr>
-              <a:t>Gateway</a:t>
+              <a:t>Attachment</a:t>
             </a:r>
           </a:p>
         </p:txBody>
       </p:sp>
+      <p:pic>
+        <p:nvPicPr>
+          <p:cNvPr id="22" name="Graphic 21">
+            <a:extLst>
+              <a:ext uri="{FF2B5EF4-FFF2-40B4-BE49-F238E27FC236}">
+                <a16:creationId xmlns:a16="http://schemas.microsoft.com/office/drawing/2014/main" id="{269E29EA-5FDC-4312-874E-C67066C0B38E}"/>
+              </a:ext>
+            </a:extLst>
+          </p:cNvPr>
+          <p:cNvPicPr>
+            <a:picLocks noChangeAspect="1"/>
+          </p:cNvPicPr>
+          <p:nvPr/>
+        </p:nvPicPr>
+        <p:blipFill>
+          <a:blip r:embed="rId8">
+            <a:extLst>
+              <a:ext uri="{96DAC541-7B7A-43D3-8B79-37D633B846F1}">
+                <asvg:svgBlip xmlns:asvg="http://schemas.microsoft.com/office/drawing/2016/SVG/main" r:embed="rId9"/>
+              </a:ext>
+            </a:extLst>
+          </a:blip>
+          <a:stretch>
+            <a:fillRect/>
+          </a:stretch>
+        </p:blipFill>
+        <p:spPr>
+          <a:xfrm>
+            <a:off x="7589520" y="2121576"/>
+            <a:ext cx="457200" cy="457200"/>
+          </a:xfrm>
+          <a:prstGeom prst="rect">
+            <a:avLst/>
+          </a:prstGeom>
+        </p:spPr>
+      </p:pic>
       <p:sp>
         <p:nvSpPr>
-          <p:cNvPr id="21" name="TextBox 18">
-            <a:extLst>
-              <a:ext uri="{FF2B5EF4-FFF2-40B4-BE49-F238E27FC236}">
-                <a16:creationId xmlns:a16="http://schemas.microsoft.com/office/drawing/2014/main" id="{EFB1EB60-E0E8-455E-9E8D-E6C8D7DD2F26}"/>
+          <p:cNvPr id="27" name="TextBox 16">
+            <a:extLst>
+              <a:ext uri="{FF2B5EF4-FFF2-40B4-BE49-F238E27FC236}">
+                <a16:creationId xmlns:a16="http://schemas.microsoft.com/office/drawing/2014/main" id="{76448F22-6681-49C7-931F-738569544F5F}"/>
               </a:ext>
             </a:extLst>
           </p:cNvPr>
@@ -4187,8 +3966,216 @@
         </p:nvSpPr>
         <p:spPr bwMode="auto">
           <a:xfrm>
-            <a:off x="7306317" y="2441258"/>
-            <a:ext cx="1146578" cy="230832"/>
+            <a:off x="7269480" y="5184816"/>
+            <a:ext cx="1115568" cy="461665"/>
+          </a:xfrm>
+          <a:prstGeom prst="rect">
+            <a:avLst/>
+          </a:prstGeom>
+          <a:noFill/>
+          <a:ln>
+            <a:noFill/>
+          </a:ln>
+          <a:extLst>
+            <a:ext uri="{909E8E84-426E-40DD-AFC4-6F175D3DCCD1}">
+              <a14:hiddenFill xmlns:a14="http://schemas.microsoft.com/office/drawing/2010/main">
+                <a:solidFill>
+                  <a:srgbClr val="FFFFFF"/>
+                </a:solidFill>
+              </a14:hiddenFill>
+            </a:ext>
+            <a:ext uri="{91240B29-F687-4F45-9708-019B960494DF}">
+              <a14:hiddenLine xmlns:a14="http://schemas.microsoft.com/office/drawing/2010/main" w="9525">
+                <a:solidFill>
+                  <a:srgbClr val="000000"/>
+                </a:solidFill>
+                <a:miter lim="800000"/>
+                <a:headEnd/>
+                <a:tailEnd/>
+              </a14:hiddenLine>
+            </a:ext>
+          </a:extLst>
+        </p:spPr>
+        <p:txBody>
+          <a:bodyPr wrap="square" lIns="0" rIns="0">
+            <a:spAutoFit/>
+          </a:bodyPr>
+          <a:lstStyle>
+            <a:lvl1pPr>
+              <a:defRPr>
+                <a:solidFill>
+                  <a:schemeClr val="tx1"/>
+                </a:solidFill>
+                <a:latin typeface="Calibri" panose="020F0502020204030204" pitchFamily="34" charset="0"/>
+              </a:defRPr>
+            </a:lvl1pPr>
+            <a:lvl2pPr marL="742950" indent="-285750">
+              <a:defRPr>
+                <a:solidFill>
+                  <a:schemeClr val="tx1"/>
+                </a:solidFill>
+                <a:latin typeface="Calibri" panose="020F0502020204030204" pitchFamily="34" charset="0"/>
+              </a:defRPr>
+            </a:lvl2pPr>
+            <a:lvl3pPr marL="1143000" indent="-228600">
+              <a:defRPr>
+                <a:solidFill>
+                  <a:schemeClr val="tx1"/>
+                </a:solidFill>
+                <a:latin typeface="Calibri" panose="020F0502020204030204" pitchFamily="34" charset="0"/>
+              </a:defRPr>
+            </a:lvl3pPr>
+            <a:lvl4pPr marL="1600200" indent="-228600">
+              <a:defRPr>
+                <a:solidFill>
+                  <a:schemeClr val="tx1"/>
+                </a:solidFill>
+                <a:latin typeface="Calibri" panose="020F0502020204030204" pitchFamily="34" charset="0"/>
+              </a:defRPr>
+            </a:lvl4pPr>
+            <a:lvl5pPr marL="2057400" indent="-228600">
+              <a:defRPr>
+                <a:solidFill>
+                  <a:schemeClr val="tx1"/>
+                </a:solidFill>
+                <a:latin typeface="Calibri" panose="020F0502020204030204" pitchFamily="34" charset="0"/>
+              </a:defRPr>
+            </a:lvl5pPr>
+            <a:lvl6pPr marL="2514600" indent="-228600" eaLnBrk="0" fontAlgn="base" hangingPunct="0">
+              <a:spcBef>
+                <a:spcPct val="0"/>
+              </a:spcBef>
+              <a:spcAft>
+                <a:spcPct val="0"/>
+              </a:spcAft>
+              <a:defRPr>
+                <a:solidFill>
+                  <a:schemeClr val="tx1"/>
+                </a:solidFill>
+                <a:latin typeface="Calibri" panose="020F0502020204030204" pitchFamily="34" charset="0"/>
+              </a:defRPr>
+            </a:lvl6pPr>
+            <a:lvl7pPr marL="2971800" indent="-228600" eaLnBrk="0" fontAlgn="base" hangingPunct="0">
+              <a:spcBef>
+                <a:spcPct val="0"/>
+              </a:spcBef>
+              <a:spcAft>
+                <a:spcPct val="0"/>
+              </a:spcAft>
+              <a:defRPr>
+                <a:solidFill>
+                  <a:schemeClr val="tx1"/>
+                </a:solidFill>
+                <a:latin typeface="Calibri" panose="020F0502020204030204" pitchFamily="34" charset="0"/>
+              </a:defRPr>
+            </a:lvl7pPr>
+            <a:lvl8pPr marL="3429000" indent="-228600" eaLnBrk="0" fontAlgn="base" hangingPunct="0">
+              <a:spcBef>
+                <a:spcPct val="0"/>
+              </a:spcBef>
+              <a:spcAft>
+                <a:spcPct val="0"/>
+              </a:spcAft>
+              <a:defRPr>
+                <a:solidFill>
+                  <a:schemeClr val="tx1"/>
+                </a:solidFill>
+                <a:latin typeface="Calibri" panose="020F0502020204030204" pitchFamily="34" charset="0"/>
+              </a:defRPr>
+            </a:lvl8pPr>
+            <a:lvl9pPr marL="3886200" indent="-228600" eaLnBrk="0" fontAlgn="base" hangingPunct="0">
+              <a:spcBef>
+                <a:spcPct val="0"/>
+              </a:spcBef>
+              <a:spcAft>
+                <a:spcPct val="0"/>
+              </a:spcAft>
+              <a:defRPr>
+                <a:solidFill>
+                  <a:schemeClr val="tx1"/>
+                </a:solidFill>
+                <a:latin typeface="Calibri" panose="020F0502020204030204" pitchFamily="34" charset="0"/>
+              </a:defRPr>
+            </a:lvl9pPr>
+          </a:lstStyle>
+          <a:p>
+            <a:pPr algn="ctr"/>
+            <a:r>
+              <a:rPr lang="en-US" altLang="en-US" sz="1200" dirty="0">
+                <a:latin typeface="Arial" panose="020B0604020202020204" pitchFamily="34" charset="0"/>
+                <a:ea typeface="Amazon Ember" panose="020B0603020204020204" pitchFamily="34" charset="0"/>
+                <a:cs typeface="Arial" panose="020B0604020202020204" pitchFamily="34" charset="0"/>
+              </a:rPr>
+              <a:t>Unistore legacy</a:t>
+            </a:r>
+          </a:p>
+          <a:p>
+            <a:pPr algn="ctr"/>
+            <a:r>
+              <a:rPr lang="en-US" altLang="en-US" sz="1200" dirty="0">
+                <a:latin typeface="Arial" panose="020B0604020202020204" pitchFamily="34" charset="0"/>
+                <a:ea typeface="Amazon Ember" panose="020B0603020204020204" pitchFamily="34" charset="0"/>
+                <a:cs typeface="Arial" panose="020B0604020202020204" pitchFamily="34" charset="0"/>
+              </a:rPr>
+              <a:t>(monolith)</a:t>
+            </a:r>
+          </a:p>
+        </p:txBody>
+      </p:sp>
+      <p:pic>
+        <p:nvPicPr>
+          <p:cNvPr id="28" name="Graphic 27">
+            <a:extLst>
+              <a:ext uri="{FF2B5EF4-FFF2-40B4-BE49-F238E27FC236}">
+                <a16:creationId xmlns:a16="http://schemas.microsoft.com/office/drawing/2014/main" id="{6BE9B73C-2622-4AF6-82BD-3D0EDA04AED8}"/>
+              </a:ext>
+            </a:extLst>
+          </p:cNvPr>
+          <p:cNvPicPr>
+            <a:picLocks noChangeAspect="1"/>
+          </p:cNvPicPr>
+          <p:nvPr/>
+        </p:nvPicPr>
+        <p:blipFill>
+          <a:blip r:embed="rId10">
+            <a:extLst>
+              <a:ext uri="{96DAC541-7B7A-43D3-8B79-37D633B846F1}">
+                <asvg:svgBlip xmlns:asvg="http://schemas.microsoft.com/office/drawing/2016/SVG/main" r:embed="rId11"/>
+              </a:ext>
+            </a:extLst>
+          </a:blip>
+          <a:stretch>
+            <a:fillRect/>
+          </a:stretch>
+        </p:blipFill>
+        <p:spPr>
+          <a:xfrm>
+            <a:off x="7589520" y="4773336"/>
+            <a:ext cx="457200" cy="457200"/>
+          </a:xfrm>
+          <a:prstGeom prst="rect">
+            <a:avLst/>
+          </a:prstGeom>
+        </p:spPr>
+      </p:pic>
+      <p:sp>
+        <p:nvSpPr>
+          <p:cNvPr id="39" name="TextBox 17">
+            <a:extLst>
+              <a:ext uri="{FF2B5EF4-FFF2-40B4-BE49-F238E27FC236}">
+                <a16:creationId xmlns:a16="http://schemas.microsoft.com/office/drawing/2014/main" id="{45C5A9E7-72C5-434D-952C-9F8B3ED25273}"/>
+              </a:ext>
+            </a:extLst>
+          </p:cNvPr>
+          <p:cNvSpPr txBox="1">
+            <a:spLocks noChangeArrowheads="1"/>
+          </p:cNvSpPr>
+          <p:nvPr/>
+        </p:nvSpPr>
+        <p:spPr bwMode="auto">
+          <a:xfrm>
+            <a:off x="2834640" y="6419256"/>
+            <a:ext cx="2103120" cy="276999"/>
           </a:xfrm>
           <a:prstGeom prst="rect">
             <a:avLst/>
@@ -4322,70 +4309,52 @@
           <a:p>
             <a:pPr algn="ctr" eaLnBrk="1" hangingPunct="1"/>
             <a:r>
-              <a:rPr lang="en-US" altLang="en-US" sz="900" dirty="0">
+              <a:rPr lang="en-US" altLang="en-US" sz="1200" dirty="0">
                 <a:latin typeface="Arial" panose="020B0604020202020204" pitchFamily="34" charset="0"/>
                 <a:ea typeface="Amazon Ember" panose="020B0603020204020204" pitchFamily="34" charset="0"/>
                 <a:cs typeface="Arial" panose="020B0604020202020204" pitchFamily="34" charset="0"/>
               </a:rPr>
-              <a:t>Attachment</a:t>
+              <a:t>Lambda function </a:t>
+            </a:r>
+            <a:r>
+              <a:rPr lang="en-US" altLang="en-US" sz="1200" dirty="0">
+                <a:latin typeface="Arial" panose="020B0604020202020204" pitchFamily="34" charset="0"/>
+                <a:cs typeface="Arial" panose="020B0604020202020204" pitchFamily="34" charset="0"/>
+              </a:rPr>
+              <a:t>AddToCart</a:t>
             </a:r>
           </a:p>
         </p:txBody>
       </p:sp>
       <p:pic>
         <p:nvPicPr>
-          <p:cNvPr id="22" name="Graphic 21">
-            <a:extLst>
-              <a:ext uri="{FF2B5EF4-FFF2-40B4-BE49-F238E27FC236}">
-                <a16:creationId xmlns:a16="http://schemas.microsoft.com/office/drawing/2014/main" id="{269E29EA-5FDC-4312-874E-C67066C0B38E}"/>
+          <p:cNvPr id="40" name="Graphic 13">
+            <a:extLst>
+              <a:ext uri="{FF2B5EF4-FFF2-40B4-BE49-F238E27FC236}">
+                <a16:creationId xmlns:a16="http://schemas.microsoft.com/office/drawing/2014/main" id="{895D0824-15EA-44B1-A5E5-0480B66619DE}"/>
               </a:ext>
             </a:extLst>
           </p:cNvPr>
           <p:cNvPicPr>
-            <a:picLocks noChangeAspect="1"/>
+            <a:picLocks noChangeAspect="1" noChangeArrowheads="1"/>
           </p:cNvPicPr>
           <p:nvPr/>
         </p:nvPicPr>
         <p:blipFill>
-          <a:blip r:embed="rId14">
+          <a:blip r:embed="rId12">
             <a:extLst>
               <a:ext uri="{96DAC541-7B7A-43D3-8B79-37D633B846F1}">
-                <asvg:svgBlip xmlns:asvg="http://schemas.microsoft.com/office/drawing/2016/SVG/main" r:embed="rId15"/>
+                <asvg:svgBlip xmlns:asvg="http://schemas.microsoft.com/office/drawing/2016/SVG/main" r:embed="rId13"/>
               </a:ext>
             </a:extLst>
           </a:blip>
-          <a:stretch>
-            <a:fillRect/>
-          </a:stretch>
+          <a:srcRect/>
+          <a:stretch/>
         </p:blipFill>
-        <p:spPr>
-          <a:xfrm>
-            <a:off x="7738363" y="2150401"/>
-            <a:ext cx="268492" cy="268492"/>
-          </a:xfrm>
-          <a:prstGeom prst="rect">
-            <a:avLst/>
-          </a:prstGeom>
-        </p:spPr>
-      </p:pic>
-      <p:sp>
-        <p:nvSpPr>
-          <p:cNvPr id="27" name="TextBox 16">
-            <a:extLst>
-              <a:ext uri="{FF2B5EF4-FFF2-40B4-BE49-F238E27FC236}">
-                <a16:creationId xmlns:a16="http://schemas.microsoft.com/office/drawing/2014/main" id="{76448F22-6681-49C7-931F-738569544F5F}"/>
-              </a:ext>
-            </a:extLst>
-          </p:cNvPr>
-          <p:cNvSpPr txBox="1">
-            <a:spLocks noChangeArrowheads="1"/>
-          </p:cNvSpPr>
-          <p:nvPr/>
-        </p:nvSpPr>
         <p:spPr bwMode="auto">
           <a:xfrm>
-            <a:off x="7330101" y="4733284"/>
-            <a:ext cx="1115568" cy="369332"/>
+            <a:off x="3552615" y="5962056"/>
+            <a:ext cx="457200" cy="457200"/>
           </a:xfrm>
           <a:prstGeom prst="rect">
             <a:avLst/>
@@ -4414,182 +4383,71 @@
             </a:ext>
           </a:extLst>
         </p:spPr>
-        <p:txBody>
-          <a:bodyPr wrap="square" lIns="0" rIns="0">
-            <a:spAutoFit/>
-          </a:bodyPr>
-          <a:lstStyle>
-            <a:lvl1pPr>
-              <a:defRPr>
-                <a:solidFill>
-                  <a:schemeClr val="tx1"/>
-                </a:solidFill>
-                <a:latin typeface="Calibri" panose="020F0502020204030204" pitchFamily="34" charset="0"/>
-              </a:defRPr>
-            </a:lvl1pPr>
-            <a:lvl2pPr marL="742950" indent="-285750">
-              <a:defRPr>
-                <a:solidFill>
-                  <a:schemeClr val="tx1"/>
-                </a:solidFill>
-                <a:latin typeface="Calibri" panose="020F0502020204030204" pitchFamily="34" charset="0"/>
-              </a:defRPr>
-            </a:lvl2pPr>
-            <a:lvl3pPr marL="1143000" indent="-228600">
-              <a:defRPr>
-                <a:solidFill>
-                  <a:schemeClr val="tx1"/>
-                </a:solidFill>
-                <a:latin typeface="Calibri" panose="020F0502020204030204" pitchFamily="34" charset="0"/>
-              </a:defRPr>
-            </a:lvl3pPr>
-            <a:lvl4pPr marL="1600200" indent="-228600">
-              <a:defRPr>
-                <a:solidFill>
-                  <a:schemeClr val="tx1"/>
-                </a:solidFill>
-                <a:latin typeface="Calibri" panose="020F0502020204030204" pitchFamily="34" charset="0"/>
-              </a:defRPr>
-            </a:lvl4pPr>
-            <a:lvl5pPr marL="2057400" indent="-228600">
-              <a:defRPr>
-                <a:solidFill>
-                  <a:schemeClr val="tx1"/>
-                </a:solidFill>
-                <a:latin typeface="Calibri" panose="020F0502020204030204" pitchFamily="34" charset="0"/>
-              </a:defRPr>
-            </a:lvl5pPr>
-            <a:lvl6pPr marL="2514600" indent="-228600" eaLnBrk="0" fontAlgn="base" hangingPunct="0">
-              <a:spcBef>
-                <a:spcPct val="0"/>
-              </a:spcBef>
-              <a:spcAft>
-                <a:spcPct val="0"/>
-              </a:spcAft>
-              <a:defRPr>
-                <a:solidFill>
-                  <a:schemeClr val="tx1"/>
-                </a:solidFill>
-                <a:latin typeface="Calibri" panose="020F0502020204030204" pitchFamily="34" charset="0"/>
-              </a:defRPr>
-            </a:lvl6pPr>
-            <a:lvl7pPr marL="2971800" indent="-228600" eaLnBrk="0" fontAlgn="base" hangingPunct="0">
-              <a:spcBef>
-                <a:spcPct val="0"/>
-              </a:spcBef>
-              <a:spcAft>
-                <a:spcPct val="0"/>
-              </a:spcAft>
-              <a:defRPr>
-                <a:solidFill>
-                  <a:schemeClr val="tx1"/>
-                </a:solidFill>
-                <a:latin typeface="Calibri" panose="020F0502020204030204" pitchFamily="34" charset="0"/>
-              </a:defRPr>
-            </a:lvl7pPr>
-            <a:lvl8pPr marL="3429000" indent="-228600" eaLnBrk="0" fontAlgn="base" hangingPunct="0">
-              <a:spcBef>
-                <a:spcPct val="0"/>
-              </a:spcBef>
-              <a:spcAft>
-                <a:spcPct val="0"/>
-              </a:spcAft>
-              <a:defRPr>
-                <a:solidFill>
-                  <a:schemeClr val="tx1"/>
-                </a:solidFill>
-                <a:latin typeface="Calibri" panose="020F0502020204030204" pitchFamily="34" charset="0"/>
-              </a:defRPr>
-            </a:lvl8pPr>
-            <a:lvl9pPr marL="3886200" indent="-228600" eaLnBrk="0" fontAlgn="base" hangingPunct="0">
-              <a:spcBef>
-                <a:spcPct val="0"/>
-              </a:spcBef>
-              <a:spcAft>
-                <a:spcPct val="0"/>
-              </a:spcAft>
-              <a:defRPr>
-                <a:solidFill>
-                  <a:schemeClr val="tx1"/>
-                </a:solidFill>
-                <a:latin typeface="Calibri" panose="020F0502020204030204" pitchFamily="34" charset="0"/>
-              </a:defRPr>
-            </a:lvl9pPr>
-          </a:lstStyle>
-          <a:p>
-            <a:pPr algn="ctr"/>
-            <a:r>
-              <a:rPr lang="en-US" altLang="en-US" sz="900" dirty="0" err="1">
-                <a:latin typeface="Arial" panose="020B0604020202020204" pitchFamily="34" charset="0"/>
-                <a:ea typeface="Amazon Ember" panose="020B0603020204020204" pitchFamily="34" charset="0"/>
-                <a:cs typeface="Arial" panose="020B0604020202020204" pitchFamily="34" charset="0"/>
-              </a:rPr>
-              <a:t>Unistore</a:t>
-            </a:r>
-            <a:r>
-              <a:rPr lang="en-US" altLang="en-US" sz="900" dirty="0">
-                <a:latin typeface="Arial" panose="020B0604020202020204" pitchFamily="34" charset="0"/>
-                <a:ea typeface="Amazon Ember" panose="020B0603020204020204" pitchFamily="34" charset="0"/>
-                <a:cs typeface="Arial" panose="020B0604020202020204" pitchFamily="34" charset="0"/>
-              </a:rPr>
-              <a:t> legacy</a:t>
-            </a:r>
-          </a:p>
-          <a:p>
-            <a:pPr algn="ctr"/>
-            <a:r>
-              <a:rPr lang="en-US" altLang="en-US" sz="900" dirty="0">
-                <a:latin typeface="Arial" panose="020B0604020202020204" pitchFamily="34" charset="0"/>
-                <a:ea typeface="Amazon Ember" panose="020B0603020204020204" pitchFamily="34" charset="0"/>
-                <a:cs typeface="Arial" panose="020B0604020202020204" pitchFamily="34" charset="0"/>
-              </a:rPr>
-              <a:t>(monolith)</a:t>
-            </a:r>
-          </a:p>
-        </p:txBody>
-      </p:sp>
+      </p:pic>
       <p:pic>
         <p:nvPicPr>
-          <p:cNvPr id="28" name="Graphic 27">
-            <a:extLst>
-              <a:ext uri="{FF2B5EF4-FFF2-40B4-BE49-F238E27FC236}">
-                <a16:creationId xmlns:a16="http://schemas.microsoft.com/office/drawing/2014/main" id="{6BE9B73C-2622-4AF6-82BD-3D0EDA04AED8}"/>
+          <p:cNvPr id="52" name="Graphic 23">
+            <a:extLst>
+              <a:ext uri="{FF2B5EF4-FFF2-40B4-BE49-F238E27FC236}">
+                <a16:creationId xmlns:a16="http://schemas.microsoft.com/office/drawing/2014/main" id="{32436727-7B71-49C8-8E86-BF5073C2DBBD}"/>
               </a:ext>
             </a:extLst>
           </p:cNvPr>
           <p:cNvPicPr>
-            <a:picLocks noChangeAspect="1"/>
+            <a:picLocks noChangeAspect="1" noChangeArrowheads="1"/>
           </p:cNvPicPr>
           <p:nvPr/>
         </p:nvPicPr>
         <p:blipFill>
-          <a:blip r:embed="rId16">
+          <a:blip r:embed="rId14">
             <a:extLst>
               <a:ext uri="{96DAC541-7B7A-43D3-8B79-37D633B846F1}">
-                <asvg:svgBlip xmlns:asvg="http://schemas.microsoft.com/office/drawing/2016/SVG/main" r:embed="rId17"/>
+                <asvg:svgBlip xmlns:asvg="http://schemas.microsoft.com/office/drawing/2016/SVG/main" r:embed="rId15"/>
               </a:ext>
             </a:extLst>
           </a:blip>
-          <a:stretch>
-            <a:fillRect/>
-          </a:stretch>
+          <a:srcRect/>
+          <a:stretch/>
         </p:blipFill>
-        <p:spPr>
-          <a:xfrm>
-            <a:off x="7705874" y="4345152"/>
-            <a:ext cx="365767" cy="365767"/>
+        <p:spPr bwMode="auto">
+          <a:xfrm flipH="1">
+            <a:off x="274320" y="3905636"/>
+            <a:ext cx="457200" cy="457200"/>
           </a:xfrm>
           <a:prstGeom prst="rect">
             <a:avLst/>
           </a:prstGeom>
+          <a:noFill/>
+          <a:ln>
+            <a:noFill/>
+          </a:ln>
+          <a:extLst>
+            <a:ext uri="{909E8E84-426E-40DD-AFC4-6F175D3DCCD1}">
+              <a14:hiddenFill xmlns:a14="http://schemas.microsoft.com/office/drawing/2010/main">
+                <a:solidFill>
+                  <a:srgbClr val="FFFFFF"/>
+                </a:solidFill>
+              </a14:hiddenFill>
+            </a:ext>
+            <a:ext uri="{91240B29-F687-4F45-9708-019B960494DF}">
+              <a14:hiddenLine xmlns:a14="http://schemas.microsoft.com/office/drawing/2010/main" w="9525">
+                <a:solidFill>
+                  <a:srgbClr val="000000"/>
+                </a:solidFill>
+                <a:miter lim="800000"/>
+                <a:headEnd/>
+                <a:tailEnd/>
+              </a14:hiddenLine>
+            </a:ext>
+          </a:extLst>
         </p:spPr>
       </p:pic>
       <p:sp>
         <p:nvSpPr>
-          <p:cNvPr id="39" name="TextBox 17">
-            <a:extLst>
-              <a:ext uri="{FF2B5EF4-FFF2-40B4-BE49-F238E27FC236}">
-                <a16:creationId xmlns:a16="http://schemas.microsoft.com/office/drawing/2014/main" id="{45C5A9E7-72C5-434D-952C-9F8B3ED25273}"/>
+          <p:cNvPr id="53" name="TextBox 40">
+            <a:extLst>
+              <a:ext uri="{FF2B5EF4-FFF2-40B4-BE49-F238E27FC236}">
+                <a16:creationId xmlns:a16="http://schemas.microsoft.com/office/drawing/2014/main" id="{9FAB52EA-F133-4FE8-89A8-13216AED8AA9}"/>
               </a:ext>
             </a:extLst>
           </p:cNvPr>
@@ -4600,8 +4458,168 @@
         </p:nvSpPr>
         <p:spPr bwMode="auto">
           <a:xfrm>
-            <a:off x="8537293" y="6079169"/>
-            <a:ext cx="1362074" cy="369332"/>
+            <a:off x="188398" y="4332269"/>
+            <a:ext cx="640080" cy="276999"/>
+          </a:xfrm>
+          <a:prstGeom prst="rect">
+            <a:avLst/>
+          </a:prstGeom>
+          <a:noFill/>
+          <a:ln>
+            <a:noFill/>
+          </a:ln>
+          <a:extLst>
+            <a:ext uri="{909E8E84-426E-40DD-AFC4-6F175D3DCCD1}">
+              <a14:hiddenFill xmlns:a14="http://schemas.microsoft.com/office/drawing/2010/main">
+                <a:solidFill>
+                  <a:srgbClr val="FFFFFF"/>
+                </a:solidFill>
+              </a14:hiddenFill>
+            </a:ext>
+            <a:ext uri="{91240B29-F687-4F45-9708-019B960494DF}">
+              <a14:hiddenLine xmlns:a14="http://schemas.microsoft.com/office/drawing/2010/main" w="9525">
+                <a:solidFill>
+                  <a:srgbClr val="000000"/>
+                </a:solidFill>
+                <a:miter lim="800000"/>
+                <a:headEnd/>
+                <a:tailEnd/>
+              </a14:hiddenLine>
+            </a:ext>
+          </a:extLst>
+        </p:spPr>
+        <p:txBody>
+          <a:bodyPr>
+            <a:spAutoFit/>
+          </a:bodyPr>
+          <a:lstStyle>
+            <a:lvl1pPr>
+              <a:defRPr>
+                <a:solidFill>
+                  <a:schemeClr val="tx1"/>
+                </a:solidFill>
+                <a:latin typeface="Calibri" panose="020F0502020204030204" pitchFamily="34" charset="0"/>
+              </a:defRPr>
+            </a:lvl1pPr>
+            <a:lvl2pPr marL="742950" indent="-285750">
+              <a:defRPr>
+                <a:solidFill>
+                  <a:schemeClr val="tx1"/>
+                </a:solidFill>
+                <a:latin typeface="Calibri" panose="020F0502020204030204" pitchFamily="34" charset="0"/>
+              </a:defRPr>
+            </a:lvl2pPr>
+            <a:lvl3pPr marL="1143000" indent="-228600">
+              <a:defRPr>
+                <a:solidFill>
+                  <a:schemeClr val="tx1"/>
+                </a:solidFill>
+                <a:latin typeface="Calibri" panose="020F0502020204030204" pitchFamily="34" charset="0"/>
+              </a:defRPr>
+            </a:lvl3pPr>
+            <a:lvl4pPr marL="1600200" indent="-228600">
+              <a:defRPr>
+                <a:solidFill>
+                  <a:schemeClr val="tx1"/>
+                </a:solidFill>
+                <a:latin typeface="Calibri" panose="020F0502020204030204" pitchFamily="34" charset="0"/>
+              </a:defRPr>
+            </a:lvl4pPr>
+            <a:lvl5pPr marL="2057400" indent="-228600">
+              <a:defRPr>
+                <a:solidFill>
+                  <a:schemeClr val="tx1"/>
+                </a:solidFill>
+                <a:latin typeface="Calibri" panose="020F0502020204030204" pitchFamily="34" charset="0"/>
+              </a:defRPr>
+            </a:lvl5pPr>
+            <a:lvl6pPr marL="2514600" indent="-228600" eaLnBrk="0" fontAlgn="base" hangingPunct="0">
+              <a:spcBef>
+                <a:spcPct val="0"/>
+              </a:spcBef>
+              <a:spcAft>
+                <a:spcPct val="0"/>
+              </a:spcAft>
+              <a:defRPr>
+                <a:solidFill>
+                  <a:schemeClr val="tx1"/>
+                </a:solidFill>
+                <a:latin typeface="Calibri" panose="020F0502020204030204" pitchFamily="34" charset="0"/>
+              </a:defRPr>
+            </a:lvl6pPr>
+            <a:lvl7pPr marL="2971800" indent="-228600" eaLnBrk="0" fontAlgn="base" hangingPunct="0">
+              <a:spcBef>
+                <a:spcPct val="0"/>
+              </a:spcBef>
+              <a:spcAft>
+                <a:spcPct val="0"/>
+              </a:spcAft>
+              <a:defRPr>
+                <a:solidFill>
+                  <a:schemeClr val="tx1"/>
+                </a:solidFill>
+                <a:latin typeface="Calibri" panose="020F0502020204030204" pitchFamily="34" charset="0"/>
+              </a:defRPr>
+            </a:lvl7pPr>
+            <a:lvl8pPr marL="3429000" indent="-228600" eaLnBrk="0" fontAlgn="base" hangingPunct="0">
+              <a:spcBef>
+                <a:spcPct val="0"/>
+              </a:spcBef>
+              <a:spcAft>
+                <a:spcPct val="0"/>
+              </a:spcAft>
+              <a:defRPr>
+                <a:solidFill>
+                  <a:schemeClr val="tx1"/>
+                </a:solidFill>
+                <a:latin typeface="Calibri" panose="020F0502020204030204" pitchFamily="34" charset="0"/>
+              </a:defRPr>
+            </a:lvl8pPr>
+            <a:lvl9pPr marL="3886200" indent="-228600" eaLnBrk="0" fontAlgn="base" hangingPunct="0">
+              <a:spcBef>
+                <a:spcPct val="0"/>
+              </a:spcBef>
+              <a:spcAft>
+                <a:spcPct val="0"/>
+              </a:spcAft>
+              <a:defRPr>
+                <a:solidFill>
+                  <a:schemeClr val="tx1"/>
+                </a:solidFill>
+                <a:latin typeface="Calibri" panose="020F0502020204030204" pitchFamily="34" charset="0"/>
+              </a:defRPr>
+            </a:lvl9pPr>
+          </a:lstStyle>
+          <a:p>
+            <a:pPr algn="ctr" eaLnBrk="1" hangingPunct="1"/>
+            <a:r>
+              <a:rPr lang="en-US" altLang="en-US" sz="1200" dirty="0">
+                <a:latin typeface="Arial" panose="020B0604020202020204" pitchFamily="34" charset="0"/>
+                <a:cs typeface="Arial" panose="020B0604020202020204" pitchFamily="34" charset="0"/>
+              </a:rPr>
+              <a:t>Users</a:t>
+            </a:r>
+          </a:p>
+        </p:txBody>
+      </p:sp>
+      <p:sp>
+        <p:nvSpPr>
+          <p:cNvPr id="55" name="TextBox 22">
+            <a:extLst>
+              <a:ext uri="{FF2B5EF4-FFF2-40B4-BE49-F238E27FC236}">
+                <a16:creationId xmlns:a16="http://schemas.microsoft.com/office/drawing/2014/main" id="{6386E3B5-87AF-4356-B530-58D7B6A4E778}"/>
+              </a:ext>
+            </a:extLst>
+          </p:cNvPr>
+          <p:cNvSpPr txBox="1">
+            <a:spLocks noChangeArrowheads="1"/>
+          </p:cNvSpPr>
+          <p:nvPr/>
+        </p:nvSpPr>
+        <p:spPr bwMode="auto">
+          <a:xfrm>
+            <a:off x="8778240" y="2551344"/>
+            <a:ext cx="1145068" cy="461665"/>
           </a:xfrm>
           <a:prstGeom prst="rect">
             <a:avLst/>
@@ -4735,152 +4753,37 @@
           <a:p>
             <a:pPr algn="ctr" eaLnBrk="1" hangingPunct="1"/>
             <a:r>
-              <a:rPr lang="en-US" altLang="en-US" sz="900" dirty="0">
+              <a:rPr lang="en-US" altLang="en-US" sz="1200" dirty="0">
                 <a:latin typeface="Arial" panose="020B0604020202020204" pitchFamily="34" charset="0"/>
                 <a:ea typeface="Amazon Ember" panose="020B0603020204020204" pitchFamily="34" charset="0"/>
                 <a:cs typeface="Arial" panose="020B0604020202020204" pitchFamily="34" charset="0"/>
               </a:rPr>
-              <a:t>Lambda function</a:t>
-            </a:r>
-          </a:p>
-          <a:p>
-            <a:pPr algn="ctr" eaLnBrk="1" hangingPunct="1"/>
-            <a:r>
-              <a:rPr lang="en-US" altLang="en-US" sz="900" dirty="0" err="1">
+              <a:t>Network Load </a:t>
+            </a:r>
+            <a:br>
+              <a:rPr lang="en-US" altLang="en-US" sz="1200" dirty="0">
                 <a:latin typeface="Arial" panose="020B0604020202020204" pitchFamily="34" charset="0"/>
+                <a:ea typeface="Amazon Ember" panose="020B0603020204020204" pitchFamily="34" charset="0"/>
                 <a:cs typeface="Arial" panose="020B0604020202020204" pitchFamily="34" charset="0"/>
               </a:rPr>
-              <a:t>AddToCart</a:t>
-            </a:r>
-            <a:endParaRPr lang="en-US" altLang="en-US" sz="900" dirty="0">
-              <a:latin typeface="Arial" panose="020B0604020202020204" pitchFamily="34" charset="0"/>
-              <a:cs typeface="Arial" panose="020B0604020202020204" pitchFamily="34" charset="0"/>
-            </a:endParaRPr>
+            </a:br>
+            <a:r>
+              <a:rPr lang="en-US" altLang="en-US" sz="1200" dirty="0">
+                <a:latin typeface="Arial" panose="020B0604020202020204" pitchFamily="34" charset="0"/>
+                <a:ea typeface="Amazon Ember" panose="020B0603020204020204" pitchFamily="34" charset="0"/>
+                <a:cs typeface="Arial" panose="020B0604020202020204" pitchFamily="34" charset="0"/>
+              </a:rPr>
+              <a:t>Balancer</a:t>
+            </a:r>
           </a:p>
         </p:txBody>
       </p:sp>
       <p:pic>
         <p:nvPicPr>
-          <p:cNvPr id="40" name="Graphic 13">
-            <a:extLst>
-              <a:ext uri="{FF2B5EF4-FFF2-40B4-BE49-F238E27FC236}">
-                <a16:creationId xmlns:a16="http://schemas.microsoft.com/office/drawing/2014/main" id="{895D0824-15EA-44B1-A5E5-0480B66619DE}"/>
-              </a:ext>
-            </a:extLst>
-          </p:cNvPr>
-          <p:cNvPicPr>
-            <a:picLocks noChangeAspect="1" noChangeArrowheads="1"/>
-          </p:cNvPicPr>
-          <p:nvPr/>
-        </p:nvPicPr>
-        <p:blipFill>
-          <a:blip r:embed="rId18">
-            <a:extLst>
-              <a:ext uri="{96DAC541-7B7A-43D3-8B79-37D633B846F1}">
-                <asvg:svgBlip xmlns:asvg="http://schemas.microsoft.com/office/drawing/2016/SVG/main" r:embed="rId19"/>
-              </a:ext>
-            </a:extLst>
-          </a:blip>
-          <a:srcRect/>
-          <a:stretch/>
-        </p:blipFill>
-        <p:spPr bwMode="auto">
-          <a:xfrm>
-            <a:off x="8964922" y="5649813"/>
-            <a:ext cx="457200" cy="457200"/>
-          </a:xfrm>
-          <a:prstGeom prst="rect">
-            <a:avLst/>
-          </a:prstGeom>
-          <a:noFill/>
-          <a:ln>
-            <a:noFill/>
-          </a:ln>
-          <a:extLst>
-            <a:ext uri="{909E8E84-426E-40DD-AFC4-6F175D3DCCD1}">
-              <a14:hiddenFill xmlns:a14="http://schemas.microsoft.com/office/drawing/2010/main">
-                <a:solidFill>
-                  <a:srgbClr val="FFFFFF"/>
-                </a:solidFill>
-              </a14:hiddenFill>
-            </a:ext>
-            <a:ext uri="{91240B29-F687-4F45-9708-019B960494DF}">
-              <a14:hiddenLine xmlns:a14="http://schemas.microsoft.com/office/drawing/2010/main" w="9525">
-                <a:solidFill>
-                  <a:srgbClr val="000000"/>
-                </a:solidFill>
-                <a:miter lim="800000"/>
-                <a:headEnd/>
-                <a:tailEnd/>
-              </a14:hiddenLine>
-            </a:ext>
-          </a:extLst>
-        </p:spPr>
-      </p:pic>
-      <p:pic>
-        <p:nvPicPr>
-          <p:cNvPr id="41" name="Graphic 23">
-            <a:extLst>
-              <a:ext uri="{FF2B5EF4-FFF2-40B4-BE49-F238E27FC236}">
-                <a16:creationId xmlns:a16="http://schemas.microsoft.com/office/drawing/2014/main" id="{BAF631F9-D34B-45BC-956D-77B8B81C9B95}"/>
-              </a:ext>
-            </a:extLst>
-          </p:cNvPr>
-          <p:cNvPicPr>
-            <a:picLocks noChangeAspect="1" noChangeArrowheads="1"/>
-          </p:cNvPicPr>
-          <p:nvPr/>
-        </p:nvPicPr>
-        <p:blipFill>
-          <a:blip r:embed="rId20">
-            <a:extLst>
-              <a:ext uri="{96DAC541-7B7A-43D3-8B79-37D633B846F1}">
-                <asvg:svgBlip xmlns:asvg="http://schemas.microsoft.com/office/drawing/2016/SVG/main" r:embed="rId21"/>
-              </a:ext>
-            </a:extLst>
-          </a:blip>
-          <a:srcRect/>
-          <a:stretch/>
-        </p:blipFill>
-        <p:spPr bwMode="auto">
-          <a:xfrm>
-            <a:off x="2523160" y="2165922"/>
-            <a:ext cx="353707" cy="353707"/>
-          </a:xfrm>
-          <a:prstGeom prst="rect">
-            <a:avLst/>
-          </a:prstGeom>
-          <a:noFill/>
-          <a:ln>
-            <a:noFill/>
-          </a:ln>
-          <a:extLst>
-            <a:ext uri="{909E8E84-426E-40DD-AFC4-6F175D3DCCD1}">
-              <a14:hiddenFill xmlns:a14="http://schemas.microsoft.com/office/drawing/2010/main">
-                <a:solidFill>
-                  <a:srgbClr val="FFFFFF"/>
-                </a:solidFill>
-              </a14:hiddenFill>
-            </a:ext>
-            <a:ext uri="{91240B29-F687-4F45-9708-019B960494DF}">
-              <a14:hiddenLine xmlns:a14="http://schemas.microsoft.com/office/drawing/2010/main" w="9525">
-                <a:solidFill>
-                  <a:srgbClr val="000000"/>
-                </a:solidFill>
-                <a:miter lim="800000"/>
-                <a:headEnd/>
-                <a:tailEnd/>
-              </a14:hiddenLine>
-            </a:ext>
-          </a:extLst>
-        </p:spPr>
-      </p:pic>
-      <p:pic>
-        <p:nvPicPr>
-          <p:cNvPr id="45" name="Graphic 44">
-            <a:extLst>
-              <a:ext uri="{FF2B5EF4-FFF2-40B4-BE49-F238E27FC236}">
-                <a16:creationId xmlns:a16="http://schemas.microsoft.com/office/drawing/2014/main" id="{E72888E8-1F32-413A-BD75-247D2C318EAE}"/>
+          <p:cNvPr id="56" name="Graphic 55">
+            <a:extLst>
+              <a:ext uri="{FF2B5EF4-FFF2-40B4-BE49-F238E27FC236}">
+                <a16:creationId xmlns:a16="http://schemas.microsoft.com/office/drawing/2014/main" id="{4F6E13BC-E8F6-4FE3-B7FD-8963F5B7D9A0}"/>
               </a:ext>
             </a:extLst>
           </p:cNvPr>
@@ -4890,10 +4793,10 @@
           <p:nvPr/>
         </p:nvPicPr>
         <p:blipFill>
-          <a:blip r:embed="rId22">
+          <a:blip r:embed="rId16">
             <a:extLst>
               <a:ext uri="{96DAC541-7B7A-43D3-8B79-37D633B846F1}">
-                <asvg:svgBlip xmlns:asvg="http://schemas.microsoft.com/office/drawing/2016/SVG/main" r:embed="rId23"/>
+                <asvg:svgBlip xmlns:asvg="http://schemas.microsoft.com/office/drawing/2016/SVG/main" r:embed="rId17"/>
               </a:ext>
             </a:extLst>
           </a:blip>
@@ -4903,56 +4806,1186 @@
         </p:blipFill>
         <p:spPr>
           <a:xfrm>
-            <a:off x="2613497" y="2615897"/>
-            <a:ext cx="258731" cy="258731"/>
+            <a:off x="9144000" y="2121576"/>
+            <a:ext cx="457200" cy="457200"/>
           </a:xfrm>
           <a:prstGeom prst="rect">
             <a:avLst/>
           </a:prstGeom>
         </p:spPr>
       </p:pic>
-      <p:pic>
-        <p:nvPicPr>
-          <p:cNvPr id="47" name="Graphic 46">
-            <a:extLst>
-              <a:ext uri="{FF2B5EF4-FFF2-40B4-BE49-F238E27FC236}">
-                <a16:creationId xmlns:a16="http://schemas.microsoft.com/office/drawing/2014/main" id="{25B29BA2-ADEA-4DE4-AC1F-F49D146F0F63}"/>
-              </a:ext>
-            </a:extLst>
-          </p:cNvPr>
-          <p:cNvPicPr>
-            <a:picLocks noChangeAspect="1"/>
-          </p:cNvPicPr>
+      <p:grpSp>
+        <p:nvGrpSpPr>
+          <p:cNvPr id="11" name="Group 10">
+            <a:extLst>
+              <a:ext uri="{FF2B5EF4-FFF2-40B4-BE49-F238E27FC236}">
+                <a16:creationId xmlns:a16="http://schemas.microsoft.com/office/drawing/2014/main" id="{BE890603-6FBA-4032-A87C-43C65D1379C8}"/>
+              </a:ext>
+            </a:extLst>
+          </p:cNvPr>
+          <p:cNvGrpSpPr/>
           <p:nvPr/>
-        </p:nvPicPr>
-        <p:blipFill>
-          <a:blip r:embed="rId24">
-            <a:extLst>
-              <a:ext uri="{96DAC541-7B7A-43D3-8B79-37D633B846F1}">
-                <asvg:svgBlip xmlns:asvg="http://schemas.microsoft.com/office/drawing/2016/SVG/main" r:embed="rId25"/>
-              </a:ext>
-            </a:extLst>
-          </a:blip>
-          <a:stretch>
-            <a:fillRect/>
-          </a:stretch>
-        </p:blipFill>
-        <p:spPr>
+        </p:nvGrpSpPr>
+        <p:grpSpPr>
           <a:xfrm>
-            <a:off x="2713442" y="3881864"/>
-            <a:ext cx="255886" cy="255886"/>
+            <a:off x="1416897" y="1386019"/>
+            <a:ext cx="4572000" cy="4390691"/>
+            <a:chOff x="2512645" y="2150104"/>
+            <a:chExt cx="4572000" cy="4390691"/>
           </a:xfrm>
-          <a:prstGeom prst="rect">
-            <a:avLst/>
-          </a:prstGeom>
-        </p:spPr>
-      </p:pic>
+        </p:grpSpPr>
+        <p:sp>
+          <p:nvSpPr>
+            <p:cNvPr id="17" name="Rectangle 16">
+              <a:extLst>
+                <a:ext uri="{FF2B5EF4-FFF2-40B4-BE49-F238E27FC236}">
+                  <a16:creationId xmlns:a16="http://schemas.microsoft.com/office/drawing/2014/main" id="{A64AC845-3577-4422-A1AC-C957213D936B}"/>
+                </a:ext>
+              </a:extLst>
+            </p:cNvPr>
+            <p:cNvSpPr/>
+            <p:nvPr/>
+          </p:nvSpPr>
+          <p:spPr>
+            <a:xfrm>
+              <a:off x="2512645" y="2151675"/>
+              <a:ext cx="4572000" cy="4389120"/>
+            </a:xfrm>
+            <a:prstGeom prst="rect">
+              <a:avLst/>
+            </a:prstGeom>
+            <a:noFill/>
+            <a:ln w="15875">
+              <a:solidFill>
+                <a:srgbClr val="01A88D"/>
+              </a:solidFill>
+            </a:ln>
+          </p:spPr>
+          <p:style>
+            <a:lnRef idx="2">
+              <a:schemeClr val="accent1">
+                <a:shade val="50000"/>
+              </a:schemeClr>
+            </a:lnRef>
+            <a:fillRef idx="1">
+              <a:schemeClr val="accent1"/>
+            </a:fillRef>
+            <a:effectRef idx="0">
+              <a:schemeClr val="accent1"/>
+            </a:effectRef>
+            <a:fontRef idx="minor">
+              <a:schemeClr val="lt1"/>
+            </a:fontRef>
+          </p:style>
+          <p:txBody>
+            <a:bodyPr lIns="502920" tIns="91440"/>
+            <a:lstStyle/>
+            <a:p>
+              <a:pPr eaLnBrk="1" fontAlgn="auto" hangingPunct="1">
+                <a:spcBef>
+                  <a:spcPts val="0"/>
+                </a:spcBef>
+                <a:spcAft>
+                  <a:spcPts val="0"/>
+                </a:spcAft>
+                <a:defRPr/>
+              </a:pPr>
+              <a:r>
+                <a:rPr lang="en-US" sz="1200" dirty="0">
+                  <a:ln w="0"/>
+                  <a:solidFill>
+                    <a:schemeClr val="tx1"/>
+                  </a:solidFill>
+                  <a:latin typeface="Arial" panose="020B0604020202020204" pitchFamily="34" charset="0"/>
+                  <a:cs typeface="Arial" panose="020B0604020202020204" pitchFamily="34" charset="0"/>
+                </a:rPr>
+                <a:t>AWS Migration Hub</a:t>
+              </a:r>
+            </a:p>
+          </p:txBody>
+        </p:sp>
+        <p:pic>
+          <p:nvPicPr>
+            <p:cNvPr id="18" name="Graphic 17">
+              <a:extLst>
+                <a:ext uri="{FF2B5EF4-FFF2-40B4-BE49-F238E27FC236}">
+                  <a16:creationId xmlns:a16="http://schemas.microsoft.com/office/drawing/2014/main" id="{66F16096-5916-4B41-B948-C6EFA39A04CF}"/>
+                </a:ext>
+              </a:extLst>
+            </p:cNvPr>
+            <p:cNvPicPr>
+              <a:picLocks noChangeAspect="1"/>
+            </p:cNvPicPr>
+            <p:nvPr/>
+          </p:nvPicPr>
+          <p:blipFill>
+            <a:blip r:embed="rId18">
+              <a:extLst>
+                <a:ext uri="{96DAC541-7B7A-43D3-8B79-37D633B846F1}">
+                  <asvg:svgBlip xmlns:asvg="http://schemas.microsoft.com/office/drawing/2016/SVG/main" r:embed="rId19"/>
+                </a:ext>
+              </a:extLst>
+            </a:blip>
+            <a:srcRect/>
+            <a:stretch/>
+          </p:blipFill>
+          <p:spPr>
+            <a:xfrm>
+              <a:off x="2512646" y="2150104"/>
+              <a:ext cx="381000" cy="381000"/>
+            </a:xfrm>
+            <a:prstGeom prst="rect">
+              <a:avLst/>
+            </a:prstGeom>
+          </p:spPr>
+        </p:pic>
+        <p:pic>
+          <p:nvPicPr>
+            <p:cNvPr id="19" name="Graphic 7">
+              <a:extLst>
+                <a:ext uri="{FF2B5EF4-FFF2-40B4-BE49-F238E27FC236}">
+                  <a16:creationId xmlns:a16="http://schemas.microsoft.com/office/drawing/2014/main" id="{BF7D9EA0-D6C7-44AF-BBE7-7B19FF908185}"/>
+                </a:ext>
+              </a:extLst>
+            </p:cNvPr>
+            <p:cNvPicPr>
+              <a:picLocks noChangeAspect="1" noChangeArrowheads="1"/>
+            </p:cNvPicPr>
+            <p:nvPr/>
+          </p:nvPicPr>
+          <p:blipFill>
+            <a:blip r:embed="rId20">
+              <a:extLst>
+                <a:ext uri="{96DAC541-7B7A-43D3-8B79-37D633B846F1}">
+                  <asvg:svgBlip xmlns:asvg="http://schemas.microsoft.com/office/drawing/2016/SVG/main" r:embed="rId21"/>
+                </a:ext>
+              </a:extLst>
+            </a:blip>
+            <a:srcRect/>
+            <a:stretch/>
+          </p:blipFill>
+          <p:spPr bwMode="auto">
+            <a:xfrm>
+              <a:off x="5654032" y="2643345"/>
+              <a:ext cx="758952" cy="758952"/>
+            </a:xfrm>
+            <a:prstGeom prst="rect">
+              <a:avLst/>
+            </a:prstGeom>
+            <a:noFill/>
+            <a:ln>
+              <a:noFill/>
+            </a:ln>
+            <a:extLst>
+              <a:ext uri="{909E8E84-426E-40DD-AFC4-6F175D3DCCD1}">
+                <a14:hiddenFill xmlns:a14="http://schemas.microsoft.com/office/drawing/2010/main">
+                  <a:solidFill>
+                    <a:srgbClr val="FFFFFF"/>
+                  </a:solidFill>
+                </a14:hiddenFill>
+              </a:ext>
+              <a:ext uri="{91240B29-F687-4F45-9708-019B960494DF}">
+                <a14:hiddenLine xmlns:a14="http://schemas.microsoft.com/office/drawing/2010/main" w="9525">
+                  <a:solidFill>
+                    <a:srgbClr val="000000"/>
+                  </a:solidFill>
+                  <a:miter lim="800000"/>
+                  <a:headEnd/>
+                  <a:tailEnd/>
+                </a14:hiddenLine>
+              </a:ext>
+            </a:extLst>
+          </p:spPr>
+        </p:pic>
+        <p:sp>
+          <p:nvSpPr>
+            <p:cNvPr id="20" name="TextBox 9">
+              <a:extLst>
+                <a:ext uri="{FF2B5EF4-FFF2-40B4-BE49-F238E27FC236}">
+                  <a16:creationId xmlns:a16="http://schemas.microsoft.com/office/drawing/2014/main" id="{E17089B5-FF0A-4B67-9C5B-9E43A6247284}"/>
+                </a:ext>
+              </a:extLst>
+            </p:cNvPr>
+            <p:cNvSpPr txBox="1">
+              <a:spLocks noChangeArrowheads="1"/>
+            </p:cNvSpPr>
+            <p:nvPr/>
+          </p:nvSpPr>
+          <p:spPr bwMode="auto">
+            <a:xfrm>
+              <a:off x="5120062" y="3457623"/>
+              <a:ext cx="1831740" cy="276999"/>
+            </a:xfrm>
+            <a:prstGeom prst="rect">
+              <a:avLst/>
+            </a:prstGeom>
+            <a:noFill/>
+            <a:ln>
+              <a:noFill/>
+            </a:ln>
+            <a:extLst>
+              <a:ext uri="{909E8E84-426E-40DD-AFC4-6F175D3DCCD1}">
+                <a14:hiddenFill xmlns:a14="http://schemas.microsoft.com/office/drawing/2010/main">
+                  <a:solidFill>
+                    <a:srgbClr val="FFFFFF"/>
+                  </a:solidFill>
+                </a14:hiddenFill>
+              </a:ext>
+              <a:ext uri="{91240B29-F687-4F45-9708-019B960494DF}">
+                <a14:hiddenLine xmlns:a14="http://schemas.microsoft.com/office/drawing/2010/main" w="9525">
+                  <a:solidFill>
+                    <a:srgbClr val="000000"/>
+                  </a:solidFill>
+                  <a:miter lim="800000"/>
+                  <a:headEnd/>
+                  <a:tailEnd/>
+                </a14:hiddenLine>
+              </a:ext>
+            </a:extLst>
+          </p:spPr>
+          <p:txBody>
+            <a:bodyPr wrap="square">
+              <a:spAutoFit/>
+            </a:bodyPr>
+            <a:lstStyle>
+              <a:lvl1pPr>
+                <a:defRPr>
+                  <a:solidFill>
+                    <a:schemeClr val="tx1"/>
+                  </a:solidFill>
+                  <a:latin typeface="Calibri" panose="020F0502020204030204" pitchFamily="34" charset="0"/>
+                </a:defRPr>
+              </a:lvl1pPr>
+              <a:lvl2pPr marL="742950" indent="-285750">
+                <a:defRPr>
+                  <a:solidFill>
+                    <a:schemeClr val="tx1"/>
+                  </a:solidFill>
+                  <a:latin typeface="Calibri" panose="020F0502020204030204" pitchFamily="34" charset="0"/>
+                </a:defRPr>
+              </a:lvl2pPr>
+              <a:lvl3pPr marL="1143000" indent="-228600">
+                <a:defRPr>
+                  <a:solidFill>
+                    <a:schemeClr val="tx1"/>
+                  </a:solidFill>
+                  <a:latin typeface="Calibri" panose="020F0502020204030204" pitchFamily="34" charset="0"/>
+                </a:defRPr>
+              </a:lvl3pPr>
+              <a:lvl4pPr marL="1600200" indent="-228600">
+                <a:defRPr>
+                  <a:solidFill>
+                    <a:schemeClr val="tx1"/>
+                  </a:solidFill>
+                  <a:latin typeface="Calibri" panose="020F0502020204030204" pitchFamily="34" charset="0"/>
+                </a:defRPr>
+              </a:lvl4pPr>
+              <a:lvl5pPr marL="2057400" indent="-228600">
+                <a:defRPr>
+                  <a:solidFill>
+                    <a:schemeClr val="tx1"/>
+                  </a:solidFill>
+                  <a:latin typeface="Calibri" panose="020F0502020204030204" pitchFamily="34" charset="0"/>
+                </a:defRPr>
+              </a:lvl5pPr>
+              <a:lvl6pPr marL="2514600" indent="-228600" eaLnBrk="0" fontAlgn="base" hangingPunct="0">
+                <a:spcBef>
+                  <a:spcPct val="0"/>
+                </a:spcBef>
+                <a:spcAft>
+                  <a:spcPct val="0"/>
+                </a:spcAft>
+                <a:defRPr>
+                  <a:solidFill>
+                    <a:schemeClr val="tx1"/>
+                  </a:solidFill>
+                  <a:latin typeface="Calibri" panose="020F0502020204030204" pitchFamily="34" charset="0"/>
+                </a:defRPr>
+              </a:lvl6pPr>
+              <a:lvl7pPr marL="2971800" indent="-228600" eaLnBrk="0" fontAlgn="base" hangingPunct="0">
+                <a:spcBef>
+                  <a:spcPct val="0"/>
+                </a:spcBef>
+                <a:spcAft>
+                  <a:spcPct val="0"/>
+                </a:spcAft>
+                <a:defRPr>
+                  <a:solidFill>
+                    <a:schemeClr val="tx1"/>
+                  </a:solidFill>
+                  <a:latin typeface="Calibri" panose="020F0502020204030204" pitchFamily="34" charset="0"/>
+                </a:defRPr>
+              </a:lvl7pPr>
+              <a:lvl8pPr marL="3429000" indent="-228600" eaLnBrk="0" fontAlgn="base" hangingPunct="0">
+                <a:spcBef>
+                  <a:spcPct val="0"/>
+                </a:spcBef>
+                <a:spcAft>
+                  <a:spcPct val="0"/>
+                </a:spcAft>
+                <a:defRPr>
+                  <a:solidFill>
+                    <a:schemeClr val="tx1"/>
+                  </a:solidFill>
+                  <a:latin typeface="Calibri" panose="020F0502020204030204" pitchFamily="34" charset="0"/>
+                </a:defRPr>
+              </a:lvl8pPr>
+              <a:lvl9pPr marL="3886200" indent="-228600" eaLnBrk="0" fontAlgn="base" hangingPunct="0">
+                <a:spcBef>
+                  <a:spcPct val="0"/>
+                </a:spcBef>
+                <a:spcAft>
+                  <a:spcPct val="0"/>
+                </a:spcAft>
+                <a:defRPr>
+                  <a:solidFill>
+                    <a:schemeClr val="tx1"/>
+                  </a:solidFill>
+                  <a:latin typeface="Calibri" panose="020F0502020204030204" pitchFamily="34" charset="0"/>
+                </a:defRPr>
+              </a:lvl9pPr>
+            </a:lstStyle>
+            <a:p>
+              <a:pPr algn="ctr" eaLnBrk="1" hangingPunct="1"/>
+              <a:r>
+                <a:rPr lang="en-US" altLang="en-US" sz="1200" dirty="0">
+                  <a:latin typeface="Arial" panose="020B0604020202020204" pitchFamily="34" charset="0"/>
+                  <a:ea typeface="Amazon Ember" panose="020B0603020204020204" pitchFamily="34" charset="0"/>
+                  <a:cs typeface="Arial" panose="020B0604020202020204" pitchFamily="34" charset="0"/>
+                </a:rPr>
+                <a:t>AWS Transit Gateway</a:t>
+              </a:r>
+            </a:p>
+          </p:txBody>
+        </p:sp>
+        <p:pic>
+          <p:nvPicPr>
+            <p:cNvPr id="41" name="Graphic 23">
+              <a:extLst>
+                <a:ext uri="{FF2B5EF4-FFF2-40B4-BE49-F238E27FC236}">
+                  <a16:creationId xmlns:a16="http://schemas.microsoft.com/office/drawing/2014/main" id="{BAF631F9-D34B-45BC-956D-77B8B81C9B95}"/>
+                </a:ext>
+              </a:extLst>
+            </p:cNvPr>
+            <p:cNvPicPr>
+              <a:picLocks noChangeAspect="1" noChangeArrowheads="1"/>
+            </p:cNvPicPr>
+            <p:nvPr/>
+          </p:nvPicPr>
+          <p:blipFill>
+            <a:blip r:embed="rId22">
+              <a:extLst>
+                <a:ext uri="{96DAC541-7B7A-43D3-8B79-37D633B846F1}">
+                  <asvg:svgBlip xmlns:asvg="http://schemas.microsoft.com/office/drawing/2016/SVG/main" r:embed="rId23"/>
+                </a:ext>
+              </a:extLst>
+            </a:blip>
+            <a:srcRect/>
+            <a:stretch/>
+          </p:blipFill>
+          <p:spPr bwMode="auto">
+            <a:xfrm>
+              <a:off x="2523160" y="2165922"/>
+              <a:ext cx="353707" cy="353707"/>
+            </a:xfrm>
+            <a:prstGeom prst="rect">
+              <a:avLst/>
+            </a:prstGeom>
+            <a:noFill/>
+            <a:ln>
+              <a:noFill/>
+            </a:ln>
+            <a:extLst>
+              <a:ext uri="{909E8E84-426E-40DD-AFC4-6F175D3DCCD1}">
+                <a14:hiddenFill xmlns:a14="http://schemas.microsoft.com/office/drawing/2010/main">
+                  <a:solidFill>
+                    <a:srgbClr val="FFFFFF"/>
+                  </a:solidFill>
+                </a14:hiddenFill>
+              </a:ext>
+              <a:ext uri="{91240B29-F687-4F45-9708-019B960494DF}">
+                <a14:hiddenLine xmlns:a14="http://schemas.microsoft.com/office/drawing/2010/main" w="9525">
+                  <a:solidFill>
+                    <a:srgbClr val="000000"/>
+                  </a:solidFill>
+                  <a:miter lim="800000"/>
+                  <a:headEnd/>
+                  <a:tailEnd/>
+                </a14:hiddenLine>
+              </a:ext>
+            </a:extLst>
+          </p:spPr>
+        </p:pic>
+        <p:sp>
+          <p:nvSpPr>
+            <p:cNvPr id="48" name="TextBox 15">
+              <a:extLst>
+                <a:ext uri="{FF2B5EF4-FFF2-40B4-BE49-F238E27FC236}">
+                  <a16:creationId xmlns:a16="http://schemas.microsoft.com/office/drawing/2014/main" id="{532C2467-005C-4953-8E7E-0545263E2102}"/>
+                </a:ext>
+              </a:extLst>
+            </p:cNvPr>
+            <p:cNvSpPr txBox="1">
+              <a:spLocks noChangeArrowheads="1"/>
+            </p:cNvSpPr>
+            <p:nvPr/>
+          </p:nvSpPr>
+          <p:spPr bwMode="auto">
+            <a:xfrm>
+              <a:off x="4103752" y="4601800"/>
+              <a:ext cx="1597485" cy="461665"/>
+            </a:xfrm>
+            <a:prstGeom prst="rect">
+              <a:avLst/>
+            </a:prstGeom>
+            <a:noFill/>
+            <a:ln>
+              <a:noFill/>
+            </a:ln>
+            <a:extLst>
+              <a:ext uri="{909E8E84-426E-40DD-AFC4-6F175D3DCCD1}">
+                <a14:hiddenFill xmlns:a14="http://schemas.microsoft.com/office/drawing/2010/main">
+                  <a:solidFill>
+                    <a:srgbClr val="FFFFFF"/>
+                  </a:solidFill>
+                </a14:hiddenFill>
+              </a:ext>
+              <a:ext uri="{91240B29-F687-4F45-9708-019B960494DF}">
+                <a14:hiddenLine xmlns:a14="http://schemas.microsoft.com/office/drawing/2010/main" w="9525">
+                  <a:solidFill>
+                    <a:srgbClr val="000000"/>
+                  </a:solidFill>
+                  <a:miter lim="800000"/>
+                  <a:headEnd/>
+                  <a:tailEnd/>
+                </a14:hiddenLine>
+              </a:ext>
+            </a:extLst>
+          </p:spPr>
+          <p:txBody>
+            <a:bodyPr wrap="square">
+              <a:spAutoFit/>
+            </a:bodyPr>
+            <a:lstStyle>
+              <a:lvl1pPr>
+                <a:defRPr>
+                  <a:solidFill>
+                    <a:schemeClr val="tx1"/>
+                  </a:solidFill>
+                  <a:latin typeface="Calibri" panose="020F0502020204030204" pitchFamily="34" charset="0"/>
+                </a:defRPr>
+              </a:lvl1pPr>
+              <a:lvl2pPr marL="742950" indent="-285750">
+                <a:defRPr>
+                  <a:solidFill>
+                    <a:schemeClr val="tx1"/>
+                  </a:solidFill>
+                  <a:latin typeface="Calibri" panose="020F0502020204030204" pitchFamily="34" charset="0"/>
+                </a:defRPr>
+              </a:lvl2pPr>
+              <a:lvl3pPr marL="1143000" indent="-228600">
+                <a:defRPr>
+                  <a:solidFill>
+                    <a:schemeClr val="tx1"/>
+                  </a:solidFill>
+                  <a:latin typeface="Calibri" panose="020F0502020204030204" pitchFamily="34" charset="0"/>
+                </a:defRPr>
+              </a:lvl3pPr>
+              <a:lvl4pPr marL="1600200" indent="-228600">
+                <a:defRPr>
+                  <a:solidFill>
+                    <a:schemeClr val="tx1"/>
+                  </a:solidFill>
+                  <a:latin typeface="Calibri" panose="020F0502020204030204" pitchFamily="34" charset="0"/>
+                </a:defRPr>
+              </a:lvl4pPr>
+              <a:lvl5pPr marL="2057400" indent="-228600">
+                <a:defRPr>
+                  <a:solidFill>
+                    <a:schemeClr val="tx1"/>
+                  </a:solidFill>
+                  <a:latin typeface="Calibri" panose="020F0502020204030204" pitchFamily="34" charset="0"/>
+                </a:defRPr>
+              </a:lvl5pPr>
+              <a:lvl6pPr marL="2514600" indent="-228600" eaLnBrk="0" fontAlgn="base" hangingPunct="0">
+                <a:spcBef>
+                  <a:spcPct val="0"/>
+                </a:spcBef>
+                <a:spcAft>
+                  <a:spcPct val="0"/>
+                </a:spcAft>
+                <a:defRPr>
+                  <a:solidFill>
+                    <a:schemeClr val="tx1"/>
+                  </a:solidFill>
+                  <a:latin typeface="Calibri" panose="020F0502020204030204" pitchFamily="34" charset="0"/>
+                </a:defRPr>
+              </a:lvl6pPr>
+              <a:lvl7pPr marL="2971800" indent="-228600" eaLnBrk="0" fontAlgn="base" hangingPunct="0">
+                <a:spcBef>
+                  <a:spcPct val="0"/>
+                </a:spcBef>
+                <a:spcAft>
+                  <a:spcPct val="0"/>
+                </a:spcAft>
+                <a:defRPr>
+                  <a:solidFill>
+                    <a:schemeClr val="tx1"/>
+                  </a:solidFill>
+                  <a:latin typeface="Calibri" panose="020F0502020204030204" pitchFamily="34" charset="0"/>
+                </a:defRPr>
+              </a:lvl7pPr>
+              <a:lvl8pPr marL="3429000" indent="-228600" eaLnBrk="0" fontAlgn="base" hangingPunct="0">
+                <a:spcBef>
+                  <a:spcPct val="0"/>
+                </a:spcBef>
+                <a:spcAft>
+                  <a:spcPct val="0"/>
+                </a:spcAft>
+                <a:defRPr>
+                  <a:solidFill>
+                    <a:schemeClr val="tx1"/>
+                  </a:solidFill>
+                  <a:latin typeface="Calibri" panose="020F0502020204030204" pitchFamily="34" charset="0"/>
+                </a:defRPr>
+              </a:lvl8pPr>
+              <a:lvl9pPr marL="3886200" indent="-228600" eaLnBrk="0" fontAlgn="base" hangingPunct="0">
+                <a:spcBef>
+                  <a:spcPct val="0"/>
+                </a:spcBef>
+                <a:spcAft>
+                  <a:spcPct val="0"/>
+                </a:spcAft>
+                <a:defRPr>
+                  <a:solidFill>
+                    <a:schemeClr val="tx1"/>
+                  </a:solidFill>
+                  <a:latin typeface="Calibri" panose="020F0502020204030204" pitchFamily="34" charset="0"/>
+                </a:defRPr>
+              </a:lvl9pPr>
+            </a:lstStyle>
+            <a:p>
+              <a:pPr algn="ctr" eaLnBrk="1" hangingPunct="1"/>
+              <a:r>
+                <a:rPr lang="en-US" altLang="en-US" sz="1200" dirty="0">
+                  <a:latin typeface="Arial" panose="020B0604020202020204" pitchFamily="34" charset="0"/>
+                  <a:ea typeface="Amazon Ember" panose="020B0603020204020204" pitchFamily="34" charset="0"/>
+                  <a:cs typeface="Arial" panose="020B0604020202020204" pitchFamily="34" charset="0"/>
+                </a:rPr>
+                <a:t>Refactor Spaces </a:t>
+              </a:r>
+            </a:p>
+            <a:p>
+              <a:pPr algn="ctr" eaLnBrk="1" hangingPunct="1"/>
+              <a:r>
+                <a:rPr lang="en-US" altLang="en-US" sz="1200" dirty="0">
+                  <a:latin typeface="Arial" panose="020B0604020202020204" pitchFamily="34" charset="0"/>
+                  <a:ea typeface="Amazon Ember" panose="020B0603020204020204" pitchFamily="34" charset="0"/>
+                  <a:cs typeface="Arial" panose="020B0604020202020204" pitchFamily="34" charset="0"/>
+                </a:rPr>
+                <a:t>service (Default)</a:t>
+              </a:r>
+            </a:p>
+          </p:txBody>
+        </p:sp>
+        <p:pic>
+          <p:nvPicPr>
+            <p:cNvPr id="49" name="Graphic 48">
+              <a:extLst>
+                <a:ext uri="{FF2B5EF4-FFF2-40B4-BE49-F238E27FC236}">
+                  <a16:creationId xmlns:a16="http://schemas.microsoft.com/office/drawing/2014/main" id="{053ECE4B-A000-4DF5-821C-3C025F1FB6F3}"/>
+                </a:ext>
+              </a:extLst>
+            </p:cNvPr>
+            <p:cNvPicPr>
+              <a:picLocks noChangeAspect="1"/>
+            </p:cNvPicPr>
+            <p:nvPr/>
+          </p:nvPicPr>
+          <p:blipFill>
+            <a:blip r:embed="rId24">
+              <a:extLst>
+                <a:ext uri="{96DAC541-7B7A-43D3-8B79-37D633B846F1}">
+                  <asvg:svgBlip xmlns:asvg="http://schemas.microsoft.com/office/drawing/2016/SVG/main" r:embed="rId25"/>
+                </a:ext>
+              </a:extLst>
+            </a:blip>
+            <a:stretch>
+              <a:fillRect/>
+            </a:stretch>
+          </p:blipFill>
+          <p:spPr>
+            <a:xfrm>
+              <a:off x="4638581" y="4188352"/>
+              <a:ext cx="457200" cy="457200"/>
+            </a:xfrm>
+            <a:prstGeom prst="rect">
+              <a:avLst/>
+            </a:prstGeom>
+          </p:spPr>
+        </p:pic>
+        <p:pic>
+          <p:nvPicPr>
+            <p:cNvPr id="50" name="Graphic 17">
+              <a:extLst>
+                <a:ext uri="{FF2B5EF4-FFF2-40B4-BE49-F238E27FC236}">
+                  <a16:creationId xmlns:a16="http://schemas.microsoft.com/office/drawing/2014/main" id="{8FF66690-4F04-4B76-8D8E-0C33630EE502}"/>
+                </a:ext>
+              </a:extLst>
+            </p:cNvPr>
+            <p:cNvPicPr>
+              <a:picLocks noChangeAspect="1" noChangeArrowheads="1"/>
+            </p:cNvPicPr>
+            <p:nvPr/>
+          </p:nvPicPr>
+          <p:blipFill>
+            <a:blip r:embed="rId26">
+              <a:extLst>
+                <a:ext uri="{96DAC541-7B7A-43D3-8B79-37D633B846F1}">
+                  <asvg:svgBlip xmlns:asvg="http://schemas.microsoft.com/office/drawing/2016/SVG/main" r:embed="rId27"/>
+                </a:ext>
+              </a:extLst>
+            </a:blip>
+            <a:srcRect/>
+            <a:stretch/>
+          </p:blipFill>
+          <p:spPr bwMode="auto">
+            <a:xfrm>
+              <a:off x="3051616" y="4531581"/>
+              <a:ext cx="758952" cy="758952"/>
+            </a:xfrm>
+            <a:prstGeom prst="rect">
+              <a:avLst/>
+            </a:prstGeom>
+            <a:noFill/>
+            <a:ln>
+              <a:noFill/>
+            </a:ln>
+            <a:extLst>
+              <a:ext uri="{909E8E84-426E-40DD-AFC4-6F175D3DCCD1}">
+                <a14:hiddenFill xmlns:a14="http://schemas.microsoft.com/office/drawing/2010/main">
+                  <a:solidFill>
+                    <a:srgbClr val="FFFFFF"/>
+                  </a:solidFill>
+                </a14:hiddenFill>
+              </a:ext>
+              <a:ext uri="{91240B29-F687-4F45-9708-019B960494DF}">
+                <a14:hiddenLine xmlns:a14="http://schemas.microsoft.com/office/drawing/2010/main" w="9525">
+                  <a:solidFill>
+                    <a:srgbClr val="000000"/>
+                  </a:solidFill>
+                  <a:miter lim="800000"/>
+                  <a:headEnd/>
+                  <a:tailEnd/>
+                </a14:hiddenLine>
+              </a:ext>
+            </a:extLst>
+          </p:spPr>
+        </p:pic>
+        <p:sp>
+          <p:nvSpPr>
+            <p:cNvPr id="51" name="TextBox 9">
+              <a:extLst>
+                <a:ext uri="{FF2B5EF4-FFF2-40B4-BE49-F238E27FC236}">
+                  <a16:creationId xmlns:a16="http://schemas.microsoft.com/office/drawing/2014/main" id="{DB85C0B5-5239-4884-BA2A-8CF780590CB3}"/>
+                </a:ext>
+              </a:extLst>
+            </p:cNvPr>
+            <p:cNvSpPr txBox="1">
+              <a:spLocks noChangeArrowheads="1"/>
+            </p:cNvSpPr>
+            <p:nvPr/>
+          </p:nvSpPr>
+          <p:spPr bwMode="auto">
+            <a:xfrm>
+              <a:off x="2845637" y="5263101"/>
+              <a:ext cx="1198474" cy="461665"/>
+            </a:xfrm>
+            <a:prstGeom prst="rect">
+              <a:avLst/>
+            </a:prstGeom>
+            <a:noFill/>
+            <a:ln>
+              <a:noFill/>
+            </a:ln>
+            <a:extLst>
+              <a:ext uri="{909E8E84-426E-40DD-AFC4-6F175D3DCCD1}">
+                <a14:hiddenFill xmlns:a14="http://schemas.microsoft.com/office/drawing/2010/main">
+                  <a:solidFill>
+                    <a:srgbClr val="FFFFFF"/>
+                  </a:solidFill>
+                </a14:hiddenFill>
+              </a:ext>
+              <a:ext uri="{91240B29-F687-4F45-9708-019B960494DF}">
+                <a14:hiddenLine xmlns:a14="http://schemas.microsoft.com/office/drawing/2010/main" w="9525">
+                  <a:solidFill>
+                    <a:srgbClr val="000000"/>
+                  </a:solidFill>
+                  <a:miter lim="800000"/>
+                  <a:headEnd/>
+                  <a:tailEnd/>
+                </a14:hiddenLine>
+              </a:ext>
+            </a:extLst>
+          </p:spPr>
+          <p:txBody>
+            <a:bodyPr wrap="square">
+              <a:spAutoFit/>
+            </a:bodyPr>
+            <a:lstStyle>
+              <a:lvl1pPr>
+                <a:defRPr>
+                  <a:solidFill>
+                    <a:schemeClr val="tx1"/>
+                  </a:solidFill>
+                  <a:latin typeface="Calibri" panose="020F0502020204030204" pitchFamily="34" charset="0"/>
+                </a:defRPr>
+              </a:lvl1pPr>
+              <a:lvl2pPr marL="742950" indent="-285750">
+                <a:defRPr>
+                  <a:solidFill>
+                    <a:schemeClr val="tx1"/>
+                  </a:solidFill>
+                  <a:latin typeface="Calibri" panose="020F0502020204030204" pitchFamily="34" charset="0"/>
+                </a:defRPr>
+              </a:lvl2pPr>
+              <a:lvl3pPr marL="1143000" indent="-228600">
+                <a:defRPr>
+                  <a:solidFill>
+                    <a:schemeClr val="tx1"/>
+                  </a:solidFill>
+                  <a:latin typeface="Calibri" panose="020F0502020204030204" pitchFamily="34" charset="0"/>
+                </a:defRPr>
+              </a:lvl3pPr>
+              <a:lvl4pPr marL="1600200" indent="-228600">
+                <a:defRPr>
+                  <a:solidFill>
+                    <a:schemeClr val="tx1"/>
+                  </a:solidFill>
+                  <a:latin typeface="Calibri" panose="020F0502020204030204" pitchFamily="34" charset="0"/>
+                </a:defRPr>
+              </a:lvl4pPr>
+              <a:lvl5pPr marL="2057400" indent="-228600">
+                <a:defRPr>
+                  <a:solidFill>
+                    <a:schemeClr val="tx1"/>
+                  </a:solidFill>
+                  <a:latin typeface="Calibri" panose="020F0502020204030204" pitchFamily="34" charset="0"/>
+                </a:defRPr>
+              </a:lvl5pPr>
+              <a:lvl6pPr marL="2514600" indent="-228600" eaLnBrk="0" fontAlgn="base" hangingPunct="0">
+                <a:spcBef>
+                  <a:spcPct val="0"/>
+                </a:spcBef>
+                <a:spcAft>
+                  <a:spcPct val="0"/>
+                </a:spcAft>
+                <a:defRPr>
+                  <a:solidFill>
+                    <a:schemeClr val="tx1"/>
+                  </a:solidFill>
+                  <a:latin typeface="Calibri" panose="020F0502020204030204" pitchFamily="34" charset="0"/>
+                </a:defRPr>
+              </a:lvl6pPr>
+              <a:lvl7pPr marL="2971800" indent="-228600" eaLnBrk="0" fontAlgn="base" hangingPunct="0">
+                <a:spcBef>
+                  <a:spcPct val="0"/>
+                </a:spcBef>
+                <a:spcAft>
+                  <a:spcPct val="0"/>
+                </a:spcAft>
+                <a:defRPr>
+                  <a:solidFill>
+                    <a:schemeClr val="tx1"/>
+                  </a:solidFill>
+                  <a:latin typeface="Calibri" panose="020F0502020204030204" pitchFamily="34" charset="0"/>
+                </a:defRPr>
+              </a:lvl7pPr>
+              <a:lvl8pPr marL="3429000" indent="-228600" eaLnBrk="0" fontAlgn="base" hangingPunct="0">
+                <a:spcBef>
+                  <a:spcPct val="0"/>
+                </a:spcBef>
+                <a:spcAft>
+                  <a:spcPct val="0"/>
+                </a:spcAft>
+                <a:defRPr>
+                  <a:solidFill>
+                    <a:schemeClr val="tx1"/>
+                  </a:solidFill>
+                  <a:latin typeface="Calibri" panose="020F0502020204030204" pitchFamily="34" charset="0"/>
+                </a:defRPr>
+              </a:lvl8pPr>
+              <a:lvl9pPr marL="3886200" indent="-228600" eaLnBrk="0" fontAlgn="base" hangingPunct="0">
+                <a:spcBef>
+                  <a:spcPct val="0"/>
+                </a:spcBef>
+                <a:spcAft>
+                  <a:spcPct val="0"/>
+                </a:spcAft>
+                <a:defRPr>
+                  <a:solidFill>
+                    <a:schemeClr val="tx1"/>
+                  </a:solidFill>
+                  <a:latin typeface="Calibri" panose="020F0502020204030204" pitchFamily="34" charset="0"/>
+                </a:defRPr>
+              </a:lvl9pPr>
+            </a:lstStyle>
+            <a:p>
+              <a:pPr algn="ctr" eaLnBrk="1" hangingPunct="1"/>
+              <a:r>
+                <a:rPr lang="en-US" altLang="en-US" sz="1200" dirty="0">
+                  <a:latin typeface="Arial" panose="020B0604020202020204" pitchFamily="34" charset="0"/>
+                  <a:ea typeface="Amazon Ember" panose="020B0603020204020204" pitchFamily="34" charset="0"/>
+                  <a:cs typeface="Arial" panose="020B0604020202020204" pitchFamily="34" charset="0"/>
+                </a:rPr>
+                <a:t>Amazon API Gateway</a:t>
+              </a:r>
+            </a:p>
+          </p:txBody>
+        </p:sp>
+        <p:sp>
+          <p:nvSpPr>
+            <p:cNvPr id="57" name="Rectangle 56">
+              <a:extLst>
+                <a:ext uri="{FF2B5EF4-FFF2-40B4-BE49-F238E27FC236}">
+                  <a16:creationId xmlns:a16="http://schemas.microsoft.com/office/drawing/2014/main" id="{643031CD-FEA2-4DCC-BD21-8EB9630B239B}"/>
+                </a:ext>
+              </a:extLst>
+            </p:cNvPr>
+            <p:cNvSpPr/>
+            <p:nvPr/>
+          </p:nvSpPr>
+          <p:spPr>
+            <a:xfrm>
+              <a:off x="2601995" y="2599426"/>
+              <a:ext cx="4389120" cy="3657600"/>
+            </a:xfrm>
+            <a:prstGeom prst="rect">
+              <a:avLst/>
+            </a:prstGeom>
+            <a:noFill/>
+            <a:ln w="15875">
+              <a:solidFill>
+                <a:srgbClr val="7D8998"/>
+              </a:solidFill>
+              <a:prstDash val="solid"/>
+            </a:ln>
+          </p:spPr>
+          <p:style>
+            <a:lnRef idx="2">
+              <a:schemeClr val="accent1">
+                <a:shade val="50000"/>
+              </a:schemeClr>
+            </a:lnRef>
+            <a:fillRef idx="1">
+              <a:schemeClr val="accent1"/>
+            </a:fillRef>
+            <a:effectRef idx="0">
+              <a:schemeClr val="accent1"/>
+            </a:effectRef>
+            <a:fontRef idx="minor">
+              <a:schemeClr val="lt1"/>
+            </a:fontRef>
+          </p:style>
+          <p:txBody>
+            <a:bodyPr lIns="324000" tIns="91440"/>
+            <a:lstStyle/>
+            <a:p>
+              <a:pPr eaLnBrk="1" hangingPunct="1"/>
+              <a:r>
+                <a:rPr lang="en-US" altLang="en-US" sz="1200" dirty="0">
+                  <a:solidFill>
+                    <a:schemeClr val="tx1"/>
+                  </a:solidFill>
+                  <a:latin typeface="Arial" panose="020B0604020202020204" pitchFamily="34" charset="0"/>
+                  <a:ea typeface="Amazon Ember" panose="020B0603020204020204" pitchFamily="34" charset="0"/>
+                  <a:cs typeface="Arial" panose="020B0604020202020204" pitchFamily="34" charset="0"/>
+                </a:rPr>
+                <a:t>Refactor Spaces environment</a:t>
+              </a:r>
+            </a:p>
+          </p:txBody>
+        </p:sp>
+        <p:sp>
+          <p:nvSpPr>
+            <p:cNvPr id="60" name="Rectangle 59">
+              <a:extLst>
+                <a:ext uri="{FF2B5EF4-FFF2-40B4-BE49-F238E27FC236}">
+                  <a16:creationId xmlns:a16="http://schemas.microsoft.com/office/drawing/2014/main" id="{8FC30DAF-4C15-4F63-BB01-A75B7252D36E}"/>
+                </a:ext>
+              </a:extLst>
+            </p:cNvPr>
+            <p:cNvSpPr/>
+            <p:nvPr/>
+          </p:nvSpPr>
+          <p:spPr>
+            <a:xfrm>
+              <a:off x="2701419" y="3867302"/>
+              <a:ext cx="4114800" cy="2194560"/>
+            </a:xfrm>
+            <a:prstGeom prst="rect">
+              <a:avLst/>
+            </a:prstGeom>
+            <a:noFill/>
+            <a:ln w="15875">
+              <a:solidFill>
+                <a:srgbClr val="7D8998"/>
+              </a:solidFill>
+              <a:prstDash val="dash"/>
+            </a:ln>
+          </p:spPr>
+          <p:style>
+            <a:lnRef idx="2">
+              <a:schemeClr val="accent1">
+                <a:shade val="50000"/>
+              </a:schemeClr>
+            </a:lnRef>
+            <a:fillRef idx="1">
+              <a:schemeClr val="accent1"/>
+            </a:fillRef>
+            <a:effectRef idx="0">
+              <a:schemeClr val="accent1"/>
+            </a:effectRef>
+            <a:fontRef idx="minor">
+              <a:schemeClr val="lt1"/>
+            </a:fontRef>
+          </p:style>
+          <p:txBody>
+            <a:bodyPr lIns="324000" tIns="91440"/>
+            <a:lstStyle/>
+            <a:p>
+              <a:pPr>
+                <a:defRPr/>
+              </a:pPr>
+              <a:r>
+                <a:rPr lang="en-US" altLang="en-US" sz="1200" dirty="0">
+                  <a:solidFill>
+                    <a:schemeClr val="tx1"/>
+                  </a:solidFill>
+                  <a:latin typeface="Arial" panose="020B0604020202020204" pitchFamily="34" charset="0"/>
+                  <a:ea typeface="Amazon Ember" panose="020B0603020204020204" pitchFamily="34" charset="0"/>
+                  <a:cs typeface="Arial" panose="020B0604020202020204" pitchFamily="34" charset="0"/>
+                </a:rPr>
+                <a:t>Refactor Spaces application</a:t>
+              </a:r>
+            </a:p>
+          </p:txBody>
+        </p:sp>
+        <p:sp>
+          <p:nvSpPr>
+            <p:cNvPr id="62" name="TextBox 15">
+              <a:extLst>
+                <a:ext uri="{FF2B5EF4-FFF2-40B4-BE49-F238E27FC236}">
+                  <a16:creationId xmlns:a16="http://schemas.microsoft.com/office/drawing/2014/main" id="{D2623317-193E-44F1-912D-FA9F9B023D03}"/>
+                </a:ext>
+              </a:extLst>
+            </p:cNvPr>
+            <p:cNvSpPr txBox="1">
+              <a:spLocks noChangeArrowheads="1"/>
+            </p:cNvSpPr>
+            <p:nvPr/>
+          </p:nvSpPr>
+          <p:spPr bwMode="auto">
+            <a:xfrm>
+              <a:off x="3864784" y="5537421"/>
+              <a:ext cx="2024359" cy="461665"/>
+            </a:xfrm>
+            <a:prstGeom prst="rect">
+              <a:avLst/>
+            </a:prstGeom>
+            <a:noFill/>
+            <a:ln>
+              <a:noFill/>
+            </a:ln>
+            <a:extLst>
+              <a:ext uri="{909E8E84-426E-40DD-AFC4-6F175D3DCCD1}">
+                <a14:hiddenFill xmlns:a14="http://schemas.microsoft.com/office/drawing/2010/main">
+                  <a:solidFill>
+                    <a:srgbClr val="FFFFFF"/>
+                  </a:solidFill>
+                </a14:hiddenFill>
+              </a:ext>
+              <a:ext uri="{91240B29-F687-4F45-9708-019B960494DF}">
+                <a14:hiddenLine xmlns:a14="http://schemas.microsoft.com/office/drawing/2010/main" w="9525">
+                  <a:solidFill>
+                    <a:srgbClr val="000000"/>
+                  </a:solidFill>
+                  <a:miter lim="800000"/>
+                  <a:headEnd/>
+                  <a:tailEnd/>
+                </a14:hiddenLine>
+              </a:ext>
+            </a:extLst>
+          </p:spPr>
+          <p:txBody>
+            <a:bodyPr wrap="square">
+              <a:spAutoFit/>
+            </a:bodyPr>
+            <a:lstStyle>
+              <a:lvl1pPr>
+                <a:defRPr>
+                  <a:solidFill>
+                    <a:schemeClr val="tx1"/>
+                  </a:solidFill>
+                  <a:latin typeface="Calibri" panose="020F0502020204030204" pitchFamily="34" charset="0"/>
+                </a:defRPr>
+              </a:lvl1pPr>
+              <a:lvl2pPr marL="742950" indent="-285750">
+                <a:defRPr>
+                  <a:solidFill>
+                    <a:schemeClr val="tx1"/>
+                  </a:solidFill>
+                  <a:latin typeface="Calibri" panose="020F0502020204030204" pitchFamily="34" charset="0"/>
+                </a:defRPr>
+              </a:lvl2pPr>
+              <a:lvl3pPr marL="1143000" indent="-228600">
+                <a:defRPr>
+                  <a:solidFill>
+                    <a:schemeClr val="tx1"/>
+                  </a:solidFill>
+                  <a:latin typeface="Calibri" panose="020F0502020204030204" pitchFamily="34" charset="0"/>
+                </a:defRPr>
+              </a:lvl3pPr>
+              <a:lvl4pPr marL="1600200" indent="-228600">
+                <a:defRPr>
+                  <a:solidFill>
+                    <a:schemeClr val="tx1"/>
+                  </a:solidFill>
+                  <a:latin typeface="Calibri" panose="020F0502020204030204" pitchFamily="34" charset="0"/>
+                </a:defRPr>
+              </a:lvl4pPr>
+              <a:lvl5pPr marL="2057400" indent="-228600">
+                <a:defRPr>
+                  <a:solidFill>
+                    <a:schemeClr val="tx1"/>
+                  </a:solidFill>
+                  <a:latin typeface="Calibri" panose="020F0502020204030204" pitchFamily="34" charset="0"/>
+                </a:defRPr>
+              </a:lvl5pPr>
+              <a:lvl6pPr marL="2514600" indent="-228600" eaLnBrk="0" fontAlgn="base" hangingPunct="0">
+                <a:spcBef>
+                  <a:spcPct val="0"/>
+                </a:spcBef>
+                <a:spcAft>
+                  <a:spcPct val="0"/>
+                </a:spcAft>
+                <a:defRPr>
+                  <a:solidFill>
+                    <a:schemeClr val="tx1"/>
+                  </a:solidFill>
+                  <a:latin typeface="Calibri" panose="020F0502020204030204" pitchFamily="34" charset="0"/>
+                </a:defRPr>
+              </a:lvl6pPr>
+              <a:lvl7pPr marL="2971800" indent="-228600" eaLnBrk="0" fontAlgn="base" hangingPunct="0">
+                <a:spcBef>
+                  <a:spcPct val="0"/>
+                </a:spcBef>
+                <a:spcAft>
+                  <a:spcPct val="0"/>
+                </a:spcAft>
+                <a:defRPr>
+                  <a:solidFill>
+                    <a:schemeClr val="tx1"/>
+                  </a:solidFill>
+                  <a:latin typeface="Calibri" panose="020F0502020204030204" pitchFamily="34" charset="0"/>
+                </a:defRPr>
+              </a:lvl7pPr>
+              <a:lvl8pPr marL="3429000" indent="-228600" eaLnBrk="0" fontAlgn="base" hangingPunct="0">
+                <a:spcBef>
+                  <a:spcPct val="0"/>
+                </a:spcBef>
+                <a:spcAft>
+                  <a:spcPct val="0"/>
+                </a:spcAft>
+                <a:defRPr>
+                  <a:solidFill>
+                    <a:schemeClr val="tx1"/>
+                  </a:solidFill>
+                  <a:latin typeface="Calibri" panose="020F0502020204030204" pitchFamily="34" charset="0"/>
+                </a:defRPr>
+              </a:lvl8pPr>
+              <a:lvl9pPr marL="3886200" indent="-228600" eaLnBrk="0" fontAlgn="base" hangingPunct="0">
+                <a:spcBef>
+                  <a:spcPct val="0"/>
+                </a:spcBef>
+                <a:spcAft>
+                  <a:spcPct val="0"/>
+                </a:spcAft>
+                <a:defRPr>
+                  <a:solidFill>
+                    <a:schemeClr val="tx1"/>
+                  </a:solidFill>
+                  <a:latin typeface="Calibri" panose="020F0502020204030204" pitchFamily="34" charset="0"/>
+                </a:defRPr>
+              </a:lvl9pPr>
+            </a:lstStyle>
+            <a:p>
+              <a:pPr algn="ctr" eaLnBrk="1" hangingPunct="1"/>
+              <a:r>
+                <a:rPr lang="en-US" altLang="en-US" sz="1200" dirty="0">
+                  <a:latin typeface="Arial" panose="020B0604020202020204" pitchFamily="34" charset="0"/>
+                  <a:ea typeface="Amazon Ember" panose="020B0603020204020204" pitchFamily="34" charset="0"/>
+                  <a:cs typeface="Arial" panose="020B0604020202020204" pitchFamily="34" charset="0"/>
+                </a:rPr>
+                <a:t>Refactor Spaces </a:t>
+              </a:r>
+            </a:p>
+            <a:p>
+              <a:pPr algn="ctr" eaLnBrk="1" hangingPunct="1"/>
+              <a:r>
+                <a:rPr lang="en-US" altLang="en-US" sz="1200" dirty="0">
+                  <a:latin typeface="Arial" panose="020B0604020202020204" pitchFamily="34" charset="0"/>
+                  <a:ea typeface="Amazon Ember" panose="020B0603020204020204" pitchFamily="34" charset="0"/>
+                  <a:cs typeface="Arial" panose="020B0604020202020204" pitchFamily="34" charset="0"/>
+                </a:rPr>
+                <a:t>service (AddToCart)</a:t>
+              </a:r>
+            </a:p>
+          </p:txBody>
+        </p:sp>
+        <p:pic>
+          <p:nvPicPr>
+            <p:cNvPr id="63" name="Graphic 62">
+              <a:extLst>
+                <a:ext uri="{FF2B5EF4-FFF2-40B4-BE49-F238E27FC236}">
+                  <a16:creationId xmlns:a16="http://schemas.microsoft.com/office/drawing/2014/main" id="{E9840B1D-4762-4E2D-8E28-277253A751F8}"/>
+                </a:ext>
+              </a:extLst>
+            </p:cNvPr>
+            <p:cNvPicPr>
+              <a:picLocks noChangeAspect="1"/>
+            </p:cNvPicPr>
+            <p:nvPr/>
+          </p:nvPicPr>
+          <p:blipFill>
+            <a:blip r:embed="rId24">
+              <a:extLst>
+                <a:ext uri="{96DAC541-7B7A-43D3-8B79-37D633B846F1}">
+                  <asvg:svgBlip xmlns:asvg="http://schemas.microsoft.com/office/drawing/2016/SVG/main" r:embed="rId25"/>
+                </a:ext>
+              </a:extLst>
+            </a:blip>
+            <a:stretch>
+              <a:fillRect/>
+            </a:stretch>
+          </p:blipFill>
+          <p:spPr>
+            <a:xfrm>
+              <a:off x="4635956" y="5171661"/>
+              <a:ext cx="457200" cy="457200"/>
+            </a:xfrm>
+            <a:prstGeom prst="rect">
+              <a:avLst/>
+            </a:prstGeom>
+          </p:spPr>
+        </p:pic>
+      </p:grpSp>
       <p:sp>
         <p:nvSpPr>
-          <p:cNvPr id="48" name="TextBox 15">
-            <a:extLst>
-              <a:ext uri="{FF2B5EF4-FFF2-40B4-BE49-F238E27FC236}">
-                <a16:creationId xmlns:a16="http://schemas.microsoft.com/office/drawing/2014/main" id="{532C2467-005C-4953-8E7E-0545263E2102}"/>
+          <p:cNvPr id="84" name="TextBox 19">
+            <a:extLst>
+              <a:ext uri="{FF2B5EF4-FFF2-40B4-BE49-F238E27FC236}">
+                <a16:creationId xmlns:a16="http://schemas.microsoft.com/office/drawing/2014/main" id="{E84E6ED0-0965-42EC-9F6E-82F31025D2E9}"/>
               </a:ext>
             </a:extLst>
           </p:cNvPr>
@@ -4963,8 +5996,8 @@
         </p:nvSpPr>
         <p:spPr bwMode="auto">
           <a:xfrm>
-            <a:off x="4103752" y="4601800"/>
-            <a:ext cx="1136497" cy="369332"/>
+            <a:off x="8686800" y="5184816"/>
+            <a:ext cx="1313319" cy="461665"/>
           </a:xfrm>
           <a:prstGeom prst="rect">
             <a:avLst/>
@@ -5098,33 +6131,37 @@
           <a:p>
             <a:pPr algn="ctr" eaLnBrk="1" hangingPunct="1"/>
             <a:r>
-              <a:rPr lang="en-US" altLang="en-US" sz="900" dirty="0">
+              <a:rPr lang="en-US" altLang="en-US" sz="1200" dirty="0">
                 <a:latin typeface="Arial" panose="020B0604020202020204" pitchFamily="34" charset="0"/>
                 <a:ea typeface="Amazon Ember" panose="020B0603020204020204" pitchFamily="34" charset="0"/>
                 <a:cs typeface="Arial" panose="020B0604020202020204" pitchFamily="34" charset="0"/>
               </a:rPr>
-              <a:t>Refactor Spaces </a:t>
-            </a:r>
-          </a:p>
-          <a:p>
-            <a:pPr algn="ctr" eaLnBrk="1" hangingPunct="1"/>
-            <a:r>
-              <a:rPr lang="en-US" altLang="en-US" sz="900" dirty="0">
+              <a:t>Application Load </a:t>
+            </a:r>
+            <a:br>
+              <a:rPr lang="en-US" altLang="en-US" sz="1200" dirty="0">
                 <a:latin typeface="Arial" panose="020B0604020202020204" pitchFamily="34" charset="0"/>
                 <a:ea typeface="Amazon Ember" panose="020B0603020204020204" pitchFamily="34" charset="0"/>
                 <a:cs typeface="Arial" panose="020B0604020202020204" pitchFamily="34" charset="0"/>
               </a:rPr>
-              <a:t>service (Default)</a:t>
+            </a:br>
+            <a:r>
+              <a:rPr lang="en-US" altLang="en-US" sz="1200" dirty="0">
+                <a:latin typeface="Arial" panose="020B0604020202020204" pitchFamily="34" charset="0"/>
+                <a:ea typeface="Amazon Ember" panose="020B0603020204020204" pitchFamily="34" charset="0"/>
+                <a:cs typeface="Arial" panose="020B0604020202020204" pitchFamily="34" charset="0"/>
+              </a:rPr>
+              <a:t>Balancer</a:t>
             </a:r>
           </a:p>
         </p:txBody>
       </p:sp>
       <p:pic>
         <p:nvPicPr>
-          <p:cNvPr id="49" name="Graphic 48">
-            <a:extLst>
-              <a:ext uri="{FF2B5EF4-FFF2-40B4-BE49-F238E27FC236}">
-                <a16:creationId xmlns:a16="http://schemas.microsoft.com/office/drawing/2014/main" id="{053ECE4B-A000-4DF5-821C-3C025F1FB6F3}"/>
+          <p:cNvPr id="85" name="Graphic 84">
+            <a:extLst>
+              <a:ext uri="{FF2B5EF4-FFF2-40B4-BE49-F238E27FC236}">
+                <a16:creationId xmlns:a16="http://schemas.microsoft.com/office/drawing/2014/main" id="{81A3349A-8FE8-4F4F-BEE3-42D3FF9ADA53}"/>
               </a:ext>
             </a:extLst>
           </p:cNvPr>
@@ -5134,10 +6171,10 @@
           <p:nvPr/>
         </p:nvPicPr>
         <p:blipFill>
-          <a:blip r:embed="rId26">
+          <a:blip r:embed="rId28">
             <a:extLst>
               <a:ext uri="{96DAC541-7B7A-43D3-8B79-37D633B846F1}">
-                <asvg:svgBlip xmlns:asvg="http://schemas.microsoft.com/office/drawing/2016/SVG/main" r:embed="rId27"/>
+                <asvg:svgBlip xmlns:asvg="http://schemas.microsoft.com/office/drawing/2016/SVG/main" r:embed="rId29"/>
               </a:ext>
             </a:extLst>
           </a:blip>
@@ -5147,1461 +6184,8 @@
         </p:blipFill>
         <p:spPr>
           <a:xfrm>
-            <a:off x="4541107" y="4345369"/>
-            <a:ext cx="255886" cy="255886"/>
-          </a:xfrm>
-          <a:prstGeom prst="rect">
-            <a:avLst/>
-          </a:prstGeom>
-        </p:spPr>
-      </p:pic>
-      <p:pic>
-        <p:nvPicPr>
-          <p:cNvPr id="50" name="Graphic 17">
-            <a:extLst>
-              <a:ext uri="{FF2B5EF4-FFF2-40B4-BE49-F238E27FC236}">
-                <a16:creationId xmlns:a16="http://schemas.microsoft.com/office/drawing/2014/main" id="{8FF66690-4F04-4B76-8D8E-0C33630EE502}"/>
-              </a:ext>
-            </a:extLst>
-          </p:cNvPr>
-          <p:cNvPicPr>
-            <a:picLocks noChangeAspect="1" noChangeArrowheads="1"/>
-          </p:cNvPicPr>
-          <p:nvPr/>
-        </p:nvPicPr>
-        <p:blipFill>
-          <a:blip r:embed="rId28">
-            <a:extLst>
-              <a:ext uri="{96DAC541-7B7A-43D3-8B79-37D633B846F1}">
-                <asvg:svgBlip xmlns:asvg="http://schemas.microsoft.com/office/drawing/2016/SVG/main" r:embed="rId29"/>
-              </a:ext>
-            </a:extLst>
-          </a:blip>
-          <a:srcRect/>
-          <a:stretch/>
-        </p:blipFill>
-        <p:spPr bwMode="auto">
-          <a:xfrm>
-            <a:off x="3051950" y="4270285"/>
-            <a:ext cx="406752" cy="406752"/>
-          </a:xfrm>
-          <a:prstGeom prst="rect">
-            <a:avLst/>
-          </a:prstGeom>
-          <a:noFill/>
-          <a:ln>
-            <a:noFill/>
-          </a:ln>
-          <a:extLst>
-            <a:ext uri="{909E8E84-426E-40DD-AFC4-6F175D3DCCD1}">
-              <a14:hiddenFill xmlns:a14="http://schemas.microsoft.com/office/drawing/2010/main">
-                <a:solidFill>
-                  <a:srgbClr val="FFFFFF"/>
-                </a:solidFill>
-              </a14:hiddenFill>
-            </a:ext>
-            <a:ext uri="{91240B29-F687-4F45-9708-019B960494DF}">
-              <a14:hiddenLine xmlns:a14="http://schemas.microsoft.com/office/drawing/2010/main" w="9525">
-                <a:solidFill>
-                  <a:srgbClr val="000000"/>
-                </a:solidFill>
-                <a:miter lim="800000"/>
-                <a:headEnd/>
-                <a:tailEnd/>
-              </a14:hiddenLine>
-            </a:ext>
-          </a:extLst>
-        </p:spPr>
-      </p:pic>
-      <p:sp>
-        <p:nvSpPr>
-          <p:cNvPr id="51" name="TextBox 9">
-            <a:extLst>
-              <a:ext uri="{FF2B5EF4-FFF2-40B4-BE49-F238E27FC236}">
-                <a16:creationId xmlns:a16="http://schemas.microsoft.com/office/drawing/2014/main" id="{DB85C0B5-5239-4884-BA2A-8CF780590CB3}"/>
-              </a:ext>
-            </a:extLst>
-          </p:cNvPr>
-          <p:cNvSpPr txBox="1">
-            <a:spLocks noChangeArrowheads="1"/>
-          </p:cNvSpPr>
-          <p:nvPr/>
-        </p:nvSpPr>
-        <p:spPr bwMode="auto">
-          <a:xfrm>
-            <a:off x="2664168" y="4645338"/>
-            <a:ext cx="1198474" cy="415498"/>
-          </a:xfrm>
-          <a:prstGeom prst="rect">
-            <a:avLst/>
-          </a:prstGeom>
-          <a:noFill/>
-          <a:ln>
-            <a:noFill/>
-          </a:ln>
-          <a:extLst>
-            <a:ext uri="{909E8E84-426E-40DD-AFC4-6F175D3DCCD1}">
-              <a14:hiddenFill xmlns:a14="http://schemas.microsoft.com/office/drawing/2010/main">
-                <a:solidFill>
-                  <a:srgbClr val="FFFFFF"/>
-                </a:solidFill>
-              </a14:hiddenFill>
-            </a:ext>
-            <a:ext uri="{91240B29-F687-4F45-9708-019B960494DF}">
-              <a14:hiddenLine xmlns:a14="http://schemas.microsoft.com/office/drawing/2010/main" w="9525">
-                <a:solidFill>
-                  <a:srgbClr val="000000"/>
-                </a:solidFill>
-                <a:miter lim="800000"/>
-                <a:headEnd/>
-                <a:tailEnd/>
-              </a14:hiddenLine>
-            </a:ext>
-          </a:extLst>
-        </p:spPr>
-        <p:txBody>
-          <a:bodyPr wrap="square">
-            <a:spAutoFit/>
-          </a:bodyPr>
-          <a:lstStyle>
-            <a:lvl1pPr>
-              <a:defRPr>
-                <a:solidFill>
-                  <a:schemeClr val="tx1"/>
-                </a:solidFill>
-                <a:latin typeface="Calibri" panose="020F0502020204030204" pitchFamily="34" charset="0"/>
-              </a:defRPr>
-            </a:lvl1pPr>
-            <a:lvl2pPr marL="742950" indent="-285750">
-              <a:defRPr>
-                <a:solidFill>
-                  <a:schemeClr val="tx1"/>
-                </a:solidFill>
-                <a:latin typeface="Calibri" panose="020F0502020204030204" pitchFamily="34" charset="0"/>
-              </a:defRPr>
-            </a:lvl2pPr>
-            <a:lvl3pPr marL="1143000" indent="-228600">
-              <a:defRPr>
-                <a:solidFill>
-                  <a:schemeClr val="tx1"/>
-                </a:solidFill>
-                <a:latin typeface="Calibri" panose="020F0502020204030204" pitchFamily="34" charset="0"/>
-              </a:defRPr>
-            </a:lvl3pPr>
-            <a:lvl4pPr marL="1600200" indent="-228600">
-              <a:defRPr>
-                <a:solidFill>
-                  <a:schemeClr val="tx1"/>
-                </a:solidFill>
-                <a:latin typeface="Calibri" panose="020F0502020204030204" pitchFamily="34" charset="0"/>
-              </a:defRPr>
-            </a:lvl4pPr>
-            <a:lvl5pPr marL="2057400" indent="-228600">
-              <a:defRPr>
-                <a:solidFill>
-                  <a:schemeClr val="tx1"/>
-                </a:solidFill>
-                <a:latin typeface="Calibri" panose="020F0502020204030204" pitchFamily="34" charset="0"/>
-              </a:defRPr>
-            </a:lvl5pPr>
-            <a:lvl6pPr marL="2514600" indent="-228600" eaLnBrk="0" fontAlgn="base" hangingPunct="0">
-              <a:spcBef>
-                <a:spcPct val="0"/>
-              </a:spcBef>
-              <a:spcAft>
-                <a:spcPct val="0"/>
-              </a:spcAft>
-              <a:defRPr>
-                <a:solidFill>
-                  <a:schemeClr val="tx1"/>
-                </a:solidFill>
-                <a:latin typeface="Calibri" panose="020F0502020204030204" pitchFamily="34" charset="0"/>
-              </a:defRPr>
-            </a:lvl6pPr>
-            <a:lvl7pPr marL="2971800" indent="-228600" eaLnBrk="0" fontAlgn="base" hangingPunct="0">
-              <a:spcBef>
-                <a:spcPct val="0"/>
-              </a:spcBef>
-              <a:spcAft>
-                <a:spcPct val="0"/>
-              </a:spcAft>
-              <a:defRPr>
-                <a:solidFill>
-                  <a:schemeClr val="tx1"/>
-                </a:solidFill>
-                <a:latin typeface="Calibri" panose="020F0502020204030204" pitchFamily="34" charset="0"/>
-              </a:defRPr>
-            </a:lvl7pPr>
-            <a:lvl8pPr marL="3429000" indent="-228600" eaLnBrk="0" fontAlgn="base" hangingPunct="0">
-              <a:spcBef>
-                <a:spcPct val="0"/>
-              </a:spcBef>
-              <a:spcAft>
-                <a:spcPct val="0"/>
-              </a:spcAft>
-              <a:defRPr>
-                <a:solidFill>
-                  <a:schemeClr val="tx1"/>
-                </a:solidFill>
-                <a:latin typeface="Calibri" panose="020F0502020204030204" pitchFamily="34" charset="0"/>
-              </a:defRPr>
-            </a:lvl8pPr>
-            <a:lvl9pPr marL="3886200" indent="-228600" eaLnBrk="0" fontAlgn="base" hangingPunct="0">
-              <a:spcBef>
-                <a:spcPct val="0"/>
-              </a:spcBef>
-              <a:spcAft>
-                <a:spcPct val="0"/>
-              </a:spcAft>
-              <a:defRPr>
-                <a:solidFill>
-                  <a:schemeClr val="tx1"/>
-                </a:solidFill>
-                <a:latin typeface="Calibri" panose="020F0502020204030204" pitchFamily="34" charset="0"/>
-              </a:defRPr>
-            </a:lvl9pPr>
-          </a:lstStyle>
-          <a:p>
-            <a:pPr algn="ctr" eaLnBrk="1" hangingPunct="1"/>
-            <a:r>
-              <a:rPr lang="en-US" altLang="en-US" sz="1050" dirty="0">
-                <a:latin typeface="Arial" panose="020B0604020202020204" pitchFamily="34" charset="0"/>
-                <a:ea typeface="Amazon Ember" panose="020B0603020204020204" pitchFamily="34" charset="0"/>
-                <a:cs typeface="Arial" panose="020B0604020202020204" pitchFamily="34" charset="0"/>
-              </a:rPr>
-              <a:t>Amazon API Gateway</a:t>
-            </a:r>
-          </a:p>
-        </p:txBody>
-      </p:sp>
-      <p:pic>
-        <p:nvPicPr>
-          <p:cNvPr id="52" name="Graphic 23">
-            <a:extLst>
-              <a:ext uri="{FF2B5EF4-FFF2-40B4-BE49-F238E27FC236}">
-                <a16:creationId xmlns:a16="http://schemas.microsoft.com/office/drawing/2014/main" id="{32436727-7B71-49C8-8E86-BF5073C2DBBD}"/>
-              </a:ext>
-            </a:extLst>
-          </p:cNvPr>
-          <p:cNvPicPr>
-            <a:picLocks noChangeAspect="1" noChangeArrowheads="1"/>
-          </p:cNvPicPr>
-          <p:nvPr/>
-        </p:nvPicPr>
-        <p:blipFill>
-          <a:blip r:embed="rId30">
-            <a:extLst>
-              <a:ext uri="{96DAC541-7B7A-43D3-8B79-37D633B846F1}">
-                <asvg:svgBlip xmlns:asvg="http://schemas.microsoft.com/office/drawing/2016/SVG/main" r:embed="rId31"/>
-              </a:ext>
-            </a:extLst>
-          </a:blip>
-          <a:srcRect/>
-          <a:stretch/>
-        </p:blipFill>
-        <p:spPr bwMode="auto">
-          <a:xfrm flipH="1">
-            <a:off x="589447" y="4317472"/>
+            <a:off x="9144000" y="4773336"/>
             <a:ext cx="457200" cy="457200"/>
-          </a:xfrm>
-          <a:prstGeom prst="rect">
-            <a:avLst/>
-          </a:prstGeom>
-          <a:noFill/>
-          <a:ln>
-            <a:noFill/>
-          </a:ln>
-          <a:extLst>
-            <a:ext uri="{909E8E84-426E-40DD-AFC4-6F175D3DCCD1}">
-              <a14:hiddenFill xmlns:a14="http://schemas.microsoft.com/office/drawing/2010/main">
-                <a:solidFill>
-                  <a:srgbClr val="FFFFFF"/>
-                </a:solidFill>
-              </a14:hiddenFill>
-            </a:ext>
-            <a:ext uri="{91240B29-F687-4F45-9708-019B960494DF}">
-              <a14:hiddenLine xmlns:a14="http://schemas.microsoft.com/office/drawing/2010/main" w="9525">
-                <a:solidFill>
-                  <a:srgbClr val="000000"/>
-                </a:solidFill>
-                <a:miter lim="800000"/>
-                <a:headEnd/>
-                <a:tailEnd/>
-              </a14:hiddenLine>
-            </a:ext>
-          </a:extLst>
-        </p:spPr>
-      </p:pic>
-      <p:sp>
-        <p:nvSpPr>
-          <p:cNvPr id="53" name="TextBox 40">
-            <a:extLst>
-              <a:ext uri="{FF2B5EF4-FFF2-40B4-BE49-F238E27FC236}">
-                <a16:creationId xmlns:a16="http://schemas.microsoft.com/office/drawing/2014/main" id="{9FAB52EA-F133-4FE8-89A8-13216AED8AA9}"/>
-              </a:ext>
-            </a:extLst>
-          </p:cNvPr>
-          <p:cNvSpPr txBox="1">
-            <a:spLocks noChangeArrowheads="1"/>
-          </p:cNvSpPr>
-          <p:nvPr/>
-        </p:nvSpPr>
-        <p:spPr bwMode="auto">
-          <a:xfrm>
-            <a:off x="281472" y="5010992"/>
-            <a:ext cx="1073150" cy="253916"/>
-          </a:xfrm>
-          <a:prstGeom prst="rect">
-            <a:avLst/>
-          </a:prstGeom>
-          <a:noFill/>
-          <a:ln>
-            <a:noFill/>
-          </a:ln>
-          <a:extLst>
-            <a:ext uri="{909E8E84-426E-40DD-AFC4-6F175D3DCCD1}">
-              <a14:hiddenFill xmlns:a14="http://schemas.microsoft.com/office/drawing/2010/main">
-                <a:solidFill>
-                  <a:srgbClr val="FFFFFF"/>
-                </a:solidFill>
-              </a14:hiddenFill>
-            </a:ext>
-            <a:ext uri="{91240B29-F687-4F45-9708-019B960494DF}">
-              <a14:hiddenLine xmlns:a14="http://schemas.microsoft.com/office/drawing/2010/main" w="9525">
-                <a:solidFill>
-                  <a:srgbClr val="000000"/>
-                </a:solidFill>
-                <a:miter lim="800000"/>
-                <a:headEnd/>
-                <a:tailEnd/>
-              </a14:hiddenLine>
-            </a:ext>
-          </a:extLst>
-        </p:spPr>
-        <p:txBody>
-          <a:bodyPr>
-            <a:spAutoFit/>
-          </a:bodyPr>
-          <a:lstStyle>
-            <a:lvl1pPr>
-              <a:defRPr>
-                <a:solidFill>
-                  <a:schemeClr val="tx1"/>
-                </a:solidFill>
-                <a:latin typeface="Calibri" panose="020F0502020204030204" pitchFamily="34" charset="0"/>
-              </a:defRPr>
-            </a:lvl1pPr>
-            <a:lvl2pPr marL="742950" indent="-285750">
-              <a:defRPr>
-                <a:solidFill>
-                  <a:schemeClr val="tx1"/>
-                </a:solidFill>
-                <a:latin typeface="Calibri" panose="020F0502020204030204" pitchFamily="34" charset="0"/>
-              </a:defRPr>
-            </a:lvl2pPr>
-            <a:lvl3pPr marL="1143000" indent="-228600">
-              <a:defRPr>
-                <a:solidFill>
-                  <a:schemeClr val="tx1"/>
-                </a:solidFill>
-                <a:latin typeface="Calibri" panose="020F0502020204030204" pitchFamily="34" charset="0"/>
-              </a:defRPr>
-            </a:lvl3pPr>
-            <a:lvl4pPr marL="1600200" indent="-228600">
-              <a:defRPr>
-                <a:solidFill>
-                  <a:schemeClr val="tx1"/>
-                </a:solidFill>
-                <a:latin typeface="Calibri" panose="020F0502020204030204" pitchFamily="34" charset="0"/>
-              </a:defRPr>
-            </a:lvl4pPr>
-            <a:lvl5pPr marL="2057400" indent="-228600">
-              <a:defRPr>
-                <a:solidFill>
-                  <a:schemeClr val="tx1"/>
-                </a:solidFill>
-                <a:latin typeface="Calibri" panose="020F0502020204030204" pitchFamily="34" charset="0"/>
-              </a:defRPr>
-            </a:lvl5pPr>
-            <a:lvl6pPr marL="2514600" indent="-228600" eaLnBrk="0" fontAlgn="base" hangingPunct="0">
-              <a:spcBef>
-                <a:spcPct val="0"/>
-              </a:spcBef>
-              <a:spcAft>
-                <a:spcPct val="0"/>
-              </a:spcAft>
-              <a:defRPr>
-                <a:solidFill>
-                  <a:schemeClr val="tx1"/>
-                </a:solidFill>
-                <a:latin typeface="Calibri" panose="020F0502020204030204" pitchFamily="34" charset="0"/>
-              </a:defRPr>
-            </a:lvl6pPr>
-            <a:lvl7pPr marL="2971800" indent="-228600" eaLnBrk="0" fontAlgn="base" hangingPunct="0">
-              <a:spcBef>
-                <a:spcPct val="0"/>
-              </a:spcBef>
-              <a:spcAft>
-                <a:spcPct val="0"/>
-              </a:spcAft>
-              <a:defRPr>
-                <a:solidFill>
-                  <a:schemeClr val="tx1"/>
-                </a:solidFill>
-                <a:latin typeface="Calibri" panose="020F0502020204030204" pitchFamily="34" charset="0"/>
-              </a:defRPr>
-            </a:lvl7pPr>
-            <a:lvl8pPr marL="3429000" indent="-228600" eaLnBrk="0" fontAlgn="base" hangingPunct="0">
-              <a:spcBef>
-                <a:spcPct val="0"/>
-              </a:spcBef>
-              <a:spcAft>
-                <a:spcPct val="0"/>
-              </a:spcAft>
-              <a:defRPr>
-                <a:solidFill>
-                  <a:schemeClr val="tx1"/>
-                </a:solidFill>
-                <a:latin typeface="Calibri" panose="020F0502020204030204" pitchFamily="34" charset="0"/>
-              </a:defRPr>
-            </a:lvl8pPr>
-            <a:lvl9pPr marL="3886200" indent="-228600" eaLnBrk="0" fontAlgn="base" hangingPunct="0">
-              <a:spcBef>
-                <a:spcPct val="0"/>
-              </a:spcBef>
-              <a:spcAft>
-                <a:spcPct val="0"/>
-              </a:spcAft>
-              <a:defRPr>
-                <a:solidFill>
-                  <a:schemeClr val="tx1"/>
-                </a:solidFill>
-                <a:latin typeface="Calibri" panose="020F0502020204030204" pitchFamily="34" charset="0"/>
-              </a:defRPr>
-            </a:lvl9pPr>
-          </a:lstStyle>
-          <a:p>
-            <a:pPr algn="ctr" eaLnBrk="1" hangingPunct="1"/>
-            <a:r>
-              <a:rPr lang="en-US" altLang="en-US" sz="1050" dirty="0">
-                <a:latin typeface="Arial" panose="020B0604020202020204" pitchFamily="34" charset="0"/>
-                <a:cs typeface="Arial" panose="020B0604020202020204" pitchFamily="34" charset="0"/>
-              </a:rPr>
-              <a:t>Users</a:t>
-            </a:r>
-          </a:p>
-        </p:txBody>
-      </p:sp>
-      <p:cxnSp>
-        <p:nvCxnSpPr>
-          <p:cNvPr id="54" name="Straight Arrow Connector 53">
-            <a:extLst>
-              <a:ext uri="{FF2B5EF4-FFF2-40B4-BE49-F238E27FC236}">
-                <a16:creationId xmlns:a16="http://schemas.microsoft.com/office/drawing/2014/main" id="{B20189D1-B2DF-4211-8ADC-62AEDA0BABBE}"/>
-              </a:ext>
-            </a:extLst>
-          </p:cNvPr>
-          <p:cNvCxnSpPr>
-            <a:cxnSpLocks/>
-            <a:endCxn id="50" idx="1"/>
-          </p:cNvCxnSpPr>
-          <p:nvPr/>
-        </p:nvCxnSpPr>
-        <p:spPr>
-          <a:xfrm flipV="1">
-            <a:off x="1091846" y="4473661"/>
-            <a:ext cx="1960104" cy="6501"/>
-          </a:xfrm>
-          <a:prstGeom prst="straightConnector1">
-            <a:avLst/>
-          </a:prstGeom>
-          <a:ln w="15875">
-            <a:solidFill>
-              <a:schemeClr val="tx1"/>
-            </a:solidFill>
-            <a:headEnd type="none" w="med" len="sm"/>
-            <a:tailEnd type="arrow" w="med" len="sm"/>
-          </a:ln>
-        </p:spPr>
-        <p:style>
-          <a:lnRef idx="1">
-            <a:schemeClr val="accent1"/>
-          </a:lnRef>
-          <a:fillRef idx="0">
-            <a:schemeClr val="accent1"/>
-          </a:fillRef>
-          <a:effectRef idx="0">
-            <a:schemeClr val="accent1"/>
-          </a:effectRef>
-          <a:fontRef idx="minor">
-            <a:schemeClr val="tx1"/>
-          </a:fontRef>
-        </p:style>
-      </p:cxnSp>
-      <p:sp>
-        <p:nvSpPr>
-          <p:cNvPr id="55" name="TextBox 22">
-            <a:extLst>
-              <a:ext uri="{FF2B5EF4-FFF2-40B4-BE49-F238E27FC236}">
-                <a16:creationId xmlns:a16="http://schemas.microsoft.com/office/drawing/2014/main" id="{6386E3B5-87AF-4356-B530-58D7B6A4E778}"/>
-              </a:ext>
-            </a:extLst>
-          </p:cNvPr>
-          <p:cNvSpPr txBox="1">
-            <a:spLocks noChangeArrowheads="1"/>
-          </p:cNvSpPr>
-          <p:nvPr/>
-        </p:nvSpPr>
-        <p:spPr bwMode="auto">
-          <a:xfrm>
-            <a:off x="8625554" y="2508640"/>
-            <a:ext cx="1145068" cy="369332"/>
-          </a:xfrm>
-          <a:prstGeom prst="rect">
-            <a:avLst/>
-          </a:prstGeom>
-          <a:noFill/>
-          <a:ln>
-            <a:noFill/>
-          </a:ln>
-          <a:extLst>
-            <a:ext uri="{909E8E84-426E-40DD-AFC4-6F175D3DCCD1}">
-              <a14:hiddenFill xmlns:a14="http://schemas.microsoft.com/office/drawing/2010/main">
-                <a:solidFill>
-                  <a:srgbClr val="FFFFFF"/>
-                </a:solidFill>
-              </a14:hiddenFill>
-            </a:ext>
-            <a:ext uri="{91240B29-F687-4F45-9708-019B960494DF}">
-              <a14:hiddenLine xmlns:a14="http://schemas.microsoft.com/office/drawing/2010/main" w="9525">
-                <a:solidFill>
-                  <a:srgbClr val="000000"/>
-                </a:solidFill>
-                <a:miter lim="800000"/>
-                <a:headEnd/>
-                <a:tailEnd/>
-              </a14:hiddenLine>
-            </a:ext>
-          </a:extLst>
-        </p:spPr>
-        <p:txBody>
-          <a:bodyPr wrap="square">
-            <a:spAutoFit/>
-          </a:bodyPr>
-          <a:lstStyle>
-            <a:lvl1pPr>
-              <a:defRPr>
-                <a:solidFill>
-                  <a:schemeClr val="tx1"/>
-                </a:solidFill>
-                <a:latin typeface="Calibri" panose="020F0502020204030204" pitchFamily="34" charset="0"/>
-              </a:defRPr>
-            </a:lvl1pPr>
-            <a:lvl2pPr marL="742950" indent="-285750">
-              <a:defRPr>
-                <a:solidFill>
-                  <a:schemeClr val="tx1"/>
-                </a:solidFill>
-                <a:latin typeface="Calibri" panose="020F0502020204030204" pitchFamily="34" charset="0"/>
-              </a:defRPr>
-            </a:lvl2pPr>
-            <a:lvl3pPr marL="1143000" indent="-228600">
-              <a:defRPr>
-                <a:solidFill>
-                  <a:schemeClr val="tx1"/>
-                </a:solidFill>
-                <a:latin typeface="Calibri" panose="020F0502020204030204" pitchFamily="34" charset="0"/>
-              </a:defRPr>
-            </a:lvl3pPr>
-            <a:lvl4pPr marL="1600200" indent="-228600">
-              <a:defRPr>
-                <a:solidFill>
-                  <a:schemeClr val="tx1"/>
-                </a:solidFill>
-                <a:latin typeface="Calibri" panose="020F0502020204030204" pitchFamily="34" charset="0"/>
-              </a:defRPr>
-            </a:lvl4pPr>
-            <a:lvl5pPr marL="2057400" indent="-228600">
-              <a:defRPr>
-                <a:solidFill>
-                  <a:schemeClr val="tx1"/>
-                </a:solidFill>
-                <a:latin typeface="Calibri" panose="020F0502020204030204" pitchFamily="34" charset="0"/>
-              </a:defRPr>
-            </a:lvl5pPr>
-            <a:lvl6pPr marL="2514600" indent="-228600" eaLnBrk="0" fontAlgn="base" hangingPunct="0">
-              <a:spcBef>
-                <a:spcPct val="0"/>
-              </a:spcBef>
-              <a:spcAft>
-                <a:spcPct val="0"/>
-              </a:spcAft>
-              <a:defRPr>
-                <a:solidFill>
-                  <a:schemeClr val="tx1"/>
-                </a:solidFill>
-                <a:latin typeface="Calibri" panose="020F0502020204030204" pitchFamily="34" charset="0"/>
-              </a:defRPr>
-            </a:lvl6pPr>
-            <a:lvl7pPr marL="2971800" indent="-228600" eaLnBrk="0" fontAlgn="base" hangingPunct="0">
-              <a:spcBef>
-                <a:spcPct val="0"/>
-              </a:spcBef>
-              <a:spcAft>
-                <a:spcPct val="0"/>
-              </a:spcAft>
-              <a:defRPr>
-                <a:solidFill>
-                  <a:schemeClr val="tx1"/>
-                </a:solidFill>
-                <a:latin typeface="Calibri" panose="020F0502020204030204" pitchFamily="34" charset="0"/>
-              </a:defRPr>
-            </a:lvl7pPr>
-            <a:lvl8pPr marL="3429000" indent="-228600" eaLnBrk="0" fontAlgn="base" hangingPunct="0">
-              <a:spcBef>
-                <a:spcPct val="0"/>
-              </a:spcBef>
-              <a:spcAft>
-                <a:spcPct val="0"/>
-              </a:spcAft>
-              <a:defRPr>
-                <a:solidFill>
-                  <a:schemeClr val="tx1"/>
-                </a:solidFill>
-                <a:latin typeface="Calibri" panose="020F0502020204030204" pitchFamily="34" charset="0"/>
-              </a:defRPr>
-            </a:lvl8pPr>
-            <a:lvl9pPr marL="3886200" indent="-228600" eaLnBrk="0" fontAlgn="base" hangingPunct="0">
-              <a:spcBef>
-                <a:spcPct val="0"/>
-              </a:spcBef>
-              <a:spcAft>
-                <a:spcPct val="0"/>
-              </a:spcAft>
-              <a:defRPr>
-                <a:solidFill>
-                  <a:schemeClr val="tx1"/>
-                </a:solidFill>
-                <a:latin typeface="Calibri" panose="020F0502020204030204" pitchFamily="34" charset="0"/>
-              </a:defRPr>
-            </a:lvl9pPr>
-          </a:lstStyle>
-          <a:p>
-            <a:pPr algn="ctr" eaLnBrk="1" hangingPunct="1"/>
-            <a:r>
-              <a:rPr lang="en-US" altLang="en-US" sz="900" dirty="0">
-                <a:latin typeface="Arial" panose="020B0604020202020204" pitchFamily="34" charset="0"/>
-                <a:ea typeface="Amazon Ember" panose="020B0603020204020204" pitchFamily="34" charset="0"/>
-                <a:cs typeface="Arial" panose="020B0604020202020204" pitchFamily="34" charset="0"/>
-              </a:rPr>
-              <a:t>Network Load </a:t>
-            </a:r>
-            <a:br>
-              <a:rPr lang="en-US" altLang="en-US" sz="900" dirty="0">
-                <a:latin typeface="Arial" panose="020B0604020202020204" pitchFamily="34" charset="0"/>
-                <a:ea typeface="Amazon Ember" panose="020B0603020204020204" pitchFamily="34" charset="0"/>
-                <a:cs typeface="Arial" panose="020B0604020202020204" pitchFamily="34" charset="0"/>
-              </a:rPr>
-            </a:br>
-            <a:r>
-              <a:rPr lang="en-US" altLang="en-US" sz="900" dirty="0">
-                <a:latin typeface="Arial" panose="020B0604020202020204" pitchFamily="34" charset="0"/>
-                <a:ea typeface="Amazon Ember" panose="020B0603020204020204" pitchFamily="34" charset="0"/>
-                <a:cs typeface="Arial" panose="020B0604020202020204" pitchFamily="34" charset="0"/>
-              </a:rPr>
-              <a:t>Balancer</a:t>
-            </a:r>
-          </a:p>
-        </p:txBody>
-      </p:sp>
-      <p:pic>
-        <p:nvPicPr>
-          <p:cNvPr id="56" name="Graphic 55">
-            <a:extLst>
-              <a:ext uri="{FF2B5EF4-FFF2-40B4-BE49-F238E27FC236}">
-                <a16:creationId xmlns:a16="http://schemas.microsoft.com/office/drawing/2014/main" id="{4F6E13BC-E8F6-4FE3-B7FD-8963F5B7D9A0}"/>
-              </a:ext>
-            </a:extLst>
-          </p:cNvPr>
-          <p:cNvPicPr>
-            <a:picLocks noChangeAspect="1"/>
-          </p:cNvPicPr>
-          <p:nvPr/>
-        </p:nvPicPr>
-        <p:blipFill>
-          <a:blip r:embed="rId32">
-            <a:extLst>
-              <a:ext uri="{96DAC541-7B7A-43D3-8B79-37D633B846F1}">
-                <asvg:svgBlip xmlns:asvg="http://schemas.microsoft.com/office/drawing/2016/SVG/main" r:embed="rId33"/>
-              </a:ext>
-            </a:extLst>
-          </a:blip>
-          <a:stretch>
-            <a:fillRect/>
-          </a:stretch>
-        </p:blipFill>
-        <p:spPr>
-          <a:xfrm>
-            <a:off x="9015617" y="2102458"/>
-            <a:ext cx="369332" cy="369332"/>
-          </a:xfrm>
-          <a:prstGeom prst="rect">
-            <a:avLst/>
-          </a:prstGeom>
-        </p:spPr>
-      </p:pic>
-      <p:sp>
-        <p:nvSpPr>
-          <p:cNvPr id="57" name="Rectangle 56">
-            <a:extLst>
-              <a:ext uri="{FF2B5EF4-FFF2-40B4-BE49-F238E27FC236}">
-                <a16:creationId xmlns:a16="http://schemas.microsoft.com/office/drawing/2014/main" id="{643031CD-FEA2-4DCC-BD21-8EB9630B239B}"/>
-              </a:ext>
-            </a:extLst>
-          </p:cNvPr>
-          <p:cNvSpPr/>
-          <p:nvPr/>
-        </p:nvSpPr>
-        <p:spPr>
-          <a:xfrm>
-            <a:off x="2601995" y="2599426"/>
-            <a:ext cx="3206502" cy="3390951"/>
-          </a:xfrm>
-          <a:prstGeom prst="rect">
-            <a:avLst/>
-          </a:prstGeom>
-          <a:noFill/>
-          <a:ln w="15875">
-            <a:solidFill>
-              <a:srgbClr val="7D8998"/>
-            </a:solidFill>
-            <a:prstDash val="solid"/>
-          </a:ln>
-        </p:spPr>
-        <p:style>
-          <a:lnRef idx="2">
-            <a:schemeClr val="accent1">
-              <a:shade val="50000"/>
-            </a:schemeClr>
-          </a:lnRef>
-          <a:fillRef idx="1">
-            <a:schemeClr val="accent1"/>
-          </a:fillRef>
-          <a:effectRef idx="0">
-            <a:schemeClr val="accent1"/>
-          </a:effectRef>
-          <a:fontRef idx="minor">
-            <a:schemeClr val="lt1"/>
-          </a:fontRef>
-        </p:style>
-        <p:txBody>
-          <a:bodyPr lIns="324000" tIns="91440"/>
-          <a:lstStyle/>
-          <a:p>
-            <a:pPr eaLnBrk="1" hangingPunct="1"/>
-            <a:r>
-              <a:rPr lang="en-US" altLang="en-US" sz="1000" dirty="0">
-                <a:solidFill>
-                  <a:schemeClr val="tx1"/>
-                </a:solidFill>
-                <a:latin typeface="Arial" panose="020B0604020202020204" pitchFamily="34" charset="0"/>
-                <a:ea typeface="Amazon Ember" panose="020B0603020204020204" pitchFamily="34" charset="0"/>
-                <a:cs typeface="Arial" panose="020B0604020202020204" pitchFamily="34" charset="0"/>
-              </a:rPr>
-              <a:t>Refactor Spaces environment</a:t>
-            </a:r>
-          </a:p>
-        </p:txBody>
-      </p:sp>
-      <p:sp>
-        <p:nvSpPr>
-          <p:cNvPr id="60" name="Rectangle 59">
-            <a:extLst>
-              <a:ext uri="{FF2B5EF4-FFF2-40B4-BE49-F238E27FC236}">
-                <a16:creationId xmlns:a16="http://schemas.microsoft.com/office/drawing/2014/main" id="{8FC30DAF-4C15-4F63-BB01-A75B7252D36E}"/>
-              </a:ext>
-            </a:extLst>
-          </p:cNvPr>
-          <p:cNvSpPr/>
-          <p:nvPr/>
-        </p:nvSpPr>
-        <p:spPr>
-          <a:xfrm>
-            <a:off x="2701419" y="3867302"/>
-            <a:ext cx="2991298" cy="2007444"/>
-          </a:xfrm>
-          <a:prstGeom prst="rect">
-            <a:avLst/>
-          </a:prstGeom>
-          <a:noFill/>
-          <a:ln w="15875">
-            <a:solidFill>
-              <a:srgbClr val="7D8998"/>
-            </a:solidFill>
-            <a:prstDash val="dash"/>
-          </a:ln>
-        </p:spPr>
-        <p:style>
-          <a:lnRef idx="2">
-            <a:schemeClr val="accent1">
-              <a:shade val="50000"/>
-            </a:schemeClr>
-          </a:lnRef>
-          <a:fillRef idx="1">
-            <a:schemeClr val="accent1"/>
-          </a:fillRef>
-          <a:effectRef idx="0">
-            <a:schemeClr val="accent1"/>
-          </a:effectRef>
-          <a:fontRef idx="minor">
-            <a:schemeClr val="lt1"/>
-          </a:fontRef>
-        </p:style>
-        <p:txBody>
-          <a:bodyPr lIns="324000" tIns="91440"/>
-          <a:lstStyle/>
-          <a:p>
-            <a:pPr>
-              <a:defRPr/>
-            </a:pPr>
-            <a:r>
-              <a:rPr lang="en-US" altLang="en-US" sz="1000" dirty="0">
-                <a:solidFill>
-                  <a:schemeClr val="tx1"/>
-                </a:solidFill>
-                <a:latin typeface="Arial" panose="020B0604020202020204" pitchFamily="34" charset="0"/>
-                <a:ea typeface="Amazon Ember" panose="020B0603020204020204" pitchFamily="34" charset="0"/>
-                <a:cs typeface="Arial" panose="020B0604020202020204" pitchFamily="34" charset="0"/>
-              </a:rPr>
-              <a:t>Refactor Spaces application</a:t>
-            </a:r>
-          </a:p>
-        </p:txBody>
-      </p:sp>
-      <p:cxnSp>
-        <p:nvCxnSpPr>
-          <p:cNvPr id="61" name="Elbow Connector 22">
-            <a:extLst>
-              <a:ext uri="{FF2B5EF4-FFF2-40B4-BE49-F238E27FC236}">
-                <a16:creationId xmlns:a16="http://schemas.microsoft.com/office/drawing/2014/main" id="{4CD2653E-D453-4738-B2EF-9B9716BC45E1}"/>
-              </a:ext>
-            </a:extLst>
-          </p:cNvPr>
-          <p:cNvCxnSpPr>
-            <a:cxnSpLocks/>
-            <a:stCxn id="50" idx="3"/>
-            <a:endCxn id="49" idx="1"/>
-          </p:cNvCxnSpPr>
-          <p:nvPr/>
-        </p:nvCxnSpPr>
-        <p:spPr>
-          <a:xfrm flipV="1">
-            <a:off x="3458702" y="4473312"/>
-            <a:ext cx="1082405" cy="349"/>
-          </a:xfrm>
-          <a:prstGeom prst="bentConnector3">
-            <a:avLst>
-              <a:gd name="adj1" fmla="val 50000"/>
-            </a:avLst>
-          </a:prstGeom>
-          <a:ln w="15875">
-            <a:solidFill>
-              <a:schemeClr val="tx1"/>
-            </a:solidFill>
-            <a:headEnd type="none" w="med" len="sm"/>
-            <a:tailEnd type="arrow" w="med" len="sm"/>
-          </a:ln>
-        </p:spPr>
-        <p:style>
-          <a:lnRef idx="1">
-            <a:schemeClr val="accent1"/>
-          </a:lnRef>
-          <a:fillRef idx="0">
-            <a:schemeClr val="accent1"/>
-          </a:fillRef>
-          <a:effectRef idx="0">
-            <a:schemeClr val="accent1"/>
-          </a:effectRef>
-          <a:fontRef idx="minor">
-            <a:schemeClr val="tx1"/>
-          </a:fontRef>
-        </p:style>
-      </p:cxnSp>
-      <p:sp>
-        <p:nvSpPr>
-          <p:cNvPr id="62" name="TextBox 15">
-            <a:extLst>
-              <a:ext uri="{FF2B5EF4-FFF2-40B4-BE49-F238E27FC236}">
-                <a16:creationId xmlns:a16="http://schemas.microsoft.com/office/drawing/2014/main" id="{D2623317-193E-44F1-912D-FA9F9B023D03}"/>
-              </a:ext>
-            </a:extLst>
-          </p:cNvPr>
-          <p:cNvSpPr txBox="1">
-            <a:spLocks noChangeArrowheads="1"/>
-          </p:cNvSpPr>
-          <p:nvPr/>
-        </p:nvSpPr>
-        <p:spPr bwMode="auto">
-          <a:xfrm>
-            <a:off x="3624665" y="5379673"/>
-            <a:ext cx="2024359" cy="369332"/>
-          </a:xfrm>
-          <a:prstGeom prst="rect">
-            <a:avLst/>
-          </a:prstGeom>
-          <a:noFill/>
-          <a:ln>
-            <a:noFill/>
-          </a:ln>
-          <a:extLst>
-            <a:ext uri="{909E8E84-426E-40DD-AFC4-6F175D3DCCD1}">
-              <a14:hiddenFill xmlns:a14="http://schemas.microsoft.com/office/drawing/2010/main">
-                <a:solidFill>
-                  <a:srgbClr val="FFFFFF"/>
-                </a:solidFill>
-              </a14:hiddenFill>
-            </a:ext>
-            <a:ext uri="{91240B29-F687-4F45-9708-019B960494DF}">
-              <a14:hiddenLine xmlns:a14="http://schemas.microsoft.com/office/drawing/2010/main" w="9525">
-                <a:solidFill>
-                  <a:srgbClr val="000000"/>
-                </a:solidFill>
-                <a:miter lim="800000"/>
-                <a:headEnd/>
-                <a:tailEnd/>
-              </a14:hiddenLine>
-            </a:ext>
-          </a:extLst>
-        </p:spPr>
-        <p:txBody>
-          <a:bodyPr wrap="square">
-            <a:spAutoFit/>
-          </a:bodyPr>
-          <a:lstStyle>
-            <a:lvl1pPr>
-              <a:defRPr>
-                <a:solidFill>
-                  <a:schemeClr val="tx1"/>
-                </a:solidFill>
-                <a:latin typeface="Calibri" panose="020F0502020204030204" pitchFamily="34" charset="0"/>
-              </a:defRPr>
-            </a:lvl1pPr>
-            <a:lvl2pPr marL="742950" indent="-285750">
-              <a:defRPr>
-                <a:solidFill>
-                  <a:schemeClr val="tx1"/>
-                </a:solidFill>
-                <a:latin typeface="Calibri" panose="020F0502020204030204" pitchFamily="34" charset="0"/>
-              </a:defRPr>
-            </a:lvl2pPr>
-            <a:lvl3pPr marL="1143000" indent="-228600">
-              <a:defRPr>
-                <a:solidFill>
-                  <a:schemeClr val="tx1"/>
-                </a:solidFill>
-                <a:latin typeface="Calibri" panose="020F0502020204030204" pitchFamily="34" charset="0"/>
-              </a:defRPr>
-            </a:lvl3pPr>
-            <a:lvl4pPr marL="1600200" indent="-228600">
-              <a:defRPr>
-                <a:solidFill>
-                  <a:schemeClr val="tx1"/>
-                </a:solidFill>
-                <a:latin typeface="Calibri" panose="020F0502020204030204" pitchFamily="34" charset="0"/>
-              </a:defRPr>
-            </a:lvl4pPr>
-            <a:lvl5pPr marL="2057400" indent="-228600">
-              <a:defRPr>
-                <a:solidFill>
-                  <a:schemeClr val="tx1"/>
-                </a:solidFill>
-                <a:latin typeface="Calibri" panose="020F0502020204030204" pitchFamily="34" charset="0"/>
-              </a:defRPr>
-            </a:lvl5pPr>
-            <a:lvl6pPr marL="2514600" indent="-228600" eaLnBrk="0" fontAlgn="base" hangingPunct="0">
-              <a:spcBef>
-                <a:spcPct val="0"/>
-              </a:spcBef>
-              <a:spcAft>
-                <a:spcPct val="0"/>
-              </a:spcAft>
-              <a:defRPr>
-                <a:solidFill>
-                  <a:schemeClr val="tx1"/>
-                </a:solidFill>
-                <a:latin typeface="Calibri" panose="020F0502020204030204" pitchFamily="34" charset="0"/>
-              </a:defRPr>
-            </a:lvl6pPr>
-            <a:lvl7pPr marL="2971800" indent="-228600" eaLnBrk="0" fontAlgn="base" hangingPunct="0">
-              <a:spcBef>
-                <a:spcPct val="0"/>
-              </a:spcBef>
-              <a:spcAft>
-                <a:spcPct val="0"/>
-              </a:spcAft>
-              <a:defRPr>
-                <a:solidFill>
-                  <a:schemeClr val="tx1"/>
-                </a:solidFill>
-                <a:latin typeface="Calibri" panose="020F0502020204030204" pitchFamily="34" charset="0"/>
-              </a:defRPr>
-            </a:lvl7pPr>
-            <a:lvl8pPr marL="3429000" indent="-228600" eaLnBrk="0" fontAlgn="base" hangingPunct="0">
-              <a:spcBef>
-                <a:spcPct val="0"/>
-              </a:spcBef>
-              <a:spcAft>
-                <a:spcPct val="0"/>
-              </a:spcAft>
-              <a:defRPr>
-                <a:solidFill>
-                  <a:schemeClr val="tx1"/>
-                </a:solidFill>
-                <a:latin typeface="Calibri" panose="020F0502020204030204" pitchFamily="34" charset="0"/>
-              </a:defRPr>
-            </a:lvl8pPr>
-            <a:lvl9pPr marL="3886200" indent="-228600" eaLnBrk="0" fontAlgn="base" hangingPunct="0">
-              <a:spcBef>
-                <a:spcPct val="0"/>
-              </a:spcBef>
-              <a:spcAft>
-                <a:spcPct val="0"/>
-              </a:spcAft>
-              <a:defRPr>
-                <a:solidFill>
-                  <a:schemeClr val="tx1"/>
-                </a:solidFill>
-                <a:latin typeface="Calibri" panose="020F0502020204030204" pitchFamily="34" charset="0"/>
-              </a:defRPr>
-            </a:lvl9pPr>
-          </a:lstStyle>
-          <a:p>
-            <a:pPr algn="ctr" eaLnBrk="1" hangingPunct="1"/>
-            <a:r>
-              <a:rPr lang="en-US" altLang="en-US" sz="900" dirty="0">
-                <a:latin typeface="Arial" panose="020B0604020202020204" pitchFamily="34" charset="0"/>
-                <a:ea typeface="Amazon Ember" panose="020B0603020204020204" pitchFamily="34" charset="0"/>
-                <a:cs typeface="Arial" panose="020B0604020202020204" pitchFamily="34" charset="0"/>
-              </a:rPr>
-              <a:t>Refactor Spaces </a:t>
-            </a:r>
-          </a:p>
-          <a:p>
-            <a:pPr algn="ctr" eaLnBrk="1" hangingPunct="1"/>
-            <a:r>
-              <a:rPr lang="en-US" altLang="en-US" sz="900" dirty="0">
-                <a:latin typeface="Arial" panose="020B0604020202020204" pitchFamily="34" charset="0"/>
-                <a:ea typeface="Amazon Ember" panose="020B0603020204020204" pitchFamily="34" charset="0"/>
-                <a:cs typeface="Arial" panose="020B0604020202020204" pitchFamily="34" charset="0"/>
-              </a:rPr>
-              <a:t>service (</a:t>
-            </a:r>
-            <a:r>
-              <a:rPr lang="en-US" altLang="en-US" sz="900" dirty="0" err="1">
-                <a:latin typeface="Arial" panose="020B0604020202020204" pitchFamily="34" charset="0"/>
-                <a:ea typeface="Amazon Ember" panose="020B0603020204020204" pitchFamily="34" charset="0"/>
-                <a:cs typeface="Arial" panose="020B0604020202020204" pitchFamily="34" charset="0"/>
-              </a:rPr>
-              <a:t>AddToCart</a:t>
-            </a:r>
-            <a:r>
-              <a:rPr lang="en-US" altLang="en-US" sz="900" dirty="0">
-                <a:latin typeface="Arial" panose="020B0604020202020204" pitchFamily="34" charset="0"/>
-                <a:ea typeface="Amazon Ember" panose="020B0603020204020204" pitchFamily="34" charset="0"/>
-                <a:cs typeface="Arial" panose="020B0604020202020204" pitchFamily="34" charset="0"/>
-              </a:rPr>
-              <a:t>)</a:t>
-            </a:r>
-          </a:p>
-        </p:txBody>
-      </p:sp>
-      <p:pic>
-        <p:nvPicPr>
-          <p:cNvPr id="63" name="Graphic 62">
-            <a:extLst>
-              <a:ext uri="{FF2B5EF4-FFF2-40B4-BE49-F238E27FC236}">
-                <a16:creationId xmlns:a16="http://schemas.microsoft.com/office/drawing/2014/main" id="{E9840B1D-4762-4E2D-8E28-277253A751F8}"/>
-              </a:ext>
-            </a:extLst>
-          </p:cNvPr>
-          <p:cNvPicPr>
-            <a:picLocks noChangeAspect="1"/>
-          </p:cNvPicPr>
-          <p:nvPr/>
-        </p:nvPicPr>
-        <p:blipFill>
-          <a:blip r:embed="rId26">
-            <a:extLst>
-              <a:ext uri="{96DAC541-7B7A-43D3-8B79-37D633B846F1}">
-                <asvg:svgBlip xmlns:asvg="http://schemas.microsoft.com/office/drawing/2016/SVG/main" r:embed="rId27"/>
-              </a:ext>
-            </a:extLst>
-          </a:blip>
-          <a:stretch>
-            <a:fillRect/>
-          </a:stretch>
-        </p:blipFill>
-        <p:spPr>
-          <a:xfrm>
-            <a:off x="4543495" y="5164032"/>
-            <a:ext cx="255886" cy="255886"/>
-          </a:xfrm>
-          <a:prstGeom prst="rect">
-            <a:avLst/>
-          </a:prstGeom>
-        </p:spPr>
-      </p:pic>
-      <p:cxnSp>
-        <p:nvCxnSpPr>
-          <p:cNvPr id="64" name="Elbow Connector 22">
-            <a:extLst>
-              <a:ext uri="{FF2B5EF4-FFF2-40B4-BE49-F238E27FC236}">
-                <a16:creationId xmlns:a16="http://schemas.microsoft.com/office/drawing/2014/main" id="{0BAD62B3-72DB-41CA-AA45-ABC856A972FE}"/>
-              </a:ext>
-            </a:extLst>
-          </p:cNvPr>
-          <p:cNvCxnSpPr>
-            <a:cxnSpLocks/>
-            <a:stCxn id="50" idx="3"/>
-            <a:endCxn id="63" idx="1"/>
-          </p:cNvCxnSpPr>
-          <p:nvPr/>
-        </p:nvCxnSpPr>
-        <p:spPr>
-          <a:xfrm>
-            <a:off x="3458702" y="4473661"/>
-            <a:ext cx="1084793" cy="818314"/>
-          </a:xfrm>
-          <a:prstGeom prst="bentConnector3">
-            <a:avLst>
-              <a:gd name="adj1" fmla="val 33658"/>
-            </a:avLst>
-          </a:prstGeom>
-          <a:ln w="15875">
-            <a:solidFill>
-              <a:schemeClr val="tx1"/>
-            </a:solidFill>
-            <a:headEnd type="none" w="med" len="sm"/>
-            <a:tailEnd type="arrow" w="med" len="sm"/>
-          </a:ln>
-        </p:spPr>
-        <p:style>
-          <a:lnRef idx="1">
-            <a:schemeClr val="accent1"/>
-          </a:lnRef>
-          <a:fillRef idx="0">
-            <a:schemeClr val="accent1"/>
-          </a:fillRef>
-          <a:effectRef idx="0">
-            <a:schemeClr val="accent1"/>
-          </a:effectRef>
-          <a:fontRef idx="minor">
-            <a:schemeClr val="tx1"/>
-          </a:fontRef>
-        </p:style>
-      </p:cxnSp>
-      <p:cxnSp>
-        <p:nvCxnSpPr>
-          <p:cNvPr id="78" name="Straight Arrow Connector 77">
-            <a:extLst>
-              <a:ext uri="{FF2B5EF4-FFF2-40B4-BE49-F238E27FC236}">
-                <a16:creationId xmlns:a16="http://schemas.microsoft.com/office/drawing/2014/main" id="{B1526F0D-E39F-4FD0-A5DE-89B31DEB5499}"/>
-              </a:ext>
-            </a:extLst>
-          </p:cNvPr>
-          <p:cNvCxnSpPr>
-            <a:cxnSpLocks/>
-            <a:stCxn id="19" idx="3"/>
-            <a:endCxn id="103" idx="1"/>
-          </p:cNvCxnSpPr>
-          <p:nvPr/>
-        </p:nvCxnSpPr>
-        <p:spPr>
-          <a:xfrm>
-            <a:off x="5499837" y="3178044"/>
-            <a:ext cx="1142543" cy="3372"/>
-          </a:xfrm>
-          <a:prstGeom prst="straightConnector1">
-            <a:avLst/>
-          </a:prstGeom>
-          <a:ln w="15875">
-            <a:solidFill>
-              <a:schemeClr val="tx1"/>
-            </a:solidFill>
-            <a:headEnd type="arrow" w="med" len="sm"/>
-            <a:tailEnd type="none" w="med" len="sm"/>
-          </a:ln>
-        </p:spPr>
-        <p:style>
-          <a:lnRef idx="1">
-            <a:schemeClr val="accent1"/>
-          </a:lnRef>
-          <a:fillRef idx="0">
-            <a:schemeClr val="accent1"/>
-          </a:fillRef>
-          <a:effectRef idx="0">
-            <a:schemeClr val="accent1"/>
-          </a:effectRef>
-          <a:fontRef idx="minor">
-            <a:schemeClr val="tx1"/>
-          </a:fontRef>
-        </p:style>
-      </p:cxnSp>
-      <p:cxnSp>
-        <p:nvCxnSpPr>
-          <p:cNvPr id="80" name="Elbow Connector 22">
-            <a:extLst>
-              <a:ext uri="{FF2B5EF4-FFF2-40B4-BE49-F238E27FC236}">
-                <a16:creationId xmlns:a16="http://schemas.microsoft.com/office/drawing/2014/main" id="{61602079-3970-4AFC-BEB6-1B88FA48DC79}"/>
-              </a:ext>
-            </a:extLst>
-          </p:cNvPr>
-          <p:cNvCxnSpPr>
-            <a:cxnSpLocks/>
-            <a:stCxn id="63" idx="3"/>
-            <a:endCxn id="40" idx="1"/>
-          </p:cNvCxnSpPr>
-          <p:nvPr/>
-        </p:nvCxnSpPr>
-        <p:spPr>
-          <a:xfrm>
-            <a:off x="4799381" y="5291975"/>
-            <a:ext cx="4165541" cy="586438"/>
-          </a:xfrm>
-          <a:prstGeom prst="bentConnector3">
-            <a:avLst>
-              <a:gd name="adj1" fmla="val 32926"/>
-            </a:avLst>
-          </a:prstGeom>
-          <a:ln w="15875">
-            <a:solidFill>
-              <a:schemeClr val="tx1"/>
-            </a:solidFill>
-            <a:headEnd type="none" w="med" len="sm"/>
-            <a:tailEnd type="arrow" w="med" len="sm"/>
-          </a:ln>
-        </p:spPr>
-        <p:style>
-          <a:lnRef idx="1">
-            <a:schemeClr val="accent1"/>
-          </a:lnRef>
-          <a:fillRef idx="0">
-            <a:schemeClr val="accent1"/>
-          </a:fillRef>
-          <a:effectRef idx="0">
-            <a:schemeClr val="accent1"/>
-          </a:effectRef>
-          <a:fontRef idx="minor">
-            <a:schemeClr val="tx1"/>
-          </a:fontRef>
-        </p:style>
-      </p:cxnSp>
-      <p:sp>
-        <p:nvSpPr>
-          <p:cNvPr id="84" name="TextBox 19">
-            <a:extLst>
-              <a:ext uri="{FF2B5EF4-FFF2-40B4-BE49-F238E27FC236}">
-                <a16:creationId xmlns:a16="http://schemas.microsoft.com/office/drawing/2014/main" id="{E84E6ED0-0965-42EC-9F6E-82F31025D2E9}"/>
-              </a:ext>
-            </a:extLst>
-          </p:cNvPr>
-          <p:cNvSpPr txBox="1">
-            <a:spLocks noChangeArrowheads="1"/>
-          </p:cNvSpPr>
-          <p:nvPr/>
-        </p:nvSpPr>
-        <p:spPr bwMode="auto">
-          <a:xfrm>
-            <a:off x="8545390" y="3979226"/>
-            <a:ext cx="1313319" cy="369332"/>
-          </a:xfrm>
-          <a:prstGeom prst="rect">
-            <a:avLst/>
-          </a:prstGeom>
-          <a:noFill/>
-          <a:ln>
-            <a:noFill/>
-          </a:ln>
-          <a:extLst>
-            <a:ext uri="{909E8E84-426E-40DD-AFC4-6F175D3DCCD1}">
-              <a14:hiddenFill xmlns:a14="http://schemas.microsoft.com/office/drawing/2010/main">
-                <a:solidFill>
-                  <a:srgbClr val="FFFFFF"/>
-                </a:solidFill>
-              </a14:hiddenFill>
-            </a:ext>
-            <a:ext uri="{91240B29-F687-4F45-9708-019B960494DF}">
-              <a14:hiddenLine xmlns:a14="http://schemas.microsoft.com/office/drawing/2010/main" w="9525">
-                <a:solidFill>
-                  <a:srgbClr val="000000"/>
-                </a:solidFill>
-                <a:miter lim="800000"/>
-                <a:headEnd/>
-                <a:tailEnd/>
-              </a14:hiddenLine>
-            </a:ext>
-          </a:extLst>
-        </p:spPr>
-        <p:txBody>
-          <a:bodyPr wrap="square">
-            <a:spAutoFit/>
-          </a:bodyPr>
-          <a:lstStyle>
-            <a:lvl1pPr>
-              <a:defRPr>
-                <a:solidFill>
-                  <a:schemeClr val="tx1"/>
-                </a:solidFill>
-                <a:latin typeface="Calibri" panose="020F0502020204030204" pitchFamily="34" charset="0"/>
-              </a:defRPr>
-            </a:lvl1pPr>
-            <a:lvl2pPr marL="742950" indent="-285750">
-              <a:defRPr>
-                <a:solidFill>
-                  <a:schemeClr val="tx1"/>
-                </a:solidFill>
-                <a:latin typeface="Calibri" panose="020F0502020204030204" pitchFamily="34" charset="0"/>
-              </a:defRPr>
-            </a:lvl2pPr>
-            <a:lvl3pPr marL="1143000" indent="-228600">
-              <a:defRPr>
-                <a:solidFill>
-                  <a:schemeClr val="tx1"/>
-                </a:solidFill>
-                <a:latin typeface="Calibri" panose="020F0502020204030204" pitchFamily="34" charset="0"/>
-              </a:defRPr>
-            </a:lvl3pPr>
-            <a:lvl4pPr marL="1600200" indent="-228600">
-              <a:defRPr>
-                <a:solidFill>
-                  <a:schemeClr val="tx1"/>
-                </a:solidFill>
-                <a:latin typeface="Calibri" panose="020F0502020204030204" pitchFamily="34" charset="0"/>
-              </a:defRPr>
-            </a:lvl4pPr>
-            <a:lvl5pPr marL="2057400" indent="-228600">
-              <a:defRPr>
-                <a:solidFill>
-                  <a:schemeClr val="tx1"/>
-                </a:solidFill>
-                <a:latin typeface="Calibri" panose="020F0502020204030204" pitchFamily="34" charset="0"/>
-              </a:defRPr>
-            </a:lvl5pPr>
-            <a:lvl6pPr marL="2514600" indent="-228600" eaLnBrk="0" fontAlgn="base" hangingPunct="0">
-              <a:spcBef>
-                <a:spcPct val="0"/>
-              </a:spcBef>
-              <a:spcAft>
-                <a:spcPct val="0"/>
-              </a:spcAft>
-              <a:defRPr>
-                <a:solidFill>
-                  <a:schemeClr val="tx1"/>
-                </a:solidFill>
-                <a:latin typeface="Calibri" panose="020F0502020204030204" pitchFamily="34" charset="0"/>
-              </a:defRPr>
-            </a:lvl6pPr>
-            <a:lvl7pPr marL="2971800" indent="-228600" eaLnBrk="0" fontAlgn="base" hangingPunct="0">
-              <a:spcBef>
-                <a:spcPct val="0"/>
-              </a:spcBef>
-              <a:spcAft>
-                <a:spcPct val="0"/>
-              </a:spcAft>
-              <a:defRPr>
-                <a:solidFill>
-                  <a:schemeClr val="tx1"/>
-                </a:solidFill>
-                <a:latin typeface="Calibri" panose="020F0502020204030204" pitchFamily="34" charset="0"/>
-              </a:defRPr>
-            </a:lvl7pPr>
-            <a:lvl8pPr marL="3429000" indent="-228600" eaLnBrk="0" fontAlgn="base" hangingPunct="0">
-              <a:spcBef>
-                <a:spcPct val="0"/>
-              </a:spcBef>
-              <a:spcAft>
-                <a:spcPct val="0"/>
-              </a:spcAft>
-              <a:defRPr>
-                <a:solidFill>
-                  <a:schemeClr val="tx1"/>
-                </a:solidFill>
-                <a:latin typeface="Calibri" panose="020F0502020204030204" pitchFamily="34" charset="0"/>
-              </a:defRPr>
-            </a:lvl8pPr>
-            <a:lvl9pPr marL="3886200" indent="-228600" eaLnBrk="0" fontAlgn="base" hangingPunct="0">
-              <a:spcBef>
-                <a:spcPct val="0"/>
-              </a:spcBef>
-              <a:spcAft>
-                <a:spcPct val="0"/>
-              </a:spcAft>
-              <a:defRPr>
-                <a:solidFill>
-                  <a:schemeClr val="tx1"/>
-                </a:solidFill>
-                <a:latin typeface="Calibri" panose="020F0502020204030204" pitchFamily="34" charset="0"/>
-              </a:defRPr>
-            </a:lvl9pPr>
-          </a:lstStyle>
-          <a:p>
-            <a:pPr algn="ctr" eaLnBrk="1" hangingPunct="1"/>
-            <a:r>
-              <a:rPr lang="en-US" altLang="en-US" sz="900" dirty="0">
-                <a:latin typeface="Arial" panose="020B0604020202020204" pitchFamily="34" charset="0"/>
-                <a:ea typeface="Amazon Ember" panose="020B0603020204020204" pitchFamily="34" charset="0"/>
-                <a:cs typeface="Arial" panose="020B0604020202020204" pitchFamily="34" charset="0"/>
-              </a:rPr>
-              <a:t>Application Load </a:t>
-            </a:r>
-            <a:br>
-              <a:rPr lang="en-US" altLang="en-US" sz="900" dirty="0">
-                <a:latin typeface="Arial" panose="020B0604020202020204" pitchFamily="34" charset="0"/>
-                <a:ea typeface="Amazon Ember" panose="020B0603020204020204" pitchFamily="34" charset="0"/>
-                <a:cs typeface="Arial" panose="020B0604020202020204" pitchFamily="34" charset="0"/>
-              </a:rPr>
-            </a:br>
-            <a:r>
-              <a:rPr lang="en-US" altLang="en-US" sz="900" dirty="0">
-                <a:latin typeface="Arial" panose="020B0604020202020204" pitchFamily="34" charset="0"/>
-                <a:ea typeface="Amazon Ember" panose="020B0603020204020204" pitchFamily="34" charset="0"/>
-                <a:cs typeface="Arial" panose="020B0604020202020204" pitchFamily="34" charset="0"/>
-              </a:rPr>
-              <a:t>Balancer</a:t>
-            </a:r>
-          </a:p>
-        </p:txBody>
-      </p:sp>
-      <p:pic>
-        <p:nvPicPr>
-          <p:cNvPr id="85" name="Graphic 84">
-            <a:extLst>
-              <a:ext uri="{FF2B5EF4-FFF2-40B4-BE49-F238E27FC236}">
-                <a16:creationId xmlns:a16="http://schemas.microsoft.com/office/drawing/2014/main" id="{81A3349A-8FE8-4F4F-BEE3-42D3FF9ADA53}"/>
-              </a:ext>
-            </a:extLst>
-          </p:cNvPr>
-          <p:cNvPicPr>
-            <a:picLocks noChangeAspect="1"/>
-          </p:cNvPicPr>
-          <p:nvPr/>
-        </p:nvPicPr>
-        <p:blipFill>
-          <a:blip r:embed="rId34">
-            <a:extLst>
-              <a:ext uri="{96DAC541-7B7A-43D3-8B79-37D633B846F1}">
-                <asvg:svgBlip xmlns:asvg="http://schemas.microsoft.com/office/drawing/2016/SVG/main" r:embed="rId35"/>
-              </a:ext>
-            </a:extLst>
-          </a:blip>
-          <a:stretch>
-            <a:fillRect/>
-          </a:stretch>
-        </p:blipFill>
-        <p:spPr>
-          <a:xfrm>
-            <a:off x="9008856" y="4344110"/>
-            <a:ext cx="369332" cy="369332"/>
           </a:xfrm>
           <a:prstGeom prst="rect">
             <a:avLst/>
@@ -6622,8 +6206,8 @@
         </p:nvSpPr>
         <p:spPr>
           <a:xfrm>
-            <a:off x="9661523" y="1032191"/>
-            <a:ext cx="1717483" cy="4435850"/>
+            <a:off x="9966960" y="841416"/>
+            <a:ext cx="1737360" cy="5120640"/>
           </a:xfrm>
           <a:prstGeom prst="rect">
             <a:avLst/>
@@ -6666,7 +6250,7 @@
               <a:defRPr/>
             </a:pPr>
             <a:r>
-              <a:rPr lang="en-US" sz="1050" dirty="0">
+              <a:rPr lang="en-US" sz="1200" dirty="0">
                 <a:solidFill>
                   <a:schemeClr val="tx1"/>
                 </a:solidFill>
@@ -6692,8 +6276,8 @@
         </p:nvSpPr>
         <p:spPr>
           <a:xfrm>
-            <a:off x="9776814" y="1813746"/>
-            <a:ext cx="1478611" cy="927895"/>
+            <a:off x="10058400" y="1755816"/>
+            <a:ext cx="1554480" cy="1188720"/>
           </a:xfrm>
           <a:prstGeom prst="rect">
             <a:avLst/>
@@ -6736,14 +6320,14 @@
               <a:defRPr/>
             </a:pPr>
             <a:r>
-              <a:rPr lang="en-US" sz="1050" dirty="0">
+              <a:rPr lang="en-US" sz="1200" dirty="0">
                 <a:solidFill>
                   <a:schemeClr val="tx1"/>
                 </a:solidFill>
                 <a:latin typeface="Arial" panose="020B0604020202020204" pitchFamily="34" charset="0"/>
                 <a:cs typeface="Arial" panose="020B0604020202020204" pitchFamily="34" charset="0"/>
               </a:rPr>
-              <a:t>Private subnet</a:t>
+              <a:t>   Private subnet</a:t>
             </a:r>
           </a:p>
         </p:txBody>
@@ -6763,10 +6347,10 @@
           <p:nvPr/>
         </p:nvPicPr>
         <p:blipFill>
-          <a:blip r:embed="rId8">
+          <a:blip r:embed="rId6">
             <a:extLst>
               <a:ext uri="{96DAC541-7B7A-43D3-8B79-37D633B846F1}">
-                <asvg:svgBlip xmlns:asvg="http://schemas.microsoft.com/office/drawing/2016/SVG/main" r:embed="rId9"/>
+                <asvg:svgBlip xmlns:asvg="http://schemas.microsoft.com/office/drawing/2016/SVG/main" r:embed="rId7"/>
               </a:ext>
             </a:extLst>
           </a:blip>
@@ -6775,8 +6359,8 @@
         </p:blipFill>
         <p:spPr>
           <a:xfrm>
-            <a:off x="9776814" y="1813747"/>
-            <a:ext cx="270071" cy="270071"/>
+            <a:off x="10058400" y="1755816"/>
+            <a:ext cx="384048" cy="384048"/>
           </a:xfrm>
           <a:prstGeom prst="rect">
             <a:avLst/>
@@ -6799,8 +6383,8 @@
         </p:nvSpPr>
         <p:spPr bwMode="auto">
           <a:xfrm>
-            <a:off x="9947717" y="2438298"/>
-            <a:ext cx="1146578" cy="230832"/>
+            <a:off x="10332720" y="2551344"/>
+            <a:ext cx="1146578" cy="276999"/>
           </a:xfrm>
           <a:prstGeom prst="rect">
             <a:avLst/>
@@ -6934,7 +6518,7 @@
           <a:p>
             <a:pPr algn="ctr" eaLnBrk="1" hangingPunct="1"/>
             <a:r>
-              <a:rPr lang="en-US" altLang="en-US" sz="900" dirty="0">
+              <a:rPr lang="en-US" altLang="en-US" sz="1200" dirty="0">
                 <a:latin typeface="Arial" panose="020B0604020202020204" pitchFamily="34" charset="0"/>
                 <a:ea typeface="Amazon Ember" panose="020B0603020204020204" pitchFamily="34" charset="0"/>
                 <a:cs typeface="Arial" panose="020B0604020202020204" pitchFamily="34" charset="0"/>
@@ -6959,10 +6543,10 @@
           <p:nvPr/>
         </p:nvPicPr>
         <p:blipFill>
-          <a:blip r:embed="rId14">
+          <a:blip r:embed="rId8">
             <a:extLst>
               <a:ext uri="{96DAC541-7B7A-43D3-8B79-37D633B846F1}">
-                <asvg:svgBlip xmlns:asvg="http://schemas.microsoft.com/office/drawing/2016/SVG/main" r:embed="rId15"/>
+                <asvg:svgBlip xmlns:asvg="http://schemas.microsoft.com/office/drawing/2016/SVG/main" r:embed="rId9"/>
               </a:ext>
             </a:extLst>
           </a:blip>
@@ -6972,8 +6556,8 @@
         </p:blipFill>
         <p:spPr>
           <a:xfrm>
-            <a:off x="10379763" y="2147441"/>
-            <a:ext cx="268492" cy="268492"/>
+            <a:off x="10698480" y="2121576"/>
+            <a:ext cx="457200" cy="457200"/>
           </a:xfrm>
           <a:prstGeom prst="rect">
             <a:avLst/>
@@ -6998,8 +6582,8 @@
         </p:nvCxnSpPr>
         <p:spPr>
           <a:xfrm>
-            <a:off x="8006855" y="2284647"/>
-            <a:ext cx="1008762" cy="2477"/>
+            <a:off x="8046720" y="2350176"/>
+            <a:ext cx="1097280" cy="0"/>
           </a:xfrm>
           <a:prstGeom prst="straightConnector1">
             <a:avLst/>
@@ -7045,8 +6629,8 @@
         </p:nvCxnSpPr>
         <p:spPr>
           <a:xfrm flipH="1">
-            <a:off x="9384949" y="2281687"/>
-            <a:ext cx="994814" cy="5437"/>
+            <a:off x="9601200" y="2350176"/>
+            <a:ext cx="1097280" cy="0"/>
           </a:xfrm>
           <a:prstGeom prst="straightConnector1">
             <a:avLst/>
@@ -7088,8 +6672,8 @@
         </p:nvSpPr>
         <p:spPr>
           <a:xfrm>
-            <a:off x="7137265" y="3484180"/>
-            <a:ext cx="1478611" cy="1662725"/>
+            <a:off x="7040880" y="3584616"/>
+            <a:ext cx="1554480" cy="2103120"/>
           </a:xfrm>
           <a:prstGeom prst="rect">
             <a:avLst/>
@@ -7132,14 +6716,14 @@
               <a:defRPr/>
             </a:pPr>
             <a:r>
-              <a:rPr lang="en-US" sz="1050" dirty="0">
+              <a:rPr lang="en-US" sz="1200" dirty="0">
                 <a:solidFill>
                   <a:schemeClr val="tx1"/>
                 </a:solidFill>
                 <a:latin typeface="Arial" panose="020B0604020202020204" pitchFamily="34" charset="0"/>
                 <a:cs typeface="Arial" panose="020B0604020202020204" pitchFamily="34" charset="0"/>
               </a:rPr>
-              <a:t>Private subnet</a:t>
+              <a:t>   Private subnet</a:t>
             </a:r>
           </a:p>
         </p:txBody>
@@ -7159,10 +6743,10 @@
           <p:nvPr/>
         </p:nvPicPr>
         <p:blipFill>
-          <a:blip r:embed="rId8">
+          <a:blip r:embed="rId6">
             <a:extLst>
               <a:ext uri="{96DAC541-7B7A-43D3-8B79-37D633B846F1}">
-                <asvg:svgBlip xmlns:asvg="http://schemas.microsoft.com/office/drawing/2016/SVG/main" r:embed="rId9"/>
+                <asvg:svgBlip xmlns:asvg="http://schemas.microsoft.com/office/drawing/2016/SVG/main" r:embed="rId7"/>
               </a:ext>
             </a:extLst>
           </a:blip>
@@ -7171,8 +6755,8 @@
         </p:blipFill>
         <p:spPr>
           <a:xfrm>
-            <a:off x="7137265" y="3484181"/>
-            <a:ext cx="270071" cy="270071"/>
+            <a:off x="7040880" y="3584616"/>
+            <a:ext cx="384048" cy="384048"/>
           </a:xfrm>
           <a:prstGeom prst="rect">
             <a:avLst/>
@@ -7195,8 +6779,8 @@
         </p:nvSpPr>
         <p:spPr bwMode="auto">
           <a:xfrm>
-            <a:off x="7315140" y="4109830"/>
-            <a:ext cx="1146578" cy="230832"/>
+            <a:off x="7252501" y="4407576"/>
+            <a:ext cx="1146578" cy="276999"/>
           </a:xfrm>
           <a:prstGeom prst="rect">
             <a:avLst/>
@@ -7330,7 +6914,7 @@
           <a:p>
             <a:pPr algn="ctr" eaLnBrk="1" hangingPunct="1"/>
             <a:r>
-              <a:rPr lang="en-US" altLang="en-US" sz="900" dirty="0">
+              <a:rPr lang="en-US" altLang="en-US" sz="1200" dirty="0">
                 <a:latin typeface="Arial" panose="020B0604020202020204" pitchFamily="34" charset="0"/>
                 <a:ea typeface="Amazon Ember" panose="020B0603020204020204" pitchFamily="34" charset="0"/>
                 <a:cs typeface="Arial" panose="020B0604020202020204" pitchFamily="34" charset="0"/>
@@ -7355,10 +6939,10 @@
           <p:nvPr/>
         </p:nvPicPr>
         <p:blipFill>
-          <a:blip r:embed="rId14">
+          <a:blip r:embed="rId8">
             <a:extLst>
               <a:ext uri="{96DAC541-7B7A-43D3-8B79-37D633B846F1}">
-                <asvg:svgBlip xmlns:asvg="http://schemas.microsoft.com/office/drawing/2016/SVG/main" r:embed="rId15"/>
+                <asvg:svgBlip xmlns:asvg="http://schemas.microsoft.com/office/drawing/2016/SVG/main" r:embed="rId9"/>
               </a:ext>
             </a:extLst>
           </a:blip>
@@ -7368,8 +6952,8 @@
         </p:blipFill>
         <p:spPr>
           <a:xfrm>
-            <a:off x="7753639" y="3819244"/>
-            <a:ext cx="268492" cy="268492"/>
+            <a:off x="7589520" y="3950376"/>
+            <a:ext cx="457200" cy="457200"/>
           </a:xfrm>
           <a:prstGeom prst="rect">
             <a:avLst/>
@@ -7390,8 +6974,8 @@
         </p:nvSpPr>
         <p:spPr>
           <a:xfrm>
-            <a:off x="6642380" y="3047171"/>
-            <a:ext cx="4868100" cy="2258418"/>
+            <a:off x="6126480" y="3218856"/>
+            <a:ext cx="5760720" cy="2560320"/>
           </a:xfrm>
           <a:prstGeom prst="rect">
             <a:avLst/>
@@ -7441,7 +7025,18 @@
                 <a:latin typeface="Arial" panose="020B0604020202020204" pitchFamily="34" charset="0"/>
                 <a:cs typeface="Arial" panose="020B0604020202020204" pitchFamily="34" charset="0"/>
               </a:rPr>
-              <a:t>Virtual private cloud (VPC)</a:t>
+              <a:t>  </a:t>
+            </a:r>
+            <a:r>
+              <a:rPr lang="en-US" sz="1200" dirty="0">
+                <a:ln w="0"/>
+                <a:solidFill>
+                  <a:schemeClr val="tx1"/>
+                </a:solidFill>
+                <a:latin typeface="Arial" panose="020B0604020202020204" pitchFamily="34" charset="0"/>
+                <a:cs typeface="Arial" panose="020B0604020202020204" pitchFamily="34" charset="0"/>
+              </a:rPr>
+              <a:t>VPC</a:t>
             </a:r>
           </a:p>
         </p:txBody>
@@ -7461,10 +7056,10 @@
           <p:nvPr/>
         </p:nvPicPr>
         <p:blipFill>
-          <a:blip r:embed="rId6">
+          <a:blip r:embed="rId4">
             <a:extLst>
               <a:ext uri="{96DAC541-7B7A-43D3-8B79-37D633B846F1}">
-                <asvg:svgBlip xmlns:asvg="http://schemas.microsoft.com/office/drawing/2016/SVG/main" r:embed="rId7"/>
+                <asvg:svgBlip xmlns:asvg="http://schemas.microsoft.com/office/drawing/2016/SVG/main" r:embed="rId5"/>
               </a:ext>
             </a:extLst>
           </a:blip>
@@ -7473,8 +7068,8 @@
         </p:blipFill>
         <p:spPr>
           <a:xfrm>
-            <a:off x="6642380" y="3047170"/>
-            <a:ext cx="268492" cy="268492"/>
+            <a:off x="6126480" y="3218856"/>
+            <a:ext cx="384048" cy="384048"/>
           </a:xfrm>
           <a:prstGeom prst="rect">
             <a:avLst/>
@@ -7497,8 +7092,8 @@
         </p:nvSpPr>
         <p:spPr bwMode="auto">
           <a:xfrm>
-            <a:off x="9963458" y="4739212"/>
-            <a:ext cx="1115568" cy="369332"/>
+            <a:off x="10332720" y="5184816"/>
+            <a:ext cx="1115568" cy="461665"/>
           </a:xfrm>
           <a:prstGeom prst="rect">
             <a:avLst/>
@@ -7632,26 +7227,18 @@
           <a:p>
             <a:pPr algn="ctr"/>
             <a:r>
-              <a:rPr lang="en-US" altLang="en-US" sz="900" dirty="0" err="1">
+              <a:rPr lang="en-US" altLang="en-US" sz="1200" dirty="0">
                 <a:latin typeface="Arial" panose="020B0604020202020204" pitchFamily="34" charset="0"/>
                 <a:ea typeface="Amazon Ember" panose="020B0603020204020204" pitchFamily="34" charset="0"/>
                 <a:cs typeface="Arial" panose="020B0604020202020204" pitchFamily="34" charset="0"/>
               </a:rPr>
-              <a:t>Unistore</a:t>
-            </a:r>
-            <a:r>
-              <a:rPr lang="en-US" altLang="en-US" sz="900" dirty="0">
-                <a:latin typeface="Arial" panose="020B0604020202020204" pitchFamily="34" charset="0"/>
-                <a:ea typeface="Amazon Ember" panose="020B0603020204020204" pitchFamily="34" charset="0"/>
-                <a:cs typeface="Arial" panose="020B0604020202020204" pitchFamily="34" charset="0"/>
-              </a:rPr>
-              <a:t> legacy</a:t>
+              <a:t>Unistore legacy</a:t>
             </a:r>
           </a:p>
           <a:p>
             <a:pPr algn="ctr"/>
             <a:r>
-              <a:rPr lang="en-US" altLang="en-US" sz="900" dirty="0">
+              <a:rPr lang="en-US" altLang="en-US" sz="1200" dirty="0">
                 <a:latin typeface="Arial" panose="020B0604020202020204" pitchFamily="34" charset="0"/>
                 <a:ea typeface="Amazon Ember" panose="020B0603020204020204" pitchFamily="34" charset="0"/>
                 <a:cs typeface="Arial" panose="020B0604020202020204" pitchFamily="34" charset="0"/>
@@ -7676,10 +7263,10 @@
           <p:nvPr/>
         </p:nvPicPr>
         <p:blipFill>
-          <a:blip r:embed="rId16">
+          <a:blip r:embed="rId10">
             <a:extLst>
               <a:ext uri="{96DAC541-7B7A-43D3-8B79-37D633B846F1}">
-                <asvg:svgBlip xmlns:asvg="http://schemas.microsoft.com/office/drawing/2016/SVG/main" r:embed="rId17"/>
+                <asvg:svgBlip xmlns:asvg="http://schemas.microsoft.com/office/drawing/2016/SVG/main" r:embed="rId11"/>
               </a:ext>
             </a:extLst>
           </a:blip>
@@ -7689,8 +7276,8 @@
         </p:blipFill>
         <p:spPr>
           <a:xfrm>
-            <a:off x="10339231" y="4351080"/>
-            <a:ext cx="365767" cy="365767"/>
+            <a:off x="10698480" y="4773336"/>
+            <a:ext cx="457200" cy="457200"/>
           </a:xfrm>
           <a:prstGeom prst="rect">
             <a:avLst/>
@@ -7711,8 +7298,8 @@
         </p:nvSpPr>
         <p:spPr>
           <a:xfrm>
-            <a:off x="9770622" y="3490108"/>
-            <a:ext cx="1478611" cy="1662725"/>
+            <a:off x="10058400" y="3584616"/>
+            <a:ext cx="1554480" cy="2103120"/>
           </a:xfrm>
           <a:prstGeom prst="rect">
             <a:avLst/>
@@ -7755,14 +7342,14 @@
               <a:defRPr/>
             </a:pPr>
             <a:r>
-              <a:rPr lang="en-US" sz="1050" dirty="0">
+              <a:rPr lang="en-US" sz="1200" dirty="0">
                 <a:solidFill>
                   <a:schemeClr val="tx1"/>
                 </a:solidFill>
                 <a:latin typeface="Arial" panose="020B0604020202020204" pitchFamily="34" charset="0"/>
                 <a:cs typeface="Arial" panose="020B0604020202020204" pitchFamily="34" charset="0"/>
               </a:rPr>
-              <a:t>Private subnet</a:t>
+              <a:t>   Private subnet</a:t>
             </a:r>
           </a:p>
         </p:txBody>
@@ -7782,10 +7369,10 @@
           <p:nvPr/>
         </p:nvPicPr>
         <p:blipFill>
-          <a:blip r:embed="rId8">
+          <a:blip r:embed="rId6">
             <a:extLst>
               <a:ext uri="{96DAC541-7B7A-43D3-8B79-37D633B846F1}">
-                <asvg:svgBlip xmlns:asvg="http://schemas.microsoft.com/office/drawing/2016/SVG/main" r:embed="rId9"/>
+                <asvg:svgBlip xmlns:asvg="http://schemas.microsoft.com/office/drawing/2016/SVG/main" r:embed="rId7"/>
               </a:ext>
             </a:extLst>
           </a:blip>
@@ -7794,8 +7381,8 @@
         </p:blipFill>
         <p:spPr>
           <a:xfrm>
-            <a:off x="9770622" y="3490109"/>
-            <a:ext cx="270071" cy="270071"/>
+            <a:off x="10058400" y="3584616"/>
+            <a:ext cx="384048" cy="384048"/>
           </a:xfrm>
           <a:prstGeom prst="rect">
             <a:avLst/>
@@ -7818,8 +7405,8 @@
         </p:nvSpPr>
         <p:spPr bwMode="auto">
           <a:xfrm>
-            <a:off x="9948497" y="4115758"/>
-            <a:ext cx="1146578" cy="230832"/>
+            <a:off x="10332720" y="4407576"/>
+            <a:ext cx="1146578" cy="276999"/>
           </a:xfrm>
           <a:prstGeom prst="rect">
             <a:avLst/>
@@ -7953,7 +7540,7 @@
           <a:p>
             <a:pPr algn="ctr" eaLnBrk="1" hangingPunct="1"/>
             <a:r>
-              <a:rPr lang="en-US" altLang="en-US" sz="900" dirty="0">
+              <a:rPr lang="en-US" altLang="en-US" sz="1200" dirty="0">
                 <a:latin typeface="Arial" panose="020B0604020202020204" pitchFamily="34" charset="0"/>
                 <a:ea typeface="Amazon Ember" panose="020B0603020204020204" pitchFamily="34" charset="0"/>
                 <a:cs typeface="Arial" panose="020B0604020202020204" pitchFamily="34" charset="0"/>
@@ -7978,10 +7565,10 @@
           <p:nvPr/>
         </p:nvPicPr>
         <p:blipFill>
-          <a:blip r:embed="rId14">
+          <a:blip r:embed="rId8">
             <a:extLst>
               <a:ext uri="{96DAC541-7B7A-43D3-8B79-37D633B846F1}">
-                <asvg:svgBlip xmlns:asvg="http://schemas.microsoft.com/office/drawing/2016/SVG/main" r:embed="rId15"/>
+                <asvg:svgBlip xmlns:asvg="http://schemas.microsoft.com/office/drawing/2016/SVG/main" r:embed="rId9"/>
               </a:ext>
             </a:extLst>
           </a:blip>
@@ -7991,8 +7578,8 @@
         </p:blipFill>
         <p:spPr>
           <a:xfrm>
-            <a:off x="10386996" y="3825172"/>
-            <a:ext cx="268492" cy="268492"/>
+            <a:off x="10698480" y="3950376"/>
+            <a:ext cx="457200" cy="457200"/>
           </a:xfrm>
           <a:prstGeom prst="rect">
             <a:avLst/>
@@ -8017,8 +7604,8 @@
         </p:nvCxnSpPr>
         <p:spPr>
           <a:xfrm>
-            <a:off x="8071641" y="4528036"/>
-            <a:ext cx="937215" cy="740"/>
+            <a:off x="8046720" y="5001936"/>
+            <a:ext cx="1097280" cy="0"/>
           </a:xfrm>
           <a:prstGeom prst="straightConnector1">
             <a:avLst/>
@@ -8063,9 +7650,152 @@
           <p:nvPr/>
         </p:nvCxnSpPr>
         <p:spPr>
-          <a:xfrm flipH="1" flipV="1">
-            <a:off x="9378188" y="4528776"/>
-            <a:ext cx="961043" cy="5188"/>
+          <a:xfrm flipH="1">
+            <a:off x="9601200" y="5001936"/>
+            <a:ext cx="1097280" cy="0"/>
+          </a:xfrm>
+          <a:prstGeom prst="straightConnector1">
+            <a:avLst/>
+          </a:prstGeom>
+          <a:ln w="15875">
+            <a:solidFill>
+              <a:schemeClr val="tx1"/>
+            </a:solidFill>
+            <a:headEnd type="arrow" w="med" len="sm"/>
+            <a:tailEnd type="none" w="med" len="sm"/>
+          </a:ln>
+        </p:spPr>
+        <p:style>
+          <a:lnRef idx="1">
+            <a:schemeClr val="accent1"/>
+          </a:lnRef>
+          <a:fillRef idx="0">
+            <a:schemeClr val="accent1"/>
+          </a:fillRef>
+          <a:effectRef idx="0">
+            <a:schemeClr val="accent1"/>
+          </a:effectRef>
+          <a:fontRef idx="minor">
+            <a:schemeClr val="tx1"/>
+          </a:fontRef>
+        </p:style>
+      </p:cxnSp>
+      <p:sp>
+        <p:nvSpPr>
+          <p:cNvPr id="72" name="Freeform 62">
+            <a:extLst>
+              <a:ext uri="{FF2B5EF4-FFF2-40B4-BE49-F238E27FC236}">
+                <a16:creationId xmlns:a16="http://schemas.microsoft.com/office/drawing/2014/main" id="{BA8A83D2-246E-4B93-B54A-3E6376EB5254}"/>
+              </a:ext>
+            </a:extLst>
+          </p:cNvPr>
+          <p:cNvSpPr/>
+          <p:nvPr/>
+        </p:nvSpPr>
+        <p:spPr>
+          <a:xfrm rot="16200000" flipH="1">
+            <a:off x="4709610" y="3168878"/>
+            <a:ext cx="1641211" cy="1192527"/>
+          </a:xfrm>
+          <a:custGeom>
+            <a:avLst/>
+            <a:gdLst>
+              <a:gd name="connsiteX0" fmla="*/ 1371600 w 1371600"/>
+              <a:gd name="connsiteY0" fmla="*/ 711200 h 711200"/>
+              <a:gd name="connsiteX1" fmla="*/ 1371600 w 1371600"/>
+              <a:gd name="connsiteY1" fmla="*/ 0 h 711200"/>
+              <a:gd name="connsiteX2" fmla="*/ 0 w 1371600"/>
+              <a:gd name="connsiteY2" fmla="*/ 0 h 711200"/>
+            </a:gdLst>
+            <a:ahLst/>
+            <a:cxnLst>
+              <a:cxn ang="0">
+                <a:pos x="connsiteX0" y="connsiteY0"/>
+              </a:cxn>
+              <a:cxn ang="0">
+                <a:pos x="connsiteX1" y="connsiteY1"/>
+              </a:cxn>
+              <a:cxn ang="0">
+                <a:pos x="connsiteX2" y="connsiteY2"/>
+              </a:cxn>
+            </a:cxnLst>
+            <a:rect l="l" t="t" r="r" b="b"/>
+            <a:pathLst>
+              <a:path w="1371600" h="711200">
+                <a:moveTo>
+                  <a:pt x="1371600" y="711200"/>
+                </a:moveTo>
+                <a:lnTo>
+                  <a:pt x="1371600" y="0"/>
+                </a:lnTo>
+                <a:lnTo>
+                  <a:pt x="0" y="0"/>
+                </a:lnTo>
+              </a:path>
+            </a:pathLst>
+          </a:custGeom>
+          <a:noFill/>
+          <a:ln w="15875">
+            <a:solidFill>
+              <a:schemeClr val="tx1"/>
+            </a:solidFill>
+            <a:headEnd type="none" w="med" len="sm"/>
+            <a:tailEnd type="arrow" w="med" len="sm"/>
+          </a:ln>
+        </p:spPr>
+        <p:style>
+          <a:lnRef idx="2">
+            <a:schemeClr val="accent1">
+              <a:shade val="50000"/>
+            </a:schemeClr>
+          </a:lnRef>
+          <a:fillRef idx="1">
+            <a:schemeClr val="accent1"/>
+          </a:fillRef>
+          <a:effectRef idx="0">
+            <a:schemeClr val="accent1"/>
+          </a:effectRef>
+          <a:fontRef idx="minor">
+            <a:schemeClr val="lt1"/>
+          </a:fontRef>
+        </p:style>
+        <p:txBody>
+          <a:bodyPr anchor="ctr"/>
+          <a:lstStyle/>
+          <a:p>
+            <a:pPr algn="ctr" eaLnBrk="1" fontAlgn="auto" hangingPunct="1">
+              <a:spcBef>
+                <a:spcPts val="0"/>
+              </a:spcBef>
+              <a:spcAft>
+                <a:spcPts val="0"/>
+              </a:spcAft>
+              <a:defRPr/>
+            </a:pPr>
+            <a:endParaRPr lang="en-US" dirty="0"/>
+          </a:p>
+        </p:txBody>
+      </p:sp>
+      <p:cxnSp>
+        <p:nvCxnSpPr>
+          <p:cNvPr id="92" name="Straight Arrow Connector 91">
+            <a:extLst>
+              <a:ext uri="{FF2B5EF4-FFF2-40B4-BE49-F238E27FC236}">
+                <a16:creationId xmlns:a16="http://schemas.microsoft.com/office/drawing/2014/main" id="{7F9F0E77-50C4-4065-BA24-8DAA6EE9F1BC}"/>
+              </a:ext>
+            </a:extLst>
+          </p:cNvPr>
+          <p:cNvCxnSpPr>
+            <a:cxnSpLocks/>
+            <a:stCxn id="40" idx="0"/>
+            <a:endCxn id="62" idx="2"/>
+          </p:cNvCxnSpPr>
+          <p:nvPr/>
+        </p:nvCxnSpPr>
+        <p:spPr>
+          <a:xfrm flipV="1">
+            <a:off x="3781215" y="5235001"/>
+            <a:ext cx="1" cy="727055"/>
           </a:xfrm>
           <a:prstGeom prst="straightConnector1">
             <a:avLst/>
@@ -8095,37 +7825,261 @@
       </p:cxnSp>
       <p:cxnSp>
         <p:nvCxnSpPr>
-          <p:cNvPr id="116" name="Elbow Connector 22">
-            <a:extLst>
-              <a:ext uri="{FF2B5EF4-FFF2-40B4-BE49-F238E27FC236}">
-                <a16:creationId xmlns:a16="http://schemas.microsoft.com/office/drawing/2014/main" id="{C416EBAD-8159-4229-8653-8A14E4F55684}"/>
+          <p:cNvPr id="93" name="Straight Arrow Connector 92">
+            <a:extLst>
+              <a:ext uri="{FF2B5EF4-FFF2-40B4-BE49-F238E27FC236}">
+                <a16:creationId xmlns:a16="http://schemas.microsoft.com/office/drawing/2014/main" id="{A91B5C82-58A6-4DEF-9C6A-EF8FFD004B0B}"/>
               </a:ext>
             </a:extLst>
           </p:cNvPr>
           <p:cNvCxnSpPr>
             <a:cxnSpLocks/>
-            <a:stCxn id="49" idx="3"/>
-            <a:endCxn id="85" idx="2"/>
+            <a:stCxn id="19" idx="3"/>
+            <a:endCxn id="9" idx="1"/>
           </p:cNvCxnSpPr>
           <p:nvPr/>
         </p:nvCxnSpPr>
         <p:spPr>
           <a:xfrm>
-            <a:off x="4796993" y="4473312"/>
-            <a:ext cx="4396529" cy="240130"/>
+            <a:off x="5317236" y="2258736"/>
+            <a:ext cx="809244" cy="0"/>
           </a:xfrm>
-          <a:prstGeom prst="bentConnector4">
-            <a:avLst>
-              <a:gd name="adj1" fmla="val 36634"/>
-              <a:gd name="adj2" fmla="val 464927"/>
-            </a:avLst>
+          <a:prstGeom prst="straightConnector1">
+            <a:avLst/>
           </a:prstGeom>
           <a:ln w="15875">
             <a:solidFill>
               <a:schemeClr val="tx1"/>
             </a:solidFill>
-            <a:headEnd type="none" w="med" len="sm"/>
-            <a:tailEnd type="arrow" w="med" len="sm"/>
+            <a:headEnd type="arrow" w="med" len="sm"/>
+            <a:tailEnd type="none" w="med" len="sm"/>
+          </a:ln>
+        </p:spPr>
+        <p:style>
+          <a:lnRef idx="1">
+            <a:schemeClr val="accent1"/>
+          </a:lnRef>
+          <a:fillRef idx="0">
+            <a:schemeClr val="accent1"/>
+          </a:fillRef>
+          <a:effectRef idx="0">
+            <a:schemeClr val="accent1"/>
+          </a:effectRef>
+          <a:fontRef idx="minor">
+            <a:schemeClr val="tx1"/>
+          </a:fontRef>
+        </p:style>
+      </p:cxnSp>
+      <p:grpSp>
+        <p:nvGrpSpPr>
+          <p:cNvPr id="134" name="Group 23">
+            <a:extLst>
+              <a:ext uri="{FF2B5EF4-FFF2-40B4-BE49-F238E27FC236}">
+                <a16:creationId xmlns:a16="http://schemas.microsoft.com/office/drawing/2014/main" id="{89F8BE17-AF2C-4D2C-91E0-6A99CB991DA7}"/>
+              </a:ext>
+            </a:extLst>
+          </p:cNvPr>
+          <p:cNvGrpSpPr>
+            <a:grpSpLocks/>
+          </p:cNvGrpSpPr>
+          <p:nvPr/>
+        </p:nvGrpSpPr>
+        <p:grpSpPr bwMode="auto">
+          <a:xfrm>
+            <a:off x="2722893" y="3652868"/>
+            <a:ext cx="850775" cy="986255"/>
+            <a:chOff x="2674471" y="1567527"/>
+            <a:chExt cx="1488360" cy="331243"/>
+          </a:xfrm>
+        </p:grpSpPr>
+        <p:sp>
+          <p:nvSpPr>
+            <p:cNvPr id="135" name="Freeform 26">
+              <a:extLst>
+                <a:ext uri="{FF2B5EF4-FFF2-40B4-BE49-F238E27FC236}">
+                  <a16:creationId xmlns:a16="http://schemas.microsoft.com/office/drawing/2014/main" id="{5359D620-197A-4AAC-9A83-E267BCE688D4}"/>
+                </a:ext>
+              </a:extLst>
+            </p:cNvPr>
+            <p:cNvSpPr/>
+            <p:nvPr/>
+          </p:nvSpPr>
+          <p:spPr>
+            <a:xfrm rot="10800000">
+              <a:off x="3247894" y="1567527"/>
+              <a:ext cx="914937" cy="331243"/>
+            </a:xfrm>
+            <a:custGeom>
+              <a:avLst/>
+              <a:gdLst>
+                <a:gd name="connsiteX0" fmla="*/ 0 w 622300"/>
+                <a:gd name="connsiteY0" fmla="*/ 0 h 1574800"/>
+                <a:gd name="connsiteX1" fmla="*/ 622300 w 622300"/>
+                <a:gd name="connsiteY1" fmla="*/ 0 h 1574800"/>
+                <a:gd name="connsiteX2" fmla="*/ 622300 w 622300"/>
+                <a:gd name="connsiteY2" fmla="*/ 1574800 h 1574800"/>
+                <a:gd name="connsiteX3" fmla="*/ 482600 w 622300"/>
+                <a:gd name="connsiteY3" fmla="*/ 1574800 h 1574800"/>
+                <a:gd name="connsiteX4" fmla="*/ 0 w 622300"/>
+                <a:gd name="connsiteY4" fmla="*/ 1574800 h 1574800"/>
+              </a:gdLst>
+              <a:ahLst/>
+              <a:cxnLst>
+                <a:cxn ang="0">
+                  <a:pos x="connsiteX0" y="connsiteY0"/>
+                </a:cxn>
+                <a:cxn ang="0">
+                  <a:pos x="connsiteX1" y="connsiteY1"/>
+                </a:cxn>
+                <a:cxn ang="0">
+                  <a:pos x="connsiteX2" y="connsiteY2"/>
+                </a:cxn>
+                <a:cxn ang="0">
+                  <a:pos x="connsiteX3" y="connsiteY3"/>
+                </a:cxn>
+                <a:cxn ang="0">
+                  <a:pos x="connsiteX4" y="connsiteY4"/>
+                </a:cxn>
+              </a:cxnLst>
+              <a:rect l="l" t="t" r="r" b="b"/>
+              <a:pathLst>
+                <a:path w="622300" h="1574800">
+                  <a:moveTo>
+                    <a:pt x="0" y="0"/>
+                  </a:moveTo>
+                  <a:lnTo>
+                    <a:pt x="622300" y="0"/>
+                  </a:lnTo>
+                  <a:lnTo>
+                    <a:pt x="622300" y="1574800"/>
+                  </a:lnTo>
+                  <a:lnTo>
+                    <a:pt x="482600" y="1574800"/>
+                  </a:lnTo>
+                  <a:lnTo>
+                    <a:pt x="0" y="1574800"/>
+                  </a:lnTo>
+                </a:path>
+              </a:pathLst>
+            </a:custGeom>
+            <a:noFill/>
+            <a:ln w="15875">
+              <a:solidFill>
+                <a:schemeClr val="tx1"/>
+              </a:solidFill>
+              <a:headEnd type="arrow" w="med" len="sm"/>
+              <a:tailEnd type="arrow" w="med" len="sm"/>
+            </a:ln>
+          </p:spPr>
+          <p:style>
+            <a:lnRef idx="2">
+              <a:schemeClr val="accent1">
+                <a:shade val="50000"/>
+              </a:schemeClr>
+            </a:lnRef>
+            <a:fillRef idx="1">
+              <a:schemeClr val="accent1"/>
+            </a:fillRef>
+            <a:effectRef idx="0">
+              <a:schemeClr val="accent1"/>
+            </a:effectRef>
+            <a:fontRef idx="minor">
+              <a:schemeClr val="lt1"/>
+            </a:fontRef>
+          </p:style>
+          <p:txBody>
+            <a:bodyPr anchor="ctr"/>
+            <a:lstStyle/>
+            <a:p>
+              <a:pPr algn="ctr" eaLnBrk="1" fontAlgn="auto" hangingPunct="1">
+                <a:spcBef>
+                  <a:spcPts val="0"/>
+                </a:spcBef>
+                <a:spcAft>
+                  <a:spcPts val="0"/>
+                </a:spcAft>
+                <a:defRPr/>
+              </a:pPr>
+              <a:endParaRPr lang="en-US" dirty="0"/>
+            </a:p>
+          </p:txBody>
+        </p:sp>
+        <p:cxnSp>
+          <p:nvCxnSpPr>
+            <p:cNvPr id="136" name="Straight Arrow Connector 135">
+              <a:extLst>
+                <a:ext uri="{FF2B5EF4-FFF2-40B4-BE49-F238E27FC236}">
+                  <a16:creationId xmlns:a16="http://schemas.microsoft.com/office/drawing/2014/main" id="{09291142-E887-4E00-80D9-0BEA00FB186C}"/>
+                </a:ext>
+              </a:extLst>
+            </p:cNvPr>
+            <p:cNvCxnSpPr>
+              <a:cxnSpLocks/>
+            </p:cNvCxnSpPr>
+            <p:nvPr/>
+          </p:nvCxnSpPr>
+          <p:spPr>
+            <a:xfrm>
+              <a:off x="2674471" y="1729199"/>
+              <a:ext cx="573423" cy="0"/>
+            </a:xfrm>
+            <a:prstGeom prst="straightConnector1">
+              <a:avLst/>
+            </a:prstGeom>
+            <a:ln w="15875">
+              <a:solidFill>
+                <a:schemeClr val="tx1"/>
+              </a:solidFill>
+              <a:headEnd type="none" w="med" len="sm"/>
+              <a:tailEnd type="none" w="med" len="sm"/>
+            </a:ln>
+          </p:spPr>
+          <p:style>
+            <a:lnRef idx="1">
+              <a:schemeClr val="accent1"/>
+            </a:lnRef>
+            <a:fillRef idx="0">
+              <a:schemeClr val="accent1"/>
+            </a:fillRef>
+            <a:effectRef idx="0">
+              <a:schemeClr val="accent1"/>
+            </a:effectRef>
+            <a:fontRef idx="minor">
+              <a:schemeClr val="tx1"/>
+            </a:fontRef>
+          </p:style>
+        </p:cxnSp>
+      </p:grpSp>
+      <p:cxnSp>
+        <p:nvCxnSpPr>
+          <p:cNvPr id="186" name="Straight Arrow Connector 185">
+            <a:extLst>
+              <a:ext uri="{FF2B5EF4-FFF2-40B4-BE49-F238E27FC236}">
+                <a16:creationId xmlns:a16="http://schemas.microsoft.com/office/drawing/2014/main" id="{4A1D694C-32C2-417A-9B3E-2630602BFC5C}"/>
+              </a:ext>
+            </a:extLst>
+          </p:cNvPr>
+          <p:cNvCxnSpPr>
+            <a:cxnSpLocks/>
+            <a:stCxn id="50" idx="1"/>
+            <a:endCxn id="52" idx="1"/>
+          </p:cNvCxnSpPr>
+          <p:nvPr/>
+        </p:nvCxnSpPr>
+        <p:spPr>
+          <a:xfrm flipH="1" flipV="1">
+            <a:off x="731520" y="4134236"/>
+            <a:ext cx="1224348" cy="12736"/>
+          </a:xfrm>
+          <a:prstGeom prst="straightConnector1">
+            <a:avLst/>
+          </a:prstGeom>
+          <a:ln w="15875">
+            <a:solidFill>
+              <a:schemeClr val="tx1"/>
+            </a:solidFill>
+            <a:headEnd type="arrow" w="med" len="sm"/>
+            <a:tailEnd type="none" w="med" len="sm"/>
           </a:ln>
         </p:spPr>
         <p:style>
@@ -8145,57 +8099,10 @@
       </p:cxnSp>
       <p:cxnSp>
         <p:nvCxnSpPr>
-          <p:cNvPr id="150" name="Elbow Connector 22">
-            <a:extLst>
-              <a:ext uri="{FF2B5EF4-FFF2-40B4-BE49-F238E27FC236}">
-                <a16:creationId xmlns:a16="http://schemas.microsoft.com/office/drawing/2014/main" id="{04E70DF5-1C5C-488D-8B2F-E0C0A08D09D9}"/>
-              </a:ext>
-            </a:extLst>
-          </p:cNvPr>
-          <p:cNvCxnSpPr>
-            <a:cxnSpLocks/>
-            <a:stCxn id="10" idx="1"/>
-            <a:endCxn id="19" idx="0"/>
-          </p:cNvCxnSpPr>
-          <p:nvPr/>
-        </p:nvCxnSpPr>
-        <p:spPr>
-          <a:xfrm rot="10800000" flipV="1">
-            <a:off x="5298794" y="1526435"/>
-            <a:ext cx="1343586" cy="1450566"/>
-          </a:xfrm>
-          <a:prstGeom prst="bentConnector2">
-            <a:avLst/>
-          </a:prstGeom>
-          <a:ln w="15875">
-            <a:solidFill>
-              <a:schemeClr val="tx1"/>
-            </a:solidFill>
-            <a:headEnd type="none" w="med" len="sm"/>
-            <a:tailEnd type="arrow" w="med" len="sm"/>
-          </a:ln>
-        </p:spPr>
-        <p:style>
-          <a:lnRef idx="1">
-            <a:schemeClr val="accent1"/>
-          </a:lnRef>
-          <a:fillRef idx="0">
-            <a:schemeClr val="accent1"/>
-          </a:fillRef>
-          <a:effectRef idx="0">
-            <a:schemeClr val="accent1"/>
-          </a:effectRef>
-          <a:fontRef idx="minor">
-            <a:schemeClr val="tx1"/>
-          </a:fontRef>
-        </p:style>
-      </p:cxnSp>
-      <p:cxnSp>
-        <p:nvCxnSpPr>
-          <p:cNvPr id="174" name="Elbow Connector 22">
-            <a:extLst>
-              <a:ext uri="{FF2B5EF4-FFF2-40B4-BE49-F238E27FC236}">
-                <a16:creationId xmlns:a16="http://schemas.microsoft.com/office/drawing/2014/main" id="{3A5AB328-4BC9-47BC-96D8-950A2E61B57A}"/>
+          <p:cNvPr id="64" name="Elbow Connector 22">
+            <a:extLst>
+              <a:ext uri="{FF2B5EF4-FFF2-40B4-BE49-F238E27FC236}">
+                <a16:creationId xmlns:a16="http://schemas.microsoft.com/office/drawing/2014/main" id="{54A1FF35-BDEE-44A6-8FF5-23C3530F0565}"/>
               </a:ext>
             </a:extLst>
           </p:cNvPr>
@@ -8207,13 +8114,13 @@
         </p:nvCxnSpPr>
         <p:spPr>
           <a:xfrm flipV="1">
-            <a:off x="3047770" y="2102458"/>
-            <a:ext cx="6152513" cy="2241651"/>
+            <a:off x="1955868" y="2121576"/>
+            <a:ext cx="7416732" cy="1716140"/>
           </a:xfrm>
           <a:prstGeom prst="bentConnector4">
             <a:avLst>
-              <a:gd name="adj1" fmla="val -14438"/>
-              <a:gd name="adj2" fmla="val 150989"/>
+              <a:gd name="adj1" fmla="val -9113"/>
+              <a:gd name="adj2" fmla="val 182735"/>
             </a:avLst>
           </a:prstGeom>
           <a:ln w="15875">
@@ -8241,10 +8148,10 @@
       </p:cxnSp>
       <p:sp>
         <p:nvSpPr>
-          <p:cNvPr id="195" name="TextBox 9">
-            <a:extLst>
-              <a:ext uri="{FF2B5EF4-FFF2-40B4-BE49-F238E27FC236}">
-                <a16:creationId xmlns:a16="http://schemas.microsoft.com/office/drawing/2014/main" id="{E440444F-A31E-43F0-BC20-68CC0F42A5B1}"/>
+          <p:cNvPr id="69" name="TextBox 9">
+            <a:extLst>
+              <a:ext uri="{FF2B5EF4-FFF2-40B4-BE49-F238E27FC236}">
+                <a16:creationId xmlns:a16="http://schemas.microsoft.com/office/drawing/2014/main" id="{16EC801B-663B-41C0-9A3B-209975F69EA3}"/>
               </a:ext>
             </a:extLst>
           </p:cNvPr>
@@ -8255,8 +8162,8 @@
         </p:nvSpPr>
         <p:spPr bwMode="auto">
           <a:xfrm>
-            <a:off x="4487301" y="978361"/>
-            <a:ext cx="1622986" cy="200055"/>
+            <a:off x="4006983" y="695067"/>
+            <a:ext cx="1831740" cy="276999"/>
           </a:xfrm>
           <a:prstGeom prst="rect">
             <a:avLst/>
@@ -8390,12 +8297,12 @@
           <a:p>
             <a:pPr algn="ctr" eaLnBrk="1" hangingPunct="1"/>
             <a:r>
-              <a:rPr lang="en-US" altLang="en-US" sz="700" dirty="0">
+              <a:rPr lang="en-US" altLang="en-US" sz="1200" dirty="0">
                 <a:latin typeface="Arial" panose="020B0604020202020204" pitchFamily="34" charset="0"/>
                 <a:ea typeface="Amazon Ember" panose="020B0603020204020204" pitchFamily="34" charset="0"/>
                 <a:cs typeface="Arial" panose="020B0604020202020204" pitchFamily="34" charset="0"/>
               </a:rPr>
-              <a:t>VPC link</a:t>
+              <a:t>VPC Link</a:t>
             </a:r>
           </a:p>
         </p:txBody>
